--- a/MOS-TrとICの基本&Tips Part1.pptx
+++ b/MOS-TrとICの基本&Tips Part1.pptx
@@ -5,21 +5,29 @@
     <p:sldMasterId id="2147483660" r:id="rId1"/>
   </p:sldMasterIdLst>
   <p:notesMasterIdLst>
-    <p:notesMasterId r:id="rId14"/>
+    <p:notesMasterId r:id="rId22"/>
   </p:notesMasterIdLst>
   <p:sldIdLst>
     <p:sldId id="256" r:id="rId2"/>
     <p:sldId id="257" r:id="rId3"/>
     <p:sldId id="259" r:id="rId4"/>
-    <p:sldId id="262" r:id="rId5"/>
-    <p:sldId id="263" r:id="rId6"/>
-    <p:sldId id="267" r:id="rId7"/>
-    <p:sldId id="258" r:id="rId8"/>
-    <p:sldId id="266" r:id="rId9"/>
-    <p:sldId id="265" r:id="rId10"/>
-    <p:sldId id="260" r:id="rId11"/>
-    <p:sldId id="261" r:id="rId12"/>
-    <p:sldId id="264" r:id="rId13"/>
+    <p:sldId id="274" r:id="rId5"/>
+    <p:sldId id="272" r:id="rId6"/>
+    <p:sldId id="273" r:id="rId7"/>
+    <p:sldId id="262" r:id="rId8"/>
+    <p:sldId id="263" r:id="rId9"/>
+    <p:sldId id="270" r:id="rId10"/>
+    <p:sldId id="271" r:id="rId11"/>
+    <p:sldId id="269" r:id="rId12"/>
+    <p:sldId id="267" r:id="rId13"/>
+    <p:sldId id="258" r:id="rId14"/>
+    <p:sldId id="266" r:id="rId15"/>
+    <p:sldId id="265" r:id="rId16"/>
+    <p:sldId id="260" r:id="rId17"/>
+    <p:sldId id="261" r:id="rId18"/>
+    <p:sldId id="275" r:id="rId19"/>
+    <p:sldId id="268" r:id="rId20"/>
+    <p:sldId id="264" r:id="rId21"/>
   </p:sldIdLst>
   <p:sldSz cx="9144000" cy="6858000" type="screen4x3"/>
   <p:notesSz cx="6858000" cy="9144000"/>
@@ -208,7 +216,7 @@
           <a:p>
             <a:fld id="{FDBC1FEF-5815-4FA7-B088-7F134D575880}" type="datetimeFigureOut">
               <a:rPr kumimoji="1" lang="ja-JP" altLang="en-US" smtClean="0"/>
-              <a:t>2025/11/25</a:t>
+              <a:t>2025/11/28</a:t>
             </a:fld>
             <a:endParaRPr kumimoji="1" lang="ja-JP" altLang="en-US"/>
           </a:p>
@@ -638,7 +646,7 @@
           <a:p>
             <a:fld id="{2BF3FD43-04ED-4922-A50A-6E0E6A9460FC}" type="datetime1">
               <a:rPr kumimoji="1" lang="ja-JP" altLang="en-US" smtClean="0"/>
-              <a:t>2025/11/25</a:t>
+              <a:t>2025/11/28</a:t>
             </a:fld>
             <a:endParaRPr kumimoji="1" lang="ja-JP" altLang="en-US"/>
           </a:p>
@@ -840,7 +848,7 @@
           <a:p>
             <a:fld id="{4979F5A1-AD4C-4385-876F-1A474FE80D06}" type="datetime1">
               <a:rPr kumimoji="1" lang="ja-JP" altLang="en-US" smtClean="0"/>
-              <a:t>2025/11/25</a:t>
+              <a:t>2025/11/28</a:t>
             </a:fld>
             <a:endParaRPr kumimoji="1" lang="ja-JP" altLang="en-US"/>
           </a:p>
@@ -1052,7 +1060,7 @@
           <a:p>
             <a:fld id="{4EA66BA3-E7E5-4575-873C-7041B36E8166}" type="datetime1">
               <a:rPr kumimoji="1" lang="ja-JP" altLang="en-US" smtClean="0"/>
-              <a:t>2025/11/25</a:t>
+              <a:t>2025/11/28</a:t>
             </a:fld>
             <a:endParaRPr kumimoji="1" lang="ja-JP" altLang="en-US"/>
           </a:p>
@@ -1254,7 +1262,7 @@
           <a:p>
             <a:fld id="{61085361-5D3E-4DE8-94AD-76EF6A01530A}" type="datetime1">
               <a:rPr kumimoji="1" lang="ja-JP" altLang="en-US" smtClean="0"/>
-              <a:t>2025/11/25</a:t>
+              <a:t>2025/11/28</a:t>
             </a:fld>
             <a:endParaRPr kumimoji="1" lang="ja-JP" altLang="en-US"/>
           </a:p>
@@ -1500,7 +1508,7 @@
           <a:p>
             <a:fld id="{0A88AA6C-EEF7-4A39-AE70-F268EE429606}" type="datetime1">
               <a:rPr kumimoji="1" lang="ja-JP" altLang="en-US" smtClean="0"/>
-              <a:t>2025/11/25</a:t>
+              <a:t>2025/11/28</a:t>
             </a:fld>
             <a:endParaRPr kumimoji="1" lang="ja-JP" altLang="en-US"/>
           </a:p>
@@ -1796,7 +1804,7 @@
           <a:p>
             <a:fld id="{D938906B-DA29-4AA8-8BA8-632327AA2979}" type="datetime1">
               <a:rPr kumimoji="1" lang="ja-JP" altLang="en-US" smtClean="0"/>
-              <a:t>2025/11/25</a:t>
+              <a:t>2025/11/28</a:t>
             </a:fld>
             <a:endParaRPr kumimoji="1" lang="ja-JP" altLang="en-US"/>
           </a:p>
@@ -2227,7 +2235,7 @@
           <a:p>
             <a:fld id="{7AA26FF7-7225-4831-B44F-F92426AE6246}" type="datetime1">
               <a:rPr kumimoji="1" lang="ja-JP" altLang="en-US" smtClean="0"/>
-              <a:t>2025/11/25</a:t>
+              <a:t>2025/11/28</a:t>
             </a:fld>
             <a:endParaRPr kumimoji="1" lang="ja-JP" altLang="en-US"/>
           </a:p>
@@ -2345,7 +2353,7 @@
           <a:p>
             <a:fld id="{772EC860-4162-42FD-87EE-A80E837454D4}" type="datetime1">
               <a:rPr kumimoji="1" lang="ja-JP" altLang="en-US" smtClean="0"/>
-              <a:t>2025/11/25</a:t>
+              <a:t>2025/11/28</a:t>
             </a:fld>
             <a:endParaRPr kumimoji="1" lang="ja-JP" altLang="en-US"/>
           </a:p>
@@ -2440,7 +2448,7 @@
           <a:p>
             <a:fld id="{05FF43D2-5878-4E6F-9868-0D0CACD9574F}" type="datetime1">
               <a:rPr kumimoji="1" lang="ja-JP" altLang="en-US" smtClean="0"/>
-              <a:t>2025/11/25</a:t>
+              <a:t>2025/11/28</a:t>
             </a:fld>
             <a:endParaRPr kumimoji="1" lang="ja-JP" altLang="en-US"/>
           </a:p>
@@ -2749,7 +2757,7 @@
           <a:p>
             <a:fld id="{5C61FBCA-E6B1-4D0A-A3A4-0173B0C5BB8E}" type="datetime1">
               <a:rPr kumimoji="1" lang="ja-JP" altLang="en-US" smtClean="0"/>
-              <a:t>2025/11/25</a:t>
+              <a:t>2025/11/28</a:t>
             </a:fld>
             <a:endParaRPr kumimoji="1" lang="ja-JP" altLang="en-US"/>
           </a:p>
@@ -3006,7 +3014,7 @@
           <a:p>
             <a:fld id="{49A48F53-4FB2-4812-888A-5F80D9C3DB5E}" type="datetime1">
               <a:rPr kumimoji="1" lang="ja-JP" altLang="en-US" smtClean="0"/>
-              <a:t>2025/11/25</a:t>
+              <a:t>2025/11/28</a:t>
             </a:fld>
             <a:endParaRPr kumimoji="1" lang="ja-JP" altLang="en-US"/>
           </a:p>
@@ -3251,7 +3259,7 @@
           <a:p>
             <a:fld id="{76FD6124-611E-4166-817E-4F498A1E7EF8}" type="datetime1">
               <a:rPr kumimoji="1" lang="ja-JP" altLang="en-US" smtClean="0"/>
-              <a:t>2025/11/25</a:t>
+              <a:t>2025/11/28</a:t>
             </a:fld>
             <a:endParaRPr kumimoji="1" lang="ja-JP" altLang="en-US"/>
           </a:p>
@@ -3907,15 +3915,14 @@
           </a:bodyPr>
           <a:lstStyle/>
           <a:p>
-            <a:pPr algn="ctr"/>
-            <a:r>
-              <a:rPr kumimoji="1" lang="en-US" altLang="ja-JP" sz="4000" dirty="0"/>
-              <a:t>IO</a:t>
-            </a:r>
-            <a:r>
-              <a:rPr kumimoji="1" lang="ja-JP" altLang="en-US" sz="4000" dirty="0"/>
-              <a:t>周辺</a:t>
-            </a:r>
+            <a:pPr marL="0" indent="0" algn="ctr">
+              <a:buNone/>
+            </a:pPr>
+            <a:r>
+              <a:rPr lang="ja-JP" altLang="en-US" sz="4000" dirty="0"/>
+              <a:t>スイッチ特性</a:t>
+            </a:r>
+            <a:endParaRPr kumimoji="1" lang="ja-JP" altLang="en-US" sz="4000" dirty="0"/>
           </a:p>
         </p:txBody>
       </p:sp>
@@ -3949,7 +3956,7 @@
           <p:cNvPr id="4" name="スライド番号プレースホルダー 3">
             <a:extLst>
               <a:ext uri="{FF2B5EF4-FFF2-40B4-BE49-F238E27FC236}">
-                <a16:creationId xmlns:a16="http://schemas.microsoft.com/office/drawing/2014/main" id="{498C5A10-4C1E-36F7-3EF4-DB35354681FC}"/>
+                <a16:creationId xmlns:a16="http://schemas.microsoft.com/office/drawing/2014/main" id="{5E4E741B-FE9D-0BB2-5AC8-CC52BAE19ADA}"/>
               </a:ext>
             </a:extLst>
           </p:cNvPr>
@@ -3976,7 +3983,7 @@
     </p:spTree>
     <p:extLst>
       <p:ext uri="{BB962C8B-B14F-4D97-AF65-F5344CB8AC3E}">
-        <p14:creationId xmlns:p14="http://schemas.microsoft.com/office/powerpoint/2010/main" val="4095509757"/>
+        <p14:creationId xmlns:p14="http://schemas.microsoft.com/office/powerpoint/2010/main" val="1286036954"/>
       </p:ext>
     </p:extLst>
   </p:cSld>
@@ -4036,53 +4043,55 @@
           </a:bodyPr>
           <a:lstStyle/>
           <a:p>
-            <a:pPr algn="ctr"/>
-            <a:r>
-              <a:rPr kumimoji="1" lang="ja-JP" altLang="en-US" sz="4000" dirty="0"/>
-              <a:t>標準ロジックの</a:t>
-            </a:r>
-            <a:r>
-              <a:rPr kumimoji="1" lang="en-US" altLang="ja-JP" sz="4000" dirty="0"/>
-              <a:t>IO</a:t>
-            </a:r>
-            <a:r>
-              <a:rPr kumimoji="1" lang="ja-JP" altLang="en-US" sz="4000" dirty="0"/>
-              <a:t>トレラント</a:t>
-            </a:r>
-          </a:p>
-        </p:txBody>
-      </p:sp>
-      <p:sp>
-        <p:nvSpPr>
-          <p:cNvPr id="3" name="コンテンツ プレースホルダー 2">
-            <a:extLst>
-              <a:ext uri="{FF2B5EF4-FFF2-40B4-BE49-F238E27FC236}">
-                <a16:creationId xmlns:a16="http://schemas.microsoft.com/office/drawing/2014/main" id="{58649F6E-CDB0-3A67-5D2F-1DB1FAEE7399}"/>
-              </a:ext>
-            </a:extLst>
-          </p:cNvPr>
-          <p:cNvSpPr>
-            <a:spLocks noGrp="1"/>
-          </p:cNvSpPr>
+            <a:pPr marL="0" indent="0" algn="ctr">
+              <a:buNone/>
+            </a:pPr>
+            <a:r>
+              <a:rPr kumimoji="1" lang="en-US" altLang="ja-JP" sz="2800" dirty="0"/>
+              <a:t>MOSFET</a:t>
+            </a:r>
+            <a:r>
+              <a:rPr kumimoji="1" lang="ja-JP" altLang="en-US" sz="2800" dirty="0"/>
+              <a:t>の閾値電圧と基板バイアス効果</a:t>
+            </a:r>
+          </a:p>
+        </p:txBody>
+      </p:sp>
+      <p:pic>
+        <p:nvPicPr>
+          <p:cNvPr id="6" name="コンテンツ プレースホルダー 5">
+            <a:extLst>
+              <a:ext uri="{FF2B5EF4-FFF2-40B4-BE49-F238E27FC236}">
+                <a16:creationId xmlns:a16="http://schemas.microsoft.com/office/drawing/2014/main" id="{2DB7AD98-D528-2BFC-598C-4E1CFBADDCC9}"/>
+              </a:ext>
+            </a:extLst>
+          </p:cNvPr>
+          <p:cNvPicPr>
+            <a:picLocks noGrp="1" noChangeAspect="1"/>
+          </p:cNvPicPr>
           <p:nvPr>
             <p:ph idx="1"/>
           </p:nvPr>
-        </p:nvSpPr>
-        <p:spPr/>
-        <p:txBody>
-          <a:bodyPr/>
-          <a:lstStyle/>
-          <a:p>
-            <a:endParaRPr kumimoji="1" lang="ja-JP" altLang="en-US" dirty="0"/>
-          </a:p>
-        </p:txBody>
-      </p:sp>
+        </p:nvPicPr>
+        <p:blipFill>
+          <a:blip r:embed="rId2"/>
+          <a:stretch>
+            <a:fillRect/>
+          </a:stretch>
+        </p:blipFill>
+        <p:spPr>
+          <a:xfrm>
+            <a:off x="1469835" y="1924488"/>
+            <a:ext cx="1867161" cy="295316"/>
+          </a:xfrm>
+        </p:spPr>
+      </p:pic>
       <p:sp>
         <p:nvSpPr>
           <p:cNvPr id="4" name="スライド番号プレースホルダー 3">
             <a:extLst>
               <a:ext uri="{FF2B5EF4-FFF2-40B4-BE49-F238E27FC236}">
-                <a16:creationId xmlns:a16="http://schemas.microsoft.com/office/drawing/2014/main" id="{FEA3DFE4-1C4D-3922-2B1A-402FB8410DA1}"/>
+                <a16:creationId xmlns:a16="http://schemas.microsoft.com/office/drawing/2014/main" id="{5E4E741B-FE9D-0BB2-5AC8-CC52BAE19ADA}"/>
               </a:ext>
             </a:extLst>
           </p:cNvPr>
@@ -4106,10 +4115,212 @@
           </a:p>
         </p:txBody>
       </p:sp>
+      <p:pic>
+        <p:nvPicPr>
+          <p:cNvPr id="8" name="図 7">
+            <a:extLst>
+              <a:ext uri="{FF2B5EF4-FFF2-40B4-BE49-F238E27FC236}">
+                <a16:creationId xmlns:a16="http://schemas.microsoft.com/office/drawing/2014/main" id="{D43B5FFE-B610-186E-FB82-36BB6C351354}"/>
+              </a:ext>
+            </a:extLst>
+          </p:cNvPr>
+          <p:cNvPicPr>
+            <a:picLocks noChangeAspect="1"/>
+          </p:cNvPicPr>
+          <p:nvPr/>
+        </p:nvPicPr>
+        <p:blipFill>
+          <a:blip r:embed="rId3"/>
+          <a:stretch>
+            <a:fillRect/>
+          </a:stretch>
+        </p:blipFill>
+        <p:spPr>
+          <a:xfrm>
+            <a:off x="791093" y="2453603"/>
+            <a:ext cx="3224647" cy="2222192"/>
+          </a:xfrm>
+          <a:prstGeom prst="rect">
+            <a:avLst/>
+          </a:prstGeom>
+        </p:spPr>
+      </p:pic>
+      <p:pic>
+        <p:nvPicPr>
+          <p:cNvPr id="10" name="図 9">
+            <a:extLst>
+              <a:ext uri="{FF2B5EF4-FFF2-40B4-BE49-F238E27FC236}">
+                <a16:creationId xmlns:a16="http://schemas.microsoft.com/office/drawing/2014/main" id="{9B6D8BCD-E21C-018D-C21C-BD36EAC4E416}"/>
+              </a:ext>
+            </a:extLst>
+          </p:cNvPr>
+          <p:cNvPicPr>
+            <a:picLocks noChangeAspect="1"/>
+          </p:cNvPicPr>
+          <p:nvPr/>
+        </p:nvPicPr>
+        <p:blipFill>
+          <a:blip r:embed="rId4"/>
+          <a:stretch>
+            <a:fillRect/>
+          </a:stretch>
+        </p:blipFill>
+        <p:spPr>
+          <a:xfrm>
+            <a:off x="791093" y="5069896"/>
+            <a:ext cx="3224647" cy="979338"/>
+          </a:xfrm>
+          <a:prstGeom prst="rect">
+            <a:avLst/>
+          </a:prstGeom>
+        </p:spPr>
+      </p:pic>
+      <p:pic>
+        <p:nvPicPr>
+          <p:cNvPr id="12" name="図 11">
+            <a:extLst>
+              <a:ext uri="{FF2B5EF4-FFF2-40B4-BE49-F238E27FC236}">
+                <a16:creationId xmlns:a16="http://schemas.microsoft.com/office/drawing/2014/main" id="{3CB11194-DC38-E866-9EB3-035CBFEAD8B1}"/>
+              </a:ext>
+            </a:extLst>
+          </p:cNvPr>
+          <p:cNvPicPr>
+            <a:picLocks noChangeAspect="1"/>
+          </p:cNvPicPr>
+          <p:nvPr/>
+        </p:nvPicPr>
+        <p:blipFill>
+          <a:blip r:embed="rId5"/>
+          <a:stretch>
+            <a:fillRect/>
+          </a:stretch>
+        </p:blipFill>
+        <p:spPr>
+          <a:xfrm>
+            <a:off x="5807006" y="1892273"/>
+            <a:ext cx="1439612" cy="327531"/>
+          </a:xfrm>
+          <a:prstGeom prst="rect">
+            <a:avLst/>
+          </a:prstGeom>
+        </p:spPr>
+      </p:pic>
+      <p:pic>
+        <p:nvPicPr>
+          <p:cNvPr id="14" name="図 13">
+            <a:extLst>
+              <a:ext uri="{FF2B5EF4-FFF2-40B4-BE49-F238E27FC236}">
+                <a16:creationId xmlns:a16="http://schemas.microsoft.com/office/drawing/2014/main" id="{433CB818-A69F-AC5A-22A2-2A80AD0A9EF1}"/>
+              </a:ext>
+            </a:extLst>
+          </p:cNvPr>
+          <p:cNvPicPr>
+            <a:picLocks noChangeAspect="1"/>
+          </p:cNvPicPr>
+          <p:nvPr/>
+        </p:nvPicPr>
+        <p:blipFill>
+          <a:blip r:embed="rId6"/>
+          <a:stretch>
+            <a:fillRect/>
+          </a:stretch>
+        </p:blipFill>
+        <p:spPr>
+          <a:xfrm>
+            <a:off x="5295596" y="2444959"/>
+            <a:ext cx="2324708" cy="2230836"/>
+          </a:xfrm>
+          <a:prstGeom prst="rect">
+            <a:avLst/>
+          </a:prstGeom>
+        </p:spPr>
+      </p:pic>
+      <p:pic>
+        <p:nvPicPr>
+          <p:cNvPr id="16" name="図 15">
+            <a:extLst>
+              <a:ext uri="{FF2B5EF4-FFF2-40B4-BE49-F238E27FC236}">
+                <a16:creationId xmlns:a16="http://schemas.microsoft.com/office/drawing/2014/main" id="{80F1511B-C3ED-DB2B-3895-D70F9471F455}"/>
+              </a:ext>
+            </a:extLst>
+          </p:cNvPr>
+          <p:cNvPicPr>
+            <a:picLocks noChangeAspect="1"/>
+          </p:cNvPicPr>
+          <p:nvPr/>
+        </p:nvPicPr>
+        <p:blipFill>
+          <a:blip r:embed="rId7"/>
+          <a:stretch>
+            <a:fillRect/>
+          </a:stretch>
+        </p:blipFill>
+        <p:spPr>
+          <a:xfrm>
+            <a:off x="5021219" y="4961423"/>
+            <a:ext cx="3147424" cy="937284"/>
+          </a:xfrm>
+          <a:prstGeom prst="rect">
+            <a:avLst/>
+          </a:prstGeom>
+        </p:spPr>
+      </p:pic>
+      <p:sp>
+        <p:nvSpPr>
+          <p:cNvPr id="17" name="四角形: 角を丸くする 16">
+            <a:extLst>
+              <a:ext uri="{FF2B5EF4-FFF2-40B4-BE49-F238E27FC236}">
+                <a16:creationId xmlns:a16="http://schemas.microsoft.com/office/drawing/2014/main" id="{9625A576-5B86-59BC-C8E0-0FE1C0C84E14}"/>
+              </a:ext>
+            </a:extLst>
+          </p:cNvPr>
+          <p:cNvSpPr/>
+          <p:nvPr/>
+        </p:nvSpPr>
+        <p:spPr>
+          <a:xfrm>
+            <a:off x="7620304" y="5460504"/>
+            <a:ext cx="426416" cy="277355"/>
+          </a:xfrm>
+          <a:prstGeom prst="roundRect">
+            <a:avLst/>
+          </a:prstGeom>
+          <a:noFill/>
+          <a:ln w="12700">
+            <a:solidFill>
+              <a:srgbClr val="FF0000"/>
+            </a:solidFill>
+          </a:ln>
+        </p:spPr>
+        <p:style>
+          <a:lnRef idx="2">
+            <a:schemeClr val="accent1">
+              <a:shade val="15000"/>
+            </a:schemeClr>
+          </a:lnRef>
+          <a:fillRef idx="1">
+            <a:schemeClr val="accent1"/>
+          </a:fillRef>
+          <a:effectRef idx="0">
+            <a:schemeClr val="accent1"/>
+          </a:effectRef>
+          <a:fontRef idx="minor">
+            <a:schemeClr val="lt1"/>
+          </a:fontRef>
+        </p:style>
+        <p:txBody>
+          <a:bodyPr rtlCol="0" anchor="ctr"/>
+          <a:lstStyle/>
+          <a:p>
+            <a:pPr algn="ctr"/>
+            <a:endParaRPr kumimoji="1" lang="ja-JP" altLang="en-US"/>
+          </a:p>
+        </p:txBody>
+      </p:sp>
     </p:spTree>
     <p:extLst>
       <p:ext uri="{BB962C8B-B14F-4D97-AF65-F5344CB8AC3E}">
-        <p14:creationId xmlns:p14="http://schemas.microsoft.com/office/powerpoint/2010/main" val="3505069899"/>
+        <p14:creationId xmlns:p14="http://schemas.microsoft.com/office/powerpoint/2010/main" val="1116763555"/>
       </p:ext>
     </p:extLst>
   </p:cSld>
@@ -4173,56 +4384,60 @@
               <a:buNone/>
             </a:pPr>
             <a:r>
-              <a:rPr lang="en-US" altLang="ja-JP" sz="4000" dirty="0"/>
-              <a:t>CCD</a:t>
-            </a:r>
-            <a:r>
-              <a:rPr lang="ja-JP" altLang="en-US" sz="4000" dirty="0"/>
-              <a:t>、</a:t>
-            </a:r>
-            <a:r>
-              <a:rPr lang="en-US" altLang="ja-JP" sz="4000" dirty="0"/>
-              <a:t>MOS</a:t>
-            </a:r>
-            <a:r>
-              <a:rPr lang="ja-JP" altLang="en-US" sz="4000" dirty="0"/>
-              <a:t>センサの動作</a:t>
-            </a:r>
-            <a:endParaRPr kumimoji="1" lang="ja-JP" altLang="en-US" sz="4000" dirty="0"/>
-          </a:p>
-        </p:txBody>
-      </p:sp>
-      <p:sp>
-        <p:nvSpPr>
-          <p:cNvPr id="3" name="コンテンツ プレースホルダー 2">
-            <a:extLst>
-              <a:ext uri="{FF2B5EF4-FFF2-40B4-BE49-F238E27FC236}">
-                <a16:creationId xmlns:a16="http://schemas.microsoft.com/office/drawing/2014/main" id="{58649F6E-CDB0-3A67-5D2F-1DB1FAEE7399}"/>
-              </a:ext>
-            </a:extLst>
-          </p:cNvPr>
-          <p:cNvSpPr>
-            <a:spLocks noGrp="1"/>
-          </p:cNvSpPr>
+              <a:rPr kumimoji="1" lang="en-US" altLang="ja-JP" sz="3200" dirty="0"/>
+              <a:t>Bipolar</a:t>
+            </a:r>
+            <a:r>
+              <a:rPr lang="ja-JP" altLang="en-US" sz="3200" dirty="0"/>
+              <a:t>トランジスタ</a:t>
+            </a:r>
+            <a:r>
+              <a:rPr kumimoji="1" lang="ja-JP" altLang="en-US" sz="3200" dirty="0"/>
+              <a:t>の</a:t>
+            </a:r>
+            <a:r>
+              <a:rPr lang="ja-JP" altLang="en-US" sz="3200" dirty="0"/>
+              <a:t>デバイス構造</a:t>
+            </a:r>
+            <a:endParaRPr kumimoji="1" lang="ja-JP" altLang="en-US" sz="3200" dirty="0"/>
+          </a:p>
+        </p:txBody>
+      </p:sp>
+      <p:pic>
+        <p:nvPicPr>
+          <p:cNvPr id="6" name="コンテンツ プレースホルダー 5">
+            <a:extLst>
+              <a:ext uri="{FF2B5EF4-FFF2-40B4-BE49-F238E27FC236}">
+                <a16:creationId xmlns:a16="http://schemas.microsoft.com/office/drawing/2014/main" id="{75917E45-DB26-95E8-A065-128F89E47F10}"/>
+              </a:ext>
+            </a:extLst>
+          </p:cNvPr>
+          <p:cNvPicPr>
+            <a:picLocks noGrp="1" noChangeAspect="1"/>
+          </p:cNvPicPr>
           <p:nvPr>
             <p:ph idx="1"/>
           </p:nvPr>
-        </p:nvSpPr>
-        <p:spPr/>
-        <p:txBody>
-          <a:bodyPr/>
-          <a:lstStyle/>
-          <a:p>
-            <a:endParaRPr kumimoji="1" lang="ja-JP" altLang="en-US" dirty="0"/>
-          </a:p>
-        </p:txBody>
-      </p:sp>
+        </p:nvPicPr>
+        <p:blipFill>
+          <a:blip r:embed="rId2"/>
+          <a:stretch>
+            <a:fillRect/>
+          </a:stretch>
+        </p:blipFill>
+        <p:spPr>
+          <a:xfrm>
+            <a:off x="1276350" y="1751649"/>
+            <a:ext cx="5984767" cy="2942271"/>
+          </a:xfrm>
+        </p:spPr>
+      </p:pic>
       <p:sp>
         <p:nvSpPr>
           <p:cNvPr id="4" name="スライド番号プレースホルダー 3">
             <a:extLst>
               <a:ext uri="{FF2B5EF4-FFF2-40B4-BE49-F238E27FC236}">
-                <a16:creationId xmlns:a16="http://schemas.microsoft.com/office/drawing/2014/main" id="{C83EFACE-E617-F542-DF66-FACA86824CF3}"/>
+                <a16:creationId xmlns:a16="http://schemas.microsoft.com/office/drawing/2014/main" id="{4F8153B5-CB0F-1C2C-83E8-D06F82895FCF}"/>
               </a:ext>
             </a:extLst>
           </p:cNvPr>
@@ -4249,7 +4464,7 @@
     </p:spTree>
     <p:extLst>
       <p:ext uri="{BB962C8B-B14F-4D97-AF65-F5344CB8AC3E}">
-        <p14:creationId xmlns:p14="http://schemas.microsoft.com/office/powerpoint/2010/main" val="1861603049"/>
+        <p14:creationId xmlns:p14="http://schemas.microsoft.com/office/powerpoint/2010/main" val="459209405"/>
       </p:ext>
     </p:extLst>
   </p:cSld>
@@ -4259,7 +4474,7 @@
 </p:sld>
 </file>
 
-<file path=ppt/slides/slide2.xml><?xml version="1.0" encoding="utf-8"?>
+<file path=ppt/slides/slide13.xml><?xml version="1.0" encoding="utf-8"?>
 <p:sld xmlns:a="http://schemas.openxmlformats.org/drawingml/2006/main" xmlns:r="http://schemas.openxmlformats.org/officeDocument/2006/relationships" xmlns:p="http://schemas.openxmlformats.org/presentationml/2006/main">
   <p:cSld>
     <p:bg>
@@ -4288,253 +4503,6 @@
       </p:grpSpPr>
       <p:sp>
         <p:nvSpPr>
-          <p:cNvPr id="3" name="コンテンツ プレースホルダー 2">
-            <a:extLst>
-              <a:ext uri="{FF2B5EF4-FFF2-40B4-BE49-F238E27FC236}">
-                <a16:creationId xmlns:a16="http://schemas.microsoft.com/office/drawing/2014/main" id="{F9BF70A8-5848-CB3C-A8BC-73382703FC60}"/>
-              </a:ext>
-            </a:extLst>
-          </p:cNvPr>
-          <p:cNvSpPr>
-            <a:spLocks noGrp="1"/>
-          </p:cNvSpPr>
-          <p:nvPr>
-            <p:ph idx="1"/>
-          </p:nvPr>
-        </p:nvSpPr>
-        <p:spPr/>
-        <p:txBody>
-          <a:bodyPr/>
-          <a:lstStyle/>
-          <a:p>
-            <a:pPr marL="0" indent="0">
-              <a:buNone/>
-            </a:pPr>
-            <a:r>
-              <a:rPr kumimoji="1" lang="en-US" altLang="ja-JP" sz="3200" dirty="0"/>
-              <a:t>Index</a:t>
-            </a:r>
-          </a:p>
-          <a:p>
-            <a:pPr marL="0" indent="0">
-              <a:buNone/>
-            </a:pPr>
-            <a:r>
-              <a:rPr kumimoji="1" lang="en-US" altLang="ja-JP" sz="2400" dirty="0"/>
-              <a:t>(1) CMOS &amp; Bipolar</a:t>
-            </a:r>
-            <a:r>
-              <a:rPr kumimoji="1" lang="ja-JP" altLang="en-US" sz="2400" dirty="0"/>
-              <a:t>の</a:t>
-            </a:r>
-            <a:r>
-              <a:rPr lang="ja-JP" altLang="en-US" sz="2400" dirty="0"/>
-              <a:t>デバイス構造。</a:t>
-            </a:r>
-            <a:endParaRPr kumimoji="1" lang="ja-JP" altLang="en-US" sz="2400" dirty="0"/>
-          </a:p>
-          <a:p>
-            <a:pPr marL="0" indent="0">
-              <a:buNone/>
-            </a:pPr>
-            <a:r>
-              <a:rPr kumimoji="1" lang="en-US" altLang="ja-JP" sz="2400" dirty="0"/>
-              <a:t>(2) MOS</a:t>
-            </a:r>
-            <a:r>
-              <a:rPr kumimoji="1" lang="ja-JP" altLang="en-US" sz="2400" dirty="0"/>
-              <a:t>トランジスタの動作原理、（空乏層、強反転、</a:t>
-            </a:r>
-            <a:endParaRPr kumimoji="1" lang="en-US" altLang="ja-JP" sz="2400" dirty="0"/>
-          </a:p>
-          <a:p>
-            <a:pPr marL="0" indent="0">
-              <a:buNone/>
-            </a:pPr>
-            <a:r>
-              <a:rPr lang="en-US" altLang="ja-JP" sz="2400" dirty="0"/>
-              <a:t>    </a:t>
-            </a:r>
-            <a:r>
-              <a:rPr kumimoji="1" lang="ja-JP" altLang="en-US" sz="2400" dirty="0"/>
-              <a:t>  ピンチオフ）、温度特性式</a:t>
-            </a:r>
-            <a:r>
-              <a:rPr lang="ja-JP" altLang="en-US" sz="2400" dirty="0"/>
-              <a:t>。</a:t>
-            </a:r>
-            <a:br>
-              <a:rPr lang="en-US" altLang="ja-JP" sz="2400" dirty="0"/>
-            </a:br>
-            <a:r>
-              <a:rPr lang="ja-JP" altLang="en-US" sz="2400" dirty="0"/>
-              <a:t>　  対比として、</a:t>
-            </a:r>
-            <a:r>
-              <a:rPr lang="en-US" altLang="ja-JP" sz="2400" dirty="0"/>
-              <a:t>CCD</a:t>
-            </a:r>
-            <a:r>
-              <a:rPr lang="ja-JP" altLang="en-US" sz="2400" dirty="0"/>
-              <a:t>、</a:t>
-            </a:r>
-            <a:r>
-              <a:rPr lang="en-US" altLang="ja-JP" sz="2400" dirty="0"/>
-              <a:t>MOS</a:t>
-            </a:r>
-            <a:r>
-              <a:rPr lang="ja-JP" altLang="en-US" sz="2400" dirty="0"/>
-              <a:t>センサの動作</a:t>
-            </a:r>
-            <a:endParaRPr lang="en-US" altLang="ja-JP" sz="2400" dirty="0"/>
-          </a:p>
-          <a:p>
-            <a:pPr marL="0" indent="0">
-              <a:buNone/>
-            </a:pPr>
-            <a:r>
-              <a:rPr kumimoji="1" lang="en-US" altLang="ja-JP" sz="2400" dirty="0"/>
-              <a:t>(3) MOS</a:t>
-            </a:r>
-            <a:r>
-              <a:rPr kumimoji="1" lang="ja-JP" altLang="en-US" sz="2400" dirty="0"/>
-              <a:t>の論理回路</a:t>
-            </a:r>
-            <a:r>
-              <a:rPr kumimoji="1" lang="en-US" altLang="ja-JP" sz="2400" dirty="0"/>
-              <a:t>(</a:t>
-            </a:r>
-            <a:r>
-              <a:rPr kumimoji="1" lang="en-US" altLang="ja-JP" sz="2400" dirty="0" err="1"/>
-              <a:t>inv,nand,nor</a:t>
-            </a:r>
-            <a:r>
-              <a:rPr kumimoji="1" lang="en-US" altLang="ja-JP" sz="2400" dirty="0"/>
-              <a:t>)</a:t>
-            </a:r>
-            <a:r>
-              <a:rPr lang="ja-JP" altLang="en-US" sz="2400" dirty="0"/>
-              <a:t>、アナログ</a:t>
-            </a:r>
-            <a:r>
-              <a:rPr lang="en-US" altLang="ja-JP" sz="2400" dirty="0"/>
-              <a:t>SW</a:t>
-            </a:r>
-            <a:r>
-              <a:rPr kumimoji="1" lang="ja-JP" altLang="en-US" sz="2400" dirty="0"/>
-              <a:t>、</a:t>
-            </a:r>
-            <a:r>
-              <a:rPr lang="ja-JP" altLang="en-US" sz="2400" dirty="0"/>
-              <a:t>ショットキーダイオード、シャントレギュレータ、</a:t>
-            </a:r>
-            <a:r>
-              <a:rPr kumimoji="1" lang="ja-JP" altLang="en-US" sz="2400" dirty="0"/>
-              <a:t>レイアウト事例、</a:t>
-            </a:r>
-            <a:r>
-              <a:rPr kumimoji="1" lang="en-US" altLang="ja-JP" sz="2400" dirty="0"/>
-              <a:t>IO</a:t>
-            </a:r>
-            <a:r>
-              <a:rPr kumimoji="1" lang="ja-JP" altLang="en-US" sz="2400" dirty="0"/>
-              <a:t>周辺、標準ロジックの</a:t>
-            </a:r>
-            <a:r>
-              <a:rPr kumimoji="1" lang="en-US" altLang="ja-JP" sz="2400" dirty="0"/>
-              <a:t>IO</a:t>
-            </a:r>
-            <a:r>
-              <a:rPr kumimoji="1" lang="ja-JP" altLang="en-US" sz="2400" dirty="0"/>
-              <a:t>トレラント。</a:t>
-            </a:r>
-            <a:endParaRPr kumimoji="1" lang="en-US" altLang="ja-JP" sz="2400" dirty="0"/>
-          </a:p>
-          <a:p>
-            <a:pPr marL="0" indent="0">
-              <a:buNone/>
-            </a:pPr>
-            <a:endParaRPr kumimoji="1" lang="ja-JP" altLang="en-US" sz="2400" dirty="0"/>
-          </a:p>
-          <a:p>
-            <a:pPr marL="0" indent="0">
-              <a:buNone/>
-            </a:pPr>
-            <a:endParaRPr kumimoji="1" lang="ja-JP" altLang="en-US" dirty="0"/>
-          </a:p>
-        </p:txBody>
-      </p:sp>
-      <p:sp>
-        <p:nvSpPr>
-          <p:cNvPr id="4" name="スライド番号プレースホルダー 3">
-            <a:extLst>
-              <a:ext uri="{FF2B5EF4-FFF2-40B4-BE49-F238E27FC236}">
-                <a16:creationId xmlns:a16="http://schemas.microsoft.com/office/drawing/2014/main" id="{F3EAADB4-9B02-A9DC-9385-326FAAA4235C}"/>
-              </a:ext>
-            </a:extLst>
-          </p:cNvPr>
-          <p:cNvSpPr>
-            <a:spLocks noGrp="1"/>
-          </p:cNvSpPr>
-          <p:nvPr>
-            <p:ph type="sldNum" sz="quarter" idx="12"/>
-          </p:nvPr>
-        </p:nvSpPr>
-        <p:spPr/>
-        <p:txBody>
-          <a:bodyPr/>
-          <a:lstStyle/>
-          <a:p>
-            <a:fld id="{4C0238C6-DFEE-4049-817C-214F39B6A44B}" type="slidenum">
-              <a:rPr kumimoji="1" lang="ja-JP" altLang="en-US" smtClean="0"/>
-              <a:t>2</a:t>
-            </a:fld>
-            <a:endParaRPr kumimoji="1" lang="ja-JP" altLang="en-US"/>
-          </a:p>
-        </p:txBody>
-      </p:sp>
-    </p:spTree>
-    <p:extLst>
-      <p:ext uri="{BB962C8B-B14F-4D97-AF65-F5344CB8AC3E}">
-        <p14:creationId xmlns:p14="http://schemas.microsoft.com/office/powerpoint/2010/main" val="2703209064"/>
-      </p:ext>
-    </p:extLst>
-  </p:cSld>
-  <p:clrMapOvr>
-    <a:masterClrMapping/>
-  </p:clrMapOvr>
-</p:sld>
-</file>
-
-<file path=ppt/slides/slide3.xml><?xml version="1.0" encoding="utf-8"?>
-<p:sld xmlns:a="http://schemas.openxmlformats.org/drawingml/2006/main" xmlns:r="http://schemas.openxmlformats.org/officeDocument/2006/relationships" xmlns:p="http://schemas.openxmlformats.org/presentationml/2006/main">
-  <p:cSld>
-    <p:bg>
-      <p:bgPr>
-        <a:solidFill>
-          <a:schemeClr val="bg1">
-            <a:lumMod val="95000"/>
-          </a:schemeClr>
-        </a:solidFill>
-        <a:effectLst/>
-      </p:bgPr>
-    </p:bg>
-    <p:spTree>
-      <p:nvGrpSpPr>
-        <p:cNvPr id="1" name=""/>
-        <p:cNvGrpSpPr/>
-        <p:nvPr/>
-      </p:nvGrpSpPr>
-      <p:grpSpPr>
-        <a:xfrm>
-          <a:off x="0" y="0"/>
-          <a:ext cx="0" cy="0"/>
-          <a:chOff x="0" y="0"/>
-          <a:chExt cx="0" cy="0"/>
-        </a:xfrm>
-      </p:grpSpPr>
-      <p:sp>
-        <p:nvSpPr>
           <p:cNvPr id="2" name="タイトル 1">
             <a:extLst>
               <a:ext uri="{FF2B5EF4-FFF2-40B4-BE49-F238E27FC236}">
@@ -4549,67 +4517,49 @@
             <p:ph type="title"/>
           </p:nvPr>
         </p:nvSpPr>
-        <p:spPr/>
+        <p:spPr>
+          <a:xfrm>
+            <a:off x="652738" y="372683"/>
+            <a:ext cx="7886700" cy="1325563"/>
+          </a:xfrm>
+        </p:spPr>
         <p:txBody>
           <a:bodyPr>
             <a:normAutofit/>
           </a:bodyPr>
           <a:lstStyle/>
           <a:p>
-            <a:pPr marL="0" indent="0" algn="ctr">
-              <a:buNone/>
-            </a:pPr>
+            <a:pPr algn="ctr"/>
             <a:r>
               <a:rPr kumimoji="1" lang="en-US" altLang="ja-JP" sz="3200" dirty="0"/>
               <a:t>MOS</a:t>
             </a:r>
             <a:r>
               <a:rPr kumimoji="1" lang="ja-JP" altLang="en-US" sz="3200" dirty="0"/>
-              <a:t>トランジスタの</a:t>
+              <a:t>の論理回路</a:t>
+            </a:r>
+            <a:r>
+              <a:rPr kumimoji="1" lang="en-US" altLang="ja-JP" sz="3200" dirty="0"/>
+              <a:t>(inv</a:t>
             </a:r>
             <a:r>
               <a:rPr lang="ja-JP" altLang="en-US" sz="3200" dirty="0"/>
-              <a:t>デバイス構造</a:t>
+              <a:t>回路とレイアウト</a:t>
+            </a:r>
+            <a:r>
+              <a:rPr kumimoji="1" lang="en-US" altLang="ja-JP" sz="3200" dirty="0"/>
+              <a:t>)</a:t>
             </a:r>
             <a:endParaRPr kumimoji="1" lang="ja-JP" altLang="en-US" sz="3200" dirty="0"/>
           </a:p>
         </p:txBody>
       </p:sp>
-      <p:pic>
-        <p:nvPicPr>
-          <p:cNvPr id="6" name="コンテンツ プレースホルダー 5">
-            <a:extLst>
-              <a:ext uri="{FF2B5EF4-FFF2-40B4-BE49-F238E27FC236}">
-                <a16:creationId xmlns:a16="http://schemas.microsoft.com/office/drawing/2014/main" id="{535C7FD3-2E05-8944-1AE6-822190BFD639}"/>
-              </a:ext>
-            </a:extLst>
-          </p:cNvPr>
-          <p:cNvPicPr>
-            <a:picLocks noGrp="1" noChangeAspect="1"/>
-          </p:cNvPicPr>
-          <p:nvPr>
-            <p:ph idx="1"/>
-          </p:nvPr>
-        </p:nvPicPr>
-        <p:blipFill>
-          <a:blip r:embed="rId2"/>
-          <a:stretch>
-            <a:fillRect/>
-          </a:stretch>
-        </p:blipFill>
-        <p:spPr>
-          <a:xfrm>
-            <a:off x="1058961" y="2153470"/>
-            <a:ext cx="2379387" cy="1555155"/>
-          </a:xfrm>
-        </p:spPr>
-      </p:pic>
       <p:sp>
         <p:nvSpPr>
           <p:cNvPr id="4" name="スライド番号プレースホルダー 3">
             <a:extLst>
               <a:ext uri="{FF2B5EF4-FFF2-40B4-BE49-F238E27FC236}">
-                <a16:creationId xmlns:a16="http://schemas.microsoft.com/office/drawing/2014/main" id="{4F8153B5-CB0F-1C2C-83E8-D06F82895FCF}"/>
+                <a16:creationId xmlns:a16="http://schemas.microsoft.com/office/drawing/2014/main" id="{2DA84C90-CE54-7B4B-365A-2E11AF027C2A}"/>
               </a:ext>
             </a:extLst>
           </p:cNvPr>
@@ -4627,928 +4577,7 @@
           <a:p>
             <a:fld id="{4C0238C6-DFEE-4049-817C-214F39B6A44B}" type="slidenum">
               <a:rPr kumimoji="1" lang="ja-JP" altLang="en-US" smtClean="0"/>
-              <a:t>3</a:t>
-            </a:fld>
-            <a:endParaRPr kumimoji="1" lang="ja-JP" altLang="en-US"/>
-          </a:p>
-        </p:txBody>
-      </p:sp>
-      <p:sp>
-        <p:nvSpPr>
-          <p:cNvPr id="7" name="テキスト ボックス 6">
-            <a:extLst>
-              <a:ext uri="{FF2B5EF4-FFF2-40B4-BE49-F238E27FC236}">
-                <a16:creationId xmlns:a16="http://schemas.microsoft.com/office/drawing/2014/main" id="{9FC78D4A-105C-1079-449E-0E4E01456E05}"/>
-              </a:ext>
-            </a:extLst>
-          </p:cNvPr>
-          <p:cNvSpPr txBox="1"/>
-          <p:nvPr/>
-        </p:nvSpPr>
-        <p:spPr>
-          <a:xfrm>
-            <a:off x="1058959" y="1507139"/>
-            <a:ext cx="2379387" cy="646331"/>
-          </a:xfrm>
-          <a:prstGeom prst="rect">
-            <a:avLst/>
-          </a:prstGeom>
-          <a:noFill/>
-        </p:spPr>
-        <p:txBody>
-          <a:bodyPr wrap="square" rtlCol="0">
-            <a:spAutoFit/>
-          </a:bodyPr>
-          <a:lstStyle/>
-          <a:p>
-            <a:r>
-              <a:rPr kumimoji="1" lang="ja-JP" altLang="en-US" dirty="0"/>
-              <a:t>東芝 ディスクリート</a:t>
-            </a:r>
-            <a:r>
-              <a:rPr kumimoji="1" lang="en-US" altLang="ja-JP" dirty="0" err="1"/>
-              <a:t>Nch</a:t>
-            </a:r>
-            <a:r>
-              <a:rPr kumimoji="1" lang="en-US" altLang="ja-JP" dirty="0"/>
-              <a:t>-MOS FET</a:t>
-            </a:r>
-            <a:endParaRPr kumimoji="1" lang="ja-JP" altLang="en-US" dirty="0"/>
-          </a:p>
-        </p:txBody>
-      </p:sp>
-      <p:pic>
-        <p:nvPicPr>
-          <p:cNvPr id="9" name="図 8">
-            <a:extLst>
-              <a:ext uri="{FF2B5EF4-FFF2-40B4-BE49-F238E27FC236}">
-                <a16:creationId xmlns:a16="http://schemas.microsoft.com/office/drawing/2014/main" id="{D38FAE7D-2772-CCD5-5D6D-58B0C093AC1F}"/>
-              </a:ext>
-            </a:extLst>
-          </p:cNvPr>
-          <p:cNvPicPr>
-            <a:picLocks noChangeAspect="1"/>
-          </p:cNvPicPr>
-          <p:nvPr/>
-        </p:nvPicPr>
-        <p:blipFill>
-          <a:blip r:embed="rId3"/>
-          <a:stretch>
-            <a:fillRect/>
-          </a:stretch>
-        </p:blipFill>
-        <p:spPr>
-          <a:xfrm>
-            <a:off x="1058958" y="4778524"/>
-            <a:ext cx="2379387" cy="1577827"/>
-          </a:xfrm>
-          <a:prstGeom prst="rect">
-            <a:avLst/>
-          </a:prstGeom>
-        </p:spPr>
-      </p:pic>
-      <p:sp>
-        <p:nvSpPr>
-          <p:cNvPr id="11" name="テキスト ボックス 10">
-            <a:extLst>
-              <a:ext uri="{FF2B5EF4-FFF2-40B4-BE49-F238E27FC236}">
-                <a16:creationId xmlns:a16="http://schemas.microsoft.com/office/drawing/2014/main" id="{46D903D6-7BFB-E700-4A88-2A41E9FED115}"/>
-              </a:ext>
-            </a:extLst>
-          </p:cNvPr>
-          <p:cNvSpPr txBox="1"/>
-          <p:nvPr/>
-        </p:nvSpPr>
-        <p:spPr>
-          <a:xfrm>
-            <a:off x="1058958" y="4116638"/>
-            <a:ext cx="2379387" cy="646331"/>
-          </a:xfrm>
-          <a:prstGeom prst="rect">
-            <a:avLst/>
-          </a:prstGeom>
-          <a:noFill/>
-        </p:spPr>
-        <p:txBody>
-          <a:bodyPr wrap="square" rtlCol="0">
-            <a:spAutoFit/>
-          </a:bodyPr>
-          <a:lstStyle/>
-          <a:p>
-            <a:r>
-              <a:rPr kumimoji="1" lang="ja-JP" altLang="en-US" dirty="0"/>
-              <a:t>東芝 ディスクリート</a:t>
-            </a:r>
-            <a:r>
-              <a:rPr kumimoji="1" lang="en-US" altLang="ja-JP" dirty="0" err="1"/>
-              <a:t>Pch</a:t>
-            </a:r>
-            <a:r>
-              <a:rPr kumimoji="1" lang="en-US" altLang="ja-JP" dirty="0"/>
-              <a:t>-MOS FET</a:t>
-            </a:r>
-            <a:endParaRPr kumimoji="1" lang="ja-JP" altLang="en-US" dirty="0"/>
-          </a:p>
-        </p:txBody>
-      </p:sp>
-      <p:pic>
-        <p:nvPicPr>
-          <p:cNvPr id="15" name="図 14">
-            <a:extLst>
-              <a:ext uri="{FF2B5EF4-FFF2-40B4-BE49-F238E27FC236}">
-                <a16:creationId xmlns:a16="http://schemas.microsoft.com/office/drawing/2014/main" id="{27E1CA56-C391-064D-8372-E3BCDB8EF7BD}"/>
-              </a:ext>
-            </a:extLst>
-          </p:cNvPr>
-          <p:cNvPicPr>
-            <a:picLocks noChangeAspect="1"/>
-          </p:cNvPicPr>
-          <p:nvPr/>
-        </p:nvPicPr>
-        <p:blipFill>
-          <a:blip r:embed="rId4"/>
-          <a:stretch>
-            <a:fillRect/>
-          </a:stretch>
-        </p:blipFill>
-        <p:spPr>
-          <a:xfrm>
-            <a:off x="4292872" y="3689017"/>
-            <a:ext cx="4227286" cy="2079454"/>
-          </a:xfrm>
-          <a:prstGeom prst="rect">
-            <a:avLst/>
-          </a:prstGeom>
-        </p:spPr>
-      </p:pic>
-      <p:sp>
-        <p:nvSpPr>
-          <p:cNvPr id="16" name="テキスト ボックス 15">
-            <a:extLst>
-              <a:ext uri="{FF2B5EF4-FFF2-40B4-BE49-F238E27FC236}">
-                <a16:creationId xmlns:a16="http://schemas.microsoft.com/office/drawing/2014/main" id="{11A32821-2E8A-881F-0897-AF13ABF4B811}"/>
-              </a:ext>
-            </a:extLst>
-          </p:cNvPr>
-          <p:cNvSpPr txBox="1"/>
-          <p:nvPr/>
-        </p:nvSpPr>
-        <p:spPr>
-          <a:xfrm>
-            <a:off x="4855624" y="3283416"/>
-            <a:ext cx="2804381" cy="369332"/>
-          </a:xfrm>
-          <a:prstGeom prst="rect">
-            <a:avLst/>
-          </a:prstGeom>
-          <a:noFill/>
-        </p:spPr>
-        <p:txBody>
-          <a:bodyPr wrap="square" rtlCol="0">
-            <a:spAutoFit/>
-          </a:bodyPr>
-          <a:lstStyle/>
-          <a:p>
-            <a:r>
-              <a:rPr kumimoji="1" lang="ja-JP" altLang="en-US" dirty="0"/>
-              <a:t>東芝 </a:t>
-            </a:r>
-            <a:r>
-              <a:rPr kumimoji="1" lang="en-US" altLang="ja-JP" dirty="0"/>
-              <a:t>CMOS Tr (inverter)</a:t>
-            </a:r>
-            <a:endParaRPr kumimoji="1" lang="ja-JP" altLang="en-US" dirty="0"/>
-          </a:p>
-        </p:txBody>
-      </p:sp>
-      <p:pic>
-        <p:nvPicPr>
-          <p:cNvPr id="18" name="図 17">
-            <a:extLst>
-              <a:ext uri="{FF2B5EF4-FFF2-40B4-BE49-F238E27FC236}">
-                <a16:creationId xmlns:a16="http://schemas.microsoft.com/office/drawing/2014/main" id="{B356BF06-4EFE-D583-A704-66016C14355A}"/>
-              </a:ext>
-            </a:extLst>
-          </p:cNvPr>
-          <p:cNvPicPr>
-            <a:picLocks noChangeAspect="1"/>
-          </p:cNvPicPr>
-          <p:nvPr/>
-        </p:nvPicPr>
-        <p:blipFill>
-          <a:blip r:embed="rId5"/>
-          <a:stretch>
-            <a:fillRect/>
-          </a:stretch>
-        </p:blipFill>
-        <p:spPr>
-          <a:xfrm>
-            <a:off x="6751230" y="1923394"/>
-            <a:ext cx="1367970" cy="1243011"/>
-          </a:xfrm>
-          <a:prstGeom prst="rect">
-            <a:avLst/>
-          </a:prstGeom>
-        </p:spPr>
-      </p:pic>
-      <p:pic>
-        <p:nvPicPr>
-          <p:cNvPr id="20" name="図 19">
-            <a:extLst>
-              <a:ext uri="{FF2B5EF4-FFF2-40B4-BE49-F238E27FC236}">
-                <a16:creationId xmlns:a16="http://schemas.microsoft.com/office/drawing/2014/main" id="{73F6F009-D9BF-4132-BC8A-AAF4228B0942}"/>
-              </a:ext>
-            </a:extLst>
-          </p:cNvPr>
-          <p:cNvPicPr>
-            <a:picLocks noChangeAspect="1"/>
-          </p:cNvPicPr>
-          <p:nvPr/>
-        </p:nvPicPr>
-        <p:blipFill>
-          <a:blip r:embed="rId6"/>
-          <a:stretch>
-            <a:fillRect/>
-          </a:stretch>
-        </p:blipFill>
-        <p:spPr>
-          <a:xfrm>
-            <a:off x="4836353" y="2034432"/>
-            <a:ext cx="1114581" cy="1005028"/>
-          </a:xfrm>
-          <a:prstGeom prst="rect">
-            <a:avLst/>
-          </a:prstGeom>
-        </p:spPr>
-      </p:pic>
-      <p:sp>
-        <p:nvSpPr>
-          <p:cNvPr id="21" name="四角形: 角を丸くする 20">
-            <a:extLst>
-              <a:ext uri="{FF2B5EF4-FFF2-40B4-BE49-F238E27FC236}">
-                <a16:creationId xmlns:a16="http://schemas.microsoft.com/office/drawing/2014/main" id="{B7546A48-3E44-B759-E7FD-13A0D6494D29}"/>
-              </a:ext>
-            </a:extLst>
-          </p:cNvPr>
-          <p:cNvSpPr/>
-          <p:nvPr/>
-        </p:nvSpPr>
-        <p:spPr>
-          <a:xfrm>
-            <a:off x="628650" y="1431608"/>
-            <a:ext cx="3196590" cy="2425949"/>
-          </a:xfrm>
-          <a:prstGeom prst="roundRect">
-            <a:avLst/>
-          </a:prstGeom>
-          <a:noFill/>
-        </p:spPr>
-        <p:style>
-          <a:lnRef idx="2">
-            <a:schemeClr val="accent1">
-              <a:shade val="15000"/>
-            </a:schemeClr>
-          </a:lnRef>
-          <a:fillRef idx="1">
-            <a:schemeClr val="accent1"/>
-          </a:fillRef>
-          <a:effectRef idx="0">
-            <a:schemeClr val="accent1"/>
-          </a:effectRef>
-          <a:fontRef idx="minor">
-            <a:schemeClr val="lt1"/>
-          </a:fontRef>
-        </p:style>
-        <p:txBody>
-          <a:bodyPr rtlCol="0" anchor="ctr"/>
-          <a:lstStyle/>
-          <a:p>
-            <a:pPr algn="ctr"/>
-            <a:endParaRPr kumimoji="1" lang="ja-JP" altLang="en-US"/>
-          </a:p>
-        </p:txBody>
-      </p:sp>
-      <p:sp>
-        <p:nvSpPr>
-          <p:cNvPr id="22" name="四角形: 角を丸くする 21">
-            <a:extLst>
-              <a:ext uri="{FF2B5EF4-FFF2-40B4-BE49-F238E27FC236}">
-                <a16:creationId xmlns:a16="http://schemas.microsoft.com/office/drawing/2014/main" id="{538CF066-87EE-C3C1-6867-88A5E7EAFE93}"/>
-              </a:ext>
-            </a:extLst>
-          </p:cNvPr>
-          <p:cNvSpPr/>
-          <p:nvPr/>
-        </p:nvSpPr>
-        <p:spPr>
-          <a:xfrm>
-            <a:off x="650356" y="4041712"/>
-            <a:ext cx="3196590" cy="2425949"/>
-          </a:xfrm>
-          <a:prstGeom prst="roundRect">
-            <a:avLst/>
-          </a:prstGeom>
-          <a:noFill/>
-        </p:spPr>
-        <p:style>
-          <a:lnRef idx="2">
-            <a:schemeClr val="accent1">
-              <a:shade val="15000"/>
-            </a:schemeClr>
-          </a:lnRef>
-          <a:fillRef idx="1">
-            <a:schemeClr val="accent1"/>
-          </a:fillRef>
-          <a:effectRef idx="0">
-            <a:schemeClr val="accent1"/>
-          </a:effectRef>
-          <a:fontRef idx="minor">
-            <a:schemeClr val="lt1"/>
-          </a:fontRef>
-        </p:style>
-        <p:txBody>
-          <a:bodyPr rtlCol="0" anchor="ctr"/>
-          <a:lstStyle/>
-          <a:p>
-            <a:pPr algn="ctr"/>
-            <a:endParaRPr kumimoji="1" lang="ja-JP" altLang="en-US"/>
-          </a:p>
-        </p:txBody>
-      </p:sp>
-      <p:sp>
-        <p:nvSpPr>
-          <p:cNvPr id="23" name="四角形: 角を丸くする 22">
-            <a:extLst>
-              <a:ext uri="{FF2B5EF4-FFF2-40B4-BE49-F238E27FC236}">
-                <a16:creationId xmlns:a16="http://schemas.microsoft.com/office/drawing/2014/main" id="{E3CFC537-1AE2-BE02-79F4-D6AB073E8199}"/>
-              </a:ext>
-            </a:extLst>
-          </p:cNvPr>
-          <p:cNvSpPr/>
-          <p:nvPr/>
-        </p:nvSpPr>
-        <p:spPr>
-          <a:xfrm>
-            <a:off x="4082415" y="1700461"/>
-            <a:ext cx="4751070" cy="4314191"/>
-          </a:xfrm>
-          <a:prstGeom prst="roundRect">
-            <a:avLst/>
-          </a:prstGeom>
-          <a:noFill/>
-        </p:spPr>
-        <p:style>
-          <a:lnRef idx="2">
-            <a:schemeClr val="accent1">
-              <a:shade val="15000"/>
-            </a:schemeClr>
-          </a:lnRef>
-          <a:fillRef idx="1">
-            <a:schemeClr val="accent1"/>
-          </a:fillRef>
-          <a:effectRef idx="0">
-            <a:schemeClr val="accent1"/>
-          </a:effectRef>
-          <a:fontRef idx="minor">
-            <a:schemeClr val="lt1"/>
-          </a:fontRef>
-        </p:style>
-        <p:txBody>
-          <a:bodyPr rtlCol="0" anchor="ctr"/>
-          <a:lstStyle/>
-          <a:p>
-            <a:pPr algn="ctr"/>
-            <a:endParaRPr kumimoji="1" lang="ja-JP" altLang="en-US"/>
-          </a:p>
-        </p:txBody>
-      </p:sp>
-    </p:spTree>
-    <p:extLst>
-      <p:ext uri="{BB962C8B-B14F-4D97-AF65-F5344CB8AC3E}">
-        <p14:creationId xmlns:p14="http://schemas.microsoft.com/office/powerpoint/2010/main" val="2280408815"/>
-      </p:ext>
-    </p:extLst>
-  </p:cSld>
-  <p:clrMapOvr>
-    <a:masterClrMapping/>
-  </p:clrMapOvr>
-</p:sld>
-</file>
-
-<file path=ppt/slides/slide4.xml><?xml version="1.0" encoding="utf-8"?>
-<p:sld xmlns:a="http://schemas.openxmlformats.org/drawingml/2006/main" xmlns:r="http://schemas.openxmlformats.org/officeDocument/2006/relationships" xmlns:p="http://schemas.openxmlformats.org/presentationml/2006/main">
-  <p:cSld>
-    <p:bg>
-      <p:bgPr>
-        <a:solidFill>
-          <a:schemeClr val="bg1">
-            <a:lumMod val="95000"/>
-          </a:schemeClr>
-        </a:solidFill>
-        <a:effectLst/>
-      </p:bgPr>
-    </p:bg>
-    <p:spTree>
-      <p:nvGrpSpPr>
-        <p:cNvPr id="1" name=""/>
-        <p:cNvGrpSpPr/>
-        <p:nvPr/>
-      </p:nvGrpSpPr>
-      <p:grpSpPr>
-        <a:xfrm>
-          <a:off x="0" y="0"/>
-          <a:ext cx="0" cy="0"/>
-          <a:chOff x="0" y="0"/>
-          <a:chExt cx="0" cy="0"/>
-        </a:xfrm>
-      </p:grpSpPr>
-      <p:sp>
-        <p:nvSpPr>
-          <p:cNvPr id="2" name="タイトル 1">
-            <a:extLst>
-              <a:ext uri="{FF2B5EF4-FFF2-40B4-BE49-F238E27FC236}">
-                <a16:creationId xmlns:a16="http://schemas.microsoft.com/office/drawing/2014/main" id="{BE220D37-4FB0-39E6-6E6A-C9C381C3E7A4}"/>
-              </a:ext>
-            </a:extLst>
-          </p:cNvPr>
-          <p:cNvSpPr>
-            <a:spLocks noGrp="1"/>
-          </p:cNvSpPr>
-          <p:nvPr>
-            <p:ph type="title"/>
-          </p:nvPr>
-        </p:nvSpPr>
-        <p:spPr/>
-        <p:txBody>
-          <a:bodyPr>
-            <a:normAutofit/>
-          </a:bodyPr>
-          <a:lstStyle/>
-          <a:p>
-            <a:pPr marL="0" indent="0" algn="ctr">
-              <a:buNone/>
-            </a:pPr>
-            <a:r>
-              <a:rPr kumimoji="1" lang="ja-JP" altLang="en-US" sz="4000" dirty="0"/>
-              <a:t>空乏層、強反転</a:t>
-            </a:r>
-            <a:r>
-              <a:rPr lang="ja-JP" altLang="en-US" sz="4000" dirty="0"/>
-              <a:t>、</a:t>
-            </a:r>
-            <a:r>
-              <a:rPr kumimoji="1" lang="ja-JP" altLang="en-US" sz="4000" dirty="0"/>
-              <a:t>ピンチオフ</a:t>
-            </a:r>
-          </a:p>
-        </p:txBody>
-      </p:sp>
-      <p:pic>
-        <p:nvPicPr>
-          <p:cNvPr id="6" name="コンテンツ プレースホルダー 5">
-            <a:extLst>
-              <a:ext uri="{FF2B5EF4-FFF2-40B4-BE49-F238E27FC236}">
-                <a16:creationId xmlns:a16="http://schemas.microsoft.com/office/drawing/2014/main" id="{BD0C6B17-FE9E-D568-273D-6B5B82F6D0EE}"/>
-              </a:ext>
-            </a:extLst>
-          </p:cNvPr>
-          <p:cNvPicPr>
-            <a:picLocks noGrp="1" noChangeAspect="1"/>
-          </p:cNvPicPr>
-          <p:nvPr>
-            <p:ph idx="1"/>
-          </p:nvPr>
-        </p:nvPicPr>
-        <p:blipFill>
-          <a:blip r:embed="rId2"/>
-          <a:stretch>
-            <a:fillRect/>
-          </a:stretch>
-        </p:blipFill>
-        <p:spPr>
-          <a:xfrm>
-            <a:off x="3394753" y="1883093"/>
-            <a:ext cx="4956767" cy="3925888"/>
-          </a:xfrm>
-        </p:spPr>
-      </p:pic>
-      <p:sp>
-        <p:nvSpPr>
-          <p:cNvPr id="4" name="スライド番号プレースホルダー 3">
-            <a:extLst>
-              <a:ext uri="{FF2B5EF4-FFF2-40B4-BE49-F238E27FC236}">
-                <a16:creationId xmlns:a16="http://schemas.microsoft.com/office/drawing/2014/main" id="{BA70BF7C-EA92-D886-1FE5-A89B0BE3E93E}"/>
-              </a:ext>
-            </a:extLst>
-          </p:cNvPr>
-          <p:cNvSpPr>
-            <a:spLocks noGrp="1"/>
-          </p:cNvSpPr>
-          <p:nvPr>
-            <p:ph type="sldNum" sz="quarter" idx="12"/>
-          </p:nvPr>
-        </p:nvSpPr>
-        <p:spPr/>
-        <p:txBody>
-          <a:bodyPr/>
-          <a:lstStyle/>
-          <a:p>
-            <a:fld id="{4C0238C6-DFEE-4049-817C-214F39B6A44B}" type="slidenum">
-              <a:rPr kumimoji="1" lang="ja-JP" altLang="en-US" smtClean="0"/>
-              <a:t>4</a:t>
-            </a:fld>
-            <a:endParaRPr kumimoji="1" lang="ja-JP" altLang="en-US"/>
-          </a:p>
-        </p:txBody>
-      </p:sp>
-    </p:spTree>
-    <p:extLst>
-      <p:ext uri="{BB962C8B-B14F-4D97-AF65-F5344CB8AC3E}">
-        <p14:creationId xmlns:p14="http://schemas.microsoft.com/office/powerpoint/2010/main" val="325187605"/>
-      </p:ext>
-    </p:extLst>
-  </p:cSld>
-  <p:clrMapOvr>
-    <a:masterClrMapping/>
-  </p:clrMapOvr>
-</p:sld>
-</file>
-
-<file path=ppt/slides/slide5.xml><?xml version="1.0" encoding="utf-8"?>
-<p:sld xmlns:a="http://schemas.openxmlformats.org/drawingml/2006/main" xmlns:r="http://schemas.openxmlformats.org/officeDocument/2006/relationships" xmlns:p="http://schemas.openxmlformats.org/presentationml/2006/main">
-  <p:cSld>
-    <p:bg>
-      <p:bgPr>
-        <a:solidFill>
-          <a:schemeClr val="bg1">
-            <a:lumMod val="95000"/>
-          </a:schemeClr>
-        </a:solidFill>
-        <a:effectLst/>
-      </p:bgPr>
-    </p:bg>
-    <p:spTree>
-      <p:nvGrpSpPr>
-        <p:cNvPr id="1" name=""/>
-        <p:cNvGrpSpPr/>
-        <p:nvPr/>
-      </p:nvGrpSpPr>
-      <p:grpSpPr>
-        <a:xfrm>
-          <a:off x="0" y="0"/>
-          <a:ext cx="0" cy="0"/>
-          <a:chOff x="0" y="0"/>
-          <a:chExt cx="0" cy="0"/>
-        </a:xfrm>
-      </p:grpSpPr>
-      <p:sp>
-        <p:nvSpPr>
-          <p:cNvPr id="2" name="タイトル 1">
-            <a:extLst>
-              <a:ext uri="{FF2B5EF4-FFF2-40B4-BE49-F238E27FC236}">
-                <a16:creationId xmlns:a16="http://schemas.microsoft.com/office/drawing/2014/main" id="{BE220D37-4FB0-39E6-6E6A-C9C381C3E7A4}"/>
-              </a:ext>
-            </a:extLst>
-          </p:cNvPr>
-          <p:cNvSpPr>
-            <a:spLocks noGrp="1"/>
-          </p:cNvSpPr>
-          <p:nvPr>
-            <p:ph type="title"/>
-          </p:nvPr>
-        </p:nvSpPr>
-        <p:spPr/>
-        <p:txBody>
-          <a:bodyPr>
-            <a:normAutofit/>
-          </a:bodyPr>
-          <a:lstStyle/>
-          <a:p>
-            <a:pPr marL="0" indent="0" algn="ctr">
-              <a:buNone/>
-            </a:pPr>
-            <a:r>
-              <a:rPr kumimoji="1" lang="ja-JP" altLang="en-US" sz="4000" dirty="0"/>
-              <a:t>温度特性式</a:t>
-            </a:r>
-          </a:p>
-        </p:txBody>
-      </p:sp>
-      <p:sp>
-        <p:nvSpPr>
-          <p:cNvPr id="3" name="コンテンツ プレースホルダー 2">
-            <a:extLst>
-              <a:ext uri="{FF2B5EF4-FFF2-40B4-BE49-F238E27FC236}">
-                <a16:creationId xmlns:a16="http://schemas.microsoft.com/office/drawing/2014/main" id="{58649F6E-CDB0-3A67-5D2F-1DB1FAEE7399}"/>
-              </a:ext>
-            </a:extLst>
-          </p:cNvPr>
-          <p:cNvSpPr>
-            <a:spLocks noGrp="1"/>
-          </p:cNvSpPr>
-          <p:nvPr>
-            <p:ph idx="1"/>
-          </p:nvPr>
-        </p:nvSpPr>
-        <p:spPr/>
-        <p:txBody>
-          <a:bodyPr/>
-          <a:lstStyle/>
-          <a:p>
-            <a:endParaRPr kumimoji="1" lang="ja-JP" altLang="en-US" dirty="0"/>
-          </a:p>
-        </p:txBody>
-      </p:sp>
-      <p:sp>
-        <p:nvSpPr>
-          <p:cNvPr id="4" name="スライド番号プレースホルダー 3">
-            <a:extLst>
-              <a:ext uri="{FF2B5EF4-FFF2-40B4-BE49-F238E27FC236}">
-                <a16:creationId xmlns:a16="http://schemas.microsoft.com/office/drawing/2014/main" id="{5E4E741B-FE9D-0BB2-5AC8-CC52BAE19ADA}"/>
-              </a:ext>
-            </a:extLst>
-          </p:cNvPr>
-          <p:cNvSpPr>
-            <a:spLocks noGrp="1"/>
-          </p:cNvSpPr>
-          <p:nvPr>
-            <p:ph type="sldNum" sz="quarter" idx="12"/>
-          </p:nvPr>
-        </p:nvSpPr>
-        <p:spPr/>
-        <p:txBody>
-          <a:bodyPr/>
-          <a:lstStyle/>
-          <a:p>
-            <a:fld id="{4C0238C6-DFEE-4049-817C-214F39B6A44B}" type="slidenum">
-              <a:rPr kumimoji="1" lang="ja-JP" altLang="en-US" smtClean="0"/>
-              <a:t>5</a:t>
-            </a:fld>
-            <a:endParaRPr kumimoji="1" lang="ja-JP" altLang="en-US"/>
-          </a:p>
-        </p:txBody>
-      </p:sp>
-    </p:spTree>
-    <p:extLst>
-      <p:ext uri="{BB962C8B-B14F-4D97-AF65-F5344CB8AC3E}">
-        <p14:creationId xmlns:p14="http://schemas.microsoft.com/office/powerpoint/2010/main" val="2547553674"/>
-      </p:ext>
-    </p:extLst>
-  </p:cSld>
-  <p:clrMapOvr>
-    <a:masterClrMapping/>
-  </p:clrMapOvr>
-</p:sld>
-</file>
-
-<file path=ppt/slides/slide6.xml><?xml version="1.0" encoding="utf-8"?>
-<p:sld xmlns:a="http://schemas.openxmlformats.org/drawingml/2006/main" xmlns:r="http://schemas.openxmlformats.org/officeDocument/2006/relationships" xmlns:p="http://schemas.openxmlformats.org/presentationml/2006/main">
-  <p:cSld>
-    <p:bg>
-      <p:bgPr>
-        <a:solidFill>
-          <a:schemeClr val="bg1">
-            <a:lumMod val="95000"/>
-          </a:schemeClr>
-        </a:solidFill>
-        <a:effectLst/>
-      </p:bgPr>
-    </p:bg>
-    <p:spTree>
-      <p:nvGrpSpPr>
-        <p:cNvPr id="1" name=""/>
-        <p:cNvGrpSpPr/>
-        <p:nvPr/>
-      </p:nvGrpSpPr>
-      <p:grpSpPr>
-        <a:xfrm>
-          <a:off x="0" y="0"/>
-          <a:ext cx="0" cy="0"/>
-          <a:chOff x="0" y="0"/>
-          <a:chExt cx="0" cy="0"/>
-        </a:xfrm>
-      </p:grpSpPr>
-      <p:sp>
-        <p:nvSpPr>
-          <p:cNvPr id="2" name="タイトル 1">
-            <a:extLst>
-              <a:ext uri="{FF2B5EF4-FFF2-40B4-BE49-F238E27FC236}">
-                <a16:creationId xmlns:a16="http://schemas.microsoft.com/office/drawing/2014/main" id="{BE220D37-4FB0-39E6-6E6A-C9C381C3E7A4}"/>
-              </a:ext>
-            </a:extLst>
-          </p:cNvPr>
-          <p:cNvSpPr>
-            <a:spLocks noGrp="1"/>
-          </p:cNvSpPr>
-          <p:nvPr>
-            <p:ph type="title"/>
-          </p:nvPr>
-        </p:nvSpPr>
-        <p:spPr/>
-        <p:txBody>
-          <a:bodyPr>
-            <a:normAutofit/>
-          </a:bodyPr>
-          <a:lstStyle/>
-          <a:p>
-            <a:pPr marL="0" indent="0" algn="ctr">
-              <a:buNone/>
-            </a:pPr>
-            <a:r>
-              <a:rPr kumimoji="1" lang="en-US" altLang="ja-JP" sz="3200" dirty="0"/>
-              <a:t>Bipolar</a:t>
-            </a:r>
-            <a:r>
-              <a:rPr lang="ja-JP" altLang="en-US" sz="3200" dirty="0"/>
-              <a:t>トランジスタ</a:t>
-            </a:r>
-            <a:r>
-              <a:rPr kumimoji="1" lang="ja-JP" altLang="en-US" sz="3200" dirty="0"/>
-              <a:t>の</a:t>
-            </a:r>
-            <a:r>
-              <a:rPr lang="ja-JP" altLang="en-US" sz="3200" dirty="0"/>
-              <a:t>デバイス構造</a:t>
-            </a:r>
-            <a:endParaRPr kumimoji="1" lang="ja-JP" altLang="en-US" sz="3200" dirty="0"/>
-          </a:p>
-        </p:txBody>
-      </p:sp>
-      <p:pic>
-        <p:nvPicPr>
-          <p:cNvPr id="6" name="コンテンツ プレースホルダー 5">
-            <a:extLst>
-              <a:ext uri="{FF2B5EF4-FFF2-40B4-BE49-F238E27FC236}">
-                <a16:creationId xmlns:a16="http://schemas.microsoft.com/office/drawing/2014/main" id="{75917E45-DB26-95E8-A065-128F89E47F10}"/>
-              </a:ext>
-            </a:extLst>
-          </p:cNvPr>
-          <p:cNvPicPr>
-            <a:picLocks noGrp="1" noChangeAspect="1"/>
-          </p:cNvPicPr>
-          <p:nvPr>
-            <p:ph idx="1"/>
-          </p:nvPr>
-        </p:nvPicPr>
-        <p:blipFill>
-          <a:blip r:embed="rId2"/>
-          <a:stretch>
-            <a:fillRect/>
-          </a:stretch>
-        </p:blipFill>
-        <p:spPr>
-          <a:xfrm>
-            <a:off x="1276350" y="1751649"/>
-            <a:ext cx="5984767" cy="2942271"/>
-          </a:xfrm>
-        </p:spPr>
-      </p:pic>
-      <p:sp>
-        <p:nvSpPr>
-          <p:cNvPr id="4" name="スライド番号プレースホルダー 3">
-            <a:extLst>
-              <a:ext uri="{FF2B5EF4-FFF2-40B4-BE49-F238E27FC236}">
-                <a16:creationId xmlns:a16="http://schemas.microsoft.com/office/drawing/2014/main" id="{4F8153B5-CB0F-1C2C-83E8-D06F82895FCF}"/>
-              </a:ext>
-            </a:extLst>
-          </p:cNvPr>
-          <p:cNvSpPr>
-            <a:spLocks noGrp="1"/>
-          </p:cNvSpPr>
-          <p:nvPr>
-            <p:ph type="sldNum" sz="quarter" idx="12"/>
-          </p:nvPr>
-        </p:nvSpPr>
-        <p:spPr/>
-        <p:txBody>
-          <a:bodyPr/>
-          <a:lstStyle/>
-          <a:p>
-            <a:fld id="{4C0238C6-DFEE-4049-817C-214F39B6A44B}" type="slidenum">
-              <a:rPr kumimoji="1" lang="ja-JP" altLang="en-US" smtClean="0"/>
-              <a:t>6</a:t>
-            </a:fld>
-            <a:endParaRPr kumimoji="1" lang="ja-JP" altLang="en-US"/>
-          </a:p>
-        </p:txBody>
-      </p:sp>
-    </p:spTree>
-    <p:extLst>
-      <p:ext uri="{BB962C8B-B14F-4D97-AF65-F5344CB8AC3E}">
-        <p14:creationId xmlns:p14="http://schemas.microsoft.com/office/powerpoint/2010/main" val="459209405"/>
-      </p:ext>
-    </p:extLst>
-  </p:cSld>
-  <p:clrMapOvr>
-    <a:masterClrMapping/>
-  </p:clrMapOvr>
-</p:sld>
-</file>
-
-<file path=ppt/slides/slide7.xml><?xml version="1.0" encoding="utf-8"?>
-<p:sld xmlns:a="http://schemas.openxmlformats.org/drawingml/2006/main" xmlns:r="http://schemas.openxmlformats.org/officeDocument/2006/relationships" xmlns:p="http://schemas.openxmlformats.org/presentationml/2006/main">
-  <p:cSld>
-    <p:bg>
-      <p:bgPr>
-        <a:solidFill>
-          <a:schemeClr val="bg1">
-            <a:lumMod val="95000"/>
-          </a:schemeClr>
-        </a:solidFill>
-        <a:effectLst/>
-      </p:bgPr>
-    </p:bg>
-    <p:spTree>
-      <p:nvGrpSpPr>
-        <p:cNvPr id="1" name=""/>
-        <p:cNvGrpSpPr/>
-        <p:nvPr/>
-      </p:nvGrpSpPr>
-      <p:grpSpPr>
-        <a:xfrm>
-          <a:off x="0" y="0"/>
-          <a:ext cx="0" cy="0"/>
-          <a:chOff x="0" y="0"/>
-          <a:chExt cx="0" cy="0"/>
-        </a:xfrm>
-      </p:grpSpPr>
-      <p:sp>
-        <p:nvSpPr>
-          <p:cNvPr id="2" name="タイトル 1">
-            <a:extLst>
-              <a:ext uri="{FF2B5EF4-FFF2-40B4-BE49-F238E27FC236}">
-                <a16:creationId xmlns:a16="http://schemas.microsoft.com/office/drawing/2014/main" id="{BE220D37-4FB0-39E6-6E6A-C9C381C3E7A4}"/>
-              </a:ext>
-            </a:extLst>
-          </p:cNvPr>
-          <p:cNvSpPr>
-            <a:spLocks noGrp="1"/>
-          </p:cNvSpPr>
-          <p:nvPr>
-            <p:ph type="title"/>
-          </p:nvPr>
-        </p:nvSpPr>
-        <p:spPr>
-          <a:xfrm>
-            <a:off x="652738" y="372683"/>
-            <a:ext cx="7886700" cy="1325563"/>
-          </a:xfrm>
-        </p:spPr>
-        <p:txBody>
-          <a:bodyPr>
-            <a:normAutofit/>
-          </a:bodyPr>
-          <a:lstStyle/>
-          <a:p>
-            <a:pPr algn="ctr"/>
-            <a:r>
-              <a:rPr kumimoji="1" lang="en-US" altLang="ja-JP" sz="3200" dirty="0"/>
-              <a:t>MOS</a:t>
-            </a:r>
-            <a:r>
-              <a:rPr kumimoji="1" lang="ja-JP" altLang="en-US" sz="3200" dirty="0"/>
-              <a:t>の論理回路</a:t>
-            </a:r>
-            <a:r>
-              <a:rPr kumimoji="1" lang="en-US" altLang="ja-JP" sz="3200" dirty="0"/>
-              <a:t>(inv</a:t>
-            </a:r>
-            <a:r>
-              <a:rPr lang="ja-JP" altLang="en-US" sz="3200" dirty="0"/>
-              <a:t>回路とレイアウト</a:t>
-            </a:r>
-            <a:r>
-              <a:rPr kumimoji="1" lang="en-US" altLang="ja-JP" sz="3200" dirty="0"/>
-              <a:t>)</a:t>
-            </a:r>
-            <a:endParaRPr kumimoji="1" lang="ja-JP" altLang="en-US" sz="3200" dirty="0"/>
-          </a:p>
-        </p:txBody>
-      </p:sp>
-      <p:sp>
-        <p:nvSpPr>
-          <p:cNvPr id="4" name="スライド番号プレースホルダー 3">
-            <a:extLst>
-              <a:ext uri="{FF2B5EF4-FFF2-40B4-BE49-F238E27FC236}">
-                <a16:creationId xmlns:a16="http://schemas.microsoft.com/office/drawing/2014/main" id="{2DA84C90-CE54-7B4B-365A-2E11AF027C2A}"/>
-              </a:ext>
-            </a:extLst>
-          </p:cNvPr>
-          <p:cNvSpPr>
-            <a:spLocks noGrp="1"/>
-          </p:cNvSpPr>
-          <p:nvPr>
-            <p:ph type="sldNum" sz="quarter" idx="12"/>
-          </p:nvPr>
-        </p:nvSpPr>
-        <p:spPr/>
-        <p:txBody>
-          <a:bodyPr/>
-          <a:lstStyle/>
-          <a:p>
-            <a:fld id="{4C0238C6-DFEE-4049-817C-214F39B6A44B}" type="slidenum">
-              <a:rPr kumimoji="1" lang="ja-JP" altLang="en-US" smtClean="0"/>
-              <a:t>7</a:t>
+              <a:t>13</a:t>
             </a:fld>
             <a:endParaRPr kumimoji="1" lang="ja-JP" altLang="en-US" dirty="0"/>
           </a:p>
@@ -5795,6 +4824,3499 @@
 </p:sld>
 </file>
 
+<file path=ppt/slides/slide14.xml><?xml version="1.0" encoding="utf-8"?>
+<p:sld xmlns:a="http://schemas.openxmlformats.org/drawingml/2006/main" xmlns:r="http://schemas.openxmlformats.org/officeDocument/2006/relationships" xmlns:p="http://schemas.openxmlformats.org/presentationml/2006/main">
+  <p:cSld>
+    <p:bg>
+      <p:bgPr>
+        <a:solidFill>
+          <a:schemeClr val="bg1">
+            <a:lumMod val="95000"/>
+          </a:schemeClr>
+        </a:solidFill>
+        <a:effectLst/>
+      </p:bgPr>
+    </p:bg>
+    <p:spTree>
+      <p:nvGrpSpPr>
+        <p:cNvPr id="1" name=""/>
+        <p:cNvGrpSpPr/>
+        <p:nvPr/>
+      </p:nvGrpSpPr>
+      <p:grpSpPr>
+        <a:xfrm>
+          <a:off x="0" y="0"/>
+          <a:ext cx="0" cy="0"/>
+          <a:chOff x="0" y="0"/>
+          <a:chExt cx="0" cy="0"/>
+        </a:xfrm>
+      </p:grpSpPr>
+      <p:sp>
+        <p:nvSpPr>
+          <p:cNvPr id="4" name="スライド番号プレースホルダー 3">
+            <a:extLst>
+              <a:ext uri="{FF2B5EF4-FFF2-40B4-BE49-F238E27FC236}">
+                <a16:creationId xmlns:a16="http://schemas.microsoft.com/office/drawing/2014/main" id="{2DA84C90-CE54-7B4B-365A-2E11AF027C2A}"/>
+              </a:ext>
+            </a:extLst>
+          </p:cNvPr>
+          <p:cNvSpPr>
+            <a:spLocks noGrp="1"/>
+          </p:cNvSpPr>
+          <p:nvPr>
+            <p:ph type="sldNum" sz="quarter" idx="12"/>
+          </p:nvPr>
+        </p:nvSpPr>
+        <p:spPr/>
+        <p:txBody>
+          <a:bodyPr/>
+          <a:lstStyle/>
+          <a:p>
+            <a:fld id="{4C0238C6-DFEE-4049-817C-214F39B6A44B}" type="slidenum">
+              <a:rPr kumimoji="1" lang="ja-JP" altLang="en-US" smtClean="0"/>
+              <a:t>14</a:t>
+            </a:fld>
+            <a:endParaRPr kumimoji="1" lang="ja-JP" altLang="en-US" dirty="0"/>
+          </a:p>
+        </p:txBody>
+      </p:sp>
+      <p:pic>
+        <p:nvPicPr>
+          <p:cNvPr id="7" name="図 6">
+            <a:extLst>
+              <a:ext uri="{FF2B5EF4-FFF2-40B4-BE49-F238E27FC236}">
+                <a16:creationId xmlns:a16="http://schemas.microsoft.com/office/drawing/2014/main" id="{6BD03719-71DB-C12A-B2F0-10F1313E2F6C}"/>
+              </a:ext>
+            </a:extLst>
+          </p:cNvPr>
+          <p:cNvPicPr>
+            <a:picLocks noChangeAspect="1"/>
+          </p:cNvPicPr>
+          <p:nvPr/>
+        </p:nvPicPr>
+        <p:blipFill>
+          <a:blip r:embed="rId2"/>
+          <a:stretch>
+            <a:fillRect/>
+          </a:stretch>
+        </p:blipFill>
+        <p:spPr>
+          <a:xfrm>
+            <a:off x="652738" y="2137928"/>
+            <a:ext cx="3029294" cy="3303301"/>
+          </a:xfrm>
+          <a:prstGeom prst="rect">
+            <a:avLst/>
+          </a:prstGeom>
+        </p:spPr>
+      </p:pic>
+      <p:pic>
+        <p:nvPicPr>
+          <p:cNvPr id="6" name="図 5">
+            <a:extLst>
+              <a:ext uri="{FF2B5EF4-FFF2-40B4-BE49-F238E27FC236}">
+                <a16:creationId xmlns:a16="http://schemas.microsoft.com/office/drawing/2014/main" id="{DD936736-24B3-3A3A-D92A-6921CE619826}"/>
+              </a:ext>
+            </a:extLst>
+          </p:cNvPr>
+          <p:cNvPicPr>
+            <a:picLocks noChangeAspect="1"/>
+          </p:cNvPicPr>
+          <p:nvPr/>
+        </p:nvPicPr>
+        <p:blipFill>
+          <a:blip r:embed="rId3"/>
+          <a:stretch>
+            <a:fillRect/>
+          </a:stretch>
+        </p:blipFill>
+        <p:spPr>
+          <a:xfrm>
+            <a:off x="3902734" y="2137928"/>
+            <a:ext cx="4724999" cy="3303300"/>
+          </a:xfrm>
+          <a:prstGeom prst="rect">
+            <a:avLst/>
+          </a:prstGeom>
+        </p:spPr>
+      </p:pic>
+      <p:sp>
+        <p:nvSpPr>
+          <p:cNvPr id="10" name="タイトル 1">
+            <a:extLst>
+              <a:ext uri="{FF2B5EF4-FFF2-40B4-BE49-F238E27FC236}">
+                <a16:creationId xmlns:a16="http://schemas.microsoft.com/office/drawing/2014/main" id="{5381C219-28C6-7DC1-CBE3-5FCC7E086010}"/>
+              </a:ext>
+            </a:extLst>
+          </p:cNvPr>
+          <p:cNvSpPr txBox="1">
+            <a:spLocks/>
+          </p:cNvSpPr>
+          <p:nvPr/>
+        </p:nvSpPr>
+        <p:spPr>
+          <a:xfrm>
+            <a:off x="741033" y="560023"/>
+            <a:ext cx="7886700" cy="1325563"/>
+          </a:xfrm>
+          <a:prstGeom prst="rect">
+            <a:avLst/>
+          </a:prstGeom>
+        </p:spPr>
+        <p:txBody>
+          <a:bodyPr vert="horz" lIns="91440" tIns="45720" rIns="91440" bIns="45720" rtlCol="0" anchor="ctr">
+            <a:normAutofit/>
+          </a:bodyPr>
+          <a:lstStyle>
+            <a:lvl1pPr algn="l" defTabSz="914400" rtl="0" eaLnBrk="1" latinLnBrk="0" hangingPunct="1">
+              <a:lnSpc>
+                <a:spcPct val="90000"/>
+              </a:lnSpc>
+              <a:spcBef>
+                <a:spcPct val="0"/>
+              </a:spcBef>
+              <a:buNone/>
+              <a:defRPr kumimoji="1" sz="4400" kern="1200">
+                <a:solidFill>
+                  <a:schemeClr val="tx1"/>
+                </a:solidFill>
+                <a:latin typeface="+mj-lt"/>
+                <a:ea typeface="+mj-ea"/>
+                <a:cs typeface="+mj-cs"/>
+              </a:defRPr>
+            </a:lvl1pPr>
+          </a:lstStyle>
+          <a:p>
+            <a:pPr algn="ctr"/>
+            <a:r>
+              <a:rPr lang="en-US" altLang="ja-JP" sz="3200" dirty="0"/>
+              <a:t>MOS</a:t>
+            </a:r>
+            <a:r>
+              <a:rPr lang="ja-JP" altLang="en-US" sz="3200" dirty="0"/>
+              <a:t>の論理回路</a:t>
+            </a:r>
+            <a:r>
+              <a:rPr lang="en-US" altLang="ja-JP" sz="3200" dirty="0"/>
+              <a:t>(nor</a:t>
+            </a:r>
+            <a:r>
+              <a:rPr lang="ja-JP" altLang="en-US" sz="3200" dirty="0"/>
+              <a:t>回路とレイアウト</a:t>
+            </a:r>
+            <a:r>
+              <a:rPr lang="en-US" altLang="ja-JP" sz="3200" dirty="0"/>
+              <a:t>)</a:t>
+            </a:r>
+            <a:endParaRPr lang="ja-JP" altLang="en-US" sz="3200" dirty="0"/>
+          </a:p>
+        </p:txBody>
+      </p:sp>
+    </p:spTree>
+    <p:extLst>
+      <p:ext uri="{BB962C8B-B14F-4D97-AF65-F5344CB8AC3E}">
+        <p14:creationId xmlns:p14="http://schemas.microsoft.com/office/powerpoint/2010/main" val="1827180239"/>
+      </p:ext>
+    </p:extLst>
+  </p:cSld>
+  <p:clrMapOvr>
+    <a:masterClrMapping/>
+  </p:clrMapOvr>
+</p:sld>
+</file>
+
+<file path=ppt/slides/slide15.xml><?xml version="1.0" encoding="utf-8"?>
+<p:sld xmlns:a="http://schemas.openxmlformats.org/drawingml/2006/main" xmlns:r="http://schemas.openxmlformats.org/officeDocument/2006/relationships" xmlns:p="http://schemas.openxmlformats.org/presentationml/2006/main">
+  <p:cSld>
+    <p:bg>
+      <p:bgPr>
+        <a:solidFill>
+          <a:schemeClr val="bg1">
+            <a:lumMod val="95000"/>
+          </a:schemeClr>
+        </a:solidFill>
+        <a:effectLst/>
+      </p:bgPr>
+    </p:bg>
+    <p:spTree>
+      <p:nvGrpSpPr>
+        <p:cNvPr id="1" name=""/>
+        <p:cNvGrpSpPr/>
+        <p:nvPr/>
+      </p:nvGrpSpPr>
+      <p:grpSpPr>
+        <a:xfrm>
+          <a:off x="0" y="0"/>
+          <a:ext cx="0" cy="0"/>
+          <a:chOff x="0" y="0"/>
+          <a:chExt cx="0" cy="0"/>
+        </a:xfrm>
+      </p:grpSpPr>
+      <p:sp>
+        <p:nvSpPr>
+          <p:cNvPr id="4" name="スライド番号プレースホルダー 3">
+            <a:extLst>
+              <a:ext uri="{FF2B5EF4-FFF2-40B4-BE49-F238E27FC236}">
+                <a16:creationId xmlns:a16="http://schemas.microsoft.com/office/drawing/2014/main" id="{2DA84C90-CE54-7B4B-365A-2E11AF027C2A}"/>
+              </a:ext>
+            </a:extLst>
+          </p:cNvPr>
+          <p:cNvSpPr>
+            <a:spLocks noGrp="1"/>
+          </p:cNvSpPr>
+          <p:nvPr>
+            <p:ph type="sldNum" sz="quarter" idx="12"/>
+          </p:nvPr>
+        </p:nvSpPr>
+        <p:spPr/>
+        <p:txBody>
+          <a:bodyPr/>
+          <a:lstStyle/>
+          <a:p>
+            <a:fld id="{4C0238C6-DFEE-4049-817C-214F39B6A44B}" type="slidenum">
+              <a:rPr kumimoji="1" lang="ja-JP" altLang="en-US" smtClean="0"/>
+              <a:t>15</a:t>
+            </a:fld>
+            <a:endParaRPr kumimoji="1" lang="ja-JP" altLang="en-US" dirty="0"/>
+          </a:p>
+        </p:txBody>
+      </p:sp>
+      <p:pic>
+        <p:nvPicPr>
+          <p:cNvPr id="5" name="図 4">
+            <a:extLst>
+              <a:ext uri="{FF2B5EF4-FFF2-40B4-BE49-F238E27FC236}">
+                <a16:creationId xmlns:a16="http://schemas.microsoft.com/office/drawing/2014/main" id="{535ED7E3-193E-DFE0-E79B-1E9162A7656F}"/>
+              </a:ext>
+            </a:extLst>
+          </p:cNvPr>
+          <p:cNvPicPr>
+            <a:picLocks noChangeAspect="1"/>
+          </p:cNvPicPr>
+          <p:nvPr/>
+        </p:nvPicPr>
+        <p:blipFill>
+          <a:blip r:embed="rId2"/>
+          <a:stretch>
+            <a:fillRect/>
+          </a:stretch>
+        </p:blipFill>
+        <p:spPr>
+          <a:xfrm>
+            <a:off x="1620037" y="2338600"/>
+            <a:ext cx="2876393" cy="3219175"/>
+          </a:xfrm>
+          <a:prstGeom prst="rect">
+            <a:avLst/>
+          </a:prstGeom>
+        </p:spPr>
+      </p:pic>
+      <p:pic>
+        <p:nvPicPr>
+          <p:cNvPr id="11" name="図 10">
+            <a:extLst>
+              <a:ext uri="{FF2B5EF4-FFF2-40B4-BE49-F238E27FC236}">
+                <a16:creationId xmlns:a16="http://schemas.microsoft.com/office/drawing/2014/main" id="{2E47BFAE-1A26-A31B-C7CB-334F7EA1C7A1}"/>
+              </a:ext>
+            </a:extLst>
+          </p:cNvPr>
+          <p:cNvPicPr>
+            <a:picLocks noChangeAspect="1"/>
+          </p:cNvPicPr>
+          <p:nvPr/>
+        </p:nvPicPr>
+        <p:blipFill>
+          <a:blip r:embed="rId3"/>
+          <a:stretch>
+            <a:fillRect/>
+          </a:stretch>
+        </p:blipFill>
+        <p:spPr>
+          <a:xfrm>
+            <a:off x="5523198" y="2297056"/>
+            <a:ext cx="1899507" cy="3260719"/>
+          </a:xfrm>
+          <a:prstGeom prst="rect">
+            <a:avLst/>
+          </a:prstGeom>
+        </p:spPr>
+      </p:pic>
+      <p:sp>
+        <p:nvSpPr>
+          <p:cNvPr id="12" name="タイトル 1">
+            <a:extLst>
+              <a:ext uri="{FF2B5EF4-FFF2-40B4-BE49-F238E27FC236}">
+                <a16:creationId xmlns:a16="http://schemas.microsoft.com/office/drawing/2014/main" id="{4391F2CE-6720-480D-BD67-956E9D6C0887}"/>
+              </a:ext>
+            </a:extLst>
+          </p:cNvPr>
+          <p:cNvSpPr txBox="1">
+            <a:spLocks/>
+          </p:cNvSpPr>
+          <p:nvPr/>
+        </p:nvSpPr>
+        <p:spPr>
+          <a:xfrm>
+            <a:off x="899731" y="725394"/>
+            <a:ext cx="7886700" cy="1325563"/>
+          </a:xfrm>
+          <a:prstGeom prst="rect">
+            <a:avLst/>
+          </a:prstGeom>
+        </p:spPr>
+        <p:txBody>
+          <a:bodyPr vert="horz" lIns="91440" tIns="45720" rIns="91440" bIns="45720" rtlCol="0" anchor="ctr">
+            <a:normAutofit/>
+          </a:bodyPr>
+          <a:lstStyle>
+            <a:lvl1pPr algn="l" defTabSz="914400" rtl="0" eaLnBrk="1" latinLnBrk="0" hangingPunct="1">
+              <a:lnSpc>
+                <a:spcPct val="90000"/>
+              </a:lnSpc>
+              <a:spcBef>
+                <a:spcPct val="0"/>
+              </a:spcBef>
+              <a:buNone/>
+              <a:defRPr kumimoji="1" sz="4400" kern="1200">
+                <a:solidFill>
+                  <a:schemeClr val="tx1"/>
+                </a:solidFill>
+                <a:latin typeface="+mj-lt"/>
+                <a:ea typeface="+mj-ea"/>
+                <a:cs typeface="+mj-cs"/>
+              </a:defRPr>
+            </a:lvl1pPr>
+          </a:lstStyle>
+          <a:p>
+            <a:pPr algn="ctr"/>
+            <a:r>
+              <a:rPr lang="en-US" altLang="ja-JP" sz="3200" dirty="0"/>
+              <a:t>MOS</a:t>
+            </a:r>
+            <a:r>
+              <a:rPr lang="ja-JP" altLang="en-US" sz="3200" dirty="0"/>
+              <a:t>の論理回路</a:t>
+            </a:r>
+            <a:r>
+              <a:rPr lang="en-US" altLang="ja-JP" sz="3200" dirty="0"/>
+              <a:t>(</a:t>
+            </a:r>
+            <a:r>
+              <a:rPr lang="en-US" altLang="ja-JP" sz="3200" dirty="0" err="1"/>
+              <a:t>nand</a:t>
+            </a:r>
+            <a:r>
+              <a:rPr lang="ja-JP" altLang="en-US" sz="3200" dirty="0"/>
+              <a:t>回路とレイアウト</a:t>
+            </a:r>
+            <a:r>
+              <a:rPr lang="en-US" altLang="ja-JP" sz="3200" dirty="0"/>
+              <a:t>)</a:t>
+            </a:r>
+            <a:endParaRPr lang="ja-JP" altLang="en-US" sz="3200" dirty="0"/>
+          </a:p>
+        </p:txBody>
+      </p:sp>
+    </p:spTree>
+    <p:extLst>
+      <p:ext uri="{BB962C8B-B14F-4D97-AF65-F5344CB8AC3E}">
+        <p14:creationId xmlns:p14="http://schemas.microsoft.com/office/powerpoint/2010/main" val="3776197611"/>
+      </p:ext>
+    </p:extLst>
+  </p:cSld>
+  <p:clrMapOvr>
+    <a:masterClrMapping/>
+  </p:clrMapOvr>
+</p:sld>
+</file>
+
+<file path=ppt/slides/slide16.xml><?xml version="1.0" encoding="utf-8"?>
+<p:sld xmlns:a="http://schemas.openxmlformats.org/drawingml/2006/main" xmlns:r="http://schemas.openxmlformats.org/officeDocument/2006/relationships" xmlns:p="http://schemas.openxmlformats.org/presentationml/2006/main">
+  <p:cSld>
+    <p:bg>
+      <p:bgPr>
+        <a:solidFill>
+          <a:schemeClr val="bg1">
+            <a:lumMod val="95000"/>
+          </a:schemeClr>
+        </a:solidFill>
+        <a:effectLst/>
+      </p:bgPr>
+    </p:bg>
+    <p:spTree>
+      <p:nvGrpSpPr>
+        <p:cNvPr id="1" name=""/>
+        <p:cNvGrpSpPr/>
+        <p:nvPr/>
+      </p:nvGrpSpPr>
+      <p:grpSpPr>
+        <a:xfrm>
+          <a:off x="0" y="0"/>
+          <a:ext cx="0" cy="0"/>
+          <a:chOff x="0" y="0"/>
+          <a:chExt cx="0" cy="0"/>
+        </a:xfrm>
+      </p:grpSpPr>
+      <p:sp>
+        <p:nvSpPr>
+          <p:cNvPr id="2" name="タイトル 1">
+            <a:extLst>
+              <a:ext uri="{FF2B5EF4-FFF2-40B4-BE49-F238E27FC236}">
+                <a16:creationId xmlns:a16="http://schemas.microsoft.com/office/drawing/2014/main" id="{BE220D37-4FB0-39E6-6E6A-C9C381C3E7A4}"/>
+              </a:ext>
+            </a:extLst>
+          </p:cNvPr>
+          <p:cNvSpPr>
+            <a:spLocks noGrp="1"/>
+          </p:cNvSpPr>
+          <p:nvPr>
+            <p:ph type="title"/>
+          </p:nvPr>
+        </p:nvSpPr>
+        <p:spPr/>
+        <p:txBody>
+          <a:bodyPr>
+            <a:normAutofit/>
+          </a:bodyPr>
+          <a:lstStyle/>
+          <a:p>
+            <a:pPr algn="ctr"/>
+            <a:r>
+              <a:rPr kumimoji="1" lang="en-US" altLang="ja-JP" sz="4000" dirty="0"/>
+              <a:t>IO</a:t>
+            </a:r>
+            <a:r>
+              <a:rPr kumimoji="1" lang="ja-JP" altLang="en-US" sz="4000" dirty="0"/>
+              <a:t>周辺</a:t>
+            </a:r>
+          </a:p>
+        </p:txBody>
+      </p:sp>
+      <p:sp>
+        <p:nvSpPr>
+          <p:cNvPr id="3" name="コンテンツ プレースホルダー 2">
+            <a:extLst>
+              <a:ext uri="{FF2B5EF4-FFF2-40B4-BE49-F238E27FC236}">
+                <a16:creationId xmlns:a16="http://schemas.microsoft.com/office/drawing/2014/main" id="{58649F6E-CDB0-3A67-5D2F-1DB1FAEE7399}"/>
+              </a:ext>
+            </a:extLst>
+          </p:cNvPr>
+          <p:cNvSpPr>
+            <a:spLocks noGrp="1"/>
+          </p:cNvSpPr>
+          <p:nvPr>
+            <p:ph idx="1"/>
+          </p:nvPr>
+        </p:nvSpPr>
+        <p:spPr/>
+        <p:txBody>
+          <a:bodyPr/>
+          <a:lstStyle/>
+          <a:p>
+            <a:endParaRPr kumimoji="1" lang="ja-JP" altLang="en-US" dirty="0"/>
+          </a:p>
+        </p:txBody>
+      </p:sp>
+      <p:sp>
+        <p:nvSpPr>
+          <p:cNvPr id="4" name="スライド番号プレースホルダー 3">
+            <a:extLst>
+              <a:ext uri="{FF2B5EF4-FFF2-40B4-BE49-F238E27FC236}">
+                <a16:creationId xmlns:a16="http://schemas.microsoft.com/office/drawing/2014/main" id="{498C5A10-4C1E-36F7-3EF4-DB35354681FC}"/>
+              </a:ext>
+            </a:extLst>
+          </p:cNvPr>
+          <p:cNvSpPr>
+            <a:spLocks noGrp="1"/>
+          </p:cNvSpPr>
+          <p:nvPr>
+            <p:ph type="sldNum" sz="quarter" idx="12"/>
+          </p:nvPr>
+        </p:nvSpPr>
+        <p:spPr/>
+        <p:txBody>
+          <a:bodyPr/>
+          <a:lstStyle/>
+          <a:p>
+            <a:fld id="{4C0238C6-DFEE-4049-817C-214F39B6A44B}" type="slidenum">
+              <a:rPr kumimoji="1" lang="ja-JP" altLang="en-US" smtClean="0"/>
+              <a:t>16</a:t>
+            </a:fld>
+            <a:endParaRPr kumimoji="1" lang="ja-JP" altLang="en-US"/>
+          </a:p>
+        </p:txBody>
+      </p:sp>
+    </p:spTree>
+    <p:extLst>
+      <p:ext uri="{BB962C8B-B14F-4D97-AF65-F5344CB8AC3E}">
+        <p14:creationId xmlns:p14="http://schemas.microsoft.com/office/powerpoint/2010/main" val="4095509757"/>
+      </p:ext>
+    </p:extLst>
+  </p:cSld>
+  <p:clrMapOvr>
+    <a:masterClrMapping/>
+  </p:clrMapOvr>
+</p:sld>
+</file>
+
+<file path=ppt/slides/slide17.xml><?xml version="1.0" encoding="utf-8"?>
+<p:sld xmlns:a="http://schemas.openxmlformats.org/drawingml/2006/main" xmlns:r="http://schemas.openxmlformats.org/officeDocument/2006/relationships" xmlns:p="http://schemas.openxmlformats.org/presentationml/2006/main">
+  <p:cSld>
+    <p:bg>
+      <p:bgPr>
+        <a:solidFill>
+          <a:schemeClr val="bg1">
+            <a:lumMod val="95000"/>
+          </a:schemeClr>
+        </a:solidFill>
+        <a:effectLst/>
+      </p:bgPr>
+    </p:bg>
+    <p:spTree>
+      <p:nvGrpSpPr>
+        <p:cNvPr id="1" name=""/>
+        <p:cNvGrpSpPr/>
+        <p:nvPr/>
+      </p:nvGrpSpPr>
+      <p:grpSpPr>
+        <a:xfrm>
+          <a:off x="0" y="0"/>
+          <a:ext cx="0" cy="0"/>
+          <a:chOff x="0" y="0"/>
+          <a:chExt cx="0" cy="0"/>
+        </a:xfrm>
+      </p:grpSpPr>
+      <p:sp>
+        <p:nvSpPr>
+          <p:cNvPr id="2" name="タイトル 1">
+            <a:extLst>
+              <a:ext uri="{FF2B5EF4-FFF2-40B4-BE49-F238E27FC236}">
+                <a16:creationId xmlns:a16="http://schemas.microsoft.com/office/drawing/2014/main" id="{BE220D37-4FB0-39E6-6E6A-C9C381C3E7A4}"/>
+              </a:ext>
+            </a:extLst>
+          </p:cNvPr>
+          <p:cNvSpPr>
+            <a:spLocks noGrp="1"/>
+          </p:cNvSpPr>
+          <p:nvPr>
+            <p:ph type="title"/>
+          </p:nvPr>
+        </p:nvSpPr>
+        <p:spPr/>
+        <p:txBody>
+          <a:bodyPr>
+            <a:normAutofit/>
+          </a:bodyPr>
+          <a:lstStyle/>
+          <a:p>
+            <a:pPr algn="ctr"/>
+            <a:r>
+              <a:rPr kumimoji="1" lang="ja-JP" altLang="en-US" sz="4000" dirty="0"/>
+              <a:t>標準ロジックの</a:t>
+            </a:r>
+            <a:r>
+              <a:rPr kumimoji="1" lang="en-US" altLang="ja-JP" sz="4000" dirty="0"/>
+              <a:t>IO</a:t>
+            </a:r>
+            <a:r>
+              <a:rPr kumimoji="1" lang="ja-JP" altLang="en-US" sz="4000" dirty="0"/>
+              <a:t>トレラント</a:t>
+            </a:r>
+          </a:p>
+        </p:txBody>
+      </p:sp>
+      <p:sp>
+        <p:nvSpPr>
+          <p:cNvPr id="3" name="コンテンツ プレースホルダー 2">
+            <a:extLst>
+              <a:ext uri="{FF2B5EF4-FFF2-40B4-BE49-F238E27FC236}">
+                <a16:creationId xmlns:a16="http://schemas.microsoft.com/office/drawing/2014/main" id="{58649F6E-CDB0-3A67-5D2F-1DB1FAEE7399}"/>
+              </a:ext>
+            </a:extLst>
+          </p:cNvPr>
+          <p:cNvSpPr>
+            <a:spLocks noGrp="1"/>
+          </p:cNvSpPr>
+          <p:nvPr>
+            <p:ph idx="1"/>
+          </p:nvPr>
+        </p:nvSpPr>
+        <p:spPr/>
+        <p:txBody>
+          <a:bodyPr/>
+          <a:lstStyle/>
+          <a:p>
+            <a:endParaRPr kumimoji="1" lang="ja-JP" altLang="en-US" dirty="0"/>
+          </a:p>
+        </p:txBody>
+      </p:sp>
+      <p:sp>
+        <p:nvSpPr>
+          <p:cNvPr id="4" name="スライド番号プレースホルダー 3">
+            <a:extLst>
+              <a:ext uri="{FF2B5EF4-FFF2-40B4-BE49-F238E27FC236}">
+                <a16:creationId xmlns:a16="http://schemas.microsoft.com/office/drawing/2014/main" id="{FEA3DFE4-1C4D-3922-2B1A-402FB8410DA1}"/>
+              </a:ext>
+            </a:extLst>
+          </p:cNvPr>
+          <p:cNvSpPr>
+            <a:spLocks noGrp="1"/>
+          </p:cNvSpPr>
+          <p:nvPr>
+            <p:ph type="sldNum" sz="quarter" idx="12"/>
+          </p:nvPr>
+        </p:nvSpPr>
+        <p:spPr/>
+        <p:txBody>
+          <a:bodyPr/>
+          <a:lstStyle/>
+          <a:p>
+            <a:fld id="{4C0238C6-DFEE-4049-817C-214F39B6A44B}" type="slidenum">
+              <a:rPr kumimoji="1" lang="ja-JP" altLang="en-US" smtClean="0"/>
+              <a:t>17</a:t>
+            </a:fld>
+            <a:endParaRPr kumimoji="1" lang="ja-JP" altLang="en-US"/>
+          </a:p>
+        </p:txBody>
+      </p:sp>
+    </p:spTree>
+    <p:extLst>
+      <p:ext uri="{BB962C8B-B14F-4D97-AF65-F5344CB8AC3E}">
+        <p14:creationId xmlns:p14="http://schemas.microsoft.com/office/powerpoint/2010/main" val="3505069899"/>
+      </p:ext>
+    </p:extLst>
+  </p:cSld>
+  <p:clrMapOvr>
+    <a:masterClrMapping/>
+  </p:clrMapOvr>
+</p:sld>
+</file>
+
+<file path=ppt/slides/slide18.xml><?xml version="1.0" encoding="utf-8"?>
+<p:sld xmlns:a="http://schemas.openxmlformats.org/drawingml/2006/main" xmlns:r="http://schemas.openxmlformats.org/officeDocument/2006/relationships" xmlns:p="http://schemas.openxmlformats.org/presentationml/2006/main">
+  <p:cSld>
+    <p:bg>
+      <p:bgPr>
+        <a:solidFill>
+          <a:schemeClr val="bg1">
+            <a:lumMod val="95000"/>
+          </a:schemeClr>
+        </a:solidFill>
+        <a:effectLst/>
+      </p:bgPr>
+    </p:bg>
+    <p:spTree>
+      <p:nvGrpSpPr>
+        <p:cNvPr id="1" name=""/>
+        <p:cNvGrpSpPr/>
+        <p:nvPr/>
+      </p:nvGrpSpPr>
+      <p:grpSpPr>
+        <a:xfrm>
+          <a:off x="0" y="0"/>
+          <a:ext cx="0" cy="0"/>
+          <a:chOff x="0" y="0"/>
+          <a:chExt cx="0" cy="0"/>
+        </a:xfrm>
+      </p:grpSpPr>
+      <p:sp>
+        <p:nvSpPr>
+          <p:cNvPr id="2" name="タイトル 1">
+            <a:extLst>
+              <a:ext uri="{FF2B5EF4-FFF2-40B4-BE49-F238E27FC236}">
+                <a16:creationId xmlns:a16="http://schemas.microsoft.com/office/drawing/2014/main" id="{BE220D37-4FB0-39E6-6E6A-C9C381C3E7A4}"/>
+              </a:ext>
+            </a:extLst>
+          </p:cNvPr>
+          <p:cNvSpPr>
+            <a:spLocks noGrp="1"/>
+          </p:cNvSpPr>
+          <p:nvPr>
+            <p:ph type="title"/>
+          </p:nvPr>
+        </p:nvSpPr>
+        <p:spPr/>
+        <p:txBody>
+          <a:bodyPr>
+            <a:normAutofit/>
+          </a:bodyPr>
+          <a:lstStyle/>
+          <a:p>
+            <a:pPr algn="ctr"/>
+            <a:r>
+              <a:rPr lang="en-US" altLang="ja-JP" sz="2400" dirty="0"/>
+              <a:t>PN</a:t>
+            </a:r>
+            <a:r>
+              <a:rPr lang="ja-JP" altLang="en-US" sz="2400" dirty="0"/>
+              <a:t>接合温度係数</a:t>
+            </a:r>
+            <a:endParaRPr kumimoji="1" lang="ja-JP" altLang="en-US" sz="2400" dirty="0"/>
+          </a:p>
+        </p:txBody>
+      </p:sp>
+      <p:sp>
+        <p:nvSpPr>
+          <p:cNvPr id="4" name="スライド番号プレースホルダー 3">
+            <a:extLst>
+              <a:ext uri="{FF2B5EF4-FFF2-40B4-BE49-F238E27FC236}">
+                <a16:creationId xmlns:a16="http://schemas.microsoft.com/office/drawing/2014/main" id="{498C5A10-4C1E-36F7-3EF4-DB35354681FC}"/>
+              </a:ext>
+            </a:extLst>
+          </p:cNvPr>
+          <p:cNvSpPr>
+            <a:spLocks noGrp="1"/>
+          </p:cNvSpPr>
+          <p:nvPr>
+            <p:ph type="sldNum" sz="quarter" idx="12"/>
+          </p:nvPr>
+        </p:nvSpPr>
+        <p:spPr/>
+        <p:txBody>
+          <a:bodyPr/>
+          <a:lstStyle/>
+          <a:p>
+            <a:fld id="{4C0238C6-DFEE-4049-817C-214F39B6A44B}" type="slidenum">
+              <a:rPr kumimoji="1" lang="ja-JP" altLang="en-US" smtClean="0"/>
+              <a:t>18</a:t>
+            </a:fld>
+            <a:endParaRPr kumimoji="1" lang="ja-JP" altLang="en-US"/>
+          </a:p>
+        </p:txBody>
+      </p:sp>
+      <p:pic>
+        <p:nvPicPr>
+          <p:cNvPr id="6" name="図 5">
+            <a:extLst>
+              <a:ext uri="{FF2B5EF4-FFF2-40B4-BE49-F238E27FC236}">
+                <a16:creationId xmlns:a16="http://schemas.microsoft.com/office/drawing/2014/main" id="{A4CB1E69-E60A-0938-5F45-110B6C72A89B}"/>
+              </a:ext>
+            </a:extLst>
+          </p:cNvPr>
+          <p:cNvPicPr>
+            <a:picLocks noChangeAspect="1"/>
+          </p:cNvPicPr>
+          <p:nvPr/>
+        </p:nvPicPr>
+        <p:blipFill>
+          <a:blip r:embed="rId2"/>
+          <a:stretch>
+            <a:fillRect/>
+          </a:stretch>
+        </p:blipFill>
+        <p:spPr>
+          <a:xfrm>
+            <a:off x="4156892" y="1566109"/>
+            <a:ext cx="4175325" cy="3529144"/>
+          </a:xfrm>
+          <a:prstGeom prst="rect">
+            <a:avLst/>
+          </a:prstGeom>
+        </p:spPr>
+      </p:pic>
+      <p:pic>
+        <p:nvPicPr>
+          <p:cNvPr id="8" name="図 7">
+            <a:extLst>
+              <a:ext uri="{FF2B5EF4-FFF2-40B4-BE49-F238E27FC236}">
+                <a16:creationId xmlns:a16="http://schemas.microsoft.com/office/drawing/2014/main" id="{4FE71E87-B149-D7AB-F93D-294B1603AE20}"/>
+              </a:ext>
+            </a:extLst>
+          </p:cNvPr>
+          <p:cNvPicPr>
+            <a:picLocks noChangeAspect="1"/>
+          </p:cNvPicPr>
+          <p:nvPr/>
+        </p:nvPicPr>
+        <p:blipFill>
+          <a:blip r:embed="rId3"/>
+          <a:stretch>
+            <a:fillRect/>
+          </a:stretch>
+        </p:blipFill>
+        <p:spPr>
+          <a:xfrm>
+            <a:off x="4260015" y="5293914"/>
+            <a:ext cx="4175326" cy="653902"/>
+          </a:xfrm>
+          <a:prstGeom prst="rect">
+            <a:avLst/>
+          </a:prstGeom>
+        </p:spPr>
+      </p:pic>
+      <p:pic>
+        <p:nvPicPr>
+          <p:cNvPr id="10" name="図 9">
+            <a:extLst>
+              <a:ext uri="{FF2B5EF4-FFF2-40B4-BE49-F238E27FC236}">
+                <a16:creationId xmlns:a16="http://schemas.microsoft.com/office/drawing/2014/main" id="{8F833CB8-3E39-12E8-DD5B-AE8C3A0D49F0}"/>
+              </a:ext>
+            </a:extLst>
+          </p:cNvPr>
+          <p:cNvPicPr>
+            <a:picLocks noChangeAspect="1"/>
+          </p:cNvPicPr>
+          <p:nvPr/>
+        </p:nvPicPr>
+        <p:blipFill>
+          <a:blip r:embed="rId4"/>
+          <a:stretch>
+            <a:fillRect/>
+          </a:stretch>
+        </p:blipFill>
+        <p:spPr>
+          <a:xfrm>
+            <a:off x="1522274" y="2934971"/>
+            <a:ext cx="1919426" cy="1302468"/>
+          </a:xfrm>
+          <a:prstGeom prst="rect">
+            <a:avLst/>
+          </a:prstGeom>
+        </p:spPr>
+      </p:pic>
+      <p:pic>
+        <p:nvPicPr>
+          <p:cNvPr id="12" name="図 11">
+            <a:extLst>
+              <a:ext uri="{FF2B5EF4-FFF2-40B4-BE49-F238E27FC236}">
+                <a16:creationId xmlns:a16="http://schemas.microsoft.com/office/drawing/2014/main" id="{18DCB847-8D9E-582A-797A-8F0B0159FB9D}"/>
+              </a:ext>
+            </a:extLst>
+          </p:cNvPr>
+          <p:cNvPicPr>
+            <a:picLocks noChangeAspect="1"/>
+          </p:cNvPicPr>
+          <p:nvPr/>
+        </p:nvPicPr>
+        <p:blipFill>
+          <a:blip r:embed="rId5"/>
+          <a:stretch>
+            <a:fillRect/>
+          </a:stretch>
+        </p:blipFill>
+        <p:spPr>
+          <a:xfrm>
+            <a:off x="1369874" y="1504716"/>
+            <a:ext cx="2242405" cy="1325057"/>
+          </a:xfrm>
+          <a:prstGeom prst="rect">
+            <a:avLst/>
+          </a:prstGeom>
+        </p:spPr>
+      </p:pic>
+      <p:pic>
+        <p:nvPicPr>
+          <p:cNvPr id="14" name="図 13">
+            <a:extLst>
+              <a:ext uri="{FF2B5EF4-FFF2-40B4-BE49-F238E27FC236}">
+                <a16:creationId xmlns:a16="http://schemas.microsoft.com/office/drawing/2014/main" id="{B5C0BF67-C78C-E260-4588-E134C94D3256}"/>
+              </a:ext>
+            </a:extLst>
+          </p:cNvPr>
+          <p:cNvPicPr>
+            <a:picLocks noChangeAspect="1"/>
+          </p:cNvPicPr>
+          <p:nvPr/>
+        </p:nvPicPr>
+        <p:blipFill>
+          <a:blip r:embed="rId6"/>
+          <a:stretch>
+            <a:fillRect/>
+          </a:stretch>
+        </p:blipFill>
+        <p:spPr>
+          <a:xfrm>
+            <a:off x="1460093" y="4342637"/>
+            <a:ext cx="1486307" cy="1774612"/>
+          </a:xfrm>
+          <a:prstGeom prst="rect">
+            <a:avLst/>
+          </a:prstGeom>
+        </p:spPr>
+      </p:pic>
+    </p:spTree>
+    <p:extLst>
+      <p:ext uri="{BB962C8B-B14F-4D97-AF65-F5344CB8AC3E}">
+        <p14:creationId xmlns:p14="http://schemas.microsoft.com/office/powerpoint/2010/main" val="3169482593"/>
+      </p:ext>
+    </p:extLst>
+  </p:cSld>
+  <p:clrMapOvr>
+    <a:masterClrMapping/>
+  </p:clrMapOvr>
+</p:sld>
+</file>
+
+<file path=ppt/slides/slide19.xml><?xml version="1.0" encoding="utf-8"?>
+<p:sld xmlns:a="http://schemas.openxmlformats.org/drawingml/2006/main" xmlns:r="http://schemas.openxmlformats.org/officeDocument/2006/relationships" xmlns:p="http://schemas.openxmlformats.org/presentationml/2006/main">
+  <p:cSld>
+    <p:bg>
+      <p:bgPr>
+        <a:solidFill>
+          <a:schemeClr val="bg1">
+            <a:lumMod val="95000"/>
+          </a:schemeClr>
+        </a:solidFill>
+        <a:effectLst/>
+      </p:bgPr>
+    </p:bg>
+    <p:spTree>
+      <p:nvGrpSpPr>
+        <p:cNvPr id="1" name=""/>
+        <p:cNvGrpSpPr/>
+        <p:nvPr/>
+      </p:nvGrpSpPr>
+      <p:grpSpPr>
+        <a:xfrm>
+          <a:off x="0" y="0"/>
+          <a:ext cx="0" cy="0"/>
+          <a:chOff x="0" y="0"/>
+          <a:chExt cx="0" cy="0"/>
+        </a:xfrm>
+      </p:grpSpPr>
+      <p:sp>
+        <p:nvSpPr>
+          <p:cNvPr id="2" name="タイトル 1">
+            <a:extLst>
+              <a:ext uri="{FF2B5EF4-FFF2-40B4-BE49-F238E27FC236}">
+                <a16:creationId xmlns:a16="http://schemas.microsoft.com/office/drawing/2014/main" id="{BE220D37-4FB0-39E6-6E6A-C9C381C3E7A4}"/>
+              </a:ext>
+            </a:extLst>
+          </p:cNvPr>
+          <p:cNvSpPr>
+            <a:spLocks noGrp="1"/>
+          </p:cNvSpPr>
+          <p:nvPr>
+            <p:ph type="title"/>
+          </p:nvPr>
+        </p:nvSpPr>
+        <p:spPr>
+          <a:xfrm>
+            <a:off x="628650" y="187396"/>
+            <a:ext cx="7886700" cy="1325563"/>
+          </a:xfrm>
+        </p:spPr>
+        <p:txBody>
+          <a:bodyPr>
+            <a:normAutofit/>
+          </a:bodyPr>
+          <a:lstStyle/>
+          <a:p>
+            <a:pPr algn="ctr"/>
+            <a:r>
+              <a:rPr kumimoji="1" lang="ja-JP" altLang="en-US" sz="3200" dirty="0"/>
+              <a:t>シャントレギュレータ</a:t>
+            </a:r>
+          </a:p>
+        </p:txBody>
+      </p:sp>
+      <p:sp>
+        <p:nvSpPr>
+          <p:cNvPr id="3" name="コンテンツ プレースホルダー 2">
+            <a:extLst>
+              <a:ext uri="{FF2B5EF4-FFF2-40B4-BE49-F238E27FC236}">
+                <a16:creationId xmlns:a16="http://schemas.microsoft.com/office/drawing/2014/main" id="{58649F6E-CDB0-3A67-5D2F-1DB1FAEE7399}"/>
+              </a:ext>
+            </a:extLst>
+          </p:cNvPr>
+          <p:cNvSpPr>
+            <a:spLocks noGrp="1"/>
+          </p:cNvSpPr>
+          <p:nvPr>
+            <p:ph idx="1"/>
+          </p:nvPr>
+        </p:nvSpPr>
+        <p:spPr>
+          <a:xfrm>
+            <a:off x="628650" y="1128665"/>
+            <a:ext cx="7886700" cy="1030930"/>
+          </a:xfrm>
+        </p:spPr>
+        <p:txBody>
+          <a:bodyPr>
+            <a:normAutofit fontScale="77500" lnSpcReduction="20000"/>
+          </a:bodyPr>
+          <a:lstStyle/>
+          <a:p>
+            <a:r>
+              <a:rPr kumimoji="1" lang="en-US" altLang="ja-JP" sz="2000" dirty="0"/>
+              <a:t>ADC</a:t>
+            </a:r>
+            <a:r>
+              <a:rPr kumimoji="1" lang="ja-JP" altLang="en-US" sz="2000" dirty="0"/>
+              <a:t>などの基準電圧に多用される。</a:t>
+            </a:r>
+            <a:r>
+              <a:rPr kumimoji="1" lang="en-US" altLang="ja-JP" sz="2000" dirty="0"/>
+              <a:t>(TL431</a:t>
+            </a:r>
+            <a:r>
+              <a:rPr kumimoji="1" lang="ja-JP" altLang="en-US" sz="2000" dirty="0"/>
+              <a:t>等</a:t>
+            </a:r>
+            <a:r>
+              <a:rPr kumimoji="1" lang="en-US" altLang="ja-JP" sz="2000" dirty="0"/>
+              <a:t>)</a:t>
+            </a:r>
+            <a:r>
+              <a:rPr kumimoji="1" lang="ja-JP" altLang="en-US" sz="2000" dirty="0"/>
+              <a:t>。温特、バラ付きの少ない。</a:t>
+            </a:r>
+            <a:r>
+              <a:rPr kumimoji="1" lang="en-US" altLang="ja-JP" sz="2000" dirty="0"/>
+              <a:t> </a:t>
+            </a:r>
+          </a:p>
+          <a:p>
+            <a:r>
+              <a:rPr lang="ja-JP" altLang="en-US" sz="2000" dirty="0"/>
+              <a:t>温度補償は</a:t>
+            </a:r>
+            <a:r>
+              <a:rPr lang="en-US" altLang="ja-JP" sz="2000" dirty="0"/>
+              <a:t>PN</a:t>
+            </a:r>
+            <a:r>
+              <a:rPr lang="ja-JP" altLang="en-US" sz="2000" dirty="0"/>
+              <a:t>ジャンクションを使って、負の温度特性と正の温度特性を相殺さ</a:t>
+            </a:r>
+            <a:endParaRPr lang="en-US" altLang="ja-JP" sz="2000" dirty="0"/>
+          </a:p>
+          <a:p>
+            <a:pPr marL="0" indent="0">
+              <a:buNone/>
+            </a:pPr>
+            <a:r>
+              <a:rPr lang="ja-JP" altLang="en-US" sz="2000" dirty="0"/>
+              <a:t>　せるテクニックを用いる。</a:t>
+            </a:r>
+            <a:r>
+              <a:rPr lang="en-US" altLang="ja-JP" sz="2000" dirty="0"/>
+              <a:t>(</a:t>
+            </a:r>
+            <a:r>
+              <a:rPr lang="ja-JP" altLang="en-US" sz="2000" dirty="0"/>
+              <a:t>温特を補正する回路</a:t>
+            </a:r>
+            <a:r>
+              <a:rPr lang="en-US" altLang="ja-JP" sz="2000" dirty="0"/>
+              <a:t>)</a:t>
+            </a:r>
+          </a:p>
+          <a:p>
+            <a:endParaRPr kumimoji="1" lang="ja-JP" altLang="en-US" sz="2000" dirty="0"/>
+          </a:p>
+        </p:txBody>
+      </p:sp>
+      <p:sp>
+        <p:nvSpPr>
+          <p:cNvPr id="4" name="スライド番号プレースホルダー 3">
+            <a:extLst>
+              <a:ext uri="{FF2B5EF4-FFF2-40B4-BE49-F238E27FC236}">
+                <a16:creationId xmlns:a16="http://schemas.microsoft.com/office/drawing/2014/main" id="{FEA3DFE4-1C4D-3922-2B1A-402FB8410DA1}"/>
+              </a:ext>
+            </a:extLst>
+          </p:cNvPr>
+          <p:cNvSpPr>
+            <a:spLocks noGrp="1"/>
+          </p:cNvSpPr>
+          <p:nvPr>
+            <p:ph type="sldNum" sz="quarter" idx="12"/>
+          </p:nvPr>
+        </p:nvSpPr>
+        <p:spPr/>
+        <p:txBody>
+          <a:bodyPr/>
+          <a:lstStyle/>
+          <a:p>
+            <a:fld id="{4C0238C6-DFEE-4049-817C-214F39B6A44B}" type="slidenum">
+              <a:rPr kumimoji="1" lang="ja-JP" altLang="en-US" smtClean="0"/>
+              <a:t>19</a:t>
+            </a:fld>
+            <a:endParaRPr kumimoji="1" lang="ja-JP" altLang="en-US"/>
+          </a:p>
+        </p:txBody>
+      </p:sp>
+      <p:pic>
+        <p:nvPicPr>
+          <p:cNvPr id="6" name="図 5">
+            <a:extLst>
+              <a:ext uri="{FF2B5EF4-FFF2-40B4-BE49-F238E27FC236}">
+                <a16:creationId xmlns:a16="http://schemas.microsoft.com/office/drawing/2014/main" id="{D1289D14-1471-4C8B-9C49-3D025C497771}"/>
+              </a:ext>
+            </a:extLst>
+          </p:cNvPr>
+          <p:cNvPicPr>
+            <a:picLocks noChangeAspect="1"/>
+          </p:cNvPicPr>
+          <p:nvPr/>
+        </p:nvPicPr>
+        <p:blipFill>
+          <a:blip r:embed="rId2"/>
+          <a:stretch>
+            <a:fillRect/>
+          </a:stretch>
+        </p:blipFill>
+        <p:spPr>
+          <a:xfrm>
+            <a:off x="687229" y="4264731"/>
+            <a:ext cx="1863363" cy="1942938"/>
+          </a:xfrm>
+          <a:prstGeom prst="rect">
+            <a:avLst/>
+          </a:prstGeom>
+        </p:spPr>
+      </p:pic>
+      <p:sp>
+        <p:nvSpPr>
+          <p:cNvPr id="7" name="テキスト ボックス 6">
+            <a:extLst>
+              <a:ext uri="{FF2B5EF4-FFF2-40B4-BE49-F238E27FC236}">
+                <a16:creationId xmlns:a16="http://schemas.microsoft.com/office/drawing/2014/main" id="{0012AB67-8067-14B3-BA2F-63FEAB679C21}"/>
+              </a:ext>
+            </a:extLst>
+          </p:cNvPr>
+          <p:cNvSpPr txBox="1"/>
+          <p:nvPr/>
+        </p:nvSpPr>
+        <p:spPr>
+          <a:xfrm>
+            <a:off x="706122" y="6187074"/>
+            <a:ext cx="2259550" cy="338554"/>
+          </a:xfrm>
+          <a:prstGeom prst="rect">
+            <a:avLst/>
+          </a:prstGeom>
+          <a:noFill/>
+        </p:spPr>
+        <p:txBody>
+          <a:bodyPr wrap="square" rtlCol="0">
+            <a:spAutoFit/>
+          </a:bodyPr>
+          <a:lstStyle/>
+          <a:p>
+            <a:r>
+              <a:rPr kumimoji="1" lang="ja-JP" altLang="en-US" sz="1600" dirty="0"/>
+              <a:t>温特を補正する回路</a:t>
+            </a:r>
+          </a:p>
+        </p:txBody>
+      </p:sp>
+      <p:pic>
+        <p:nvPicPr>
+          <p:cNvPr id="9" name="図 8">
+            <a:extLst>
+              <a:ext uri="{FF2B5EF4-FFF2-40B4-BE49-F238E27FC236}">
+                <a16:creationId xmlns:a16="http://schemas.microsoft.com/office/drawing/2014/main" id="{EF22DB2C-470E-BD72-35F0-BB42616CFC2A}"/>
+              </a:ext>
+            </a:extLst>
+          </p:cNvPr>
+          <p:cNvPicPr>
+            <a:picLocks noChangeAspect="1"/>
+          </p:cNvPicPr>
+          <p:nvPr/>
+        </p:nvPicPr>
+        <p:blipFill>
+          <a:blip r:embed="rId3"/>
+          <a:stretch>
+            <a:fillRect/>
+          </a:stretch>
+        </p:blipFill>
+        <p:spPr>
+          <a:xfrm>
+            <a:off x="5643636" y="4179906"/>
+            <a:ext cx="2384330" cy="2112587"/>
+          </a:xfrm>
+          <a:prstGeom prst="rect">
+            <a:avLst/>
+          </a:prstGeom>
+        </p:spPr>
+      </p:pic>
+      <p:pic>
+        <p:nvPicPr>
+          <p:cNvPr id="11" name="図 10">
+            <a:extLst>
+              <a:ext uri="{FF2B5EF4-FFF2-40B4-BE49-F238E27FC236}">
+                <a16:creationId xmlns:a16="http://schemas.microsoft.com/office/drawing/2014/main" id="{17C5BCF7-F65C-6EC1-75EF-30D524B28D2B}"/>
+              </a:ext>
+            </a:extLst>
+          </p:cNvPr>
+          <p:cNvPicPr>
+            <a:picLocks noChangeAspect="1"/>
+          </p:cNvPicPr>
+          <p:nvPr/>
+        </p:nvPicPr>
+        <p:blipFill>
+          <a:blip r:embed="rId4"/>
+          <a:stretch>
+            <a:fillRect/>
+          </a:stretch>
+        </p:blipFill>
+        <p:spPr>
+          <a:xfrm>
+            <a:off x="3402262" y="4523553"/>
+            <a:ext cx="1804784" cy="1684116"/>
+          </a:xfrm>
+          <a:prstGeom prst="rect">
+            <a:avLst/>
+          </a:prstGeom>
+        </p:spPr>
+      </p:pic>
+      <p:grpSp>
+        <p:nvGrpSpPr>
+          <p:cNvPr id="21" name="グループ化 20">
+            <a:extLst>
+              <a:ext uri="{FF2B5EF4-FFF2-40B4-BE49-F238E27FC236}">
+                <a16:creationId xmlns:a16="http://schemas.microsoft.com/office/drawing/2014/main" id="{B3464D7F-ED19-7482-D1EB-A5C51BEB6611}"/>
+              </a:ext>
+            </a:extLst>
+          </p:cNvPr>
+          <p:cNvGrpSpPr/>
+          <p:nvPr/>
+        </p:nvGrpSpPr>
+        <p:grpSpPr>
+          <a:xfrm>
+            <a:off x="628650" y="2198506"/>
+            <a:ext cx="4009460" cy="1105054"/>
+            <a:chOff x="706122" y="2323946"/>
+            <a:chExt cx="4009460" cy="1105054"/>
+          </a:xfrm>
+        </p:grpSpPr>
+        <p:pic>
+          <p:nvPicPr>
+            <p:cNvPr id="16" name="図 15">
+              <a:extLst>
+                <a:ext uri="{FF2B5EF4-FFF2-40B4-BE49-F238E27FC236}">
+                  <a16:creationId xmlns:a16="http://schemas.microsoft.com/office/drawing/2014/main" id="{144F438D-5B4A-23CF-26DE-2800E895CE72}"/>
+                </a:ext>
+              </a:extLst>
+            </p:cNvPr>
+            <p:cNvPicPr>
+              <a:picLocks noChangeAspect="1"/>
+            </p:cNvPicPr>
+            <p:nvPr/>
+          </p:nvPicPr>
+          <p:blipFill>
+            <a:blip r:embed="rId5"/>
+            <a:stretch>
+              <a:fillRect/>
+            </a:stretch>
+          </p:blipFill>
+          <p:spPr>
+            <a:xfrm>
+              <a:off x="706122" y="2323946"/>
+              <a:ext cx="2838846" cy="1105054"/>
+            </a:xfrm>
+            <a:prstGeom prst="rect">
+              <a:avLst/>
+            </a:prstGeom>
+          </p:spPr>
+        </p:pic>
+        <p:sp>
+          <p:nvSpPr>
+            <p:cNvPr id="17" name="テキスト ボックス 16">
+              <a:extLst>
+                <a:ext uri="{FF2B5EF4-FFF2-40B4-BE49-F238E27FC236}">
+                  <a16:creationId xmlns:a16="http://schemas.microsoft.com/office/drawing/2014/main" id="{A787D316-C2D9-129A-163F-3CC0FD89B068}"/>
+                </a:ext>
+              </a:extLst>
+            </p:cNvPr>
+            <p:cNvSpPr txBox="1"/>
+            <p:nvPr/>
+          </p:nvSpPr>
+          <p:spPr>
+            <a:xfrm>
+              <a:off x="1032462" y="2599474"/>
+              <a:ext cx="1413164" cy="276999"/>
+            </a:xfrm>
+            <a:prstGeom prst="rect">
+              <a:avLst/>
+            </a:prstGeom>
+            <a:noFill/>
+          </p:spPr>
+          <p:txBody>
+            <a:bodyPr wrap="square" rtlCol="0">
+              <a:spAutoFit/>
+            </a:bodyPr>
+            <a:lstStyle/>
+            <a:p>
+              <a:r>
+                <a:rPr kumimoji="1" lang="ja-JP" altLang="en-US" sz="1200" dirty="0"/>
+                <a:t>順方向電圧</a:t>
+              </a:r>
+            </a:p>
+          </p:txBody>
+        </p:sp>
+        <p:cxnSp>
+          <p:nvCxnSpPr>
+            <p:cNvPr id="19" name="直線矢印コネクタ 18">
+              <a:extLst>
+                <a:ext uri="{FF2B5EF4-FFF2-40B4-BE49-F238E27FC236}">
+                  <a16:creationId xmlns:a16="http://schemas.microsoft.com/office/drawing/2014/main" id="{4BB34620-80F3-B9FD-5057-DA70DC2AB2D4}"/>
+                </a:ext>
+              </a:extLst>
+            </p:cNvPr>
+            <p:cNvCxnSpPr/>
+            <p:nvPr/>
+          </p:nvCxnSpPr>
+          <p:spPr>
+            <a:xfrm flipV="1">
+              <a:off x="2372906" y="2876473"/>
+              <a:ext cx="72720" cy="335263"/>
+            </a:xfrm>
+            <a:prstGeom prst="straightConnector1">
+              <a:avLst/>
+            </a:prstGeom>
+            <a:ln>
+              <a:tailEnd type="triangle"/>
+            </a:ln>
+          </p:spPr>
+          <p:style>
+            <a:lnRef idx="2">
+              <a:schemeClr val="accent1"/>
+            </a:lnRef>
+            <a:fillRef idx="0">
+              <a:schemeClr val="accent1"/>
+            </a:fillRef>
+            <a:effectRef idx="1">
+              <a:schemeClr val="accent1"/>
+            </a:effectRef>
+            <a:fontRef idx="minor">
+              <a:schemeClr val="tx1"/>
+            </a:fontRef>
+          </p:style>
+        </p:cxnSp>
+        <p:sp>
+          <p:nvSpPr>
+            <p:cNvPr id="20" name="テキスト ボックス 19">
+              <a:extLst>
+                <a:ext uri="{FF2B5EF4-FFF2-40B4-BE49-F238E27FC236}">
+                  <a16:creationId xmlns:a16="http://schemas.microsoft.com/office/drawing/2014/main" id="{5C456E85-8D24-F0F2-F9F7-35C2DE06ACE9}"/>
+                </a:ext>
+              </a:extLst>
+            </p:cNvPr>
+            <p:cNvSpPr txBox="1"/>
+            <p:nvPr/>
+          </p:nvSpPr>
+          <p:spPr>
+            <a:xfrm>
+              <a:off x="2445625" y="2920993"/>
+              <a:ext cx="2269957" cy="246221"/>
+            </a:xfrm>
+            <a:prstGeom prst="rect">
+              <a:avLst/>
+            </a:prstGeom>
+            <a:noFill/>
+          </p:spPr>
+          <p:txBody>
+            <a:bodyPr wrap="square" rtlCol="0">
+              <a:spAutoFit/>
+            </a:bodyPr>
+            <a:lstStyle/>
+            <a:p>
+              <a:r>
+                <a:rPr kumimoji="1" lang="en-US" altLang="ja-JP" sz="1000" dirty="0" err="1"/>
+                <a:t>Vf</a:t>
+              </a:r>
+              <a:r>
+                <a:rPr kumimoji="1" lang="ja-JP" altLang="en-US" sz="1000" dirty="0"/>
+                <a:t>は、負の温度特性（</a:t>
+              </a:r>
+              <a:r>
+                <a:rPr kumimoji="1" lang="en-US" altLang="ja-JP" sz="1000" dirty="0"/>
+                <a:t>-3mV/</a:t>
+              </a:r>
+              <a:r>
+                <a:rPr kumimoji="1" lang="ja-JP" altLang="en-US" sz="1000" dirty="0"/>
+                <a:t>℃）</a:t>
+              </a:r>
+            </a:p>
+          </p:txBody>
+        </p:sp>
+      </p:grpSp>
+    </p:spTree>
+    <p:extLst>
+      <p:ext uri="{BB962C8B-B14F-4D97-AF65-F5344CB8AC3E}">
+        <p14:creationId xmlns:p14="http://schemas.microsoft.com/office/powerpoint/2010/main" val="1314249603"/>
+      </p:ext>
+    </p:extLst>
+  </p:cSld>
+  <p:clrMapOvr>
+    <a:masterClrMapping/>
+  </p:clrMapOvr>
+</p:sld>
+</file>
+
+<file path=ppt/slides/slide2.xml><?xml version="1.0" encoding="utf-8"?>
+<p:sld xmlns:a="http://schemas.openxmlformats.org/drawingml/2006/main" xmlns:r="http://schemas.openxmlformats.org/officeDocument/2006/relationships" xmlns:p="http://schemas.openxmlformats.org/presentationml/2006/main">
+  <p:cSld>
+    <p:bg>
+      <p:bgPr>
+        <a:solidFill>
+          <a:schemeClr val="bg1">
+            <a:lumMod val="95000"/>
+          </a:schemeClr>
+        </a:solidFill>
+        <a:effectLst/>
+      </p:bgPr>
+    </p:bg>
+    <p:spTree>
+      <p:nvGrpSpPr>
+        <p:cNvPr id="1" name=""/>
+        <p:cNvGrpSpPr/>
+        <p:nvPr/>
+      </p:nvGrpSpPr>
+      <p:grpSpPr>
+        <a:xfrm>
+          <a:off x="0" y="0"/>
+          <a:ext cx="0" cy="0"/>
+          <a:chOff x="0" y="0"/>
+          <a:chExt cx="0" cy="0"/>
+        </a:xfrm>
+      </p:grpSpPr>
+      <p:sp>
+        <p:nvSpPr>
+          <p:cNvPr id="3" name="コンテンツ プレースホルダー 2">
+            <a:extLst>
+              <a:ext uri="{FF2B5EF4-FFF2-40B4-BE49-F238E27FC236}">
+                <a16:creationId xmlns:a16="http://schemas.microsoft.com/office/drawing/2014/main" id="{F9BF70A8-5848-CB3C-A8BC-73382703FC60}"/>
+              </a:ext>
+            </a:extLst>
+          </p:cNvPr>
+          <p:cNvSpPr>
+            <a:spLocks noGrp="1"/>
+          </p:cNvSpPr>
+          <p:nvPr>
+            <p:ph idx="1"/>
+          </p:nvPr>
+        </p:nvSpPr>
+        <p:spPr/>
+        <p:txBody>
+          <a:bodyPr/>
+          <a:lstStyle/>
+          <a:p>
+            <a:pPr marL="0" indent="0">
+              <a:buNone/>
+            </a:pPr>
+            <a:r>
+              <a:rPr kumimoji="1" lang="en-US" altLang="ja-JP" sz="3200" dirty="0"/>
+              <a:t>Index</a:t>
+            </a:r>
+          </a:p>
+          <a:p>
+            <a:pPr marL="0" indent="0">
+              <a:buNone/>
+            </a:pPr>
+            <a:r>
+              <a:rPr kumimoji="1" lang="en-US" altLang="ja-JP" sz="2400" dirty="0"/>
+              <a:t>(1) CMOS &amp; Bipolar</a:t>
+            </a:r>
+            <a:r>
+              <a:rPr kumimoji="1" lang="ja-JP" altLang="en-US" sz="2400" dirty="0"/>
+              <a:t>の</a:t>
+            </a:r>
+            <a:r>
+              <a:rPr lang="ja-JP" altLang="en-US" sz="2400" dirty="0"/>
+              <a:t>デバイス構造。</a:t>
+            </a:r>
+            <a:endParaRPr kumimoji="1" lang="ja-JP" altLang="en-US" sz="2400" dirty="0"/>
+          </a:p>
+          <a:p>
+            <a:pPr marL="0" indent="0">
+              <a:buNone/>
+            </a:pPr>
+            <a:r>
+              <a:rPr kumimoji="1" lang="en-US" altLang="ja-JP" sz="2400" dirty="0"/>
+              <a:t>(2) MOS</a:t>
+            </a:r>
+            <a:r>
+              <a:rPr kumimoji="1" lang="ja-JP" altLang="en-US" sz="2400" dirty="0"/>
+              <a:t>トランジスタの動作原理、（空乏層、強反転、</a:t>
+            </a:r>
+            <a:endParaRPr kumimoji="1" lang="en-US" altLang="ja-JP" sz="2400" dirty="0"/>
+          </a:p>
+          <a:p>
+            <a:pPr marL="0" indent="0">
+              <a:buNone/>
+            </a:pPr>
+            <a:r>
+              <a:rPr lang="en-US" altLang="ja-JP" sz="2400" dirty="0"/>
+              <a:t>    </a:t>
+            </a:r>
+            <a:r>
+              <a:rPr kumimoji="1" lang="ja-JP" altLang="en-US" sz="2400" dirty="0"/>
+              <a:t>  ピンチオフ）、温度特性式</a:t>
+            </a:r>
+            <a:r>
+              <a:rPr lang="ja-JP" altLang="en-US" sz="2400" dirty="0"/>
+              <a:t>。</a:t>
+            </a:r>
+            <a:br>
+              <a:rPr lang="en-US" altLang="ja-JP" sz="2400" dirty="0"/>
+            </a:br>
+            <a:r>
+              <a:rPr lang="ja-JP" altLang="en-US" sz="2400" dirty="0"/>
+              <a:t>　  対比として、</a:t>
+            </a:r>
+            <a:r>
+              <a:rPr lang="en-US" altLang="ja-JP" sz="2400" dirty="0"/>
+              <a:t>CCD</a:t>
+            </a:r>
+            <a:r>
+              <a:rPr lang="ja-JP" altLang="en-US" sz="2400" dirty="0"/>
+              <a:t>、</a:t>
+            </a:r>
+            <a:r>
+              <a:rPr lang="en-US" altLang="ja-JP" sz="2400" dirty="0"/>
+              <a:t>MOS</a:t>
+            </a:r>
+            <a:r>
+              <a:rPr lang="ja-JP" altLang="en-US" sz="2400" dirty="0"/>
+              <a:t>センサの動作</a:t>
+            </a:r>
+            <a:endParaRPr lang="en-US" altLang="ja-JP" sz="2400" dirty="0"/>
+          </a:p>
+          <a:p>
+            <a:pPr marL="0" indent="0">
+              <a:buNone/>
+            </a:pPr>
+            <a:r>
+              <a:rPr kumimoji="1" lang="en-US" altLang="ja-JP" sz="2400" dirty="0"/>
+              <a:t>(3) MOS</a:t>
+            </a:r>
+            <a:r>
+              <a:rPr kumimoji="1" lang="ja-JP" altLang="en-US" sz="2400" dirty="0"/>
+              <a:t>の論理回路</a:t>
+            </a:r>
+            <a:r>
+              <a:rPr kumimoji="1" lang="en-US" altLang="ja-JP" sz="2400" dirty="0"/>
+              <a:t>(</a:t>
+            </a:r>
+            <a:r>
+              <a:rPr kumimoji="1" lang="en-US" altLang="ja-JP" sz="2400" dirty="0" err="1"/>
+              <a:t>inv,nand,nor</a:t>
+            </a:r>
+            <a:r>
+              <a:rPr kumimoji="1" lang="en-US" altLang="ja-JP" sz="2400" dirty="0"/>
+              <a:t>)</a:t>
+            </a:r>
+            <a:r>
+              <a:rPr lang="ja-JP" altLang="en-US" sz="2400" dirty="0"/>
+              <a:t>、アナログ</a:t>
+            </a:r>
+            <a:r>
+              <a:rPr lang="en-US" altLang="ja-JP" sz="2400" dirty="0"/>
+              <a:t>SW</a:t>
+            </a:r>
+            <a:r>
+              <a:rPr kumimoji="1" lang="ja-JP" altLang="en-US" sz="2400" dirty="0"/>
+              <a:t>、</a:t>
+            </a:r>
+            <a:r>
+              <a:rPr lang="ja-JP" altLang="en-US" sz="2400" dirty="0"/>
+              <a:t>ショットキーダイオード、シャントレギュレータ、</a:t>
+            </a:r>
+            <a:r>
+              <a:rPr kumimoji="1" lang="ja-JP" altLang="en-US" sz="2400" dirty="0"/>
+              <a:t>レイアウト事例、</a:t>
+            </a:r>
+            <a:r>
+              <a:rPr kumimoji="1" lang="en-US" altLang="ja-JP" sz="2400" dirty="0"/>
+              <a:t>IO</a:t>
+            </a:r>
+            <a:r>
+              <a:rPr kumimoji="1" lang="ja-JP" altLang="en-US" sz="2400" dirty="0"/>
+              <a:t>周辺、標準ロジックの</a:t>
+            </a:r>
+            <a:r>
+              <a:rPr kumimoji="1" lang="en-US" altLang="ja-JP" sz="2400" dirty="0"/>
+              <a:t>IO</a:t>
+            </a:r>
+            <a:r>
+              <a:rPr kumimoji="1" lang="ja-JP" altLang="en-US" sz="2400" dirty="0"/>
+              <a:t>トレラント。</a:t>
+            </a:r>
+            <a:endParaRPr kumimoji="1" lang="en-US" altLang="ja-JP" sz="2400" dirty="0"/>
+          </a:p>
+          <a:p>
+            <a:pPr marL="0" indent="0">
+              <a:buNone/>
+            </a:pPr>
+            <a:endParaRPr kumimoji="1" lang="ja-JP" altLang="en-US" sz="2400" dirty="0"/>
+          </a:p>
+          <a:p>
+            <a:pPr marL="0" indent="0">
+              <a:buNone/>
+            </a:pPr>
+            <a:endParaRPr kumimoji="1" lang="ja-JP" altLang="en-US" dirty="0"/>
+          </a:p>
+        </p:txBody>
+      </p:sp>
+      <p:sp>
+        <p:nvSpPr>
+          <p:cNvPr id="4" name="スライド番号プレースホルダー 3">
+            <a:extLst>
+              <a:ext uri="{FF2B5EF4-FFF2-40B4-BE49-F238E27FC236}">
+                <a16:creationId xmlns:a16="http://schemas.microsoft.com/office/drawing/2014/main" id="{F3EAADB4-9B02-A9DC-9385-326FAAA4235C}"/>
+              </a:ext>
+            </a:extLst>
+          </p:cNvPr>
+          <p:cNvSpPr>
+            <a:spLocks noGrp="1"/>
+          </p:cNvSpPr>
+          <p:nvPr>
+            <p:ph type="sldNum" sz="quarter" idx="12"/>
+          </p:nvPr>
+        </p:nvSpPr>
+        <p:spPr/>
+        <p:txBody>
+          <a:bodyPr/>
+          <a:lstStyle/>
+          <a:p>
+            <a:fld id="{4C0238C6-DFEE-4049-817C-214F39B6A44B}" type="slidenum">
+              <a:rPr kumimoji="1" lang="ja-JP" altLang="en-US" smtClean="0"/>
+              <a:t>2</a:t>
+            </a:fld>
+            <a:endParaRPr kumimoji="1" lang="ja-JP" altLang="en-US"/>
+          </a:p>
+        </p:txBody>
+      </p:sp>
+    </p:spTree>
+    <p:extLst>
+      <p:ext uri="{BB962C8B-B14F-4D97-AF65-F5344CB8AC3E}">
+        <p14:creationId xmlns:p14="http://schemas.microsoft.com/office/powerpoint/2010/main" val="2703209064"/>
+      </p:ext>
+    </p:extLst>
+  </p:cSld>
+  <p:clrMapOvr>
+    <a:masterClrMapping/>
+  </p:clrMapOvr>
+</p:sld>
+</file>
+
+<file path=ppt/slides/slide20.xml><?xml version="1.0" encoding="utf-8"?>
+<p:sld xmlns:a="http://schemas.openxmlformats.org/drawingml/2006/main" xmlns:r="http://schemas.openxmlformats.org/officeDocument/2006/relationships" xmlns:p="http://schemas.openxmlformats.org/presentationml/2006/main">
+  <p:cSld>
+    <p:bg>
+      <p:bgPr>
+        <a:solidFill>
+          <a:schemeClr val="bg1">
+            <a:lumMod val="95000"/>
+          </a:schemeClr>
+        </a:solidFill>
+        <a:effectLst/>
+      </p:bgPr>
+    </p:bg>
+    <p:spTree>
+      <p:nvGrpSpPr>
+        <p:cNvPr id="1" name=""/>
+        <p:cNvGrpSpPr/>
+        <p:nvPr/>
+      </p:nvGrpSpPr>
+      <p:grpSpPr>
+        <a:xfrm>
+          <a:off x="0" y="0"/>
+          <a:ext cx="0" cy="0"/>
+          <a:chOff x="0" y="0"/>
+          <a:chExt cx="0" cy="0"/>
+        </a:xfrm>
+      </p:grpSpPr>
+      <p:sp>
+        <p:nvSpPr>
+          <p:cNvPr id="2" name="タイトル 1">
+            <a:extLst>
+              <a:ext uri="{FF2B5EF4-FFF2-40B4-BE49-F238E27FC236}">
+                <a16:creationId xmlns:a16="http://schemas.microsoft.com/office/drawing/2014/main" id="{BE220D37-4FB0-39E6-6E6A-C9C381C3E7A4}"/>
+              </a:ext>
+            </a:extLst>
+          </p:cNvPr>
+          <p:cNvSpPr>
+            <a:spLocks noGrp="1"/>
+          </p:cNvSpPr>
+          <p:nvPr>
+            <p:ph type="title"/>
+          </p:nvPr>
+        </p:nvSpPr>
+        <p:spPr/>
+        <p:txBody>
+          <a:bodyPr>
+            <a:normAutofit/>
+          </a:bodyPr>
+          <a:lstStyle/>
+          <a:p>
+            <a:pPr marL="0" indent="0" algn="ctr">
+              <a:buNone/>
+            </a:pPr>
+            <a:r>
+              <a:rPr lang="en-US" altLang="ja-JP" sz="4000" dirty="0"/>
+              <a:t>CCD</a:t>
+            </a:r>
+            <a:r>
+              <a:rPr lang="ja-JP" altLang="en-US" sz="4000" dirty="0"/>
+              <a:t>、</a:t>
+            </a:r>
+            <a:r>
+              <a:rPr lang="en-US" altLang="ja-JP" sz="4000" dirty="0"/>
+              <a:t>MOS</a:t>
+            </a:r>
+            <a:r>
+              <a:rPr lang="ja-JP" altLang="en-US" sz="4000" dirty="0"/>
+              <a:t>センサの動作</a:t>
+            </a:r>
+            <a:endParaRPr kumimoji="1" lang="ja-JP" altLang="en-US" sz="4000" dirty="0"/>
+          </a:p>
+        </p:txBody>
+      </p:sp>
+      <p:sp>
+        <p:nvSpPr>
+          <p:cNvPr id="3" name="コンテンツ プレースホルダー 2">
+            <a:extLst>
+              <a:ext uri="{FF2B5EF4-FFF2-40B4-BE49-F238E27FC236}">
+                <a16:creationId xmlns:a16="http://schemas.microsoft.com/office/drawing/2014/main" id="{58649F6E-CDB0-3A67-5D2F-1DB1FAEE7399}"/>
+              </a:ext>
+            </a:extLst>
+          </p:cNvPr>
+          <p:cNvSpPr>
+            <a:spLocks noGrp="1"/>
+          </p:cNvSpPr>
+          <p:nvPr>
+            <p:ph idx="1"/>
+          </p:nvPr>
+        </p:nvSpPr>
+        <p:spPr/>
+        <p:txBody>
+          <a:bodyPr/>
+          <a:lstStyle/>
+          <a:p>
+            <a:endParaRPr kumimoji="1" lang="ja-JP" altLang="en-US" dirty="0"/>
+          </a:p>
+        </p:txBody>
+      </p:sp>
+      <p:sp>
+        <p:nvSpPr>
+          <p:cNvPr id="4" name="スライド番号プレースホルダー 3">
+            <a:extLst>
+              <a:ext uri="{FF2B5EF4-FFF2-40B4-BE49-F238E27FC236}">
+                <a16:creationId xmlns:a16="http://schemas.microsoft.com/office/drawing/2014/main" id="{C83EFACE-E617-F542-DF66-FACA86824CF3}"/>
+              </a:ext>
+            </a:extLst>
+          </p:cNvPr>
+          <p:cNvSpPr>
+            <a:spLocks noGrp="1"/>
+          </p:cNvSpPr>
+          <p:nvPr>
+            <p:ph type="sldNum" sz="quarter" idx="12"/>
+          </p:nvPr>
+        </p:nvSpPr>
+        <p:spPr/>
+        <p:txBody>
+          <a:bodyPr/>
+          <a:lstStyle/>
+          <a:p>
+            <a:fld id="{4C0238C6-DFEE-4049-817C-214F39B6A44B}" type="slidenum">
+              <a:rPr kumimoji="1" lang="ja-JP" altLang="en-US" smtClean="0"/>
+              <a:t>20</a:t>
+            </a:fld>
+            <a:endParaRPr kumimoji="1" lang="ja-JP" altLang="en-US"/>
+          </a:p>
+        </p:txBody>
+      </p:sp>
+    </p:spTree>
+    <p:extLst>
+      <p:ext uri="{BB962C8B-B14F-4D97-AF65-F5344CB8AC3E}">
+        <p14:creationId xmlns:p14="http://schemas.microsoft.com/office/powerpoint/2010/main" val="1861603049"/>
+      </p:ext>
+    </p:extLst>
+  </p:cSld>
+  <p:clrMapOvr>
+    <a:masterClrMapping/>
+  </p:clrMapOvr>
+</p:sld>
+</file>
+
+<file path=ppt/slides/slide3.xml><?xml version="1.0" encoding="utf-8"?>
+<p:sld xmlns:a="http://schemas.openxmlformats.org/drawingml/2006/main" xmlns:r="http://schemas.openxmlformats.org/officeDocument/2006/relationships" xmlns:p="http://schemas.openxmlformats.org/presentationml/2006/main">
+  <p:cSld>
+    <p:bg>
+      <p:bgPr>
+        <a:solidFill>
+          <a:schemeClr val="bg1">
+            <a:lumMod val="95000"/>
+          </a:schemeClr>
+        </a:solidFill>
+        <a:effectLst/>
+      </p:bgPr>
+    </p:bg>
+    <p:spTree>
+      <p:nvGrpSpPr>
+        <p:cNvPr id="1" name=""/>
+        <p:cNvGrpSpPr/>
+        <p:nvPr/>
+      </p:nvGrpSpPr>
+      <p:grpSpPr>
+        <a:xfrm>
+          <a:off x="0" y="0"/>
+          <a:ext cx="0" cy="0"/>
+          <a:chOff x="0" y="0"/>
+          <a:chExt cx="0" cy="0"/>
+        </a:xfrm>
+      </p:grpSpPr>
+      <p:sp>
+        <p:nvSpPr>
+          <p:cNvPr id="2" name="タイトル 1">
+            <a:extLst>
+              <a:ext uri="{FF2B5EF4-FFF2-40B4-BE49-F238E27FC236}">
+                <a16:creationId xmlns:a16="http://schemas.microsoft.com/office/drawing/2014/main" id="{BE220D37-4FB0-39E6-6E6A-C9C381C3E7A4}"/>
+              </a:ext>
+            </a:extLst>
+          </p:cNvPr>
+          <p:cNvSpPr>
+            <a:spLocks noGrp="1"/>
+          </p:cNvSpPr>
+          <p:nvPr>
+            <p:ph type="title"/>
+          </p:nvPr>
+        </p:nvSpPr>
+        <p:spPr/>
+        <p:txBody>
+          <a:bodyPr>
+            <a:normAutofit/>
+          </a:bodyPr>
+          <a:lstStyle/>
+          <a:p>
+            <a:pPr marL="0" indent="0" algn="ctr">
+              <a:buNone/>
+            </a:pPr>
+            <a:r>
+              <a:rPr kumimoji="1" lang="en-US" altLang="ja-JP" sz="2800" dirty="0"/>
+              <a:t>MOS</a:t>
+            </a:r>
+            <a:r>
+              <a:rPr lang="en-US" altLang="ja-JP" sz="2800" dirty="0"/>
+              <a:t>-Tr</a:t>
+            </a:r>
+            <a:r>
+              <a:rPr lang="ja-JP" altLang="en-US" sz="2800" dirty="0"/>
+              <a:t>のディスクリート＆</a:t>
+            </a:r>
+            <a:r>
+              <a:rPr lang="en-US" altLang="ja-JP" sz="2800" dirty="0"/>
+              <a:t>IC</a:t>
+            </a:r>
+            <a:r>
+              <a:rPr lang="ja-JP" altLang="en-US" sz="2800" dirty="0"/>
+              <a:t>のデバイス構造</a:t>
+            </a:r>
+            <a:endParaRPr kumimoji="1" lang="ja-JP" altLang="en-US" sz="2800" dirty="0"/>
+          </a:p>
+        </p:txBody>
+      </p:sp>
+      <p:pic>
+        <p:nvPicPr>
+          <p:cNvPr id="6" name="コンテンツ プレースホルダー 5">
+            <a:extLst>
+              <a:ext uri="{FF2B5EF4-FFF2-40B4-BE49-F238E27FC236}">
+                <a16:creationId xmlns:a16="http://schemas.microsoft.com/office/drawing/2014/main" id="{535C7FD3-2E05-8944-1AE6-822190BFD639}"/>
+              </a:ext>
+            </a:extLst>
+          </p:cNvPr>
+          <p:cNvPicPr>
+            <a:picLocks noGrp="1" noChangeAspect="1"/>
+          </p:cNvPicPr>
+          <p:nvPr>
+            <p:ph idx="1"/>
+          </p:nvPr>
+        </p:nvPicPr>
+        <p:blipFill>
+          <a:blip r:embed="rId2"/>
+          <a:stretch>
+            <a:fillRect/>
+          </a:stretch>
+        </p:blipFill>
+        <p:spPr>
+          <a:xfrm>
+            <a:off x="1058961" y="2153470"/>
+            <a:ext cx="2379387" cy="1555155"/>
+          </a:xfrm>
+        </p:spPr>
+      </p:pic>
+      <p:sp>
+        <p:nvSpPr>
+          <p:cNvPr id="4" name="スライド番号プレースホルダー 3">
+            <a:extLst>
+              <a:ext uri="{FF2B5EF4-FFF2-40B4-BE49-F238E27FC236}">
+                <a16:creationId xmlns:a16="http://schemas.microsoft.com/office/drawing/2014/main" id="{4F8153B5-CB0F-1C2C-83E8-D06F82895FCF}"/>
+              </a:ext>
+            </a:extLst>
+          </p:cNvPr>
+          <p:cNvSpPr>
+            <a:spLocks noGrp="1"/>
+          </p:cNvSpPr>
+          <p:nvPr>
+            <p:ph type="sldNum" sz="quarter" idx="12"/>
+          </p:nvPr>
+        </p:nvSpPr>
+        <p:spPr/>
+        <p:txBody>
+          <a:bodyPr/>
+          <a:lstStyle/>
+          <a:p>
+            <a:fld id="{4C0238C6-DFEE-4049-817C-214F39B6A44B}" type="slidenum">
+              <a:rPr kumimoji="1" lang="ja-JP" altLang="en-US" smtClean="0"/>
+              <a:t>3</a:t>
+            </a:fld>
+            <a:endParaRPr kumimoji="1" lang="ja-JP" altLang="en-US"/>
+          </a:p>
+        </p:txBody>
+      </p:sp>
+      <p:sp>
+        <p:nvSpPr>
+          <p:cNvPr id="7" name="テキスト ボックス 6">
+            <a:extLst>
+              <a:ext uri="{FF2B5EF4-FFF2-40B4-BE49-F238E27FC236}">
+                <a16:creationId xmlns:a16="http://schemas.microsoft.com/office/drawing/2014/main" id="{9FC78D4A-105C-1079-449E-0E4E01456E05}"/>
+              </a:ext>
+            </a:extLst>
+          </p:cNvPr>
+          <p:cNvSpPr txBox="1"/>
+          <p:nvPr/>
+        </p:nvSpPr>
+        <p:spPr>
+          <a:xfrm>
+            <a:off x="1058959" y="1507139"/>
+            <a:ext cx="2379387" cy="646331"/>
+          </a:xfrm>
+          <a:prstGeom prst="rect">
+            <a:avLst/>
+          </a:prstGeom>
+          <a:noFill/>
+        </p:spPr>
+        <p:txBody>
+          <a:bodyPr wrap="square" rtlCol="0">
+            <a:spAutoFit/>
+          </a:bodyPr>
+          <a:lstStyle/>
+          <a:p>
+            <a:r>
+              <a:rPr kumimoji="1" lang="ja-JP" altLang="en-US" dirty="0"/>
+              <a:t>東芝 ディスクリート</a:t>
+            </a:r>
+            <a:r>
+              <a:rPr kumimoji="1" lang="en-US" altLang="ja-JP" dirty="0" err="1"/>
+              <a:t>Nch</a:t>
+            </a:r>
+            <a:r>
+              <a:rPr kumimoji="1" lang="en-US" altLang="ja-JP" dirty="0"/>
+              <a:t>-MOS FET</a:t>
+            </a:r>
+            <a:endParaRPr kumimoji="1" lang="ja-JP" altLang="en-US" dirty="0"/>
+          </a:p>
+        </p:txBody>
+      </p:sp>
+      <p:pic>
+        <p:nvPicPr>
+          <p:cNvPr id="9" name="図 8">
+            <a:extLst>
+              <a:ext uri="{FF2B5EF4-FFF2-40B4-BE49-F238E27FC236}">
+                <a16:creationId xmlns:a16="http://schemas.microsoft.com/office/drawing/2014/main" id="{D38FAE7D-2772-CCD5-5D6D-58B0C093AC1F}"/>
+              </a:ext>
+            </a:extLst>
+          </p:cNvPr>
+          <p:cNvPicPr>
+            <a:picLocks noChangeAspect="1"/>
+          </p:cNvPicPr>
+          <p:nvPr/>
+        </p:nvPicPr>
+        <p:blipFill>
+          <a:blip r:embed="rId3"/>
+          <a:stretch>
+            <a:fillRect/>
+          </a:stretch>
+        </p:blipFill>
+        <p:spPr>
+          <a:xfrm>
+            <a:off x="1058958" y="4778524"/>
+            <a:ext cx="2379387" cy="1577827"/>
+          </a:xfrm>
+          <a:prstGeom prst="rect">
+            <a:avLst/>
+          </a:prstGeom>
+        </p:spPr>
+      </p:pic>
+      <p:sp>
+        <p:nvSpPr>
+          <p:cNvPr id="11" name="テキスト ボックス 10">
+            <a:extLst>
+              <a:ext uri="{FF2B5EF4-FFF2-40B4-BE49-F238E27FC236}">
+                <a16:creationId xmlns:a16="http://schemas.microsoft.com/office/drawing/2014/main" id="{46D903D6-7BFB-E700-4A88-2A41E9FED115}"/>
+              </a:ext>
+            </a:extLst>
+          </p:cNvPr>
+          <p:cNvSpPr txBox="1"/>
+          <p:nvPr/>
+        </p:nvSpPr>
+        <p:spPr>
+          <a:xfrm>
+            <a:off x="1058958" y="4116638"/>
+            <a:ext cx="2379387" cy="646331"/>
+          </a:xfrm>
+          <a:prstGeom prst="rect">
+            <a:avLst/>
+          </a:prstGeom>
+          <a:noFill/>
+        </p:spPr>
+        <p:txBody>
+          <a:bodyPr wrap="square" rtlCol="0">
+            <a:spAutoFit/>
+          </a:bodyPr>
+          <a:lstStyle/>
+          <a:p>
+            <a:r>
+              <a:rPr kumimoji="1" lang="ja-JP" altLang="en-US" dirty="0"/>
+              <a:t>東芝 ディスクリート</a:t>
+            </a:r>
+            <a:r>
+              <a:rPr kumimoji="1" lang="en-US" altLang="ja-JP" dirty="0" err="1"/>
+              <a:t>Pch</a:t>
+            </a:r>
+            <a:r>
+              <a:rPr kumimoji="1" lang="en-US" altLang="ja-JP" dirty="0"/>
+              <a:t>-MOS FET</a:t>
+            </a:r>
+            <a:endParaRPr kumimoji="1" lang="ja-JP" altLang="en-US" dirty="0"/>
+          </a:p>
+        </p:txBody>
+      </p:sp>
+      <p:pic>
+        <p:nvPicPr>
+          <p:cNvPr id="15" name="図 14">
+            <a:extLst>
+              <a:ext uri="{FF2B5EF4-FFF2-40B4-BE49-F238E27FC236}">
+                <a16:creationId xmlns:a16="http://schemas.microsoft.com/office/drawing/2014/main" id="{27E1CA56-C391-064D-8372-E3BCDB8EF7BD}"/>
+              </a:ext>
+            </a:extLst>
+          </p:cNvPr>
+          <p:cNvPicPr>
+            <a:picLocks noChangeAspect="1"/>
+          </p:cNvPicPr>
+          <p:nvPr/>
+        </p:nvPicPr>
+        <p:blipFill>
+          <a:blip r:embed="rId4"/>
+          <a:stretch>
+            <a:fillRect/>
+          </a:stretch>
+        </p:blipFill>
+        <p:spPr>
+          <a:xfrm>
+            <a:off x="4292872" y="3689017"/>
+            <a:ext cx="4227286" cy="2079454"/>
+          </a:xfrm>
+          <a:prstGeom prst="rect">
+            <a:avLst/>
+          </a:prstGeom>
+        </p:spPr>
+      </p:pic>
+      <p:sp>
+        <p:nvSpPr>
+          <p:cNvPr id="16" name="テキスト ボックス 15">
+            <a:extLst>
+              <a:ext uri="{FF2B5EF4-FFF2-40B4-BE49-F238E27FC236}">
+                <a16:creationId xmlns:a16="http://schemas.microsoft.com/office/drawing/2014/main" id="{11A32821-2E8A-881F-0897-AF13ABF4B811}"/>
+              </a:ext>
+            </a:extLst>
+          </p:cNvPr>
+          <p:cNvSpPr txBox="1"/>
+          <p:nvPr/>
+        </p:nvSpPr>
+        <p:spPr>
+          <a:xfrm>
+            <a:off x="4855624" y="3283416"/>
+            <a:ext cx="2804381" cy="369332"/>
+          </a:xfrm>
+          <a:prstGeom prst="rect">
+            <a:avLst/>
+          </a:prstGeom>
+          <a:noFill/>
+        </p:spPr>
+        <p:txBody>
+          <a:bodyPr wrap="square" rtlCol="0">
+            <a:spAutoFit/>
+          </a:bodyPr>
+          <a:lstStyle/>
+          <a:p>
+            <a:r>
+              <a:rPr kumimoji="1" lang="ja-JP" altLang="en-US" dirty="0"/>
+              <a:t>東芝 </a:t>
+            </a:r>
+            <a:r>
+              <a:rPr kumimoji="1" lang="en-US" altLang="ja-JP" dirty="0"/>
+              <a:t>CMOS Tr (inverter)</a:t>
+            </a:r>
+            <a:endParaRPr kumimoji="1" lang="ja-JP" altLang="en-US" dirty="0"/>
+          </a:p>
+        </p:txBody>
+      </p:sp>
+      <p:pic>
+        <p:nvPicPr>
+          <p:cNvPr id="18" name="図 17">
+            <a:extLst>
+              <a:ext uri="{FF2B5EF4-FFF2-40B4-BE49-F238E27FC236}">
+                <a16:creationId xmlns:a16="http://schemas.microsoft.com/office/drawing/2014/main" id="{B356BF06-4EFE-D583-A704-66016C14355A}"/>
+              </a:ext>
+            </a:extLst>
+          </p:cNvPr>
+          <p:cNvPicPr>
+            <a:picLocks noChangeAspect="1"/>
+          </p:cNvPicPr>
+          <p:nvPr/>
+        </p:nvPicPr>
+        <p:blipFill>
+          <a:blip r:embed="rId5"/>
+          <a:stretch>
+            <a:fillRect/>
+          </a:stretch>
+        </p:blipFill>
+        <p:spPr>
+          <a:xfrm>
+            <a:off x="6751230" y="1923394"/>
+            <a:ext cx="1367970" cy="1243011"/>
+          </a:xfrm>
+          <a:prstGeom prst="rect">
+            <a:avLst/>
+          </a:prstGeom>
+        </p:spPr>
+      </p:pic>
+      <p:pic>
+        <p:nvPicPr>
+          <p:cNvPr id="20" name="図 19">
+            <a:extLst>
+              <a:ext uri="{FF2B5EF4-FFF2-40B4-BE49-F238E27FC236}">
+                <a16:creationId xmlns:a16="http://schemas.microsoft.com/office/drawing/2014/main" id="{73F6F009-D9BF-4132-BC8A-AAF4228B0942}"/>
+              </a:ext>
+            </a:extLst>
+          </p:cNvPr>
+          <p:cNvPicPr>
+            <a:picLocks noChangeAspect="1"/>
+          </p:cNvPicPr>
+          <p:nvPr/>
+        </p:nvPicPr>
+        <p:blipFill>
+          <a:blip r:embed="rId6"/>
+          <a:stretch>
+            <a:fillRect/>
+          </a:stretch>
+        </p:blipFill>
+        <p:spPr>
+          <a:xfrm>
+            <a:off x="4836353" y="2034432"/>
+            <a:ext cx="1114581" cy="1005028"/>
+          </a:xfrm>
+          <a:prstGeom prst="rect">
+            <a:avLst/>
+          </a:prstGeom>
+        </p:spPr>
+      </p:pic>
+      <p:sp>
+        <p:nvSpPr>
+          <p:cNvPr id="21" name="四角形: 角を丸くする 20">
+            <a:extLst>
+              <a:ext uri="{FF2B5EF4-FFF2-40B4-BE49-F238E27FC236}">
+                <a16:creationId xmlns:a16="http://schemas.microsoft.com/office/drawing/2014/main" id="{B7546A48-3E44-B759-E7FD-13A0D6494D29}"/>
+              </a:ext>
+            </a:extLst>
+          </p:cNvPr>
+          <p:cNvSpPr/>
+          <p:nvPr/>
+        </p:nvSpPr>
+        <p:spPr>
+          <a:xfrm>
+            <a:off x="628650" y="1431608"/>
+            <a:ext cx="3196590" cy="2425949"/>
+          </a:xfrm>
+          <a:prstGeom prst="roundRect">
+            <a:avLst/>
+          </a:prstGeom>
+          <a:noFill/>
+        </p:spPr>
+        <p:style>
+          <a:lnRef idx="2">
+            <a:schemeClr val="accent1">
+              <a:shade val="15000"/>
+            </a:schemeClr>
+          </a:lnRef>
+          <a:fillRef idx="1">
+            <a:schemeClr val="accent1"/>
+          </a:fillRef>
+          <a:effectRef idx="0">
+            <a:schemeClr val="accent1"/>
+          </a:effectRef>
+          <a:fontRef idx="minor">
+            <a:schemeClr val="lt1"/>
+          </a:fontRef>
+        </p:style>
+        <p:txBody>
+          <a:bodyPr rtlCol="0" anchor="ctr"/>
+          <a:lstStyle/>
+          <a:p>
+            <a:pPr algn="ctr"/>
+            <a:endParaRPr kumimoji="1" lang="ja-JP" altLang="en-US"/>
+          </a:p>
+        </p:txBody>
+      </p:sp>
+      <p:sp>
+        <p:nvSpPr>
+          <p:cNvPr id="22" name="四角形: 角を丸くする 21">
+            <a:extLst>
+              <a:ext uri="{FF2B5EF4-FFF2-40B4-BE49-F238E27FC236}">
+                <a16:creationId xmlns:a16="http://schemas.microsoft.com/office/drawing/2014/main" id="{538CF066-87EE-C3C1-6867-88A5E7EAFE93}"/>
+              </a:ext>
+            </a:extLst>
+          </p:cNvPr>
+          <p:cNvSpPr/>
+          <p:nvPr/>
+        </p:nvSpPr>
+        <p:spPr>
+          <a:xfrm>
+            <a:off x="650356" y="4041712"/>
+            <a:ext cx="3196590" cy="2425949"/>
+          </a:xfrm>
+          <a:prstGeom prst="roundRect">
+            <a:avLst/>
+          </a:prstGeom>
+          <a:noFill/>
+        </p:spPr>
+        <p:style>
+          <a:lnRef idx="2">
+            <a:schemeClr val="accent1">
+              <a:shade val="15000"/>
+            </a:schemeClr>
+          </a:lnRef>
+          <a:fillRef idx="1">
+            <a:schemeClr val="accent1"/>
+          </a:fillRef>
+          <a:effectRef idx="0">
+            <a:schemeClr val="accent1"/>
+          </a:effectRef>
+          <a:fontRef idx="minor">
+            <a:schemeClr val="lt1"/>
+          </a:fontRef>
+        </p:style>
+        <p:txBody>
+          <a:bodyPr rtlCol="0" anchor="ctr"/>
+          <a:lstStyle/>
+          <a:p>
+            <a:pPr algn="ctr"/>
+            <a:endParaRPr kumimoji="1" lang="ja-JP" altLang="en-US"/>
+          </a:p>
+        </p:txBody>
+      </p:sp>
+      <p:sp>
+        <p:nvSpPr>
+          <p:cNvPr id="23" name="四角形: 角を丸くする 22">
+            <a:extLst>
+              <a:ext uri="{FF2B5EF4-FFF2-40B4-BE49-F238E27FC236}">
+                <a16:creationId xmlns:a16="http://schemas.microsoft.com/office/drawing/2014/main" id="{E3CFC537-1AE2-BE02-79F4-D6AB073E8199}"/>
+              </a:ext>
+            </a:extLst>
+          </p:cNvPr>
+          <p:cNvSpPr/>
+          <p:nvPr/>
+        </p:nvSpPr>
+        <p:spPr>
+          <a:xfrm>
+            <a:off x="4082415" y="1700461"/>
+            <a:ext cx="4751070" cy="4314191"/>
+          </a:xfrm>
+          <a:prstGeom prst="roundRect">
+            <a:avLst/>
+          </a:prstGeom>
+          <a:noFill/>
+        </p:spPr>
+        <p:style>
+          <a:lnRef idx="2">
+            <a:schemeClr val="accent1">
+              <a:shade val="15000"/>
+            </a:schemeClr>
+          </a:lnRef>
+          <a:fillRef idx="1">
+            <a:schemeClr val="accent1"/>
+          </a:fillRef>
+          <a:effectRef idx="0">
+            <a:schemeClr val="accent1"/>
+          </a:effectRef>
+          <a:fontRef idx="minor">
+            <a:schemeClr val="lt1"/>
+          </a:fontRef>
+        </p:style>
+        <p:txBody>
+          <a:bodyPr rtlCol="0" anchor="ctr"/>
+          <a:lstStyle/>
+          <a:p>
+            <a:pPr algn="ctr"/>
+            <a:endParaRPr kumimoji="1" lang="ja-JP" altLang="en-US"/>
+          </a:p>
+        </p:txBody>
+      </p:sp>
+    </p:spTree>
+    <p:extLst>
+      <p:ext uri="{BB962C8B-B14F-4D97-AF65-F5344CB8AC3E}">
+        <p14:creationId xmlns:p14="http://schemas.microsoft.com/office/powerpoint/2010/main" val="2280408815"/>
+      </p:ext>
+    </p:extLst>
+  </p:cSld>
+  <p:clrMapOvr>
+    <a:masterClrMapping/>
+  </p:clrMapOvr>
+</p:sld>
+</file>
+
+<file path=ppt/slides/slide4.xml><?xml version="1.0" encoding="utf-8"?>
+<p:sld xmlns:a="http://schemas.openxmlformats.org/drawingml/2006/main" xmlns:r="http://schemas.openxmlformats.org/officeDocument/2006/relationships" xmlns:p="http://schemas.openxmlformats.org/presentationml/2006/main">
+  <p:cSld>
+    <p:bg>
+      <p:bgPr>
+        <a:solidFill>
+          <a:schemeClr val="bg1">
+            <a:lumMod val="95000"/>
+          </a:schemeClr>
+        </a:solidFill>
+        <a:effectLst/>
+      </p:bgPr>
+    </p:bg>
+    <p:spTree>
+      <p:nvGrpSpPr>
+        <p:cNvPr id="1" name=""/>
+        <p:cNvGrpSpPr/>
+        <p:nvPr/>
+      </p:nvGrpSpPr>
+      <p:grpSpPr>
+        <a:xfrm>
+          <a:off x="0" y="0"/>
+          <a:ext cx="0" cy="0"/>
+          <a:chOff x="0" y="0"/>
+          <a:chExt cx="0" cy="0"/>
+        </a:xfrm>
+      </p:grpSpPr>
+      <p:sp>
+        <p:nvSpPr>
+          <p:cNvPr id="2" name="タイトル 1">
+            <a:extLst>
+              <a:ext uri="{FF2B5EF4-FFF2-40B4-BE49-F238E27FC236}">
+                <a16:creationId xmlns:a16="http://schemas.microsoft.com/office/drawing/2014/main" id="{BE220D37-4FB0-39E6-6E6A-C9C381C3E7A4}"/>
+              </a:ext>
+            </a:extLst>
+          </p:cNvPr>
+          <p:cNvSpPr>
+            <a:spLocks noGrp="1"/>
+          </p:cNvSpPr>
+          <p:nvPr>
+            <p:ph type="title"/>
+          </p:nvPr>
+        </p:nvSpPr>
+        <p:spPr/>
+        <p:txBody>
+          <a:bodyPr>
+            <a:normAutofit/>
+          </a:bodyPr>
+          <a:lstStyle/>
+          <a:p>
+            <a:pPr marL="0" indent="0" algn="ctr">
+              <a:buNone/>
+            </a:pPr>
+            <a:r>
+              <a:rPr kumimoji="1" lang="en-US" altLang="ja-JP" sz="2800" dirty="0"/>
+              <a:t>N</a:t>
+            </a:r>
+            <a:r>
+              <a:rPr kumimoji="1" lang="ja-JP" altLang="en-US" sz="2800" dirty="0"/>
+              <a:t>型半導体と</a:t>
+            </a:r>
+            <a:r>
+              <a:rPr kumimoji="1" lang="en-US" altLang="ja-JP" sz="2800" dirty="0"/>
+              <a:t>p</a:t>
+            </a:r>
+            <a:r>
+              <a:rPr kumimoji="1" lang="ja-JP" altLang="en-US" sz="2800" dirty="0"/>
+              <a:t>型半導体</a:t>
+            </a:r>
+          </a:p>
+        </p:txBody>
+      </p:sp>
+      <p:pic>
+        <p:nvPicPr>
+          <p:cNvPr id="6" name="コンテンツ プレースホルダー 5">
+            <a:extLst>
+              <a:ext uri="{FF2B5EF4-FFF2-40B4-BE49-F238E27FC236}">
+                <a16:creationId xmlns:a16="http://schemas.microsoft.com/office/drawing/2014/main" id="{98A40F1A-C172-FD16-67E0-1492AC31BCCA}"/>
+              </a:ext>
+            </a:extLst>
+          </p:cNvPr>
+          <p:cNvPicPr>
+            <a:picLocks noGrp="1" noChangeAspect="1"/>
+          </p:cNvPicPr>
+          <p:nvPr>
+            <p:ph idx="1"/>
+          </p:nvPr>
+        </p:nvPicPr>
+        <p:blipFill>
+          <a:blip r:embed="rId2"/>
+          <a:stretch>
+            <a:fillRect/>
+          </a:stretch>
+        </p:blipFill>
+        <p:spPr>
+          <a:xfrm>
+            <a:off x="1526751" y="1608577"/>
+            <a:ext cx="1262170" cy="439015"/>
+          </a:xfrm>
+        </p:spPr>
+      </p:pic>
+      <p:sp>
+        <p:nvSpPr>
+          <p:cNvPr id="4" name="スライド番号プレースホルダー 3">
+            <a:extLst>
+              <a:ext uri="{FF2B5EF4-FFF2-40B4-BE49-F238E27FC236}">
+                <a16:creationId xmlns:a16="http://schemas.microsoft.com/office/drawing/2014/main" id="{5E4E741B-FE9D-0BB2-5AC8-CC52BAE19ADA}"/>
+              </a:ext>
+            </a:extLst>
+          </p:cNvPr>
+          <p:cNvSpPr>
+            <a:spLocks noGrp="1"/>
+          </p:cNvSpPr>
+          <p:nvPr>
+            <p:ph type="sldNum" sz="quarter" idx="12"/>
+          </p:nvPr>
+        </p:nvSpPr>
+        <p:spPr/>
+        <p:txBody>
+          <a:bodyPr/>
+          <a:lstStyle/>
+          <a:p>
+            <a:fld id="{4C0238C6-DFEE-4049-817C-214F39B6A44B}" type="slidenum">
+              <a:rPr kumimoji="1" lang="ja-JP" altLang="en-US" smtClean="0"/>
+              <a:t>4</a:t>
+            </a:fld>
+            <a:endParaRPr kumimoji="1" lang="ja-JP" altLang="en-US"/>
+          </a:p>
+        </p:txBody>
+      </p:sp>
+      <p:pic>
+        <p:nvPicPr>
+          <p:cNvPr id="8" name="図 7">
+            <a:extLst>
+              <a:ext uri="{FF2B5EF4-FFF2-40B4-BE49-F238E27FC236}">
+                <a16:creationId xmlns:a16="http://schemas.microsoft.com/office/drawing/2014/main" id="{556B423D-6287-6553-98B0-77241A3AB3B7}"/>
+              </a:ext>
+            </a:extLst>
+          </p:cNvPr>
+          <p:cNvPicPr>
+            <a:picLocks noChangeAspect="1"/>
+          </p:cNvPicPr>
+          <p:nvPr/>
+        </p:nvPicPr>
+        <p:blipFill>
+          <a:blip r:embed="rId3"/>
+          <a:stretch>
+            <a:fillRect/>
+          </a:stretch>
+        </p:blipFill>
+        <p:spPr>
+          <a:xfrm>
+            <a:off x="1397916" y="2234213"/>
+            <a:ext cx="2267525" cy="1325564"/>
+          </a:xfrm>
+          <a:prstGeom prst="rect">
+            <a:avLst/>
+          </a:prstGeom>
+        </p:spPr>
+      </p:pic>
+      <p:sp>
+        <p:nvSpPr>
+          <p:cNvPr id="11" name="テキスト ボックス 10">
+            <a:extLst>
+              <a:ext uri="{FF2B5EF4-FFF2-40B4-BE49-F238E27FC236}">
+                <a16:creationId xmlns:a16="http://schemas.microsoft.com/office/drawing/2014/main" id="{AAF9B41A-265E-DD71-93B1-3B39AE700C1A}"/>
+              </a:ext>
+            </a:extLst>
+          </p:cNvPr>
+          <p:cNvSpPr txBox="1"/>
+          <p:nvPr/>
+        </p:nvSpPr>
+        <p:spPr>
+          <a:xfrm>
+            <a:off x="752408" y="5935980"/>
+            <a:ext cx="3558540" cy="338554"/>
+          </a:xfrm>
+          <a:prstGeom prst="rect">
+            <a:avLst/>
+          </a:prstGeom>
+          <a:noFill/>
+        </p:spPr>
+        <p:txBody>
+          <a:bodyPr wrap="square" rtlCol="0">
+            <a:spAutoFit/>
+          </a:bodyPr>
+          <a:lstStyle/>
+          <a:p>
+            <a:r>
+              <a:rPr kumimoji="1" lang="ja-JP" altLang="en-US" sz="1600" dirty="0"/>
+              <a:t>自由電子として動作する</a:t>
+            </a:r>
+            <a:r>
+              <a:rPr kumimoji="1" lang="en-US" altLang="ja-JP" sz="1600" dirty="0"/>
+              <a:t>n</a:t>
+            </a:r>
+            <a:r>
+              <a:rPr kumimoji="1" lang="ja-JP" altLang="en-US" sz="1600" dirty="0"/>
+              <a:t>型半導体</a:t>
+            </a:r>
+          </a:p>
+        </p:txBody>
+      </p:sp>
+      <p:pic>
+        <p:nvPicPr>
+          <p:cNvPr id="13" name="図 12">
+            <a:extLst>
+              <a:ext uri="{FF2B5EF4-FFF2-40B4-BE49-F238E27FC236}">
+                <a16:creationId xmlns:a16="http://schemas.microsoft.com/office/drawing/2014/main" id="{F13BEFD7-1BDC-CF36-3C94-4FBE41C9FD35}"/>
+              </a:ext>
+            </a:extLst>
+          </p:cNvPr>
+          <p:cNvPicPr>
+            <a:picLocks noChangeAspect="1"/>
+          </p:cNvPicPr>
+          <p:nvPr/>
+        </p:nvPicPr>
+        <p:blipFill>
+          <a:blip r:embed="rId4"/>
+          <a:stretch>
+            <a:fillRect/>
+          </a:stretch>
+        </p:blipFill>
+        <p:spPr>
+          <a:xfrm>
+            <a:off x="5629419" y="1585574"/>
+            <a:ext cx="1358463" cy="439015"/>
+          </a:xfrm>
+          <a:prstGeom prst="rect">
+            <a:avLst/>
+          </a:prstGeom>
+        </p:spPr>
+      </p:pic>
+      <p:pic>
+        <p:nvPicPr>
+          <p:cNvPr id="15" name="図 14">
+            <a:extLst>
+              <a:ext uri="{FF2B5EF4-FFF2-40B4-BE49-F238E27FC236}">
+                <a16:creationId xmlns:a16="http://schemas.microsoft.com/office/drawing/2014/main" id="{470D7AD0-D55A-8B9F-53BE-F59831335CF3}"/>
+              </a:ext>
+            </a:extLst>
+          </p:cNvPr>
+          <p:cNvPicPr>
+            <a:picLocks noChangeAspect="1"/>
+          </p:cNvPicPr>
+          <p:nvPr/>
+        </p:nvPicPr>
+        <p:blipFill>
+          <a:blip r:embed="rId5"/>
+          <a:stretch>
+            <a:fillRect/>
+          </a:stretch>
+        </p:blipFill>
+        <p:spPr>
+          <a:xfrm>
+            <a:off x="5340323" y="2161068"/>
+            <a:ext cx="2167536" cy="1398709"/>
+          </a:xfrm>
+          <a:prstGeom prst="rect">
+            <a:avLst/>
+          </a:prstGeom>
+        </p:spPr>
+      </p:pic>
+      <p:sp>
+        <p:nvSpPr>
+          <p:cNvPr id="18" name="テキスト ボックス 17">
+            <a:extLst>
+              <a:ext uri="{FF2B5EF4-FFF2-40B4-BE49-F238E27FC236}">
+                <a16:creationId xmlns:a16="http://schemas.microsoft.com/office/drawing/2014/main" id="{B0C29AE1-CAD2-2B6A-3EA7-68ACB7DAC8EA}"/>
+              </a:ext>
+            </a:extLst>
+          </p:cNvPr>
+          <p:cNvSpPr txBox="1"/>
+          <p:nvPr/>
+        </p:nvSpPr>
+        <p:spPr>
+          <a:xfrm>
+            <a:off x="4572000" y="5927105"/>
+            <a:ext cx="4189028" cy="338554"/>
+          </a:xfrm>
+          <a:prstGeom prst="rect">
+            <a:avLst/>
+          </a:prstGeom>
+          <a:noFill/>
+        </p:spPr>
+        <p:txBody>
+          <a:bodyPr wrap="square" rtlCol="0">
+            <a:spAutoFit/>
+          </a:bodyPr>
+          <a:lstStyle/>
+          <a:p>
+            <a:r>
+              <a:rPr kumimoji="1" lang="ja-JP" altLang="en-US" sz="1600" dirty="0"/>
+              <a:t>正の電荷（正孔）として動作する</a:t>
+            </a:r>
+            <a:r>
+              <a:rPr kumimoji="1" lang="en-US" altLang="ja-JP" sz="1600" dirty="0"/>
+              <a:t>p</a:t>
+            </a:r>
+            <a:r>
+              <a:rPr kumimoji="1" lang="ja-JP" altLang="en-US" sz="1600" dirty="0"/>
+              <a:t>型半導体</a:t>
+            </a:r>
+          </a:p>
+        </p:txBody>
+      </p:sp>
+      <p:pic>
+        <p:nvPicPr>
+          <p:cNvPr id="5" name="図 4">
+            <a:extLst>
+              <a:ext uri="{FF2B5EF4-FFF2-40B4-BE49-F238E27FC236}">
+                <a16:creationId xmlns:a16="http://schemas.microsoft.com/office/drawing/2014/main" id="{30DFBBBB-389A-C5F0-39BE-32D39B657BC1}"/>
+              </a:ext>
+            </a:extLst>
+          </p:cNvPr>
+          <p:cNvPicPr>
+            <a:picLocks noChangeAspect="1"/>
+          </p:cNvPicPr>
+          <p:nvPr/>
+        </p:nvPicPr>
+        <p:blipFill>
+          <a:blip r:embed="rId6"/>
+          <a:stretch>
+            <a:fillRect/>
+          </a:stretch>
+        </p:blipFill>
+        <p:spPr>
+          <a:xfrm>
+            <a:off x="371995" y="3726208"/>
+            <a:ext cx="4135435" cy="1934473"/>
+          </a:xfrm>
+          <a:prstGeom prst="rect">
+            <a:avLst/>
+          </a:prstGeom>
+        </p:spPr>
+      </p:pic>
+      <p:pic>
+        <p:nvPicPr>
+          <p:cNvPr id="9" name="図 8">
+            <a:extLst>
+              <a:ext uri="{FF2B5EF4-FFF2-40B4-BE49-F238E27FC236}">
+                <a16:creationId xmlns:a16="http://schemas.microsoft.com/office/drawing/2014/main" id="{9FB0E619-D0AA-DA96-8D48-3F5AE5BD97F9}"/>
+              </a:ext>
+            </a:extLst>
+          </p:cNvPr>
+          <p:cNvPicPr>
+            <a:picLocks noChangeAspect="1"/>
+          </p:cNvPicPr>
+          <p:nvPr/>
+        </p:nvPicPr>
+        <p:blipFill>
+          <a:blip r:embed="rId7"/>
+          <a:stretch>
+            <a:fillRect/>
+          </a:stretch>
+        </p:blipFill>
+        <p:spPr>
+          <a:xfrm>
+            <a:off x="4787712" y="3696256"/>
+            <a:ext cx="4124458" cy="1914283"/>
+          </a:xfrm>
+          <a:prstGeom prst="rect">
+            <a:avLst/>
+          </a:prstGeom>
+        </p:spPr>
+      </p:pic>
+      <p:sp>
+        <p:nvSpPr>
+          <p:cNvPr id="12" name="テキスト ボックス 11">
+            <a:extLst>
+              <a:ext uri="{FF2B5EF4-FFF2-40B4-BE49-F238E27FC236}">
+                <a16:creationId xmlns:a16="http://schemas.microsoft.com/office/drawing/2014/main" id="{B93D8C95-5C55-1D5C-DE6D-F527EDBC7E90}"/>
+              </a:ext>
+            </a:extLst>
+          </p:cNvPr>
+          <p:cNvSpPr txBox="1"/>
+          <p:nvPr/>
+        </p:nvSpPr>
+        <p:spPr>
+          <a:xfrm>
+            <a:off x="1097321" y="5382832"/>
+            <a:ext cx="1917931" cy="276999"/>
+          </a:xfrm>
+          <a:prstGeom prst="rect">
+            <a:avLst/>
+          </a:prstGeom>
+          <a:noFill/>
+        </p:spPr>
+        <p:txBody>
+          <a:bodyPr wrap="square" rtlCol="0">
+            <a:spAutoFit/>
+          </a:bodyPr>
+          <a:lstStyle/>
+          <a:p>
+            <a:r>
+              <a:rPr kumimoji="1" lang="en-US" altLang="ja-JP" sz="1200" dirty="0">
+                <a:solidFill>
+                  <a:srgbClr val="FF0000"/>
+                </a:solidFill>
+              </a:rPr>
+              <a:t>45meV</a:t>
+            </a:r>
+            <a:r>
+              <a:rPr kumimoji="1" lang="ja-JP" altLang="en-US" sz="1200" dirty="0">
+                <a:solidFill>
+                  <a:srgbClr val="FF0000"/>
+                </a:solidFill>
+              </a:rPr>
+              <a:t>で自由電子に励起</a:t>
+            </a:r>
+          </a:p>
+        </p:txBody>
+      </p:sp>
+    </p:spTree>
+    <p:extLst>
+      <p:ext uri="{BB962C8B-B14F-4D97-AF65-F5344CB8AC3E}">
+        <p14:creationId xmlns:p14="http://schemas.microsoft.com/office/powerpoint/2010/main" val="2465845888"/>
+      </p:ext>
+    </p:extLst>
+  </p:cSld>
+  <p:clrMapOvr>
+    <a:masterClrMapping/>
+  </p:clrMapOvr>
+</p:sld>
+</file>
+
+<file path=ppt/slides/slide5.xml><?xml version="1.0" encoding="utf-8"?>
+<p:sld xmlns:a="http://schemas.openxmlformats.org/drawingml/2006/main" xmlns:r="http://schemas.openxmlformats.org/officeDocument/2006/relationships" xmlns:p="http://schemas.openxmlformats.org/presentationml/2006/main">
+  <p:cSld>
+    <p:bg>
+      <p:bgPr>
+        <a:solidFill>
+          <a:schemeClr val="bg1">
+            <a:lumMod val="95000"/>
+          </a:schemeClr>
+        </a:solidFill>
+        <a:effectLst/>
+      </p:bgPr>
+    </p:bg>
+    <p:spTree>
+      <p:nvGrpSpPr>
+        <p:cNvPr id="1" name=""/>
+        <p:cNvGrpSpPr/>
+        <p:nvPr/>
+      </p:nvGrpSpPr>
+      <p:grpSpPr>
+        <a:xfrm>
+          <a:off x="0" y="0"/>
+          <a:ext cx="0" cy="0"/>
+          <a:chOff x="0" y="0"/>
+          <a:chExt cx="0" cy="0"/>
+        </a:xfrm>
+      </p:grpSpPr>
+      <p:sp>
+        <p:nvSpPr>
+          <p:cNvPr id="2" name="タイトル 1">
+            <a:extLst>
+              <a:ext uri="{FF2B5EF4-FFF2-40B4-BE49-F238E27FC236}">
+                <a16:creationId xmlns:a16="http://schemas.microsoft.com/office/drawing/2014/main" id="{BE220D37-4FB0-39E6-6E6A-C9C381C3E7A4}"/>
+              </a:ext>
+            </a:extLst>
+          </p:cNvPr>
+          <p:cNvSpPr>
+            <a:spLocks noGrp="1"/>
+          </p:cNvSpPr>
+          <p:nvPr>
+            <p:ph type="title"/>
+          </p:nvPr>
+        </p:nvSpPr>
+        <p:spPr/>
+        <p:txBody>
+          <a:bodyPr>
+            <a:normAutofit/>
+          </a:bodyPr>
+          <a:lstStyle/>
+          <a:p>
+            <a:pPr marL="0" indent="0" algn="ctr">
+              <a:buNone/>
+            </a:pPr>
+            <a:r>
+              <a:rPr kumimoji="1" lang="en-US" altLang="ja-JP" sz="4000" dirty="0"/>
+              <a:t>MOS</a:t>
+            </a:r>
+            <a:r>
+              <a:rPr kumimoji="1" lang="ja-JP" altLang="en-US" sz="4000" dirty="0"/>
+              <a:t>トランジスタの動作</a:t>
+            </a:r>
+          </a:p>
+        </p:txBody>
+      </p:sp>
+      <p:pic>
+        <p:nvPicPr>
+          <p:cNvPr id="6" name="コンテンツ プレースホルダー 5">
+            <a:extLst>
+              <a:ext uri="{FF2B5EF4-FFF2-40B4-BE49-F238E27FC236}">
+                <a16:creationId xmlns:a16="http://schemas.microsoft.com/office/drawing/2014/main" id="{480FF569-8AB3-F263-0CD2-88F010A700F6}"/>
+              </a:ext>
+            </a:extLst>
+          </p:cNvPr>
+          <p:cNvPicPr>
+            <a:picLocks noGrp="1" noChangeAspect="1"/>
+          </p:cNvPicPr>
+          <p:nvPr>
+            <p:ph idx="1"/>
+          </p:nvPr>
+        </p:nvPicPr>
+        <p:blipFill>
+          <a:blip r:embed="rId2"/>
+          <a:stretch>
+            <a:fillRect/>
+          </a:stretch>
+        </p:blipFill>
+        <p:spPr>
+          <a:xfrm>
+            <a:off x="1288003" y="1547080"/>
+            <a:ext cx="2775784" cy="2094414"/>
+          </a:xfrm>
+        </p:spPr>
+      </p:pic>
+      <p:sp>
+        <p:nvSpPr>
+          <p:cNvPr id="4" name="スライド番号プレースホルダー 3">
+            <a:extLst>
+              <a:ext uri="{FF2B5EF4-FFF2-40B4-BE49-F238E27FC236}">
+                <a16:creationId xmlns:a16="http://schemas.microsoft.com/office/drawing/2014/main" id="{5E4E741B-FE9D-0BB2-5AC8-CC52BAE19ADA}"/>
+              </a:ext>
+            </a:extLst>
+          </p:cNvPr>
+          <p:cNvSpPr>
+            <a:spLocks noGrp="1"/>
+          </p:cNvSpPr>
+          <p:nvPr>
+            <p:ph type="sldNum" sz="quarter" idx="12"/>
+          </p:nvPr>
+        </p:nvSpPr>
+        <p:spPr/>
+        <p:txBody>
+          <a:bodyPr/>
+          <a:lstStyle/>
+          <a:p>
+            <a:fld id="{4C0238C6-DFEE-4049-817C-214F39B6A44B}" type="slidenum">
+              <a:rPr kumimoji="1" lang="ja-JP" altLang="en-US" smtClean="0"/>
+              <a:t>5</a:t>
+            </a:fld>
+            <a:endParaRPr kumimoji="1" lang="ja-JP" altLang="en-US"/>
+          </a:p>
+        </p:txBody>
+      </p:sp>
+      <p:pic>
+        <p:nvPicPr>
+          <p:cNvPr id="8" name="図 7">
+            <a:extLst>
+              <a:ext uri="{FF2B5EF4-FFF2-40B4-BE49-F238E27FC236}">
+                <a16:creationId xmlns:a16="http://schemas.microsoft.com/office/drawing/2014/main" id="{E84BE906-80B1-6DF5-06CB-4C6901D9AB9D}"/>
+              </a:ext>
+            </a:extLst>
+          </p:cNvPr>
+          <p:cNvPicPr>
+            <a:picLocks noChangeAspect="1"/>
+          </p:cNvPicPr>
+          <p:nvPr/>
+        </p:nvPicPr>
+        <p:blipFill>
+          <a:blip r:embed="rId3"/>
+          <a:stretch>
+            <a:fillRect/>
+          </a:stretch>
+        </p:blipFill>
+        <p:spPr>
+          <a:xfrm>
+            <a:off x="4662684" y="1500337"/>
+            <a:ext cx="2909455" cy="2165928"/>
+          </a:xfrm>
+          <a:prstGeom prst="rect">
+            <a:avLst/>
+          </a:prstGeom>
+        </p:spPr>
+      </p:pic>
+      <p:pic>
+        <p:nvPicPr>
+          <p:cNvPr id="10" name="図 9">
+            <a:extLst>
+              <a:ext uri="{FF2B5EF4-FFF2-40B4-BE49-F238E27FC236}">
+                <a16:creationId xmlns:a16="http://schemas.microsoft.com/office/drawing/2014/main" id="{C4CA6917-8F14-8D01-A78C-E4074BECA9E9}"/>
+              </a:ext>
+            </a:extLst>
+          </p:cNvPr>
+          <p:cNvPicPr>
+            <a:picLocks noChangeAspect="1"/>
+          </p:cNvPicPr>
+          <p:nvPr/>
+        </p:nvPicPr>
+        <p:blipFill>
+          <a:blip r:embed="rId4"/>
+          <a:stretch>
+            <a:fillRect/>
+          </a:stretch>
+        </p:blipFill>
+        <p:spPr>
+          <a:xfrm>
+            <a:off x="1216202" y="3898588"/>
+            <a:ext cx="2847585" cy="2170472"/>
+          </a:xfrm>
+          <a:prstGeom prst="rect">
+            <a:avLst/>
+          </a:prstGeom>
+        </p:spPr>
+      </p:pic>
+      <p:pic>
+        <p:nvPicPr>
+          <p:cNvPr id="14" name="図 13">
+            <a:extLst>
+              <a:ext uri="{FF2B5EF4-FFF2-40B4-BE49-F238E27FC236}">
+                <a16:creationId xmlns:a16="http://schemas.microsoft.com/office/drawing/2014/main" id="{56B5AC54-43B8-8090-E8EC-75FADE4BE104}"/>
+              </a:ext>
+            </a:extLst>
+          </p:cNvPr>
+          <p:cNvPicPr>
+            <a:picLocks noChangeAspect="1"/>
+          </p:cNvPicPr>
+          <p:nvPr/>
+        </p:nvPicPr>
+        <p:blipFill>
+          <a:blip r:embed="rId5"/>
+          <a:stretch>
+            <a:fillRect/>
+          </a:stretch>
+        </p:blipFill>
+        <p:spPr>
+          <a:xfrm>
+            <a:off x="4662683" y="3898588"/>
+            <a:ext cx="2788137" cy="2086576"/>
+          </a:xfrm>
+          <a:prstGeom prst="rect">
+            <a:avLst/>
+          </a:prstGeom>
+        </p:spPr>
+      </p:pic>
+    </p:spTree>
+    <p:extLst>
+      <p:ext uri="{BB962C8B-B14F-4D97-AF65-F5344CB8AC3E}">
+        <p14:creationId xmlns:p14="http://schemas.microsoft.com/office/powerpoint/2010/main" val="2930643447"/>
+      </p:ext>
+    </p:extLst>
+  </p:cSld>
+  <p:clrMapOvr>
+    <a:masterClrMapping/>
+  </p:clrMapOvr>
+</p:sld>
+</file>
+
+<file path=ppt/slides/slide6.xml><?xml version="1.0" encoding="utf-8"?>
+<p:sld xmlns:a="http://schemas.openxmlformats.org/drawingml/2006/main" xmlns:r="http://schemas.openxmlformats.org/officeDocument/2006/relationships" xmlns:p="http://schemas.openxmlformats.org/presentationml/2006/main">
+  <p:cSld>
+    <p:bg>
+      <p:bgPr>
+        <a:solidFill>
+          <a:schemeClr val="bg1">
+            <a:lumMod val="95000"/>
+          </a:schemeClr>
+        </a:solidFill>
+        <a:effectLst/>
+      </p:bgPr>
+    </p:bg>
+    <p:spTree>
+      <p:nvGrpSpPr>
+        <p:cNvPr id="1" name=""/>
+        <p:cNvGrpSpPr/>
+        <p:nvPr/>
+      </p:nvGrpSpPr>
+      <p:grpSpPr>
+        <a:xfrm>
+          <a:off x="0" y="0"/>
+          <a:ext cx="0" cy="0"/>
+          <a:chOff x="0" y="0"/>
+          <a:chExt cx="0" cy="0"/>
+        </a:xfrm>
+      </p:grpSpPr>
+      <p:sp>
+        <p:nvSpPr>
+          <p:cNvPr id="2" name="タイトル 1">
+            <a:extLst>
+              <a:ext uri="{FF2B5EF4-FFF2-40B4-BE49-F238E27FC236}">
+                <a16:creationId xmlns:a16="http://schemas.microsoft.com/office/drawing/2014/main" id="{BE220D37-4FB0-39E6-6E6A-C9C381C3E7A4}"/>
+              </a:ext>
+            </a:extLst>
+          </p:cNvPr>
+          <p:cNvSpPr>
+            <a:spLocks noGrp="1"/>
+          </p:cNvSpPr>
+          <p:nvPr>
+            <p:ph type="title"/>
+          </p:nvPr>
+        </p:nvSpPr>
+        <p:spPr/>
+        <p:txBody>
+          <a:bodyPr>
+            <a:normAutofit/>
+          </a:bodyPr>
+          <a:lstStyle/>
+          <a:p>
+            <a:pPr marL="0" indent="0" algn="ctr">
+              <a:buNone/>
+            </a:pPr>
+            <a:r>
+              <a:rPr kumimoji="1" lang="en-US" altLang="ja-JP" sz="4000" dirty="0"/>
+              <a:t>MOS</a:t>
+            </a:r>
+            <a:r>
+              <a:rPr kumimoji="1" lang="ja-JP" altLang="en-US" sz="4000" dirty="0"/>
+              <a:t>トランジスタの動作</a:t>
+            </a:r>
+          </a:p>
+        </p:txBody>
+      </p:sp>
+      <p:sp>
+        <p:nvSpPr>
+          <p:cNvPr id="4" name="スライド番号プレースホルダー 3">
+            <a:extLst>
+              <a:ext uri="{FF2B5EF4-FFF2-40B4-BE49-F238E27FC236}">
+                <a16:creationId xmlns:a16="http://schemas.microsoft.com/office/drawing/2014/main" id="{5E4E741B-FE9D-0BB2-5AC8-CC52BAE19ADA}"/>
+              </a:ext>
+            </a:extLst>
+          </p:cNvPr>
+          <p:cNvSpPr>
+            <a:spLocks noGrp="1"/>
+          </p:cNvSpPr>
+          <p:nvPr>
+            <p:ph type="sldNum" sz="quarter" idx="12"/>
+          </p:nvPr>
+        </p:nvSpPr>
+        <p:spPr/>
+        <p:txBody>
+          <a:bodyPr/>
+          <a:lstStyle/>
+          <a:p>
+            <a:fld id="{4C0238C6-DFEE-4049-817C-214F39B6A44B}" type="slidenum">
+              <a:rPr kumimoji="1" lang="ja-JP" altLang="en-US" smtClean="0"/>
+              <a:t>6</a:t>
+            </a:fld>
+            <a:endParaRPr kumimoji="1" lang="ja-JP" altLang="en-US"/>
+          </a:p>
+        </p:txBody>
+      </p:sp>
+      <p:pic>
+        <p:nvPicPr>
+          <p:cNvPr id="12" name="コンテンツ プレースホルダー 11">
+            <a:extLst>
+              <a:ext uri="{FF2B5EF4-FFF2-40B4-BE49-F238E27FC236}">
+                <a16:creationId xmlns:a16="http://schemas.microsoft.com/office/drawing/2014/main" id="{D3658576-E034-666E-DD11-51235E381627}"/>
+              </a:ext>
+            </a:extLst>
+          </p:cNvPr>
+          <p:cNvPicPr>
+            <a:picLocks noGrp="1" noChangeAspect="1"/>
+          </p:cNvPicPr>
+          <p:nvPr>
+            <p:ph idx="1"/>
+          </p:nvPr>
+        </p:nvPicPr>
+        <p:blipFill>
+          <a:blip r:embed="rId2"/>
+          <a:stretch>
+            <a:fillRect/>
+          </a:stretch>
+        </p:blipFill>
+        <p:spPr>
+          <a:xfrm>
+            <a:off x="1084655" y="1780282"/>
+            <a:ext cx="2792100" cy="2158145"/>
+          </a:xfrm>
+          <a:prstGeom prst="rect">
+            <a:avLst/>
+          </a:prstGeom>
+        </p:spPr>
+      </p:pic>
+      <p:pic>
+        <p:nvPicPr>
+          <p:cNvPr id="13" name="図 12">
+            <a:extLst>
+              <a:ext uri="{FF2B5EF4-FFF2-40B4-BE49-F238E27FC236}">
+                <a16:creationId xmlns:a16="http://schemas.microsoft.com/office/drawing/2014/main" id="{257D3450-05F8-22EF-9930-88A79595F58E}"/>
+              </a:ext>
+            </a:extLst>
+          </p:cNvPr>
+          <p:cNvPicPr>
+            <a:picLocks noChangeAspect="1"/>
+          </p:cNvPicPr>
+          <p:nvPr/>
+        </p:nvPicPr>
+        <p:blipFill>
+          <a:blip r:embed="rId3"/>
+          <a:stretch>
+            <a:fillRect/>
+          </a:stretch>
+        </p:blipFill>
+        <p:spPr>
+          <a:xfrm>
+            <a:off x="5003222" y="1788065"/>
+            <a:ext cx="2909455" cy="2165928"/>
+          </a:xfrm>
+          <a:prstGeom prst="rect">
+            <a:avLst/>
+          </a:prstGeom>
+        </p:spPr>
+      </p:pic>
+      <p:sp>
+        <p:nvSpPr>
+          <p:cNvPr id="15" name="矢印: 右 14">
+            <a:extLst>
+              <a:ext uri="{FF2B5EF4-FFF2-40B4-BE49-F238E27FC236}">
+                <a16:creationId xmlns:a16="http://schemas.microsoft.com/office/drawing/2014/main" id="{5A9122E5-74F5-626C-BAA6-5E554E359D63}"/>
+              </a:ext>
+            </a:extLst>
+          </p:cNvPr>
+          <p:cNvSpPr/>
+          <p:nvPr/>
+        </p:nvSpPr>
+        <p:spPr>
+          <a:xfrm>
+            <a:off x="4394647" y="2780984"/>
+            <a:ext cx="302280" cy="302281"/>
+          </a:xfrm>
+          <a:prstGeom prst="rightArrow">
+            <a:avLst/>
+          </a:prstGeom>
+        </p:spPr>
+        <p:style>
+          <a:lnRef idx="2">
+            <a:schemeClr val="accent1">
+              <a:shade val="15000"/>
+            </a:schemeClr>
+          </a:lnRef>
+          <a:fillRef idx="1">
+            <a:schemeClr val="accent1"/>
+          </a:fillRef>
+          <a:effectRef idx="0">
+            <a:schemeClr val="accent1"/>
+          </a:effectRef>
+          <a:fontRef idx="minor">
+            <a:schemeClr val="lt1"/>
+          </a:fontRef>
+        </p:style>
+        <p:txBody>
+          <a:bodyPr rtlCol="0" anchor="ctr"/>
+          <a:lstStyle/>
+          <a:p>
+            <a:pPr algn="ctr"/>
+            <a:endParaRPr kumimoji="1" lang="ja-JP" altLang="en-US"/>
+          </a:p>
+        </p:txBody>
+      </p:sp>
+      <p:pic>
+        <p:nvPicPr>
+          <p:cNvPr id="17" name="図 16">
+            <a:extLst>
+              <a:ext uri="{FF2B5EF4-FFF2-40B4-BE49-F238E27FC236}">
+                <a16:creationId xmlns:a16="http://schemas.microsoft.com/office/drawing/2014/main" id="{31B3CD06-B678-A4C7-993B-6D72C5438368}"/>
+              </a:ext>
+            </a:extLst>
+          </p:cNvPr>
+          <p:cNvPicPr>
+            <a:picLocks noChangeAspect="1"/>
+          </p:cNvPicPr>
+          <p:nvPr/>
+        </p:nvPicPr>
+        <p:blipFill>
+          <a:blip r:embed="rId4"/>
+          <a:stretch>
+            <a:fillRect/>
+          </a:stretch>
+        </p:blipFill>
+        <p:spPr>
+          <a:xfrm>
+            <a:off x="1337738" y="4186800"/>
+            <a:ext cx="1080510" cy="297532"/>
+          </a:xfrm>
+          <a:prstGeom prst="rect">
+            <a:avLst/>
+          </a:prstGeom>
+        </p:spPr>
+      </p:pic>
+      <p:pic>
+        <p:nvPicPr>
+          <p:cNvPr id="19" name="図 18">
+            <a:extLst>
+              <a:ext uri="{FF2B5EF4-FFF2-40B4-BE49-F238E27FC236}">
+                <a16:creationId xmlns:a16="http://schemas.microsoft.com/office/drawing/2014/main" id="{7C16AF29-571B-8FDD-C499-F48E7E73BF50}"/>
+              </a:ext>
+            </a:extLst>
+          </p:cNvPr>
+          <p:cNvPicPr>
+            <a:picLocks noChangeAspect="1"/>
+          </p:cNvPicPr>
+          <p:nvPr/>
+        </p:nvPicPr>
+        <p:blipFill>
+          <a:blip r:embed="rId5"/>
+          <a:stretch>
+            <a:fillRect/>
+          </a:stretch>
+        </p:blipFill>
+        <p:spPr>
+          <a:xfrm>
+            <a:off x="1595430" y="4715712"/>
+            <a:ext cx="2133898" cy="638264"/>
+          </a:xfrm>
+          <a:prstGeom prst="rect">
+            <a:avLst/>
+          </a:prstGeom>
+        </p:spPr>
+      </p:pic>
+      <p:pic>
+        <p:nvPicPr>
+          <p:cNvPr id="21" name="図 20">
+            <a:extLst>
+              <a:ext uri="{FF2B5EF4-FFF2-40B4-BE49-F238E27FC236}">
+                <a16:creationId xmlns:a16="http://schemas.microsoft.com/office/drawing/2014/main" id="{E00FE0BF-76FA-CB85-2517-34A71BEF4A1D}"/>
+              </a:ext>
+            </a:extLst>
+          </p:cNvPr>
+          <p:cNvPicPr>
+            <a:picLocks noChangeAspect="1"/>
+          </p:cNvPicPr>
+          <p:nvPr/>
+        </p:nvPicPr>
+        <p:blipFill>
+          <a:blip r:embed="rId6"/>
+          <a:stretch>
+            <a:fillRect/>
+          </a:stretch>
+        </p:blipFill>
+        <p:spPr>
+          <a:xfrm>
+            <a:off x="1595430" y="5495170"/>
+            <a:ext cx="3013062" cy="1097194"/>
+          </a:xfrm>
+          <a:prstGeom prst="rect">
+            <a:avLst/>
+          </a:prstGeom>
+        </p:spPr>
+      </p:pic>
+      <p:pic>
+        <p:nvPicPr>
+          <p:cNvPr id="23" name="図 22">
+            <a:extLst>
+              <a:ext uri="{FF2B5EF4-FFF2-40B4-BE49-F238E27FC236}">
+                <a16:creationId xmlns:a16="http://schemas.microsoft.com/office/drawing/2014/main" id="{C476AAB0-9319-6A34-180E-BA327F08CF0F}"/>
+              </a:ext>
+            </a:extLst>
+          </p:cNvPr>
+          <p:cNvPicPr>
+            <a:picLocks noChangeAspect="1"/>
+          </p:cNvPicPr>
+          <p:nvPr/>
+        </p:nvPicPr>
+        <p:blipFill>
+          <a:blip r:embed="rId7"/>
+          <a:stretch>
+            <a:fillRect/>
+          </a:stretch>
+        </p:blipFill>
+        <p:spPr>
+          <a:xfrm>
+            <a:off x="4696927" y="5983118"/>
+            <a:ext cx="3307764" cy="455908"/>
+          </a:xfrm>
+          <a:prstGeom prst="rect">
+            <a:avLst/>
+          </a:prstGeom>
+        </p:spPr>
+      </p:pic>
+      <p:pic>
+        <p:nvPicPr>
+          <p:cNvPr id="25" name="図 24">
+            <a:extLst>
+              <a:ext uri="{FF2B5EF4-FFF2-40B4-BE49-F238E27FC236}">
+                <a16:creationId xmlns:a16="http://schemas.microsoft.com/office/drawing/2014/main" id="{A1EAB3FB-018D-9A29-92D1-FA64A4728A5C}"/>
+              </a:ext>
+            </a:extLst>
+          </p:cNvPr>
+          <p:cNvPicPr>
+            <a:picLocks noChangeAspect="1"/>
+          </p:cNvPicPr>
+          <p:nvPr/>
+        </p:nvPicPr>
+        <p:blipFill>
+          <a:blip r:embed="rId8"/>
+          <a:stretch>
+            <a:fillRect/>
+          </a:stretch>
+        </p:blipFill>
+        <p:spPr>
+          <a:xfrm>
+            <a:off x="4748060" y="4221681"/>
+            <a:ext cx="3419777" cy="1572380"/>
+          </a:xfrm>
+          <a:prstGeom prst="rect">
+            <a:avLst/>
+          </a:prstGeom>
+        </p:spPr>
+      </p:pic>
+    </p:spTree>
+    <p:extLst>
+      <p:ext uri="{BB962C8B-B14F-4D97-AF65-F5344CB8AC3E}">
+        <p14:creationId xmlns:p14="http://schemas.microsoft.com/office/powerpoint/2010/main" val="2942649512"/>
+      </p:ext>
+    </p:extLst>
+  </p:cSld>
+  <p:clrMapOvr>
+    <a:masterClrMapping/>
+  </p:clrMapOvr>
+</p:sld>
+</file>
+
+<file path=ppt/slides/slide7.xml><?xml version="1.0" encoding="utf-8"?>
+<p:sld xmlns:a="http://schemas.openxmlformats.org/drawingml/2006/main" xmlns:r="http://schemas.openxmlformats.org/officeDocument/2006/relationships" xmlns:p="http://schemas.openxmlformats.org/presentationml/2006/main">
+  <p:cSld>
+    <p:bg>
+      <p:bgPr>
+        <a:solidFill>
+          <a:schemeClr val="bg1">
+            <a:lumMod val="95000"/>
+          </a:schemeClr>
+        </a:solidFill>
+        <a:effectLst/>
+      </p:bgPr>
+    </p:bg>
+    <p:spTree>
+      <p:nvGrpSpPr>
+        <p:cNvPr id="1" name=""/>
+        <p:cNvGrpSpPr/>
+        <p:nvPr/>
+      </p:nvGrpSpPr>
+      <p:grpSpPr>
+        <a:xfrm>
+          <a:off x="0" y="0"/>
+          <a:ext cx="0" cy="0"/>
+          <a:chOff x="0" y="0"/>
+          <a:chExt cx="0" cy="0"/>
+        </a:xfrm>
+      </p:grpSpPr>
+      <p:sp>
+        <p:nvSpPr>
+          <p:cNvPr id="2" name="タイトル 1">
+            <a:extLst>
+              <a:ext uri="{FF2B5EF4-FFF2-40B4-BE49-F238E27FC236}">
+                <a16:creationId xmlns:a16="http://schemas.microsoft.com/office/drawing/2014/main" id="{BE220D37-4FB0-39E6-6E6A-C9C381C3E7A4}"/>
+              </a:ext>
+            </a:extLst>
+          </p:cNvPr>
+          <p:cNvSpPr>
+            <a:spLocks noGrp="1"/>
+          </p:cNvSpPr>
+          <p:nvPr>
+            <p:ph type="title"/>
+          </p:nvPr>
+        </p:nvSpPr>
+        <p:spPr/>
+        <p:txBody>
+          <a:bodyPr>
+            <a:normAutofit/>
+          </a:bodyPr>
+          <a:lstStyle/>
+          <a:p>
+            <a:pPr marL="0" indent="0" algn="ctr">
+              <a:buNone/>
+            </a:pPr>
+            <a:r>
+              <a:rPr kumimoji="1" lang="ja-JP" altLang="en-US" sz="2800" dirty="0"/>
+              <a:t>線形領域と飽和領域</a:t>
+            </a:r>
+          </a:p>
+        </p:txBody>
+      </p:sp>
+      <p:pic>
+        <p:nvPicPr>
+          <p:cNvPr id="6" name="コンテンツ プレースホルダー 5">
+            <a:extLst>
+              <a:ext uri="{FF2B5EF4-FFF2-40B4-BE49-F238E27FC236}">
+                <a16:creationId xmlns:a16="http://schemas.microsoft.com/office/drawing/2014/main" id="{BD0C6B17-FE9E-D568-273D-6B5B82F6D0EE}"/>
+              </a:ext>
+            </a:extLst>
+          </p:cNvPr>
+          <p:cNvPicPr>
+            <a:picLocks noGrp="1" noChangeAspect="1"/>
+          </p:cNvPicPr>
+          <p:nvPr>
+            <p:ph idx="1"/>
+          </p:nvPr>
+        </p:nvPicPr>
+        <p:blipFill>
+          <a:blip r:embed="rId2"/>
+          <a:stretch>
+            <a:fillRect/>
+          </a:stretch>
+        </p:blipFill>
+        <p:spPr>
+          <a:xfrm>
+            <a:off x="2404153" y="1690689"/>
+            <a:ext cx="4956767" cy="3925888"/>
+          </a:xfrm>
+        </p:spPr>
+      </p:pic>
+      <p:sp>
+        <p:nvSpPr>
+          <p:cNvPr id="4" name="スライド番号プレースホルダー 3">
+            <a:extLst>
+              <a:ext uri="{FF2B5EF4-FFF2-40B4-BE49-F238E27FC236}">
+                <a16:creationId xmlns:a16="http://schemas.microsoft.com/office/drawing/2014/main" id="{BA70BF7C-EA92-D886-1FE5-A89B0BE3E93E}"/>
+              </a:ext>
+            </a:extLst>
+          </p:cNvPr>
+          <p:cNvSpPr>
+            <a:spLocks noGrp="1"/>
+          </p:cNvSpPr>
+          <p:nvPr>
+            <p:ph type="sldNum" sz="quarter" idx="12"/>
+          </p:nvPr>
+        </p:nvSpPr>
+        <p:spPr/>
+        <p:txBody>
+          <a:bodyPr/>
+          <a:lstStyle/>
+          <a:p>
+            <a:fld id="{4C0238C6-DFEE-4049-817C-214F39B6A44B}" type="slidenum">
+              <a:rPr kumimoji="1" lang="ja-JP" altLang="en-US" smtClean="0"/>
+              <a:t>7</a:t>
+            </a:fld>
+            <a:endParaRPr kumimoji="1" lang="ja-JP" altLang="en-US"/>
+          </a:p>
+        </p:txBody>
+      </p:sp>
+    </p:spTree>
+    <p:extLst>
+      <p:ext uri="{BB962C8B-B14F-4D97-AF65-F5344CB8AC3E}">
+        <p14:creationId xmlns:p14="http://schemas.microsoft.com/office/powerpoint/2010/main" val="325187605"/>
+      </p:ext>
+    </p:extLst>
+  </p:cSld>
+  <p:clrMapOvr>
+    <a:masterClrMapping/>
+  </p:clrMapOvr>
+</p:sld>
+</file>
+
 <file path=ppt/slides/slide8.xml><?xml version="1.0" encoding="utf-8"?>
 <p:sld xmlns:a="http://schemas.openxmlformats.org/drawingml/2006/main" xmlns:r="http://schemas.openxmlformats.org/officeDocument/2006/relationships" xmlns:p="http://schemas.openxmlformats.org/presentationml/2006/main">
   <p:cSld>
@@ -5824,46 +8346,53 @@
       </p:grpSpPr>
       <p:sp>
         <p:nvSpPr>
-          <p:cNvPr id="4" name="スライド番号プレースホルダー 3">
-            <a:extLst>
-              <a:ext uri="{FF2B5EF4-FFF2-40B4-BE49-F238E27FC236}">
-                <a16:creationId xmlns:a16="http://schemas.microsoft.com/office/drawing/2014/main" id="{2DA84C90-CE54-7B4B-365A-2E11AF027C2A}"/>
-              </a:ext>
-            </a:extLst>
-          </p:cNvPr>
-          <p:cNvSpPr>
-            <a:spLocks noGrp="1"/>
-          </p:cNvSpPr>
-          <p:nvPr>
-            <p:ph type="sldNum" sz="quarter" idx="12"/>
+          <p:cNvPr id="2" name="タイトル 1">
+            <a:extLst>
+              <a:ext uri="{FF2B5EF4-FFF2-40B4-BE49-F238E27FC236}">
+                <a16:creationId xmlns:a16="http://schemas.microsoft.com/office/drawing/2014/main" id="{BE220D37-4FB0-39E6-6E6A-C9C381C3E7A4}"/>
+              </a:ext>
+            </a:extLst>
+          </p:cNvPr>
+          <p:cNvSpPr>
+            <a:spLocks noGrp="1"/>
+          </p:cNvSpPr>
+          <p:nvPr>
+            <p:ph type="title"/>
           </p:nvPr>
         </p:nvSpPr>
         <p:spPr/>
         <p:txBody>
-          <a:bodyPr/>
-          <a:lstStyle/>
-          <a:p>
-            <a:fld id="{4C0238C6-DFEE-4049-817C-214F39B6A44B}" type="slidenum">
-              <a:rPr kumimoji="1" lang="ja-JP" altLang="en-US" smtClean="0"/>
-              <a:t>8</a:t>
-            </a:fld>
-            <a:endParaRPr kumimoji="1" lang="ja-JP" altLang="en-US" dirty="0"/>
+          <a:bodyPr>
+            <a:normAutofit/>
+          </a:bodyPr>
+          <a:lstStyle/>
+          <a:p>
+            <a:pPr marL="0" indent="0" algn="ctr">
+              <a:buNone/>
+            </a:pPr>
+            <a:r>
+              <a:rPr lang="ja-JP" altLang="en-US" sz="4000" dirty="0"/>
+              <a:t>ドレイン電流</a:t>
+            </a:r>
+            <a:endParaRPr kumimoji="1" lang="ja-JP" altLang="en-US" sz="4000" dirty="0"/>
           </a:p>
         </p:txBody>
       </p:sp>
       <p:pic>
         <p:nvPicPr>
-          <p:cNvPr id="7" name="図 6">
-            <a:extLst>
-              <a:ext uri="{FF2B5EF4-FFF2-40B4-BE49-F238E27FC236}">
-                <a16:creationId xmlns:a16="http://schemas.microsoft.com/office/drawing/2014/main" id="{6BD03719-71DB-C12A-B2F0-10F1313E2F6C}"/>
+          <p:cNvPr id="6" name="コンテンツ プレースホルダー 5">
+            <a:extLst>
+              <a:ext uri="{FF2B5EF4-FFF2-40B4-BE49-F238E27FC236}">
+                <a16:creationId xmlns:a16="http://schemas.microsoft.com/office/drawing/2014/main" id="{51D1069E-8815-6008-E329-F022F532E452}"/>
               </a:ext>
             </a:extLst>
           </p:cNvPr>
           <p:cNvPicPr>
-            <a:picLocks noChangeAspect="1"/>
+            <a:picLocks noGrp="1" noChangeAspect="1"/>
           </p:cNvPicPr>
-          <p:nvPr/>
+          <p:nvPr>
+            <p:ph idx="1"/>
+          </p:nvPr>
         </p:nvPicPr>
         <p:blipFill>
           <a:blip r:embed="rId2"/>
@@ -5873,20 +8402,46 @@
         </p:blipFill>
         <p:spPr>
           <a:xfrm>
-            <a:off x="652738" y="2137928"/>
-            <a:ext cx="3029294" cy="3303301"/>
-          </a:xfrm>
-          <a:prstGeom prst="rect">
-            <a:avLst/>
-          </a:prstGeom>
+            <a:off x="3077915" y="1833904"/>
+            <a:ext cx="2825715" cy="2360248"/>
+          </a:xfrm>
         </p:spPr>
       </p:pic>
+      <p:sp>
+        <p:nvSpPr>
+          <p:cNvPr id="4" name="スライド番号プレースホルダー 3">
+            <a:extLst>
+              <a:ext uri="{FF2B5EF4-FFF2-40B4-BE49-F238E27FC236}">
+                <a16:creationId xmlns:a16="http://schemas.microsoft.com/office/drawing/2014/main" id="{5E4E741B-FE9D-0BB2-5AC8-CC52BAE19ADA}"/>
+              </a:ext>
+            </a:extLst>
+          </p:cNvPr>
+          <p:cNvSpPr>
+            <a:spLocks noGrp="1"/>
+          </p:cNvSpPr>
+          <p:nvPr>
+            <p:ph type="sldNum" sz="quarter" idx="12"/>
+          </p:nvPr>
+        </p:nvSpPr>
+        <p:spPr/>
+        <p:txBody>
+          <a:bodyPr/>
+          <a:lstStyle/>
+          <a:p>
+            <a:fld id="{4C0238C6-DFEE-4049-817C-214F39B6A44B}" type="slidenum">
+              <a:rPr kumimoji="1" lang="ja-JP" altLang="en-US" smtClean="0"/>
+              <a:t>8</a:t>
+            </a:fld>
+            <a:endParaRPr kumimoji="1" lang="ja-JP" altLang="en-US"/>
+          </a:p>
+        </p:txBody>
+      </p:sp>
       <p:pic>
         <p:nvPicPr>
-          <p:cNvPr id="6" name="図 5">
-            <a:extLst>
-              <a:ext uri="{FF2B5EF4-FFF2-40B4-BE49-F238E27FC236}">
-                <a16:creationId xmlns:a16="http://schemas.microsoft.com/office/drawing/2014/main" id="{DD936736-24B3-3A3A-D92A-6921CE619826}"/>
+          <p:cNvPr id="8" name="図 7">
+            <a:extLst>
+              <a:ext uri="{FF2B5EF4-FFF2-40B4-BE49-F238E27FC236}">
+                <a16:creationId xmlns:a16="http://schemas.microsoft.com/office/drawing/2014/main" id="{DEC16675-6CD1-99C4-A63C-FAE94D6F97DF}"/>
               </a:ext>
             </a:extLst>
           </p:cNvPr>
@@ -5903,90 +8458,48 @@
         </p:blipFill>
         <p:spPr>
           <a:xfrm>
-            <a:off x="3902734" y="2137928"/>
-            <a:ext cx="4724999" cy="3303300"/>
+            <a:off x="976665" y="4564767"/>
+            <a:ext cx="3514108" cy="1173591"/>
           </a:xfrm>
           <a:prstGeom prst="rect">
             <a:avLst/>
           </a:prstGeom>
         </p:spPr>
       </p:pic>
-      <p:sp>
-        <p:nvSpPr>
-          <p:cNvPr id="10" name="タイトル 1">
-            <a:extLst>
-              <a:ext uri="{FF2B5EF4-FFF2-40B4-BE49-F238E27FC236}">
-                <a16:creationId xmlns:a16="http://schemas.microsoft.com/office/drawing/2014/main" id="{5381C219-28C6-7DC1-CBE3-5FCC7E086010}"/>
-              </a:ext>
-            </a:extLst>
-          </p:cNvPr>
-          <p:cNvSpPr txBox="1">
-            <a:spLocks/>
-          </p:cNvSpPr>
+      <p:pic>
+        <p:nvPicPr>
+          <p:cNvPr id="10" name="図 9">
+            <a:extLst>
+              <a:ext uri="{FF2B5EF4-FFF2-40B4-BE49-F238E27FC236}">
+                <a16:creationId xmlns:a16="http://schemas.microsoft.com/office/drawing/2014/main" id="{BF9C9C9F-7B0A-C089-5B43-AB4FA74B897C}"/>
+              </a:ext>
+            </a:extLst>
+          </p:cNvPr>
+          <p:cNvPicPr>
+            <a:picLocks noChangeAspect="1"/>
+          </p:cNvPicPr>
           <p:nvPr/>
-        </p:nvSpPr>
-        <p:spPr>
-          <a:xfrm>
-            <a:off x="741033" y="560023"/>
-            <a:ext cx="7886700" cy="1325563"/>
+        </p:nvPicPr>
+        <p:blipFill>
+          <a:blip r:embed="rId4"/>
+          <a:stretch>
+            <a:fillRect/>
+          </a:stretch>
+        </p:blipFill>
+        <p:spPr>
+          <a:xfrm>
+            <a:off x="4731669" y="4564767"/>
+            <a:ext cx="3688431" cy="1173591"/>
           </a:xfrm>
           <a:prstGeom prst="rect">
             <a:avLst/>
           </a:prstGeom>
         </p:spPr>
-        <p:txBody>
-          <a:bodyPr vert="horz" lIns="91440" tIns="45720" rIns="91440" bIns="45720" rtlCol="0" anchor="ctr">
-            <a:normAutofit/>
-          </a:bodyPr>
-          <a:lstStyle>
-            <a:lvl1pPr algn="l" defTabSz="914400" rtl="0" eaLnBrk="1" latinLnBrk="0" hangingPunct="1">
-              <a:lnSpc>
-                <a:spcPct val="90000"/>
-              </a:lnSpc>
-              <a:spcBef>
-                <a:spcPct val="0"/>
-              </a:spcBef>
-              <a:buNone/>
-              <a:defRPr kumimoji="1" sz="4400" kern="1200">
-                <a:solidFill>
-                  <a:schemeClr val="tx1"/>
-                </a:solidFill>
-                <a:latin typeface="+mj-lt"/>
-                <a:ea typeface="+mj-ea"/>
-                <a:cs typeface="+mj-cs"/>
-              </a:defRPr>
-            </a:lvl1pPr>
-          </a:lstStyle>
-          <a:p>
-            <a:pPr algn="ctr"/>
-            <a:r>
-              <a:rPr lang="en-US" altLang="ja-JP" sz="3200" dirty="0"/>
-              <a:t>MOS</a:t>
-            </a:r>
-            <a:r>
-              <a:rPr lang="ja-JP" altLang="en-US" sz="3200" dirty="0"/>
-              <a:t>の論理回路</a:t>
-            </a:r>
-            <a:r>
-              <a:rPr lang="en-US" altLang="ja-JP" sz="3200" dirty="0"/>
-              <a:t>(nor</a:t>
-            </a:r>
-            <a:r>
-              <a:rPr lang="ja-JP" altLang="en-US" sz="3200" dirty="0"/>
-              <a:t>回路とレイアウト</a:t>
-            </a:r>
-            <a:r>
-              <a:rPr lang="en-US" altLang="ja-JP" sz="3200" dirty="0"/>
-              <a:t>)</a:t>
-            </a:r>
-            <a:endParaRPr lang="ja-JP" altLang="en-US" sz="3200" dirty="0"/>
-          </a:p>
-        </p:txBody>
-      </p:sp>
+      </p:pic>
     </p:spTree>
     <p:extLst>
       <p:ext uri="{BB962C8B-B14F-4D97-AF65-F5344CB8AC3E}">
-        <p14:creationId xmlns:p14="http://schemas.microsoft.com/office/powerpoint/2010/main" val="1827180239"/>
+        <p14:creationId xmlns:p14="http://schemas.microsoft.com/office/powerpoint/2010/main" val="2547553674"/>
       </p:ext>
     </p:extLst>
   </p:cSld>
@@ -6025,46 +8538,57 @@
       </p:grpSpPr>
       <p:sp>
         <p:nvSpPr>
-          <p:cNvPr id="4" name="スライド番号プレースホルダー 3">
-            <a:extLst>
-              <a:ext uri="{FF2B5EF4-FFF2-40B4-BE49-F238E27FC236}">
-                <a16:creationId xmlns:a16="http://schemas.microsoft.com/office/drawing/2014/main" id="{2DA84C90-CE54-7B4B-365A-2E11AF027C2A}"/>
-              </a:ext>
-            </a:extLst>
-          </p:cNvPr>
-          <p:cNvSpPr>
-            <a:spLocks noGrp="1"/>
-          </p:cNvSpPr>
-          <p:nvPr>
-            <p:ph type="sldNum" sz="quarter" idx="12"/>
+          <p:cNvPr id="2" name="タイトル 1">
+            <a:extLst>
+              <a:ext uri="{FF2B5EF4-FFF2-40B4-BE49-F238E27FC236}">
+                <a16:creationId xmlns:a16="http://schemas.microsoft.com/office/drawing/2014/main" id="{BE220D37-4FB0-39E6-6E6A-C9C381C3E7A4}"/>
+              </a:ext>
+            </a:extLst>
+          </p:cNvPr>
+          <p:cNvSpPr>
+            <a:spLocks noGrp="1"/>
+          </p:cNvSpPr>
+          <p:nvPr>
+            <p:ph type="title"/>
           </p:nvPr>
         </p:nvSpPr>
         <p:spPr/>
         <p:txBody>
-          <a:bodyPr/>
-          <a:lstStyle/>
-          <a:p>
-            <a:fld id="{4C0238C6-DFEE-4049-817C-214F39B6A44B}" type="slidenum">
-              <a:rPr kumimoji="1" lang="ja-JP" altLang="en-US" smtClean="0"/>
-              <a:t>9</a:t>
-            </a:fld>
-            <a:endParaRPr kumimoji="1" lang="ja-JP" altLang="en-US" dirty="0"/>
+          <a:bodyPr>
+            <a:normAutofit/>
+          </a:bodyPr>
+          <a:lstStyle/>
+          <a:p>
+            <a:pPr marL="0" indent="0" algn="ctr">
+              <a:buNone/>
+            </a:pPr>
+            <a:r>
+              <a:rPr lang="en-US" altLang="ja-JP" sz="2800" dirty="0"/>
+              <a:t>MOS</a:t>
+            </a:r>
+            <a:r>
+              <a:rPr lang="ja-JP" altLang="en-US" sz="2800" dirty="0"/>
+              <a:t>トランジスタの小信号モデル</a:t>
+            </a:r>
+            <a:endParaRPr kumimoji="1" lang="ja-JP" altLang="en-US" sz="2800" dirty="0"/>
           </a:p>
         </p:txBody>
       </p:sp>
       <p:pic>
         <p:nvPicPr>
-          <p:cNvPr id="5" name="図 4">
-            <a:extLst>
-              <a:ext uri="{FF2B5EF4-FFF2-40B4-BE49-F238E27FC236}">
-                <a16:creationId xmlns:a16="http://schemas.microsoft.com/office/drawing/2014/main" id="{535ED7E3-193E-DFE0-E79B-1E9162A7656F}"/>
+          <p:cNvPr id="6" name="コンテンツ プレースホルダー 5">
+            <a:extLst>
+              <a:ext uri="{FF2B5EF4-FFF2-40B4-BE49-F238E27FC236}">
+                <a16:creationId xmlns:a16="http://schemas.microsoft.com/office/drawing/2014/main" id="{BABCC9CD-AD5E-E2F7-AC5E-176F6EE87F76}"/>
               </a:ext>
             </a:extLst>
           </p:cNvPr>
           <p:cNvPicPr>
-            <a:picLocks noChangeAspect="1"/>
+            <a:picLocks noGrp="1" noChangeAspect="1"/>
           </p:cNvPicPr>
-          <p:nvPr/>
+          <p:nvPr>
+            <p:ph idx="1"/>
+          </p:nvPr>
         </p:nvPicPr>
         <p:blipFill>
           <a:blip r:embed="rId2"/>
@@ -6074,20 +8598,46 @@
         </p:blipFill>
         <p:spPr>
           <a:xfrm>
-            <a:off x="1620037" y="2338600"/>
-            <a:ext cx="2876393" cy="3219175"/>
-          </a:xfrm>
-          <a:prstGeom prst="rect">
-            <a:avLst/>
-          </a:prstGeom>
+            <a:off x="817846" y="1359059"/>
+            <a:ext cx="3586514" cy="2664461"/>
+          </a:xfrm>
         </p:spPr>
       </p:pic>
+      <p:sp>
+        <p:nvSpPr>
+          <p:cNvPr id="4" name="スライド番号プレースホルダー 3">
+            <a:extLst>
+              <a:ext uri="{FF2B5EF4-FFF2-40B4-BE49-F238E27FC236}">
+                <a16:creationId xmlns:a16="http://schemas.microsoft.com/office/drawing/2014/main" id="{5E4E741B-FE9D-0BB2-5AC8-CC52BAE19ADA}"/>
+              </a:ext>
+            </a:extLst>
+          </p:cNvPr>
+          <p:cNvSpPr>
+            <a:spLocks noGrp="1"/>
+          </p:cNvSpPr>
+          <p:nvPr>
+            <p:ph type="sldNum" sz="quarter" idx="12"/>
+          </p:nvPr>
+        </p:nvSpPr>
+        <p:spPr/>
+        <p:txBody>
+          <a:bodyPr/>
+          <a:lstStyle/>
+          <a:p>
+            <a:fld id="{4C0238C6-DFEE-4049-817C-214F39B6A44B}" type="slidenum">
+              <a:rPr kumimoji="1" lang="ja-JP" altLang="en-US" smtClean="0"/>
+              <a:t>9</a:t>
+            </a:fld>
+            <a:endParaRPr kumimoji="1" lang="ja-JP" altLang="en-US"/>
+          </a:p>
+        </p:txBody>
+      </p:sp>
       <p:pic>
         <p:nvPicPr>
-          <p:cNvPr id="11" name="図 10">
-            <a:extLst>
-              <a:ext uri="{FF2B5EF4-FFF2-40B4-BE49-F238E27FC236}">
-                <a16:creationId xmlns:a16="http://schemas.microsoft.com/office/drawing/2014/main" id="{2E47BFAE-1A26-A31B-C7CB-334F7EA1C7A1}"/>
+          <p:cNvPr id="8" name="図 7">
+            <a:extLst>
+              <a:ext uri="{FF2B5EF4-FFF2-40B4-BE49-F238E27FC236}">
+                <a16:creationId xmlns:a16="http://schemas.microsoft.com/office/drawing/2014/main" id="{8B79DC2C-027A-BC46-664A-37EDC5B14553}"/>
               </a:ext>
             </a:extLst>
           </p:cNvPr>
@@ -6104,8 +8654,8 @@
         </p:blipFill>
         <p:spPr>
           <a:xfrm>
-            <a:off x="5523198" y="2297056"/>
-            <a:ext cx="1899507" cy="3260719"/>
+            <a:off x="4770122" y="1359059"/>
+            <a:ext cx="3981970" cy="2664460"/>
           </a:xfrm>
           <a:prstGeom prst="rect">
             <a:avLst/>
@@ -6114,84 +8664,344 @@
       </p:pic>
       <p:sp>
         <p:nvSpPr>
-          <p:cNvPr id="12" name="タイトル 1">
-            <a:extLst>
-              <a:ext uri="{FF2B5EF4-FFF2-40B4-BE49-F238E27FC236}">
-                <a16:creationId xmlns:a16="http://schemas.microsoft.com/office/drawing/2014/main" id="{4391F2CE-6720-480D-BD67-956E9D6C0887}"/>
-              </a:ext>
-            </a:extLst>
-          </p:cNvPr>
-          <p:cNvSpPr txBox="1">
-            <a:spLocks/>
-          </p:cNvSpPr>
+          <p:cNvPr id="9" name="矢印: 下 8">
+            <a:extLst>
+              <a:ext uri="{FF2B5EF4-FFF2-40B4-BE49-F238E27FC236}">
+                <a16:creationId xmlns:a16="http://schemas.microsoft.com/office/drawing/2014/main" id="{0CE873A7-41DD-7E39-FE42-453C9A92FA5E}"/>
+              </a:ext>
+            </a:extLst>
+          </p:cNvPr>
+          <p:cNvSpPr/>
           <p:nvPr/>
         </p:nvSpPr>
         <p:spPr>
           <a:xfrm>
-            <a:off x="899731" y="725394"/>
-            <a:ext cx="7886700" cy="1325563"/>
+            <a:off x="4030980" y="4175760"/>
+            <a:ext cx="1082040" cy="563880"/>
+          </a:xfrm>
+          <a:prstGeom prst="downArrow">
+            <a:avLst/>
+          </a:prstGeom>
+        </p:spPr>
+        <p:style>
+          <a:lnRef idx="2">
+            <a:schemeClr val="accent1">
+              <a:shade val="15000"/>
+            </a:schemeClr>
+          </a:lnRef>
+          <a:fillRef idx="1">
+            <a:schemeClr val="accent1"/>
+          </a:fillRef>
+          <a:effectRef idx="0">
+            <a:schemeClr val="accent1"/>
+          </a:effectRef>
+          <a:fontRef idx="minor">
+            <a:schemeClr val="lt1"/>
+          </a:fontRef>
+        </p:style>
+        <p:txBody>
+          <a:bodyPr rtlCol="0" anchor="ctr"/>
+          <a:lstStyle/>
+          <a:p>
+            <a:pPr algn="ctr"/>
+            <a:endParaRPr kumimoji="1" lang="ja-JP" altLang="en-US"/>
+          </a:p>
+        </p:txBody>
+      </p:sp>
+      <p:cxnSp>
+        <p:nvCxnSpPr>
+          <p:cNvPr id="11" name="直線矢印コネクタ 10">
+            <a:extLst>
+              <a:ext uri="{FF2B5EF4-FFF2-40B4-BE49-F238E27FC236}">
+                <a16:creationId xmlns:a16="http://schemas.microsoft.com/office/drawing/2014/main" id="{7082CC66-2FCB-8822-DECD-48E62B104B8B}"/>
+              </a:ext>
+            </a:extLst>
+          </p:cNvPr>
+          <p:cNvCxnSpPr>
+            <a:cxnSpLocks/>
+          </p:cNvCxnSpPr>
+          <p:nvPr/>
+        </p:nvCxnSpPr>
+        <p:spPr>
+          <a:xfrm flipV="1">
+            <a:off x="7650480" y="2354580"/>
+            <a:ext cx="0" cy="336709"/>
+          </a:xfrm>
+          <a:prstGeom prst="straightConnector1">
+            <a:avLst/>
+          </a:prstGeom>
+          <a:ln>
+            <a:tailEnd type="triangle"/>
+          </a:ln>
+        </p:spPr>
+        <p:style>
+          <a:lnRef idx="2">
+            <a:schemeClr val="accent1"/>
+          </a:lnRef>
+          <a:fillRef idx="0">
+            <a:schemeClr val="accent1"/>
+          </a:fillRef>
+          <a:effectRef idx="1">
+            <a:schemeClr val="accent1"/>
+          </a:effectRef>
+          <a:fontRef idx="minor">
+            <a:schemeClr val="tx1"/>
+          </a:fontRef>
+        </p:style>
+      </p:cxnSp>
+      <p:cxnSp>
+        <p:nvCxnSpPr>
+          <p:cNvPr id="13" name="直線矢印コネクタ 12">
+            <a:extLst>
+              <a:ext uri="{FF2B5EF4-FFF2-40B4-BE49-F238E27FC236}">
+                <a16:creationId xmlns:a16="http://schemas.microsoft.com/office/drawing/2014/main" id="{6457E017-4BEC-20DC-F717-22A93DC45F1C}"/>
+              </a:ext>
+            </a:extLst>
+          </p:cNvPr>
+          <p:cNvCxnSpPr>
+            <a:cxnSpLocks/>
+          </p:cNvCxnSpPr>
+          <p:nvPr/>
+        </p:nvCxnSpPr>
+        <p:spPr>
+          <a:xfrm>
+            <a:off x="7650480" y="2691289"/>
+            <a:ext cx="0" cy="318611"/>
+          </a:xfrm>
+          <a:prstGeom prst="straightConnector1">
+            <a:avLst/>
+          </a:prstGeom>
+          <a:ln>
+            <a:tailEnd type="triangle"/>
+          </a:ln>
+        </p:spPr>
+        <p:style>
+          <a:lnRef idx="2">
+            <a:schemeClr val="accent1"/>
+          </a:lnRef>
+          <a:fillRef idx="0">
+            <a:schemeClr val="accent1"/>
+          </a:fillRef>
+          <a:effectRef idx="1">
+            <a:schemeClr val="accent1"/>
+          </a:effectRef>
+          <a:fontRef idx="minor">
+            <a:schemeClr val="tx1"/>
+          </a:fontRef>
+        </p:style>
+      </p:cxnSp>
+      <p:sp>
+        <p:nvSpPr>
+          <p:cNvPr id="16" name="テキスト ボックス 15">
+            <a:extLst>
+              <a:ext uri="{FF2B5EF4-FFF2-40B4-BE49-F238E27FC236}">
+                <a16:creationId xmlns:a16="http://schemas.microsoft.com/office/drawing/2014/main" id="{9EB3454F-E58B-66B7-D4D7-D195684C11E5}"/>
+              </a:ext>
+            </a:extLst>
+          </p:cNvPr>
+          <p:cNvSpPr txBox="1"/>
+          <p:nvPr/>
+        </p:nvSpPr>
+        <p:spPr>
+          <a:xfrm>
+            <a:off x="7650480" y="2400013"/>
+            <a:ext cx="1097280" cy="276999"/>
           </a:xfrm>
           <a:prstGeom prst="rect">
             <a:avLst/>
           </a:prstGeom>
-        </p:spPr>
-        <p:txBody>
-          <a:bodyPr vert="horz" lIns="91440" tIns="45720" rIns="91440" bIns="45720" rtlCol="0" anchor="ctr">
-            <a:normAutofit/>
+          <a:noFill/>
+        </p:spPr>
+        <p:txBody>
+          <a:bodyPr wrap="square" rtlCol="0">
+            <a:spAutoFit/>
           </a:bodyPr>
-          <a:lstStyle>
-            <a:lvl1pPr algn="l" defTabSz="914400" rtl="0" eaLnBrk="1" latinLnBrk="0" hangingPunct="1">
-              <a:lnSpc>
-                <a:spcPct val="90000"/>
-              </a:lnSpc>
-              <a:spcBef>
-                <a:spcPct val="0"/>
-              </a:spcBef>
-              <a:buNone/>
-              <a:defRPr kumimoji="1" sz="4400" kern="1200">
-                <a:solidFill>
-                  <a:schemeClr val="tx1"/>
-                </a:solidFill>
-                <a:latin typeface="+mj-lt"/>
-                <a:ea typeface="+mj-ea"/>
-                <a:cs typeface="+mj-cs"/>
-              </a:defRPr>
-            </a:lvl1pPr>
-          </a:lstStyle>
-          <a:p>
-            <a:pPr algn="ctr"/>
-            <a:r>
-              <a:rPr lang="en-US" altLang="ja-JP" sz="3200" dirty="0"/>
-              <a:t>MOS</a:t>
-            </a:r>
-            <a:r>
-              <a:rPr lang="ja-JP" altLang="en-US" sz="3200" dirty="0"/>
-              <a:t>の論理回路</a:t>
-            </a:r>
-            <a:r>
-              <a:rPr lang="en-US" altLang="ja-JP" sz="3200" dirty="0"/>
-              <a:t>(</a:t>
-            </a:r>
-            <a:r>
-              <a:rPr lang="en-US" altLang="ja-JP" sz="3200" dirty="0" err="1"/>
-              <a:t>nand</a:t>
-            </a:r>
-            <a:r>
-              <a:rPr lang="ja-JP" altLang="en-US" sz="3200" dirty="0"/>
-              <a:t>回路とレイアウト</a:t>
-            </a:r>
-            <a:r>
-              <a:rPr lang="en-US" altLang="ja-JP" sz="3200" dirty="0"/>
-              <a:t>)</a:t>
-            </a:r>
-            <a:endParaRPr lang="ja-JP" altLang="en-US" sz="3200" dirty="0"/>
+          <a:lstStyle/>
+          <a:p>
+            <a:r>
+              <a:rPr kumimoji="1" lang="ja-JP" altLang="en-US" sz="1200" dirty="0"/>
+              <a:t>＋</a:t>
+            </a:r>
+            <a:r>
+              <a:rPr kumimoji="1" lang="en-US" altLang="ja-JP" sz="1200" dirty="0" err="1"/>
+              <a:t>ΔVgs</a:t>
+            </a:r>
+            <a:endParaRPr kumimoji="1" lang="ja-JP" altLang="en-US" sz="1200" dirty="0"/>
+          </a:p>
+        </p:txBody>
+      </p:sp>
+      <p:sp>
+        <p:nvSpPr>
+          <p:cNvPr id="17" name="テキスト ボックス 16">
+            <a:extLst>
+              <a:ext uri="{FF2B5EF4-FFF2-40B4-BE49-F238E27FC236}">
+                <a16:creationId xmlns:a16="http://schemas.microsoft.com/office/drawing/2014/main" id="{47C621BF-A3F4-E81E-C8EE-64D72D5FBF4C}"/>
+              </a:ext>
+            </a:extLst>
+          </p:cNvPr>
+          <p:cNvSpPr txBox="1"/>
+          <p:nvPr/>
+        </p:nvSpPr>
+        <p:spPr>
+          <a:xfrm>
+            <a:off x="7108338" y="2677012"/>
+            <a:ext cx="1097280" cy="276999"/>
+          </a:xfrm>
+          <a:prstGeom prst="rect">
+            <a:avLst/>
+          </a:prstGeom>
+          <a:noFill/>
+        </p:spPr>
+        <p:txBody>
+          <a:bodyPr wrap="square" rtlCol="0">
+            <a:spAutoFit/>
+          </a:bodyPr>
+          <a:lstStyle/>
+          <a:p>
+            <a:r>
+              <a:rPr kumimoji="1" lang="en-US" altLang="ja-JP" sz="1200" dirty="0"/>
+              <a:t>-</a:t>
+            </a:r>
+            <a:r>
+              <a:rPr kumimoji="1" lang="en-US" altLang="ja-JP" sz="1200" dirty="0" err="1"/>
+              <a:t>ΔVgs</a:t>
+            </a:r>
+            <a:endParaRPr kumimoji="1" lang="ja-JP" altLang="en-US" sz="1200" dirty="0"/>
+          </a:p>
+        </p:txBody>
+      </p:sp>
+      <p:sp>
+        <p:nvSpPr>
+          <p:cNvPr id="18" name="テキスト ボックス 17">
+            <a:extLst>
+              <a:ext uri="{FF2B5EF4-FFF2-40B4-BE49-F238E27FC236}">
+                <a16:creationId xmlns:a16="http://schemas.microsoft.com/office/drawing/2014/main" id="{7CE396AC-66BE-18D6-83A3-AF5C5507E773}"/>
+              </a:ext>
+            </a:extLst>
+          </p:cNvPr>
+          <p:cNvSpPr txBox="1"/>
+          <p:nvPr/>
+        </p:nvSpPr>
+        <p:spPr>
+          <a:xfrm>
+            <a:off x="4907280" y="4133651"/>
+            <a:ext cx="4046220" cy="307777"/>
+          </a:xfrm>
+          <a:prstGeom prst="rect">
+            <a:avLst/>
+          </a:prstGeom>
+          <a:noFill/>
+        </p:spPr>
+        <p:txBody>
+          <a:bodyPr wrap="square" rtlCol="0">
+            <a:spAutoFit/>
+          </a:bodyPr>
+          <a:lstStyle/>
+          <a:p>
+            <a:r>
+              <a:rPr kumimoji="1" lang="en-US" altLang="ja-JP" sz="1400" dirty="0" err="1"/>
+              <a:t>ΔVgs</a:t>
+            </a:r>
+            <a:r>
+              <a:rPr kumimoji="1" lang="ja-JP" altLang="en-US" sz="1400" dirty="0"/>
+              <a:t>がどの範囲であれば、線形とみなせるか？</a:t>
+            </a:r>
+          </a:p>
+        </p:txBody>
+      </p:sp>
+      <p:sp>
+        <p:nvSpPr>
+          <p:cNvPr id="19" name="テキスト ボックス 18">
+            <a:extLst>
+              <a:ext uri="{FF2B5EF4-FFF2-40B4-BE49-F238E27FC236}">
+                <a16:creationId xmlns:a16="http://schemas.microsoft.com/office/drawing/2014/main" id="{EE7F10E2-26DC-2660-F4CD-4F64788A0E18}"/>
+              </a:ext>
+            </a:extLst>
+          </p:cNvPr>
+          <p:cNvSpPr txBox="1"/>
+          <p:nvPr/>
+        </p:nvSpPr>
+        <p:spPr>
+          <a:xfrm>
+            <a:off x="2186940" y="4922520"/>
+            <a:ext cx="5882640" cy="923330"/>
+          </a:xfrm>
+          <a:prstGeom prst="rect">
+            <a:avLst/>
+          </a:prstGeom>
+          <a:noFill/>
+        </p:spPr>
+        <p:txBody>
+          <a:bodyPr wrap="square" rtlCol="0">
+            <a:spAutoFit/>
+          </a:bodyPr>
+          <a:lstStyle/>
+          <a:p>
+            <a:r>
+              <a:rPr lang="ja-JP" altLang="en-US" dirty="0"/>
+              <a:t>・</a:t>
+            </a:r>
+            <a:r>
+              <a:rPr lang="en-US" altLang="ja-JP" dirty="0"/>
+              <a:t>Taylor</a:t>
+            </a:r>
+            <a:r>
+              <a:rPr lang="ja-JP" altLang="en-US" dirty="0"/>
+              <a:t>展開で二次項の影響が無視できるレベル。</a:t>
+            </a:r>
+            <a:endParaRPr lang="en-US" altLang="ja-JP" dirty="0"/>
+          </a:p>
+          <a:p>
+            <a:r>
+              <a:rPr lang="ja-JP" altLang="en-US" dirty="0"/>
+              <a:t>・</a:t>
+            </a:r>
+            <a:r>
+              <a:rPr lang="en-US" altLang="ja-JP" dirty="0"/>
+              <a:t>10%</a:t>
+            </a:r>
+            <a:r>
+              <a:rPr lang="ja-JP" altLang="en-US" dirty="0"/>
+              <a:t>を超えると歪み（</a:t>
+            </a:r>
+            <a:r>
+              <a:rPr lang="en-US" altLang="ja-JP" dirty="0"/>
+              <a:t>2</a:t>
+            </a:r>
+            <a:r>
+              <a:rPr lang="ja-JP" altLang="en-US" dirty="0"/>
+              <a:t>次高調波）が急増。</a:t>
+            </a:r>
+          </a:p>
+          <a:p>
+            <a:r>
+              <a:rPr kumimoji="1" lang="ja-JP" altLang="en-US" dirty="0"/>
+              <a:t>・</a:t>
+            </a:r>
+            <a:r>
+              <a:rPr lang="en-US" altLang="ja-JP" dirty="0"/>
+              <a:t>RF</a:t>
+            </a:r>
+            <a:r>
+              <a:rPr lang="ja-JP" altLang="en-US" dirty="0"/>
+              <a:t>や精密アナログではさらに小さく（数 </a:t>
+            </a:r>
+            <a:r>
+              <a:rPr lang="en-US" altLang="ja-JP" dirty="0"/>
+              <a:t>mV</a:t>
+            </a:r>
+            <a:r>
+              <a:rPr lang="ja-JP" altLang="en-US" dirty="0"/>
+              <a:t>）。</a:t>
+            </a:r>
+            <a:endParaRPr kumimoji="1" lang="ja-JP" altLang="en-US" dirty="0"/>
           </a:p>
         </p:txBody>
       </p:sp>
     </p:spTree>
     <p:extLst>
       <p:ext uri="{BB962C8B-B14F-4D97-AF65-F5344CB8AC3E}">
-        <p14:creationId xmlns:p14="http://schemas.microsoft.com/office/powerpoint/2010/main" val="3776197611"/>
+        <p14:creationId xmlns:p14="http://schemas.microsoft.com/office/powerpoint/2010/main" val="1538536873"/>
       </p:ext>
     </p:extLst>
   </p:cSld>

--- a/MOS-TrとICの基本&Tips Part1.pptx
+++ b/MOS-TrとICの基本&Tips Part1.pptx
@@ -5,7 +5,7 @@
     <p:sldMasterId id="2147483660" r:id="rId1"/>
   </p:sldMasterIdLst>
   <p:notesMasterIdLst>
-    <p:notesMasterId r:id="rId22"/>
+    <p:notesMasterId r:id="rId28"/>
   </p:notesMasterIdLst>
   <p:sldIdLst>
     <p:sldId id="256" r:id="rId2"/>
@@ -15,19 +15,25 @@
     <p:sldId id="272" r:id="rId6"/>
     <p:sldId id="273" r:id="rId7"/>
     <p:sldId id="262" r:id="rId8"/>
-    <p:sldId id="263" r:id="rId9"/>
-    <p:sldId id="270" r:id="rId10"/>
-    <p:sldId id="271" r:id="rId11"/>
-    <p:sldId id="269" r:id="rId12"/>
-    <p:sldId id="267" r:id="rId13"/>
-    <p:sldId id="258" r:id="rId14"/>
-    <p:sldId id="266" r:id="rId15"/>
-    <p:sldId id="265" r:id="rId16"/>
-    <p:sldId id="260" r:id="rId17"/>
-    <p:sldId id="261" r:id="rId18"/>
-    <p:sldId id="275" r:id="rId19"/>
-    <p:sldId id="268" r:id="rId20"/>
-    <p:sldId id="264" r:id="rId21"/>
+    <p:sldId id="279" r:id="rId9"/>
+    <p:sldId id="280" r:id="rId10"/>
+    <p:sldId id="263" r:id="rId11"/>
+    <p:sldId id="270" r:id="rId12"/>
+    <p:sldId id="271" r:id="rId13"/>
+    <p:sldId id="269" r:id="rId14"/>
+    <p:sldId id="276" r:id="rId15"/>
+    <p:sldId id="275" r:id="rId16"/>
+    <p:sldId id="268" r:id="rId17"/>
+    <p:sldId id="281" r:id="rId18"/>
+    <p:sldId id="277" r:id="rId19"/>
+    <p:sldId id="278" r:id="rId20"/>
+    <p:sldId id="267" r:id="rId21"/>
+    <p:sldId id="258" r:id="rId22"/>
+    <p:sldId id="266" r:id="rId23"/>
+    <p:sldId id="265" r:id="rId24"/>
+    <p:sldId id="260" r:id="rId25"/>
+    <p:sldId id="261" r:id="rId26"/>
+    <p:sldId id="264" r:id="rId27"/>
   </p:sldIdLst>
   <p:sldSz cx="9144000" cy="6858000" type="screen4x3"/>
   <p:notesSz cx="6858000" cy="9144000"/>
@@ -3920,37 +3926,41 @@
             </a:pPr>
             <a:r>
               <a:rPr lang="ja-JP" altLang="en-US" sz="4000" dirty="0"/>
-              <a:t>スイッチ特性</a:t>
+              <a:t>ドレイン電流</a:t>
             </a:r>
             <a:endParaRPr kumimoji="1" lang="ja-JP" altLang="en-US" sz="4000" dirty="0"/>
           </a:p>
         </p:txBody>
       </p:sp>
-      <p:sp>
-        <p:nvSpPr>
-          <p:cNvPr id="3" name="コンテンツ プレースホルダー 2">
-            <a:extLst>
-              <a:ext uri="{FF2B5EF4-FFF2-40B4-BE49-F238E27FC236}">
-                <a16:creationId xmlns:a16="http://schemas.microsoft.com/office/drawing/2014/main" id="{58649F6E-CDB0-3A67-5D2F-1DB1FAEE7399}"/>
-              </a:ext>
-            </a:extLst>
-          </p:cNvPr>
-          <p:cNvSpPr>
-            <a:spLocks noGrp="1"/>
-          </p:cNvSpPr>
+      <p:pic>
+        <p:nvPicPr>
+          <p:cNvPr id="6" name="コンテンツ プレースホルダー 5">
+            <a:extLst>
+              <a:ext uri="{FF2B5EF4-FFF2-40B4-BE49-F238E27FC236}">
+                <a16:creationId xmlns:a16="http://schemas.microsoft.com/office/drawing/2014/main" id="{51D1069E-8815-6008-E329-F022F532E452}"/>
+              </a:ext>
+            </a:extLst>
+          </p:cNvPr>
+          <p:cNvPicPr>
+            <a:picLocks noGrp="1" noChangeAspect="1"/>
+          </p:cNvPicPr>
           <p:nvPr>
             <p:ph idx="1"/>
           </p:nvPr>
-        </p:nvSpPr>
-        <p:spPr/>
-        <p:txBody>
-          <a:bodyPr/>
-          <a:lstStyle/>
-          <a:p>
-            <a:endParaRPr kumimoji="1" lang="ja-JP" altLang="en-US" dirty="0"/>
-          </a:p>
-        </p:txBody>
-      </p:sp>
+        </p:nvPicPr>
+        <p:blipFill>
+          <a:blip r:embed="rId2"/>
+          <a:stretch>
+            <a:fillRect/>
+          </a:stretch>
+        </p:blipFill>
+        <p:spPr>
+          <a:xfrm>
+            <a:off x="1059792" y="2106875"/>
+            <a:ext cx="2825715" cy="2360248"/>
+          </a:xfrm>
+        </p:spPr>
+      </p:pic>
       <p:sp>
         <p:nvSpPr>
           <p:cNvPr id="4" name="スライド番号プレースホルダー 3">
@@ -3980,10 +3990,315 @@
           </a:p>
         </p:txBody>
       </p:sp>
+      <p:pic>
+        <p:nvPicPr>
+          <p:cNvPr id="8" name="図 7">
+            <a:extLst>
+              <a:ext uri="{FF2B5EF4-FFF2-40B4-BE49-F238E27FC236}">
+                <a16:creationId xmlns:a16="http://schemas.microsoft.com/office/drawing/2014/main" id="{DEC16675-6CD1-99C4-A63C-FAE94D6F97DF}"/>
+              </a:ext>
+            </a:extLst>
+          </p:cNvPr>
+          <p:cNvPicPr>
+            <a:picLocks noChangeAspect="1"/>
+          </p:cNvPicPr>
+          <p:nvPr/>
+        </p:nvPicPr>
+        <p:blipFill>
+          <a:blip r:embed="rId3"/>
+          <a:stretch>
+            <a:fillRect/>
+          </a:stretch>
+        </p:blipFill>
+        <p:spPr>
+          <a:xfrm>
+            <a:off x="976665" y="4836940"/>
+            <a:ext cx="3514108" cy="1173591"/>
+          </a:xfrm>
+          <a:prstGeom prst="rect">
+            <a:avLst/>
+          </a:prstGeom>
+        </p:spPr>
+      </p:pic>
+      <p:pic>
+        <p:nvPicPr>
+          <p:cNvPr id="10" name="図 9">
+            <a:extLst>
+              <a:ext uri="{FF2B5EF4-FFF2-40B4-BE49-F238E27FC236}">
+                <a16:creationId xmlns:a16="http://schemas.microsoft.com/office/drawing/2014/main" id="{BF9C9C9F-7B0A-C089-5B43-AB4FA74B897C}"/>
+              </a:ext>
+            </a:extLst>
+          </p:cNvPr>
+          <p:cNvPicPr>
+            <a:picLocks noChangeAspect="1"/>
+          </p:cNvPicPr>
+          <p:nvPr/>
+        </p:nvPicPr>
+        <p:blipFill>
+          <a:blip r:embed="rId4"/>
+          <a:stretch>
+            <a:fillRect/>
+          </a:stretch>
+        </p:blipFill>
+        <p:spPr>
+          <a:xfrm>
+            <a:off x="4731669" y="4836940"/>
+            <a:ext cx="3688431" cy="1173591"/>
+          </a:xfrm>
+          <a:prstGeom prst="rect">
+            <a:avLst/>
+          </a:prstGeom>
+        </p:spPr>
+      </p:pic>
+      <p:sp>
+        <p:nvSpPr>
+          <p:cNvPr id="3" name="テキスト ボックス 2">
+            <a:extLst>
+              <a:ext uri="{FF2B5EF4-FFF2-40B4-BE49-F238E27FC236}">
+                <a16:creationId xmlns:a16="http://schemas.microsoft.com/office/drawing/2014/main" id="{72147F94-1405-7590-808D-AB4D91E7E9A7}"/>
+              </a:ext>
+            </a:extLst>
+          </p:cNvPr>
+          <p:cNvSpPr txBox="1"/>
+          <p:nvPr/>
+        </p:nvSpPr>
+        <p:spPr>
+          <a:xfrm>
+            <a:off x="4572000" y="1751687"/>
+            <a:ext cx="2078182" cy="307777"/>
+          </a:xfrm>
+          <a:prstGeom prst="rect">
+            <a:avLst/>
+          </a:prstGeom>
+          <a:noFill/>
+        </p:spPr>
+        <p:txBody>
+          <a:bodyPr wrap="square" rtlCol="0">
+            <a:spAutoFit/>
+          </a:bodyPr>
+          <a:lstStyle/>
+          <a:p>
+            <a:r>
+              <a:rPr kumimoji="1" lang="ja-JP" altLang="en-US" sz="1400" b="1" dirty="0"/>
+              <a:t>ドレイン電流算出</a:t>
+            </a:r>
+          </a:p>
+        </p:txBody>
+      </p:sp>
+      <p:pic>
+        <p:nvPicPr>
+          <p:cNvPr id="7" name="図 6">
+            <a:extLst>
+              <a:ext uri="{FF2B5EF4-FFF2-40B4-BE49-F238E27FC236}">
+                <a16:creationId xmlns:a16="http://schemas.microsoft.com/office/drawing/2014/main" id="{43CEA508-BB33-6E4E-AD87-668B3E89997E}"/>
+              </a:ext>
+            </a:extLst>
+          </p:cNvPr>
+          <p:cNvPicPr>
+            <a:picLocks noChangeAspect="1"/>
+          </p:cNvPicPr>
+          <p:nvPr/>
+        </p:nvPicPr>
+        <p:blipFill>
+          <a:blip r:embed="rId5"/>
+          <a:stretch>
+            <a:fillRect/>
+          </a:stretch>
+        </p:blipFill>
+        <p:spPr>
+          <a:xfrm>
+            <a:off x="4631527" y="2106875"/>
+            <a:ext cx="2573018" cy="307777"/>
+          </a:xfrm>
+          <a:prstGeom prst="rect">
+            <a:avLst/>
+          </a:prstGeom>
+        </p:spPr>
+      </p:pic>
+      <p:pic>
+        <p:nvPicPr>
+          <p:cNvPr id="11" name="図 10">
+            <a:extLst>
+              <a:ext uri="{FF2B5EF4-FFF2-40B4-BE49-F238E27FC236}">
+                <a16:creationId xmlns:a16="http://schemas.microsoft.com/office/drawing/2014/main" id="{57567492-A3C1-C7B4-85AA-F47014675467}"/>
+              </a:ext>
+            </a:extLst>
+          </p:cNvPr>
+          <p:cNvPicPr>
+            <a:picLocks noChangeAspect="1"/>
+          </p:cNvPicPr>
+          <p:nvPr/>
+        </p:nvPicPr>
+        <p:blipFill>
+          <a:blip r:embed="rId6"/>
+          <a:stretch>
+            <a:fillRect/>
+          </a:stretch>
+        </p:blipFill>
+        <p:spPr>
+          <a:xfrm>
+            <a:off x="4631527" y="2774445"/>
+            <a:ext cx="3514108" cy="334990"/>
+          </a:xfrm>
+          <a:prstGeom prst="rect">
+            <a:avLst/>
+          </a:prstGeom>
+        </p:spPr>
+      </p:pic>
+      <p:pic>
+        <p:nvPicPr>
+          <p:cNvPr id="13" name="図 12">
+            <a:extLst>
+              <a:ext uri="{FF2B5EF4-FFF2-40B4-BE49-F238E27FC236}">
+                <a16:creationId xmlns:a16="http://schemas.microsoft.com/office/drawing/2014/main" id="{51C7E45C-42D6-437D-7B46-5DD962E2609F}"/>
+              </a:ext>
+            </a:extLst>
+          </p:cNvPr>
+          <p:cNvPicPr>
+            <a:picLocks noChangeAspect="1"/>
+          </p:cNvPicPr>
+          <p:nvPr/>
+        </p:nvPicPr>
+        <p:blipFill>
+          <a:blip r:embed="rId7"/>
+          <a:stretch>
+            <a:fillRect/>
+          </a:stretch>
+        </p:blipFill>
+        <p:spPr>
+          <a:xfrm>
+            <a:off x="4631527" y="2475650"/>
+            <a:ext cx="1325952" cy="244871"/>
+          </a:xfrm>
+          <a:prstGeom prst="rect">
+            <a:avLst/>
+          </a:prstGeom>
+        </p:spPr>
+      </p:pic>
+      <p:pic>
+        <p:nvPicPr>
+          <p:cNvPr id="15" name="図 14">
+            <a:extLst>
+              <a:ext uri="{FF2B5EF4-FFF2-40B4-BE49-F238E27FC236}">
+                <a16:creationId xmlns:a16="http://schemas.microsoft.com/office/drawing/2014/main" id="{5E37893F-DA70-DC12-4B96-9DE618B05BBF}"/>
+              </a:ext>
+            </a:extLst>
+          </p:cNvPr>
+          <p:cNvPicPr>
+            <a:picLocks noChangeAspect="1"/>
+          </p:cNvPicPr>
+          <p:nvPr/>
+        </p:nvPicPr>
+        <p:blipFill>
+          <a:blip r:embed="rId8"/>
+          <a:stretch>
+            <a:fillRect/>
+          </a:stretch>
+        </p:blipFill>
+        <p:spPr>
+          <a:xfrm>
+            <a:off x="4631527" y="3441194"/>
+            <a:ext cx="2729015" cy="293143"/>
+          </a:xfrm>
+          <a:prstGeom prst="rect">
+            <a:avLst/>
+          </a:prstGeom>
+        </p:spPr>
+      </p:pic>
+      <p:pic>
+        <p:nvPicPr>
+          <p:cNvPr id="17" name="図 16">
+            <a:extLst>
+              <a:ext uri="{FF2B5EF4-FFF2-40B4-BE49-F238E27FC236}">
+                <a16:creationId xmlns:a16="http://schemas.microsoft.com/office/drawing/2014/main" id="{4D66DA05-35F2-8FFC-15B6-15FAB4C75B26}"/>
+              </a:ext>
+            </a:extLst>
+          </p:cNvPr>
+          <p:cNvPicPr>
+            <a:picLocks noChangeAspect="1"/>
+          </p:cNvPicPr>
+          <p:nvPr/>
+        </p:nvPicPr>
+        <p:blipFill>
+          <a:blip r:embed="rId9"/>
+          <a:stretch>
+            <a:fillRect/>
+          </a:stretch>
+        </p:blipFill>
+        <p:spPr>
+          <a:xfrm>
+            <a:off x="4631527" y="3163359"/>
+            <a:ext cx="564538" cy="212532"/>
+          </a:xfrm>
+          <a:prstGeom prst="rect">
+            <a:avLst/>
+          </a:prstGeom>
+        </p:spPr>
+      </p:pic>
+      <p:pic>
+        <p:nvPicPr>
+          <p:cNvPr id="19" name="図 18">
+            <a:extLst>
+              <a:ext uri="{FF2B5EF4-FFF2-40B4-BE49-F238E27FC236}">
+                <a16:creationId xmlns:a16="http://schemas.microsoft.com/office/drawing/2014/main" id="{65EA3366-DF4D-E7F2-B99B-99AD993AAB60}"/>
+              </a:ext>
+            </a:extLst>
+          </p:cNvPr>
+          <p:cNvPicPr>
+            <a:picLocks noChangeAspect="1"/>
+          </p:cNvPicPr>
+          <p:nvPr/>
+        </p:nvPicPr>
+        <p:blipFill>
+          <a:blip r:embed="rId10"/>
+          <a:stretch>
+            <a:fillRect/>
+          </a:stretch>
+        </p:blipFill>
+        <p:spPr>
+          <a:xfrm>
+            <a:off x="4631527" y="3820701"/>
+            <a:ext cx="3262859" cy="412275"/>
+          </a:xfrm>
+          <a:prstGeom prst="rect">
+            <a:avLst/>
+          </a:prstGeom>
+        </p:spPr>
+      </p:pic>
+      <p:pic>
+        <p:nvPicPr>
+          <p:cNvPr id="21" name="図 20">
+            <a:extLst>
+              <a:ext uri="{FF2B5EF4-FFF2-40B4-BE49-F238E27FC236}">
+                <a16:creationId xmlns:a16="http://schemas.microsoft.com/office/drawing/2014/main" id="{A84F1A4A-9553-61E0-EFB1-E6C071E451AB}"/>
+              </a:ext>
+            </a:extLst>
+          </p:cNvPr>
+          <p:cNvPicPr>
+            <a:picLocks noChangeAspect="1"/>
+          </p:cNvPicPr>
+          <p:nvPr/>
+        </p:nvPicPr>
+        <p:blipFill>
+          <a:blip r:embed="rId11"/>
+          <a:stretch>
+            <a:fillRect/>
+          </a:stretch>
+        </p:blipFill>
+        <p:spPr>
+          <a:xfrm>
+            <a:off x="4630598" y="4307456"/>
+            <a:ext cx="2791582" cy="334990"/>
+          </a:xfrm>
+          <a:prstGeom prst="rect">
+            <a:avLst/>
+          </a:prstGeom>
+        </p:spPr>
+      </p:pic>
     </p:spTree>
     <p:extLst>
       <p:ext uri="{BB962C8B-B14F-4D97-AF65-F5344CB8AC3E}">
-        <p14:creationId xmlns:p14="http://schemas.microsoft.com/office/powerpoint/2010/main" val="1286036954"/>
+        <p14:creationId xmlns:p14="http://schemas.microsoft.com/office/powerpoint/2010/main" val="2547553674"/>
       </p:ext>
     </p:extLst>
   </p:cSld>
@@ -4047,13 +4362,14 @@
               <a:buNone/>
             </a:pPr>
             <a:r>
-              <a:rPr kumimoji="1" lang="en-US" altLang="ja-JP" sz="2800" dirty="0"/>
-              <a:t>MOSFET</a:t>
-            </a:r>
-            <a:r>
-              <a:rPr kumimoji="1" lang="ja-JP" altLang="en-US" sz="2800" dirty="0"/>
-              <a:t>の閾値電圧と基板バイアス効果</a:t>
-            </a:r>
+              <a:rPr lang="en-US" altLang="ja-JP" sz="2800" dirty="0"/>
+              <a:t>MOS</a:t>
+            </a:r>
+            <a:r>
+              <a:rPr lang="ja-JP" altLang="en-US" sz="2800" dirty="0"/>
+              <a:t>トランジスタの小信号モデル</a:t>
+            </a:r>
+            <a:endParaRPr kumimoji="1" lang="ja-JP" altLang="en-US" sz="2800" dirty="0"/>
           </a:p>
         </p:txBody>
       </p:sp>
@@ -4062,7 +4378,7 @@
           <p:cNvPr id="6" name="コンテンツ プレースホルダー 5">
             <a:extLst>
               <a:ext uri="{FF2B5EF4-FFF2-40B4-BE49-F238E27FC236}">
-                <a16:creationId xmlns:a16="http://schemas.microsoft.com/office/drawing/2014/main" id="{2DB7AD98-D528-2BFC-598C-4E1CFBADDCC9}"/>
+                <a16:creationId xmlns:a16="http://schemas.microsoft.com/office/drawing/2014/main" id="{BABCC9CD-AD5E-E2F7-AC5E-176F6EE87F76}"/>
               </a:ext>
             </a:extLst>
           </p:cNvPr>
@@ -4081,8 +4397,8 @@
         </p:blipFill>
         <p:spPr>
           <a:xfrm>
-            <a:off x="1469835" y="1924488"/>
-            <a:ext cx="1867161" cy="295316"/>
+            <a:off x="757390" y="1963621"/>
+            <a:ext cx="3586514" cy="2664461"/>
           </a:xfrm>
         </p:spPr>
       </p:pic>
@@ -4120,7 +4436,7 @@
           <p:cNvPr id="8" name="図 7">
             <a:extLst>
               <a:ext uri="{FF2B5EF4-FFF2-40B4-BE49-F238E27FC236}">
-                <a16:creationId xmlns:a16="http://schemas.microsoft.com/office/drawing/2014/main" id="{D43B5FFE-B610-186E-FB82-36BB6C351354}"/>
+                <a16:creationId xmlns:a16="http://schemas.microsoft.com/office/drawing/2014/main" id="{8B79DC2C-027A-BC46-664A-37EDC5B14553}"/>
               </a:ext>
             </a:extLst>
           </p:cNvPr>
@@ -4137,160 +4453,34 @@
         </p:blipFill>
         <p:spPr>
           <a:xfrm>
-            <a:off x="791093" y="2453603"/>
-            <a:ext cx="3224647" cy="2222192"/>
+            <a:off x="4709666" y="1963621"/>
+            <a:ext cx="3981970" cy="2664460"/>
           </a:xfrm>
           <a:prstGeom prst="rect">
             <a:avLst/>
           </a:prstGeom>
         </p:spPr>
       </p:pic>
-      <p:pic>
-        <p:nvPicPr>
-          <p:cNvPr id="10" name="図 9">
-            <a:extLst>
-              <a:ext uri="{FF2B5EF4-FFF2-40B4-BE49-F238E27FC236}">
-                <a16:creationId xmlns:a16="http://schemas.microsoft.com/office/drawing/2014/main" id="{9B6D8BCD-E21C-018D-C21C-BD36EAC4E416}"/>
-              </a:ext>
-            </a:extLst>
-          </p:cNvPr>
-          <p:cNvPicPr>
-            <a:picLocks noChangeAspect="1"/>
-          </p:cNvPicPr>
+      <p:sp>
+        <p:nvSpPr>
+          <p:cNvPr id="9" name="矢印: 下 8">
+            <a:extLst>
+              <a:ext uri="{FF2B5EF4-FFF2-40B4-BE49-F238E27FC236}">
+                <a16:creationId xmlns:a16="http://schemas.microsoft.com/office/drawing/2014/main" id="{0CE873A7-41DD-7E39-FE42-453C9A92FA5E}"/>
+              </a:ext>
+            </a:extLst>
+          </p:cNvPr>
+          <p:cNvSpPr/>
           <p:nvPr/>
-        </p:nvPicPr>
-        <p:blipFill>
-          <a:blip r:embed="rId4"/>
-          <a:stretch>
-            <a:fillRect/>
-          </a:stretch>
-        </p:blipFill>
-        <p:spPr>
-          <a:xfrm>
-            <a:off x="791093" y="5069896"/>
-            <a:ext cx="3224647" cy="979338"/>
-          </a:xfrm>
-          <a:prstGeom prst="rect">
+        </p:nvSpPr>
+        <p:spPr>
+          <a:xfrm>
+            <a:off x="3970524" y="4780322"/>
+            <a:ext cx="1082040" cy="563880"/>
+          </a:xfrm>
+          <a:prstGeom prst="downArrow">
             <a:avLst/>
           </a:prstGeom>
-        </p:spPr>
-      </p:pic>
-      <p:pic>
-        <p:nvPicPr>
-          <p:cNvPr id="12" name="図 11">
-            <a:extLst>
-              <a:ext uri="{FF2B5EF4-FFF2-40B4-BE49-F238E27FC236}">
-                <a16:creationId xmlns:a16="http://schemas.microsoft.com/office/drawing/2014/main" id="{3CB11194-DC38-E866-9EB3-035CBFEAD8B1}"/>
-              </a:ext>
-            </a:extLst>
-          </p:cNvPr>
-          <p:cNvPicPr>
-            <a:picLocks noChangeAspect="1"/>
-          </p:cNvPicPr>
-          <p:nvPr/>
-        </p:nvPicPr>
-        <p:blipFill>
-          <a:blip r:embed="rId5"/>
-          <a:stretch>
-            <a:fillRect/>
-          </a:stretch>
-        </p:blipFill>
-        <p:spPr>
-          <a:xfrm>
-            <a:off x="5807006" y="1892273"/>
-            <a:ext cx="1439612" cy="327531"/>
-          </a:xfrm>
-          <a:prstGeom prst="rect">
-            <a:avLst/>
-          </a:prstGeom>
-        </p:spPr>
-      </p:pic>
-      <p:pic>
-        <p:nvPicPr>
-          <p:cNvPr id="14" name="図 13">
-            <a:extLst>
-              <a:ext uri="{FF2B5EF4-FFF2-40B4-BE49-F238E27FC236}">
-                <a16:creationId xmlns:a16="http://schemas.microsoft.com/office/drawing/2014/main" id="{433CB818-A69F-AC5A-22A2-2A80AD0A9EF1}"/>
-              </a:ext>
-            </a:extLst>
-          </p:cNvPr>
-          <p:cNvPicPr>
-            <a:picLocks noChangeAspect="1"/>
-          </p:cNvPicPr>
-          <p:nvPr/>
-        </p:nvPicPr>
-        <p:blipFill>
-          <a:blip r:embed="rId6"/>
-          <a:stretch>
-            <a:fillRect/>
-          </a:stretch>
-        </p:blipFill>
-        <p:spPr>
-          <a:xfrm>
-            <a:off x="5295596" y="2444959"/>
-            <a:ext cx="2324708" cy="2230836"/>
-          </a:xfrm>
-          <a:prstGeom prst="rect">
-            <a:avLst/>
-          </a:prstGeom>
-        </p:spPr>
-      </p:pic>
-      <p:pic>
-        <p:nvPicPr>
-          <p:cNvPr id="16" name="図 15">
-            <a:extLst>
-              <a:ext uri="{FF2B5EF4-FFF2-40B4-BE49-F238E27FC236}">
-                <a16:creationId xmlns:a16="http://schemas.microsoft.com/office/drawing/2014/main" id="{80F1511B-C3ED-DB2B-3895-D70F9471F455}"/>
-              </a:ext>
-            </a:extLst>
-          </p:cNvPr>
-          <p:cNvPicPr>
-            <a:picLocks noChangeAspect="1"/>
-          </p:cNvPicPr>
-          <p:nvPr/>
-        </p:nvPicPr>
-        <p:blipFill>
-          <a:blip r:embed="rId7"/>
-          <a:stretch>
-            <a:fillRect/>
-          </a:stretch>
-        </p:blipFill>
-        <p:spPr>
-          <a:xfrm>
-            <a:off x="5021219" y="4961423"/>
-            <a:ext cx="3147424" cy="937284"/>
-          </a:xfrm>
-          <a:prstGeom prst="rect">
-            <a:avLst/>
-          </a:prstGeom>
-        </p:spPr>
-      </p:pic>
-      <p:sp>
-        <p:nvSpPr>
-          <p:cNvPr id="17" name="四角形: 角を丸くする 16">
-            <a:extLst>
-              <a:ext uri="{FF2B5EF4-FFF2-40B4-BE49-F238E27FC236}">
-                <a16:creationId xmlns:a16="http://schemas.microsoft.com/office/drawing/2014/main" id="{9625A576-5B86-59BC-C8E0-0FE1C0C84E14}"/>
-              </a:ext>
-            </a:extLst>
-          </p:cNvPr>
-          <p:cNvSpPr/>
-          <p:nvPr/>
-        </p:nvSpPr>
-        <p:spPr>
-          <a:xfrm>
-            <a:off x="7620304" y="5460504"/>
-            <a:ext cx="426416" cy="277355"/>
-          </a:xfrm>
-          <a:prstGeom prst="roundRect">
-            <a:avLst/>
-          </a:prstGeom>
-          <a:noFill/>
-          <a:ln w="12700">
-            <a:solidFill>
-              <a:srgbClr val="FF0000"/>
-            </a:solidFill>
-          </a:ln>
         </p:spPr>
         <p:style>
           <a:lnRef idx="2">
@@ -4317,10 +4507,336 @@
           </a:p>
         </p:txBody>
       </p:sp>
+      <p:cxnSp>
+        <p:nvCxnSpPr>
+          <p:cNvPr id="11" name="直線矢印コネクタ 10">
+            <a:extLst>
+              <a:ext uri="{FF2B5EF4-FFF2-40B4-BE49-F238E27FC236}">
+                <a16:creationId xmlns:a16="http://schemas.microsoft.com/office/drawing/2014/main" id="{7082CC66-2FCB-8822-DECD-48E62B104B8B}"/>
+              </a:ext>
+            </a:extLst>
+          </p:cNvPr>
+          <p:cNvCxnSpPr>
+            <a:cxnSpLocks/>
+          </p:cNvCxnSpPr>
+          <p:nvPr/>
+        </p:nvCxnSpPr>
+        <p:spPr>
+          <a:xfrm flipV="1">
+            <a:off x="7650480" y="2354580"/>
+            <a:ext cx="0" cy="336709"/>
+          </a:xfrm>
+          <a:prstGeom prst="straightConnector1">
+            <a:avLst/>
+          </a:prstGeom>
+          <a:ln>
+            <a:tailEnd type="triangle"/>
+          </a:ln>
+        </p:spPr>
+        <p:style>
+          <a:lnRef idx="2">
+            <a:schemeClr val="accent1"/>
+          </a:lnRef>
+          <a:fillRef idx="0">
+            <a:schemeClr val="accent1"/>
+          </a:fillRef>
+          <a:effectRef idx="1">
+            <a:schemeClr val="accent1"/>
+          </a:effectRef>
+          <a:fontRef idx="minor">
+            <a:schemeClr val="tx1"/>
+          </a:fontRef>
+        </p:style>
+      </p:cxnSp>
+      <p:cxnSp>
+        <p:nvCxnSpPr>
+          <p:cNvPr id="13" name="直線矢印コネクタ 12">
+            <a:extLst>
+              <a:ext uri="{FF2B5EF4-FFF2-40B4-BE49-F238E27FC236}">
+                <a16:creationId xmlns:a16="http://schemas.microsoft.com/office/drawing/2014/main" id="{6457E017-4BEC-20DC-F717-22A93DC45F1C}"/>
+              </a:ext>
+            </a:extLst>
+          </p:cNvPr>
+          <p:cNvCxnSpPr>
+            <a:cxnSpLocks/>
+          </p:cNvCxnSpPr>
+          <p:nvPr/>
+        </p:nvCxnSpPr>
+        <p:spPr>
+          <a:xfrm>
+            <a:off x="7650480" y="2691289"/>
+            <a:ext cx="0" cy="318611"/>
+          </a:xfrm>
+          <a:prstGeom prst="straightConnector1">
+            <a:avLst/>
+          </a:prstGeom>
+          <a:ln>
+            <a:tailEnd type="triangle"/>
+          </a:ln>
+        </p:spPr>
+        <p:style>
+          <a:lnRef idx="2">
+            <a:schemeClr val="accent1"/>
+          </a:lnRef>
+          <a:fillRef idx="0">
+            <a:schemeClr val="accent1"/>
+          </a:fillRef>
+          <a:effectRef idx="1">
+            <a:schemeClr val="accent1"/>
+          </a:effectRef>
+          <a:fontRef idx="minor">
+            <a:schemeClr val="tx1"/>
+          </a:fontRef>
+        </p:style>
+      </p:cxnSp>
+      <p:sp>
+        <p:nvSpPr>
+          <p:cNvPr id="16" name="テキスト ボックス 15">
+            <a:extLst>
+              <a:ext uri="{FF2B5EF4-FFF2-40B4-BE49-F238E27FC236}">
+                <a16:creationId xmlns:a16="http://schemas.microsoft.com/office/drawing/2014/main" id="{9EB3454F-E58B-66B7-D4D7-D195684C11E5}"/>
+              </a:ext>
+            </a:extLst>
+          </p:cNvPr>
+          <p:cNvSpPr txBox="1"/>
+          <p:nvPr/>
+        </p:nvSpPr>
+        <p:spPr>
+          <a:xfrm>
+            <a:off x="7650480" y="2400013"/>
+            <a:ext cx="1097280" cy="276999"/>
+          </a:xfrm>
+          <a:prstGeom prst="rect">
+            <a:avLst/>
+          </a:prstGeom>
+          <a:noFill/>
+        </p:spPr>
+        <p:txBody>
+          <a:bodyPr wrap="square" rtlCol="0">
+            <a:spAutoFit/>
+          </a:bodyPr>
+          <a:lstStyle/>
+          <a:p>
+            <a:r>
+              <a:rPr kumimoji="1" lang="ja-JP" altLang="en-US" sz="1200" dirty="0"/>
+              <a:t>＋</a:t>
+            </a:r>
+            <a:r>
+              <a:rPr kumimoji="1" lang="en-US" altLang="ja-JP" sz="1200" dirty="0" err="1"/>
+              <a:t>ΔVgs</a:t>
+            </a:r>
+            <a:endParaRPr kumimoji="1" lang="ja-JP" altLang="en-US" sz="1200" dirty="0"/>
+          </a:p>
+        </p:txBody>
+      </p:sp>
+      <p:sp>
+        <p:nvSpPr>
+          <p:cNvPr id="17" name="テキスト ボックス 16">
+            <a:extLst>
+              <a:ext uri="{FF2B5EF4-FFF2-40B4-BE49-F238E27FC236}">
+                <a16:creationId xmlns:a16="http://schemas.microsoft.com/office/drawing/2014/main" id="{47C621BF-A3F4-E81E-C8EE-64D72D5FBF4C}"/>
+              </a:ext>
+            </a:extLst>
+          </p:cNvPr>
+          <p:cNvSpPr txBox="1"/>
+          <p:nvPr/>
+        </p:nvSpPr>
+        <p:spPr>
+          <a:xfrm>
+            <a:off x="7108338" y="2677012"/>
+            <a:ext cx="1097280" cy="276999"/>
+          </a:xfrm>
+          <a:prstGeom prst="rect">
+            <a:avLst/>
+          </a:prstGeom>
+          <a:noFill/>
+        </p:spPr>
+        <p:txBody>
+          <a:bodyPr wrap="square" rtlCol="0">
+            <a:spAutoFit/>
+          </a:bodyPr>
+          <a:lstStyle/>
+          <a:p>
+            <a:r>
+              <a:rPr kumimoji="1" lang="en-US" altLang="ja-JP" sz="1200" dirty="0"/>
+              <a:t>-</a:t>
+            </a:r>
+            <a:r>
+              <a:rPr kumimoji="1" lang="en-US" altLang="ja-JP" sz="1200" dirty="0" err="1"/>
+              <a:t>ΔVgs</a:t>
+            </a:r>
+            <a:endParaRPr kumimoji="1" lang="ja-JP" altLang="en-US" sz="1200" dirty="0"/>
+          </a:p>
+        </p:txBody>
+      </p:sp>
+      <p:sp>
+        <p:nvSpPr>
+          <p:cNvPr id="18" name="テキスト ボックス 17">
+            <a:extLst>
+              <a:ext uri="{FF2B5EF4-FFF2-40B4-BE49-F238E27FC236}">
+                <a16:creationId xmlns:a16="http://schemas.microsoft.com/office/drawing/2014/main" id="{7CE396AC-66BE-18D6-83A3-AF5C5507E773}"/>
+              </a:ext>
+            </a:extLst>
+          </p:cNvPr>
+          <p:cNvSpPr txBox="1"/>
+          <p:nvPr/>
+        </p:nvSpPr>
+        <p:spPr>
+          <a:xfrm>
+            <a:off x="4846824" y="4738213"/>
+            <a:ext cx="4046220" cy="307777"/>
+          </a:xfrm>
+          <a:prstGeom prst="rect">
+            <a:avLst/>
+          </a:prstGeom>
+          <a:noFill/>
+        </p:spPr>
+        <p:txBody>
+          <a:bodyPr wrap="square" rtlCol="0">
+            <a:spAutoFit/>
+          </a:bodyPr>
+          <a:lstStyle/>
+          <a:p>
+            <a:r>
+              <a:rPr kumimoji="1" lang="en-US" altLang="ja-JP" sz="1400" dirty="0" err="1"/>
+              <a:t>ΔVgs</a:t>
+            </a:r>
+            <a:r>
+              <a:rPr kumimoji="1" lang="ja-JP" altLang="en-US" sz="1400" dirty="0"/>
+              <a:t>がどの範囲であれば、線形とみなせるか？</a:t>
+            </a:r>
+          </a:p>
+        </p:txBody>
+      </p:sp>
+      <p:sp>
+        <p:nvSpPr>
+          <p:cNvPr id="19" name="テキスト ボックス 18">
+            <a:extLst>
+              <a:ext uri="{FF2B5EF4-FFF2-40B4-BE49-F238E27FC236}">
+                <a16:creationId xmlns:a16="http://schemas.microsoft.com/office/drawing/2014/main" id="{EE7F10E2-26DC-2660-F4CD-4F64788A0E18}"/>
+              </a:ext>
+            </a:extLst>
+          </p:cNvPr>
+          <p:cNvSpPr txBox="1"/>
+          <p:nvPr/>
+        </p:nvSpPr>
+        <p:spPr>
+          <a:xfrm>
+            <a:off x="2126484" y="5527082"/>
+            <a:ext cx="5882640" cy="923330"/>
+          </a:xfrm>
+          <a:prstGeom prst="rect">
+            <a:avLst/>
+          </a:prstGeom>
+          <a:noFill/>
+        </p:spPr>
+        <p:txBody>
+          <a:bodyPr wrap="square" rtlCol="0">
+            <a:spAutoFit/>
+          </a:bodyPr>
+          <a:lstStyle/>
+          <a:p>
+            <a:r>
+              <a:rPr lang="ja-JP" altLang="en-US" dirty="0"/>
+              <a:t>・</a:t>
+            </a:r>
+            <a:r>
+              <a:rPr lang="en-US" altLang="ja-JP" dirty="0"/>
+              <a:t>Taylor</a:t>
+            </a:r>
+            <a:r>
+              <a:rPr lang="ja-JP" altLang="en-US" dirty="0"/>
+              <a:t>展開で二次項の影響が無視できるレベル。</a:t>
+            </a:r>
+            <a:endParaRPr lang="en-US" altLang="ja-JP" dirty="0"/>
+          </a:p>
+          <a:p>
+            <a:r>
+              <a:rPr lang="ja-JP" altLang="en-US" dirty="0"/>
+              <a:t>・</a:t>
+            </a:r>
+            <a:r>
+              <a:rPr lang="en-US" altLang="ja-JP" dirty="0"/>
+              <a:t>10%</a:t>
+            </a:r>
+            <a:r>
+              <a:rPr lang="ja-JP" altLang="en-US" dirty="0"/>
+              <a:t>を超えると歪み（</a:t>
+            </a:r>
+            <a:r>
+              <a:rPr lang="en-US" altLang="ja-JP" dirty="0"/>
+              <a:t>2</a:t>
+            </a:r>
+            <a:r>
+              <a:rPr lang="ja-JP" altLang="en-US" dirty="0"/>
+              <a:t>次高調波）が急増。</a:t>
+            </a:r>
+          </a:p>
+          <a:p>
+            <a:r>
+              <a:rPr kumimoji="1" lang="ja-JP" altLang="en-US" dirty="0"/>
+              <a:t>・</a:t>
+            </a:r>
+            <a:r>
+              <a:rPr lang="en-US" altLang="ja-JP" dirty="0"/>
+              <a:t>RF</a:t>
+            </a:r>
+            <a:r>
+              <a:rPr lang="ja-JP" altLang="en-US" dirty="0"/>
+              <a:t>や精密アナログではさらに小さく（数 </a:t>
+            </a:r>
+            <a:r>
+              <a:rPr lang="en-US" altLang="ja-JP" dirty="0"/>
+              <a:t>mV</a:t>
+            </a:r>
+            <a:r>
+              <a:rPr lang="ja-JP" altLang="en-US" dirty="0"/>
+              <a:t>）。</a:t>
+            </a:r>
+            <a:endParaRPr kumimoji="1" lang="ja-JP" altLang="en-US" dirty="0"/>
+          </a:p>
+        </p:txBody>
+      </p:sp>
+      <p:sp>
+        <p:nvSpPr>
+          <p:cNvPr id="3" name="テキスト ボックス 2">
+            <a:extLst>
+              <a:ext uri="{FF2B5EF4-FFF2-40B4-BE49-F238E27FC236}">
+                <a16:creationId xmlns:a16="http://schemas.microsoft.com/office/drawing/2014/main" id="{8CE3C3D2-B90C-6189-AD94-5C99E632A7BE}"/>
+              </a:ext>
+            </a:extLst>
+          </p:cNvPr>
+          <p:cNvSpPr txBox="1"/>
+          <p:nvPr/>
+        </p:nvSpPr>
+        <p:spPr>
+          <a:xfrm>
+            <a:off x="905905" y="1257711"/>
+            <a:ext cx="5882640" cy="369332"/>
+          </a:xfrm>
+          <a:prstGeom prst="rect">
+            <a:avLst/>
+          </a:prstGeom>
+          <a:noFill/>
+        </p:spPr>
+        <p:txBody>
+          <a:bodyPr wrap="square" rtlCol="0">
+            <a:spAutoFit/>
+          </a:bodyPr>
+          <a:lstStyle/>
+          <a:p>
+            <a:r>
+              <a:rPr kumimoji="1" lang="en-US" altLang="ja-JP" dirty="0"/>
+              <a:t>https://kitagawa.merl.jp/edu/ec1/pdf/10.pdf</a:t>
+            </a:r>
+            <a:endParaRPr kumimoji="1" lang="ja-JP" altLang="en-US" dirty="0"/>
+          </a:p>
+        </p:txBody>
+      </p:sp>
     </p:spTree>
     <p:extLst>
       <p:ext uri="{BB962C8B-B14F-4D97-AF65-F5344CB8AC3E}">
-        <p14:creationId xmlns:p14="http://schemas.microsoft.com/office/powerpoint/2010/main" val="1116763555"/>
+        <p14:creationId xmlns:p14="http://schemas.microsoft.com/office/powerpoint/2010/main" val="1538536873"/>
       </p:ext>
     </p:extLst>
   </p:cSld>
@@ -4384,60 +4900,44 @@
               <a:buNone/>
             </a:pPr>
             <a:r>
-              <a:rPr kumimoji="1" lang="en-US" altLang="ja-JP" sz="3200" dirty="0"/>
-              <a:t>Bipolar</a:t>
-            </a:r>
-            <a:r>
-              <a:rPr lang="ja-JP" altLang="en-US" sz="3200" dirty="0"/>
-              <a:t>トランジスタ</a:t>
-            </a:r>
-            <a:r>
-              <a:rPr kumimoji="1" lang="ja-JP" altLang="en-US" sz="3200" dirty="0"/>
-              <a:t>の</a:t>
-            </a:r>
-            <a:r>
-              <a:rPr lang="ja-JP" altLang="en-US" sz="3200" dirty="0"/>
-              <a:t>デバイス構造</a:t>
-            </a:r>
-            <a:endParaRPr kumimoji="1" lang="ja-JP" altLang="en-US" sz="3200" dirty="0"/>
-          </a:p>
-        </p:txBody>
-      </p:sp>
-      <p:pic>
-        <p:nvPicPr>
-          <p:cNvPr id="6" name="コンテンツ プレースホルダー 5">
-            <a:extLst>
-              <a:ext uri="{FF2B5EF4-FFF2-40B4-BE49-F238E27FC236}">
-                <a16:creationId xmlns:a16="http://schemas.microsoft.com/office/drawing/2014/main" id="{75917E45-DB26-95E8-A065-128F89E47F10}"/>
-              </a:ext>
-            </a:extLst>
-          </p:cNvPr>
-          <p:cNvPicPr>
-            <a:picLocks noGrp="1" noChangeAspect="1"/>
-          </p:cNvPicPr>
+              <a:rPr lang="ja-JP" altLang="en-US" sz="4000" dirty="0"/>
+              <a:t>スイッチ特性</a:t>
+            </a:r>
+            <a:endParaRPr kumimoji="1" lang="ja-JP" altLang="en-US" sz="4000" dirty="0"/>
+          </a:p>
+        </p:txBody>
+      </p:sp>
+      <p:sp>
+        <p:nvSpPr>
+          <p:cNvPr id="3" name="コンテンツ プレースホルダー 2">
+            <a:extLst>
+              <a:ext uri="{FF2B5EF4-FFF2-40B4-BE49-F238E27FC236}">
+                <a16:creationId xmlns:a16="http://schemas.microsoft.com/office/drawing/2014/main" id="{58649F6E-CDB0-3A67-5D2F-1DB1FAEE7399}"/>
+              </a:ext>
+            </a:extLst>
+          </p:cNvPr>
+          <p:cNvSpPr>
+            <a:spLocks noGrp="1"/>
+          </p:cNvSpPr>
           <p:nvPr>
             <p:ph idx="1"/>
           </p:nvPr>
-        </p:nvPicPr>
-        <p:blipFill>
-          <a:blip r:embed="rId2"/>
-          <a:stretch>
-            <a:fillRect/>
-          </a:stretch>
-        </p:blipFill>
-        <p:spPr>
-          <a:xfrm>
-            <a:off x="1276350" y="1751649"/>
-            <a:ext cx="5984767" cy="2942271"/>
-          </a:xfrm>
-        </p:spPr>
-      </p:pic>
+        </p:nvSpPr>
+        <p:spPr/>
+        <p:txBody>
+          <a:bodyPr/>
+          <a:lstStyle/>
+          <a:p>
+            <a:endParaRPr kumimoji="1" lang="ja-JP" altLang="en-US" dirty="0"/>
+          </a:p>
+        </p:txBody>
+      </p:sp>
       <p:sp>
         <p:nvSpPr>
           <p:cNvPr id="4" name="スライド番号プレースホルダー 3">
             <a:extLst>
               <a:ext uri="{FF2B5EF4-FFF2-40B4-BE49-F238E27FC236}">
-                <a16:creationId xmlns:a16="http://schemas.microsoft.com/office/drawing/2014/main" id="{4F8153B5-CB0F-1C2C-83E8-D06F82895FCF}"/>
+                <a16:creationId xmlns:a16="http://schemas.microsoft.com/office/drawing/2014/main" id="{5E4E741B-FE9D-0BB2-5AC8-CC52BAE19ADA}"/>
               </a:ext>
             </a:extLst>
           </p:cNvPr>
@@ -4464,7 +4964,7 @@
     </p:spTree>
     <p:extLst>
       <p:ext uri="{BB962C8B-B14F-4D97-AF65-F5344CB8AC3E}">
-        <p14:creationId xmlns:p14="http://schemas.microsoft.com/office/powerpoint/2010/main" val="459209405"/>
+        <p14:creationId xmlns:p14="http://schemas.microsoft.com/office/powerpoint/2010/main" val="1286036954"/>
       </p:ext>
     </p:extLst>
   </p:cSld>
@@ -4517,49 +5017,62 @@
             <p:ph type="title"/>
           </p:nvPr>
         </p:nvSpPr>
-        <p:spPr>
-          <a:xfrm>
-            <a:off x="652738" y="372683"/>
-            <a:ext cx="7886700" cy="1325563"/>
-          </a:xfrm>
-        </p:spPr>
+        <p:spPr/>
         <p:txBody>
           <a:bodyPr>
             <a:normAutofit/>
           </a:bodyPr>
           <a:lstStyle/>
           <a:p>
-            <a:pPr algn="ctr"/>
-            <a:r>
-              <a:rPr kumimoji="1" lang="en-US" altLang="ja-JP" sz="3200" dirty="0"/>
-              <a:t>MOS</a:t>
-            </a:r>
-            <a:r>
-              <a:rPr kumimoji="1" lang="ja-JP" altLang="en-US" sz="3200" dirty="0"/>
-              <a:t>の論理回路</a:t>
-            </a:r>
-            <a:r>
-              <a:rPr kumimoji="1" lang="en-US" altLang="ja-JP" sz="3200" dirty="0"/>
-              <a:t>(inv</a:t>
-            </a:r>
-            <a:r>
-              <a:rPr lang="ja-JP" altLang="en-US" sz="3200" dirty="0"/>
-              <a:t>回路とレイアウト</a:t>
-            </a:r>
-            <a:r>
-              <a:rPr kumimoji="1" lang="en-US" altLang="ja-JP" sz="3200" dirty="0"/>
-              <a:t>)</a:t>
-            </a:r>
-            <a:endParaRPr kumimoji="1" lang="ja-JP" altLang="en-US" sz="3200" dirty="0"/>
-          </a:p>
-        </p:txBody>
-      </p:sp>
+            <a:pPr marL="0" indent="0" algn="ctr">
+              <a:buNone/>
+            </a:pPr>
+            <a:r>
+              <a:rPr kumimoji="1" lang="en-US" altLang="ja-JP" sz="2800" dirty="0"/>
+              <a:t>MOSFET</a:t>
+            </a:r>
+            <a:r>
+              <a:rPr kumimoji="1" lang="ja-JP" altLang="en-US" sz="2800" dirty="0"/>
+              <a:t>の閾値電圧と基板バイアス効果</a:t>
+            </a:r>
+          </a:p>
+        </p:txBody>
+      </p:sp>
+      <p:pic>
+        <p:nvPicPr>
+          <p:cNvPr id="6" name="コンテンツ プレースホルダー 5">
+            <a:extLst>
+              <a:ext uri="{FF2B5EF4-FFF2-40B4-BE49-F238E27FC236}">
+                <a16:creationId xmlns:a16="http://schemas.microsoft.com/office/drawing/2014/main" id="{2DB7AD98-D528-2BFC-598C-4E1CFBADDCC9}"/>
+              </a:ext>
+            </a:extLst>
+          </p:cNvPr>
+          <p:cNvPicPr>
+            <a:picLocks noGrp="1" noChangeAspect="1"/>
+          </p:cNvPicPr>
+          <p:nvPr>
+            <p:ph idx="1"/>
+          </p:nvPr>
+        </p:nvPicPr>
+        <p:blipFill>
+          <a:blip r:embed="rId2"/>
+          <a:stretch>
+            <a:fillRect/>
+          </a:stretch>
+        </p:blipFill>
+        <p:spPr>
+          <a:xfrm>
+            <a:off x="1469835" y="1924488"/>
+            <a:ext cx="1867161" cy="295316"/>
+          </a:xfrm>
+        </p:spPr>
+      </p:pic>
       <p:sp>
         <p:nvSpPr>
           <p:cNvPr id="4" name="スライド番号プレースホルダー 3">
             <a:extLst>
               <a:ext uri="{FF2B5EF4-FFF2-40B4-BE49-F238E27FC236}">
-                <a16:creationId xmlns:a16="http://schemas.microsoft.com/office/drawing/2014/main" id="{2DA84C90-CE54-7B4B-365A-2E11AF027C2A}"/>
+                <a16:creationId xmlns:a16="http://schemas.microsoft.com/office/drawing/2014/main" id="{5E4E741B-FE9D-0BB2-5AC8-CC52BAE19ADA}"/>
               </a:ext>
             </a:extLst>
           </p:cNvPr>
@@ -4578,6 +5091,2932 @@
             <a:fld id="{4C0238C6-DFEE-4049-817C-214F39B6A44B}" type="slidenum">
               <a:rPr kumimoji="1" lang="ja-JP" altLang="en-US" smtClean="0"/>
               <a:t>13</a:t>
+            </a:fld>
+            <a:endParaRPr kumimoji="1" lang="ja-JP" altLang="en-US"/>
+          </a:p>
+        </p:txBody>
+      </p:sp>
+      <p:pic>
+        <p:nvPicPr>
+          <p:cNvPr id="8" name="図 7">
+            <a:extLst>
+              <a:ext uri="{FF2B5EF4-FFF2-40B4-BE49-F238E27FC236}">
+                <a16:creationId xmlns:a16="http://schemas.microsoft.com/office/drawing/2014/main" id="{D43B5FFE-B610-186E-FB82-36BB6C351354}"/>
+              </a:ext>
+            </a:extLst>
+          </p:cNvPr>
+          <p:cNvPicPr>
+            <a:picLocks noChangeAspect="1"/>
+          </p:cNvPicPr>
+          <p:nvPr/>
+        </p:nvPicPr>
+        <p:blipFill>
+          <a:blip r:embed="rId3"/>
+          <a:stretch>
+            <a:fillRect/>
+          </a:stretch>
+        </p:blipFill>
+        <p:spPr>
+          <a:xfrm>
+            <a:off x="791093" y="2453603"/>
+            <a:ext cx="3224647" cy="2222192"/>
+          </a:xfrm>
+          <a:prstGeom prst="rect">
+            <a:avLst/>
+          </a:prstGeom>
+        </p:spPr>
+      </p:pic>
+      <p:pic>
+        <p:nvPicPr>
+          <p:cNvPr id="10" name="図 9">
+            <a:extLst>
+              <a:ext uri="{FF2B5EF4-FFF2-40B4-BE49-F238E27FC236}">
+                <a16:creationId xmlns:a16="http://schemas.microsoft.com/office/drawing/2014/main" id="{9B6D8BCD-E21C-018D-C21C-BD36EAC4E416}"/>
+              </a:ext>
+            </a:extLst>
+          </p:cNvPr>
+          <p:cNvPicPr>
+            <a:picLocks noChangeAspect="1"/>
+          </p:cNvPicPr>
+          <p:nvPr/>
+        </p:nvPicPr>
+        <p:blipFill>
+          <a:blip r:embed="rId4"/>
+          <a:stretch>
+            <a:fillRect/>
+          </a:stretch>
+        </p:blipFill>
+        <p:spPr>
+          <a:xfrm>
+            <a:off x="791093" y="5069896"/>
+            <a:ext cx="3224647" cy="979338"/>
+          </a:xfrm>
+          <a:prstGeom prst="rect">
+            <a:avLst/>
+          </a:prstGeom>
+        </p:spPr>
+      </p:pic>
+      <p:pic>
+        <p:nvPicPr>
+          <p:cNvPr id="12" name="図 11">
+            <a:extLst>
+              <a:ext uri="{FF2B5EF4-FFF2-40B4-BE49-F238E27FC236}">
+                <a16:creationId xmlns:a16="http://schemas.microsoft.com/office/drawing/2014/main" id="{3CB11194-DC38-E866-9EB3-035CBFEAD8B1}"/>
+              </a:ext>
+            </a:extLst>
+          </p:cNvPr>
+          <p:cNvPicPr>
+            <a:picLocks noChangeAspect="1"/>
+          </p:cNvPicPr>
+          <p:nvPr/>
+        </p:nvPicPr>
+        <p:blipFill>
+          <a:blip r:embed="rId5"/>
+          <a:stretch>
+            <a:fillRect/>
+          </a:stretch>
+        </p:blipFill>
+        <p:spPr>
+          <a:xfrm>
+            <a:off x="5807006" y="1892273"/>
+            <a:ext cx="1439612" cy="327531"/>
+          </a:xfrm>
+          <a:prstGeom prst="rect">
+            <a:avLst/>
+          </a:prstGeom>
+        </p:spPr>
+      </p:pic>
+      <p:pic>
+        <p:nvPicPr>
+          <p:cNvPr id="14" name="図 13">
+            <a:extLst>
+              <a:ext uri="{FF2B5EF4-FFF2-40B4-BE49-F238E27FC236}">
+                <a16:creationId xmlns:a16="http://schemas.microsoft.com/office/drawing/2014/main" id="{433CB818-A69F-AC5A-22A2-2A80AD0A9EF1}"/>
+              </a:ext>
+            </a:extLst>
+          </p:cNvPr>
+          <p:cNvPicPr>
+            <a:picLocks noChangeAspect="1"/>
+          </p:cNvPicPr>
+          <p:nvPr/>
+        </p:nvPicPr>
+        <p:blipFill>
+          <a:blip r:embed="rId6"/>
+          <a:stretch>
+            <a:fillRect/>
+          </a:stretch>
+        </p:blipFill>
+        <p:spPr>
+          <a:xfrm>
+            <a:off x="5295596" y="2444959"/>
+            <a:ext cx="2324708" cy="2230836"/>
+          </a:xfrm>
+          <a:prstGeom prst="rect">
+            <a:avLst/>
+          </a:prstGeom>
+        </p:spPr>
+      </p:pic>
+      <p:pic>
+        <p:nvPicPr>
+          <p:cNvPr id="16" name="図 15">
+            <a:extLst>
+              <a:ext uri="{FF2B5EF4-FFF2-40B4-BE49-F238E27FC236}">
+                <a16:creationId xmlns:a16="http://schemas.microsoft.com/office/drawing/2014/main" id="{80F1511B-C3ED-DB2B-3895-D70F9471F455}"/>
+              </a:ext>
+            </a:extLst>
+          </p:cNvPr>
+          <p:cNvPicPr>
+            <a:picLocks noChangeAspect="1"/>
+          </p:cNvPicPr>
+          <p:nvPr/>
+        </p:nvPicPr>
+        <p:blipFill>
+          <a:blip r:embed="rId7"/>
+          <a:stretch>
+            <a:fillRect/>
+          </a:stretch>
+        </p:blipFill>
+        <p:spPr>
+          <a:xfrm>
+            <a:off x="5021219" y="4961423"/>
+            <a:ext cx="3147424" cy="937284"/>
+          </a:xfrm>
+          <a:prstGeom prst="rect">
+            <a:avLst/>
+          </a:prstGeom>
+        </p:spPr>
+      </p:pic>
+      <p:sp>
+        <p:nvSpPr>
+          <p:cNvPr id="17" name="四角形: 角を丸くする 16">
+            <a:extLst>
+              <a:ext uri="{FF2B5EF4-FFF2-40B4-BE49-F238E27FC236}">
+                <a16:creationId xmlns:a16="http://schemas.microsoft.com/office/drawing/2014/main" id="{9625A576-5B86-59BC-C8E0-0FE1C0C84E14}"/>
+              </a:ext>
+            </a:extLst>
+          </p:cNvPr>
+          <p:cNvSpPr/>
+          <p:nvPr/>
+        </p:nvSpPr>
+        <p:spPr>
+          <a:xfrm>
+            <a:off x="7620304" y="5460504"/>
+            <a:ext cx="426416" cy="277355"/>
+          </a:xfrm>
+          <a:prstGeom prst="roundRect">
+            <a:avLst/>
+          </a:prstGeom>
+          <a:noFill/>
+          <a:ln w="12700">
+            <a:solidFill>
+              <a:srgbClr val="FF0000"/>
+            </a:solidFill>
+          </a:ln>
+        </p:spPr>
+        <p:style>
+          <a:lnRef idx="2">
+            <a:schemeClr val="accent1">
+              <a:shade val="15000"/>
+            </a:schemeClr>
+          </a:lnRef>
+          <a:fillRef idx="1">
+            <a:schemeClr val="accent1"/>
+          </a:fillRef>
+          <a:effectRef idx="0">
+            <a:schemeClr val="accent1"/>
+          </a:effectRef>
+          <a:fontRef idx="minor">
+            <a:schemeClr val="lt1"/>
+          </a:fontRef>
+        </p:style>
+        <p:txBody>
+          <a:bodyPr rtlCol="0" anchor="ctr"/>
+          <a:lstStyle/>
+          <a:p>
+            <a:pPr algn="ctr"/>
+            <a:endParaRPr kumimoji="1" lang="ja-JP" altLang="en-US"/>
+          </a:p>
+        </p:txBody>
+      </p:sp>
+    </p:spTree>
+    <p:extLst>
+      <p:ext uri="{BB962C8B-B14F-4D97-AF65-F5344CB8AC3E}">
+        <p14:creationId xmlns:p14="http://schemas.microsoft.com/office/powerpoint/2010/main" val="1116763555"/>
+      </p:ext>
+    </p:extLst>
+  </p:cSld>
+  <p:clrMapOvr>
+    <a:masterClrMapping/>
+  </p:clrMapOvr>
+</p:sld>
+</file>
+
+<file path=ppt/slides/slide14.xml><?xml version="1.0" encoding="utf-8"?>
+<p:sld xmlns:a="http://schemas.openxmlformats.org/drawingml/2006/main" xmlns:r="http://schemas.openxmlformats.org/officeDocument/2006/relationships" xmlns:p="http://schemas.openxmlformats.org/presentationml/2006/main">
+  <p:cSld>
+    <p:bg>
+      <p:bgPr>
+        <a:solidFill>
+          <a:schemeClr val="bg1">
+            <a:lumMod val="95000"/>
+          </a:schemeClr>
+        </a:solidFill>
+        <a:effectLst/>
+      </p:bgPr>
+    </p:bg>
+    <p:spTree>
+      <p:nvGrpSpPr>
+        <p:cNvPr id="1" name=""/>
+        <p:cNvGrpSpPr/>
+        <p:nvPr/>
+      </p:nvGrpSpPr>
+      <p:grpSpPr>
+        <a:xfrm>
+          <a:off x="0" y="0"/>
+          <a:ext cx="0" cy="0"/>
+          <a:chOff x="0" y="0"/>
+          <a:chExt cx="0" cy="0"/>
+        </a:xfrm>
+      </p:grpSpPr>
+      <p:sp>
+        <p:nvSpPr>
+          <p:cNvPr id="2" name="タイトル 1">
+            <a:extLst>
+              <a:ext uri="{FF2B5EF4-FFF2-40B4-BE49-F238E27FC236}">
+                <a16:creationId xmlns:a16="http://schemas.microsoft.com/office/drawing/2014/main" id="{BE220D37-4FB0-39E6-6E6A-C9C381C3E7A4}"/>
+              </a:ext>
+            </a:extLst>
+          </p:cNvPr>
+          <p:cNvSpPr>
+            <a:spLocks noGrp="1"/>
+          </p:cNvSpPr>
+          <p:nvPr>
+            <p:ph type="title"/>
+          </p:nvPr>
+        </p:nvSpPr>
+        <p:spPr/>
+        <p:txBody>
+          <a:bodyPr>
+            <a:normAutofit/>
+          </a:bodyPr>
+          <a:lstStyle/>
+          <a:p>
+            <a:pPr marL="0" indent="0" algn="ctr">
+              <a:buNone/>
+            </a:pPr>
+            <a:r>
+              <a:rPr kumimoji="1" lang="en-US" altLang="ja-JP" sz="2800" dirty="0"/>
+              <a:t>PN</a:t>
+            </a:r>
+            <a:r>
+              <a:rPr kumimoji="1" lang="ja-JP" altLang="en-US" sz="2800" dirty="0"/>
+              <a:t>接合の</a:t>
+            </a:r>
+            <a:r>
+              <a:rPr kumimoji="1" lang="en-US" altLang="ja-JP" sz="2800" dirty="0" err="1"/>
+              <a:t>Vf</a:t>
+            </a:r>
+            <a:endParaRPr kumimoji="1" lang="ja-JP" altLang="en-US" sz="2800" dirty="0"/>
+          </a:p>
+        </p:txBody>
+      </p:sp>
+      <p:sp>
+        <p:nvSpPr>
+          <p:cNvPr id="3" name="コンテンツ プレースホルダー 2">
+            <a:extLst>
+              <a:ext uri="{FF2B5EF4-FFF2-40B4-BE49-F238E27FC236}">
+                <a16:creationId xmlns:a16="http://schemas.microsoft.com/office/drawing/2014/main" id="{58649F6E-CDB0-3A67-5D2F-1DB1FAEE7399}"/>
+              </a:ext>
+            </a:extLst>
+          </p:cNvPr>
+          <p:cNvSpPr>
+            <a:spLocks noGrp="1"/>
+          </p:cNvSpPr>
+          <p:nvPr>
+            <p:ph idx="1"/>
+          </p:nvPr>
+        </p:nvSpPr>
+        <p:spPr>
+          <a:xfrm>
+            <a:off x="628650" y="1311485"/>
+            <a:ext cx="7886700" cy="4862041"/>
+          </a:xfrm>
+        </p:spPr>
+        <p:txBody>
+          <a:bodyPr>
+            <a:normAutofit/>
+          </a:bodyPr>
+          <a:lstStyle/>
+          <a:p>
+            <a:r>
+              <a:rPr kumimoji="1" lang="ja-JP" altLang="en-US" sz="2400" dirty="0"/>
+              <a:t>参照</a:t>
+            </a:r>
+            <a:r>
+              <a:rPr kumimoji="1" lang="en-US" altLang="ja-JP" sz="2400" dirty="0"/>
+              <a:t>URL</a:t>
+            </a:r>
+            <a:r>
+              <a:rPr kumimoji="1" lang="ja-JP" altLang="en-US" sz="2400" dirty="0"/>
+              <a:t>　</a:t>
+            </a:r>
+            <a:r>
+              <a:rPr kumimoji="1" lang="en-US" altLang="ja-JP" sz="2400" dirty="0">
+                <a:hlinkClick r:id="rId2"/>
+              </a:rPr>
+              <a:t>https://denjoforest.com/built-in-potential</a:t>
+            </a:r>
+            <a:endParaRPr kumimoji="1" lang="en-US" altLang="ja-JP" sz="2400" dirty="0"/>
+          </a:p>
+          <a:p>
+            <a:r>
+              <a:rPr lang="ja-JP" altLang="en-US" sz="2400" dirty="0"/>
+              <a:t>　　　　　</a:t>
+            </a:r>
+            <a:r>
+              <a:rPr lang="en-US" altLang="ja-JP" sz="1800" dirty="0"/>
+              <a:t>https://whyitsso.net/physics/solid_state_physics/pn.html</a:t>
+            </a:r>
+            <a:endParaRPr kumimoji="1" lang="ja-JP" altLang="en-US" sz="1800" dirty="0"/>
+          </a:p>
+        </p:txBody>
+      </p:sp>
+      <p:sp>
+        <p:nvSpPr>
+          <p:cNvPr id="4" name="スライド番号プレースホルダー 3">
+            <a:extLst>
+              <a:ext uri="{FF2B5EF4-FFF2-40B4-BE49-F238E27FC236}">
+                <a16:creationId xmlns:a16="http://schemas.microsoft.com/office/drawing/2014/main" id="{5E4E741B-FE9D-0BB2-5AC8-CC52BAE19ADA}"/>
+              </a:ext>
+            </a:extLst>
+          </p:cNvPr>
+          <p:cNvSpPr>
+            <a:spLocks noGrp="1"/>
+          </p:cNvSpPr>
+          <p:nvPr>
+            <p:ph type="sldNum" sz="quarter" idx="12"/>
+          </p:nvPr>
+        </p:nvSpPr>
+        <p:spPr/>
+        <p:txBody>
+          <a:bodyPr/>
+          <a:lstStyle/>
+          <a:p>
+            <a:fld id="{4C0238C6-DFEE-4049-817C-214F39B6A44B}" type="slidenum">
+              <a:rPr kumimoji="1" lang="ja-JP" altLang="en-US" smtClean="0"/>
+              <a:t>14</a:t>
+            </a:fld>
+            <a:endParaRPr kumimoji="1" lang="ja-JP" altLang="en-US"/>
+          </a:p>
+        </p:txBody>
+      </p:sp>
+      <p:pic>
+        <p:nvPicPr>
+          <p:cNvPr id="6" name="図 5">
+            <a:extLst>
+              <a:ext uri="{FF2B5EF4-FFF2-40B4-BE49-F238E27FC236}">
+                <a16:creationId xmlns:a16="http://schemas.microsoft.com/office/drawing/2014/main" id="{2AFA5CE6-F315-AC89-EA02-D3481BF53FE3}"/>
+              </a:ext>
+            </a:extLst>
+          </p:cNvPr>
+          <p:cNvPicPr>
+            <a:picLocks noChangeAspect="1"/>
+          </p:cNvPicPr>
+          <p:nvPr/>
+        </p:nvPicPr>
+        <p:blipFill>
+          <a:blip r:embed="rId3"/>
+          <a:stretch>
+            <a:fillRect/>
+          </a:stretch>
+        </p:blipFill>
+        <p:spPr>
+          <a:xfrm>
+            <a:off x="1281373" y="2677599"/>
+            <a:ext cx="1528254" cy="1224002"/>
+          </a:xfrm>
+          <a:prstGeom prst="rect">
+            <a:avLst/>
+          </a:prstGeom>
+        </p:spPr>
+      </p:pic>
+      <p:pic>
+        <p:nvPicPr>
+          <p:cNvPr id="8" name="図 7">
+            <a:extLst>
+              <a:ext uri="{FF2B5EF4-FFF2-40B4-BE49-F238E27FC236}">
+                <a16:creationId xmlns:a16="http://schemas.microsoft.com/office/drawing/2014/main" id="{79C77A6C-B0D4-0F32-ECCC-79D9298BE01B}"/>
+              </a:ext>
+            </a:extLst>
+          </p:cNvPr>
+          <p:cNvPicPr>
+            <a:picLocks noChangeAspect="1"/>
+          </p:cNvPicPr>
+          <p:nvPr/>
+        </p:nvPicPr>
+        <p:blipFill>
+          <a:blip r:embed="rId4"/>
+          <a:stretch>
+            <a:fillRect/>
+          </a:stretch>
+        </p:blipFill>
+        <p:spPr>
+          <a:xfrm>
+            <a:off x="1281373" y="3996490"/>
+            <a:ext cx="1528255" cy="1142333"/>
+          </a:xfrm>
+          <a:prstGeom prst="rect">
+            <a:avLst/>
+          </a:prstGeom>
+        </p:spPr>
+      </p:pic>
+      <p:pic>
+        <p:nvPicPr>
+          <p:cNvPr id="10" name="図 9">
+            <a:extLst>
+              <a:ext uri="{FF2B5EF4-FFF2-40B4-BE49-F238E27FC236}">
+                <a16:creationId xmlns:a16="http://schemas.microsoft.com/office/drawing/2014/main" id="{F66A7461-A3AE-ED7A-8DE3-25933261268A}"/>
+              </a:ext>
+            </a:extLst>
+          </p:cNvPr>
+          <p:cNvPicPr>
+            <a:picLocks noChangeAspect="1"/>
+          </p:cNvPicPr>
+          <p:nvPr/>
+        </p:nvPicPr>
+        <p:blipFill>
+          <a:blip r:embed="rId5"/>
+          <a:stretch>
+            <a:fillRect/>
+          </a:stretch>
+        </p:blipFill>
+        <p:spPr>
+          <a:xfrm flipH="1">
+            <a:off x="1122834" y="5215550"/>
+            <a:ext cx="1528254" cy="1109505"/>
+          </a:xfrm>
+          <a:prstGeom prst="rect">
+            <a:avLst/>
+          </a:prstGeom>
+        </p:spPr>
+      </p:pic>
+      <p:pic>
+        <p:nvPicPr>
+          <p:cNvPr id="12" name="図 11">
+            <a:extLst>
+              <a:ext uri="{FF2B5EF4-FFF2-40B4-BE49-F238E27FC236}">
+                <a16:creationId xmlns:a16="http://schemas.microsoft.com/office/drawing/2014/main" id="{69A72A44-0744-C714-D1E0-B2EF00386F8D}"/>
+              </a:ext>
+            </a:extLst>
+          </p:cNvPr>
+          <p:cNvPicPr>
+            <a:picLocks noChangeAspect="1"/>
+          </p:cNvPicPr>
+          <p:nvPr/>
+        </p:nvPicPr>
+        <p:blipFill>
+          <a:blip r:embed="rId6"/>
+          <a:stretch>
+            <a:fillRect/>
+          </a:stretch>
+        </p:blipFill>
+        <p:spPr>
+          <a:xfrm>
+            <a:off x="3965293" y="3211407"/>
+            <a:ext cx="961888" cy="513440"/>
+          </a:xfrm>
+          <a:prstGeom prst="rect">
+            <a:avLst/>
+          </a:prstGeom>
+        </p:spPr>
+      </p:pic>
+      <p:pic>
+        <p:nvPicPr>
+          <p:cNvPr id="14" name="図 13">
+            <a:extLst>
+              <a:ext uri="{FF2B5EF4-FFF2-40B4-BE49-F238E27FC236}">
+                <a16:creationId xmlns:a16="http://schemas.microsoft.com/office/drawing/2014/main" id="{809D5B27-DF07-6311-566D-0F734C784CB6}"/>
+              </a:ext>
+            </a:extLst>
+          </p:cNvPr>
+          <p:cNvPicPr>
+            <a:picLocks noChangeAspect="1"/>
+          </p:cNvPicPr>
+          <p:nvPr/>
+        </p:nvPicPr>
+        <p:blipFill>
+          <a:blip r:embed="rId7"/>
+          <a:stretch>
+            <a:fillRect/>
+          </a:stretch>
+        </p:blipFill>
+        <p:spPr>
+          <a:xfrm>
+            <a:off x="3965293" y="2893480"/>
+            <a:ext cx="1528254" cy="272647"/>
+          </a:xfrm>
+          <a:prstGeom prst="rect">
+            <a:avLst/>
+          </a:prstGeom>
+        </p:spPr>
+      </p:pic>
+      <p:pic>
+        <p:nvPicPr>
+          <p:cNvPr id="16" name="図 15">
+            <a:extLst>
+              <a:ext uri="{FF2B5EF4-FFF2-40B4-BE49-F238E27FC236}">
+                <a16:creationId xmlns:a16="http://schemas.microsoft.com/office/drawing/2014/main" id="{1465941E-8149-039D-BEDB-978118C1BB88}"/>
+              </a:ext>
+            </a:extLst>
+          </p:cNvPr>
+          <p:cNvPicPr>
+            <a:picLocks noChangeAspect="1"/>
+          </p:cNvPicPr>
+          <p:nvPr/>
+        </p:nvPicPr>
+        <p:blipFill>
+          <a:blip r:embed="rId8"/>
+          <a:stretch>
+            <a:fillRect/>
+          </a:stretch>
+        </p:blipFill>
+        <p:spPr>
+          <a:xfrm>
+            <a:off x="3972850" y="3996490"/>
+            <a:ext cx="794352" cy="438263"/>
+          </a:xfrm>
+          <a:prstGeom prst="rect">
+            <a:avLst/>
+          </a:prstGeom>
+        </p:spPr>
+      </p:pic>
+      <p:pic>
+        <p:nvPicPr>
+          <p:cNvPr id="18" name="図 17">
+            <a:extLst>
+              <a:ext uri="{FF2B5EF4-FFF2-40B4-BE49-F238E27FC236}">
+                <a16:creationId xmlns:a16="http://schemas.microsoft.com/office/drawing/2014/main" id="{338B86AB-5FED-3F62-4944-6B2D6DD49EA2}"/>
+              </a:ext>
+            </a:extLst>
+          </p:cNvPr>
+          <p:cNvPicPr>
+            <a:picLocks noChangeAspect="1"/>
+          </p:cNvPicPr>
+          <p:nvPr/>
+        </p:nvPicPr>
+        <p:blipFill>
+          <a:blip r:embed="rId9"/>
+          <a:stretch>
+            <a:fillRect/>
+          </a:stretch>
+        </p:blipFill>
+        <p:spPr>
+          <a:xfrm>
+            <a:off x="3965293" y="3742506"/>
+            <a:ext cx="1587744" cy="251902"/>
+          </a:xfrm>
+          <a:prstGeom prst="rect">
+            <a:avLst/>
+          </a:prstGeom>
+        </p:spPr>
+      </p:pic>
+      <p:pic>
+        <p:nvPicPr>
+          <p:cNvPr id="20" name="図 19">
+            <a:extLst>
+              <a:ext uri="{FF2B5EF4-FFF2-40B4-BE49-F238E27FC236}">
+                <a16:creationId xmlns:a16="http://schemas.microsoft.com/office/drawing/2014/main" id="{ED3D73A4-3A83-99C7-D8FA-E7129B7748AE}"/>
+              </a:ext>
+            </a:extLst>
+          </p:cNvPr>
+          <p:cNvPicPr>
+            <a:picLocks noChangeAspect="1"/>
+          </p:cNvPicPr>
+          <p:nvPr/>
+        </p:nvPicPr>
+        <p:blipFill>
+          <a:blip r:embed="rId10"/>
+          <a:stretch>
+            <a:fillRect/>
+          </a:stretch>
+        </p:blipFill>
+        <p:spPr>
+          <a:xfrm>
+            <a:off x="3975485" y="4434754"/>
+            <a:ext cx="1646942" cy="645860"/>
+          </a:xfrm>
+          <a:prstGeom prst="rect">
+            <a:avLst/>
+          </a:prstGeom>
+        </p:spPr>
+      </p:pic>
+      <p:pic>
+        <p:nvPicPr>
+          <p:cNvPr id="22" name="図 21">
+            <a:extLst>
+              <a:ext uri="{FF2B5EF4-FFF2-40B4-BE49-F238E27FC236}">
+                <a16:creationId xmlns:a16="http://schemas.microsoft.com/office/drawing/2014/main" id="{BD11352C-828F-337D-0C3C-6E9BFBDB0229}"/>
+              </a:ext>
+            </a:extLst>
+          </p:cNvPr>
+          <p:cNvPicPr>
+            <a:picLocks noChangeAspect="1"/>
+          </p:cNvPicPr>
+          <p:nvPr/>
+        </p:nvPicPr>
+        <p:blipFill>
+          <a:blip r:embed="rId11"/>
+          <a:stretch>
+            <a:fillRect/>
+          </a:stretch>
+        </p:blipFill>
+        <p:spPr>
+          <a:xfrm>
+            <a:off x="4021485" y="5198572"/>
+            <a:ext cx="1233940" cy="371953"/>
+          </a:xfrm>
+          <a:prstGeom prst="rect">
+            <a:avLst/>
+          </a:prstGeom>
+        </p:spPr>
+      </p:pic>
+      <p:pic>
+        <p:nvPicPr>
+          <p:cNvPr id="24" name="図 23">
+            <a:extLst>
+              <a:ext uri="{FF2B5EF4-FFF2-40B4-BE49-F238E27FC236}">
+                <a16:creationId xmlns:a16="http://schemas.microsoft.com/office/drawing/2014/main" id="{88B9020B-745C-EC21-0043-5C439D71216E}"/>
+              </a:ext>
+            </a:extLst>
+          </p:cNvPr>
+          <p:cNvPicPr>
+            <a:picLocks noChangeAspect="1"/>
+          </p:cNvPicPr>
+          <p:nvPr/>
+        </p:nvPicPr>
+        <p:blipFill>
+          <a:blip r:embed="rId12"/>
+          <a:stretch>
+            <a:fillRect/>
+          </a:stretch>
+        </p:blipFill>
+        <p:spPr>
+          <a:xfrm>
+            <a:off x="3995404" y="5644881"/>
+            <a:ext cx="1097914" cy="433535"/>
+          </a:xfrm>
+          <a:prstGeom prst="rect">
+            <a:avLst/>
+          </a:prstGeom>
+        </p:spPr>
+      </p:pic>
+      <p:cxnSp>
+        <p:nvCxnSpPr>
+          <p:cNvPr id="26" name="直線矢印コネクタ 25">
+            <a:extLst>
+              <a:ext uri="{FF2B5EF4-FFF2-40B4-BE49-F238E27FC236}">
+                <a16:creationId xmlns:a16="http://schemas.microsoft.com/office/drawing/2014/main" id="{CE8355CA-7DC7-ACD2-D76C-C9B2D4F8029D}"/>
+              </a:ext>
+            </a:extLst>
+          </p:cNvPr>
+          <p:cNvCxnSpPr>
+            <a:cxnSpLocks/>
+          </p:cNvCxnSpPr>
+          <p:nvPr/>
+        </p:nvCxnSpPr>
+        <p:spPr>
+          <a:xfrm flipH="1">
+            <a:off x="2045500" y="5384548"/>
+            <a:ext cx="1867480" cy="260333"/>
+          </a:xfrm>
+          <a:prstGeom prst="straightConnector1">
+            <a:avLst/>
+          </a:prstGeom>
+          <a:ln w="9525">
+            <a:solidFill>
+              <a:srgbClr val="FF0000"/>
+            </a:solidFill>
+            <a:tailEnd type="triangle"/>
+          </a:ln>
+        </p:spPr>
+        <p:style>
+          <a:lnRef idx="2">
+            <a:schemeClr val="accent1"/>
+          </a:lnRef>
+          <a:fillRef idx="0">
+            <a:schemeClr val="accent1"/>
+          </a:fillRef>
+          <a:effectRef idx="1">
+            <a:schemeClr val="accent1"/>
+          </a:effectRef>
+          <a:fontRef idx="minor">
+            <a:schemeClr val="tx1"/>
+          </a:fontRef>
+        </p:style>
+      </p:cxnSp>
+      <p:cxnSp>
+        <p:nvCxnSpPr>
+          <p:cNvPr id="29" name="直線矢印コネクタ 28">
+            <a:extLst>
+              <a:ext uri="{FF2B5EF4-FFF2-40B4-BE49-F238E27FC236}">
+                <a16:creationId xmlns:a16="http://schemas.microsoft.com/office/drawing/2014/main" id="{4304C116-047C-AE9B-6D75-F0A166892482}"/>
+              </a:ext>
+            </a:extLst>
+          </p:cNvPr>
+          <p:cNvCxnSpPr>
+            <a:cxnSpLocks/>
+          </p:cNvCxnSpPr>
+          <p:nvPr/>
+        </p:nvCxnSpPr>
+        <p:spPr>
+          <a:xfrm flipH="1">
+            <a:off x="2152193" y="5762372"/>
+            <a:ext cx="1826655" cy="191046"/>
+          </a:xfrm>
+          <a:prstGeom prst="straightConnector1">
+            <a:avLst/>
+          </a:prstGeom>
+          <a:ln w="9525">
+            <a:solidFill>
+              <a:srgbClr val="FF0000"/>
+            </a:solidFill>
+            <a:tailEnd type="triangle"/>
+          </a:ln>
+        </p:spPr>
+        <p:style>
+          <a:lnRef idx="2">
+            <a:schemeClr val="accent1"/>
+          </a:lnRef>
+          <a:fillRef idx="0">
+            <a:schemeClr val="accent1"/>
+          </a:fillRef>
+          <a:effectRef idx="1">
+            <a:schemeClr val="accent1"/>
+          </a:effectRef>
+          <a:fontRef idx="minor">
+            <a:schemeClr val="tx1"/>
+          </a:fontRef>
+        </p:style>
+      </p:cxnSp>
+      <p:pic>
+        <p:nvPicPr>
+          <p:cNvPr id="32" name="図 31">
+            <a:extLst>
+              <a:ext uri="{FF2B5EF4-FFF2-40B4-BE49-F238E27FC236}">
+                <a16:creationId xmlns:a16="http://schemas.microsoft.com/office/drawing/2014/main" id="{A02D4769-7834-03E4-16B3-FEDB6EE5AEB9}"/>
+              </a:ext>
+            </a:extLst>
+          </p:cNvPr>
+          <p:cNvPicPr>
+            <a:picLocks noChangeAspect="1"/>
+          </p:cNvPicPr>
+          <p:nvPr/>
+        </p:nvPicPr>
+        <p:blipFill>
+          <a:blip r:embed="rId13"/>
+          <a:stretch>
+            <a:fillRect/>
+          </a:stretch>
+        </p:blipFill>
+        <p:spPr>
+          <a:xfrm>
+            <a:off x="5670932" y="5422564"/>
+            <a:ext cx="2007999" cy="156242"/>
+          </a:xfrm>
+          <a:prstGeom prst="rect">
+            <a:avLst/>
+          </a:prstGeom>
+        </p:spPr>
+      </p:pic>
+      <p:pic>
+        <p:nvPicPr>
+          <p:cNvPr id="34" name="図 33">
+            <a:extLst>
+              <a:ext uri="{FF2B5EF4-FFF2-40B4-BE49-F238E27FC236}">
+                <a16:creationId xmlns:a16="http://schemas.microsoft.com/office/drawing/2014/main" id="{3628884A-8492-0B43-E4C7-AA3114097389}"/>
+              </a:ext>
+            </a:extLst>
+          </p:cNvPr>
+          <p:cNvPicPr>
+            <a:picLocks noChangeAspect="1"/>
+          </p:cNvPicPr>
+          <p:nvPr/>
+        </p:nvPicPr>
+        <p:blipFill>
+          <a:blip r:embed="rId14"/>
+          <a:stretch>
+            <a:fillRect/>
+          </a:stretch>
+        </p:blipFill>
+        <p:spPr>
+          <a:xfrm>
+            <a:off x="5670932" y="5622908"/>
+            <a:ext cx="2631974" cy="286323"/>
+          </a:xfrm>
+          <a:prstGeom prst="rect">
+            <a:avLst/>
+          </a:prstGeom>
+        </p:spPr>
+      </p:pic>
+      <p:sp>
+        <p:nvSpPr>
+          <p:cNvPr id="35" name="四角形: 角を丸くする 34">
+            <a:extLst>
+              <a:ext uri="{FF2B5EF4-FFF2-40B4-BE49-F238E27FC236}">
+                <a16:creationId xmlns:a16="http://schemas.microsoft.com/office/drawing/2014/main" id="{1D8BC021-EAE3-9D2A-6367-D1E6B11B9819}"/>
+              </a:ext>
+            </a:extLst>
+          </p:cNvPr>
+          <p:cNvSpPr/>
+          <p:nvPr/>
+        </p:nvSpPr>
+        <p:spPr>
+          <a:xfrm>
+            <a:off x="5542052" y="5331808"/>
+            <a:ext cx="2872079" cy="687187"/>
+          </a:xfrm>
+          <a:prstGeom prst="roundRect">
+            <a:avLst/>
+          </a:prstGeom>
+          <a:noFill/>
+          <a:ln>
+            <a:solidFill>
+              <a:srgbClr val="FF0000"/>
+            </a:solidFill>
+          </a:ln>
+        </p:spPr>
+        <p:style>
+          <a:lnRef idx="2">
+            <a:schemeClr val="accent1">
+              <a:shade val="15000"/>
+            </a:schemeClr>
+          </a:lnRef>
+          <a:fillRef idx="1">
+            <a:schemeClr val="accent1"/>
+          </a:fillRef>
+          <a:effectRef idx="0">
+            <a:schemeClr val="accent1"/>
+          </a:effectRef>
+          <a:fontRef idx="minor">
+            <a:schemeClr val="lt1"/>
+          </a:fontRef>
+        </p:style>
+        <p:txBody>
+          <a:bodyPr rtlCol="0" anchor="ctr"/>
+          <a:lstStyle/>
+          <a:p>
+            <a:pPr algn="ctr"/>
+            <a:endParaRPr kumimoji="1" lang="ja-JP" altLang="en-US"/>
+          </a:p>
+        </p:txBody>
+      </p:sp>
+      <p:pic>
+        <p:nvPicPr>
+          <p:cNvPr id="7" name="図 6">
+            <a:extLst>
+              <a:ext uri="{FF2B5EF4-FFF2-40B4-BE49-F238E27FC236}">
+                <a16:creationId xmlns:a16="http://schemas.microsoft.com/office/drawing/2014/main" id="{00C67CD4-1165-B9F4-FE3A-8F79574BA57B}"/>
+              </a:ext>
+            </a:extLst>
+          </p:cNvPr>
+          <p:cNvPicPr>
+            <a:picLocks noChangeAspect="1"/>
+          </p:cNvPicPr>
+          <p:nvPr/>
+        </p:nvPicPr>
+        <p:blipFill>
+          <a:blip r:embed="rId15"/>
+          <a:stretch>
+            <a:fillRect/>
+          </a:stretch>
+        </p:blipFill>
+        <p:spPr>
+          <a:xfrm>
+            <a:off x="881410" y="2076129"/>
+            <a:ext cx="2328180" cy="564508"/>
+          </a:xfrm>
+          <a:prstGeom prst="rect">
+            <a:avLst/>
+          </a:prstGeom>
+        </p:spPr>
+      </p:pic>
+      <p:pic>
+        <p:nvPicPr>
+          <p:cNvPr id="13" name="図 12">
+            <a:extLst>
+              <a:ext uri="{FF2B5EF4-FFF2-40B4-BE49-F238E27FC236}">
+                <a16:creationId xmlns:a16="http://schemas.microsoft.com/office/drawing/2014/main" id="{B4862C47-4E00-3480-1034-37D9F134FE9D}"/>
+              </a:ext>
+            </a:extLst>
+          </p:cNvPr>
+          <p:cNvPicPr>
+            <a:picLocks noChangeAspect="1"/>
+          </p:cNvPicPr>
+          <p:nvPr/>
+        </p:nvPicPr>
+        <p:blipFill>
+          <a:blip r:embed="rId16"/>
+          <a:stretch>
+            <a:fillRect/>
+          </a:stretch>
+        </p:blipFill>
+        <p:spPr>
+          <a:xfrm flipH="1">
+            <a:off x="6069585" y="3035411"/>
+            <a:ext cx="2760605" cy="1823218"/>
+          </a:xfrm>
+          <a:prstGeom prst="rect">
+            <a:avLst/>
+          </a:prstGeom>
+        </p:spPr>
+      </p:pic>
+      <p:pic>
+        <p:nvPicPr>
+          <p:cNvPr id="17" name="図 16">
+            <a:extLst>
+              <a:ext uri="{FF2B5EF4-FFF2-40B4-BE49-F238E27FC236}">
+                <a16:creationId xmlns:a16="http://schemas.microsoft.com/office/drawing/2014/main" id="{D870B7A9-9E49-82FD-E82D-03CF96ED0E83}"/>
+              </a:ext>
+            </a:extLst>
+          </p:cNvPr>
+          <p:cNvPicPr>
+            <a:picLocks noChangeAspect="1"/>
+          </p:cNvPicPr>
+          <p:nvPr/>
+        </p:nvPicPr>
+        <p:blipFill>
+          <a:blip r:embed="rId17"/>
+          <a:stretch>
+            <a:fillRect/>
+          </a:stretch>
+        </p:blipFill>
+        <p:spPr>
+          <a:xfrm>
+            <a:off x="5988095" y="2677599"/>
+            <a:ext cx="1690836" cy="193854"/>
+          </a:xfrm>
+          <a:prstGeom prst="rect">
+            <a:avLst/>
+          </a:prstGeom>
+        </p:spPr>
+      </p:pic>
+      <p:sp>
+        <p:nvSpPr>
+          <p:cNvPr id="21" name="正方形/長方形 20">
+            <a:extLst>
+              <a:ext uri="{FF2B5EF4-FFF2-40B4-BE49-F238E27FC236}">
+                <a16:creationId xmlns:a16="http://schemas.microsoft.com/office/drawing/2014/main" id="{7554CEEA-5E5C-AA59-BBF8-A1F31BDE2C07}"/>
+              </a:ext>
+            </a:extLst>
+          </p:cNvPr>
+          <p:cNvSpPr/>
+          <p:nvPr/>
+        </p:nvSpPr>
+        <p:spPr>
+          <a:xfrm>
+            <a:off x="5902036" y="2949223"/>
+            <a:ext cx="3090824" cy="2038413"/>
+          </a:xfrm>
+          <a:prstGeom prst="rect">
+            <a:avLst/>
+          </a:prstGeom>
+          <a:noFill/>
+          <a:ln>
+            <a:solidFill>
+              <a:srgbClr val="FF0000"/>
+            </a:solidFill>
+          </a:ln>
+        </p:spPr>
+        <p:style>
+          <a:lnRef idx="2">
+            <a:schemeClr val="accent1">
+              <a:shade val="15000"/>
+            </a:schemeClr>
+          </a:lnRef>
+          <a:fillRef idx="1">
+            <a:schemeClr val="accent1"/>
+          </a:fillRef>
+          <a:effectRef idx="0">
+            <a:schemeClr val="accent1"/>
+          </a:effectRef>
+          <a:fontRef idx="minor">
+            <a:schemeClr val="lt1"/>
+          </a:fontRef>
+        </p:style>
+        <p:txBody>
+          <a:bodyPr rtlCol="0" anchor="ctr"/>
+          <a:lstStyle/>
+          <a:p>
+            <a:pPr algn="ctr"/>
+            <a:endParaRPr kumimoji="1" lang="ja-JP" altLang="en-US"/>
+          </a:p>
+        </p:txBody>
+      </p:sp>
+    </p:spTree>
+    <p:extLst>
+      <p:ext uri="{BB962C8B-B14F-4D97-AF65-F5344CB8AC3E}">
+        <p14:creationId xmlns:p14="http://schemas.microsoft.com/office/powerpoint/2010/main" val="1927811731"/>
+      </p:ext>
+    </p:extLst>
+  </p:cSld>
+  <p:clrMapOvr>
+    <a:masterClrMapping/>
+  </p:clrMapOvr>
+</p:sld>
+</file>
+
+<file path=ppt/slides/slide15.xml><?xml version="1.0" encoding="utf-8"?>
+<p:sld xmlns:a="http://schemas.openxmlformats.org/drawingml/2006/main" xmlns:r="http://schemas.openxmlformats.org/officeDocument/2006/relationships" xmlns:p="http://schemas.openxmlformats.org/presentationml/2006/main">
+  <p:cSld>
+    <p:bg>
+      <p:bgPr>
+        <a:solidFill>
+          <a:schemeClr val="bg1">
+            <a:lumMod val="95000"/>
+          </a:schemeClr>
+        </a:solidFill>
+        <a:effectLst/>
+      </p:bgPr>
+    </p:bg>
+    <p:spTree>
+      <p:nvGrpSpPr>
+        <p:cNvPr id="1" name=""/>
+        <p:cNvGrpSpPr/>
+        <p:nvPr/>
+      </p:nvGrpSpPr>
+      <p:grpSpPr>
+        <a:xfrm>
+          <a:off x="0" y="0"/>
+          <a:ext cx="0" cy="0"/>
+          <a:chOff x="0" y="0"/>
+          <a:chExt cx="0" cy="0"/>
+        </a:xfrm>
+      </p:grpSpPr>
+      <p:sp>
+        <p:nvSpPr>
+          <p:cNvPr id="2" name="タイトル 1">
+            <a:extLst>
+              <a:ext uri="{FF2B5EF4-FFF2-40B4-BE49-F238E27FC236}">
+                <a16:creationId xmlns:a16="http://schemas.microsoft.com/office/drawing/2014/main" id="{BE220D37-4FB0-39E6-6E6A-C9C381C3E7A4}"/>
+              </a:ext>
+            </a:extLst>
+          </p:cNvPr>
+          <p:cNvSpPr>
+            <a:spLocks noGrp="1"/>
+          </p:cNvSpPr>
+          <p:nvPr>
+            <p:ph type="title"/>
+          </p:nvPr>
+        </p:nvSpPr>
+        <p:spPr/>
+        <p:txBody>
+          <a:bodyPr>
+            <a:normAutofit/>
+          </a:bodyPr>
+          <a:lstStyle/>
+          <a:p>
+            <a:pPr algn="ctr"/>
+            <a:r>
+              <a:rPr lang="en-US" altLang="ja-JP" sz="2400" dirty="0"/>
+              <a:t>PN</a:t>
+            </a:r>
+            <a:r>
+              <a:rPr lang="ja-JP" altLang="en-US" sz="2400" dirty="0"/>
+              <a:t>接合温度係数</a:t>
+            </a:r>
+            <a:endParaRPr kumimoji="1" lang="ja-JP" altLang="en-US" sz="2400" dirty="0"/>
+          </a:p>
+        </p:txBody>
+      </p:sp>
+      <p:sp>
+        <p:nvSpPr>
+          <p:cNvPr id="4" name="スライド番号プレースホルダー 3">
+            <a:extLst>
+              <a:ext uri="{FF2B5EF4-FFF2-40B4-BE49-F238E27FC236}">
+                <a16:creationId xmlns:a16="http://schemas.microsoft.com/office/drawing/2014/main" id="{498C5A10-4C1E-36F7-3EF4-DB35354681FC}"/>
+              </a:ext>
+            </a:extLst>
+          </p:cNvPr>
+          <p:cNvSpPr>
+            <a:spLocks noGrp="1"/>
+          </p:cNvSpPr>
+          <p:nvPr>
+            <p:ph type="sldNum" sz="quarter" idx="12"/>
+          </p:nvPr>
+        </p:nvSpPr>
+        <p:spPr/>
+        <p:txBody>
+          <a:bodyPr/>
+          <a:lstStyle/>
+          <a:p>
+            <a:fld id="{4C0238C6-DFEE-4049-817C-214F39B6A44B}" type="slidenum">
+              <a:rPr kumimoji="1" lang="ja-JP" altLang="en-US" smtClean="0"/>
+              <a:t>15</a:t>
+            </a:fld>
+            <a:endParaRPr kumimoji="1" lang="ja-JP" altLang="en-US"/>
+          </a:p>
+        </p:txBody>
+      </p:sp>
+      <p:pic>
+        <p:nvPicPr>
+          <p:cNvPr id="6" name="図 5">
+            <a:extLst>
+              <a:ext uri="{FF2B5EF4-FFF2-40B4-BE49-F238E27FC236}">
+                <a16:creationId xmlns:a16="http://schemas.microsoft.com/office/drawing/2014/main" id="{A4CB1E69-E60A-0938-5F45-110B6C72A89B}"/>
+              </a:ext>
+            </a:extLst>
+          </p:cNvPr>
+          <p:cNvPicPr>
+            <a:picLocks noChangeAspect="1"/>
+          </p:cNvPicPr>
+          <p:nvPr/>
+        </p:nvPicPr>
+        <p:blipFill>
+          <a:blip r:embed="rId2"/>
+          <a:stretch>
+            <a:fillRect/>
+          </a:stretch>
+        </p:blipFill>
+        <p:spPr>
+          <a:xfrm>
+            <a:off x="4156892" y="1566109"/>
+            <a:ext cx="4175325" cy="3529144"/>
+          </a:xfrm>
+          <a:prstGeom prst="rect">
+            <a:avLst/>
+          </a:prstGeom>
+        </p:spPr>
+      </p:pic>
+      <p:pic>
+        <p:nvPicPr>
+          <p:cNvPr id="8" name="図 7">
+            <a:extLst>
+              <a:ext uri="{FF2B5EF4-FFF2-40B4-BE49-F238E27FC236}">
+                <a16:creationId xmlns:a16="http://schemas.microsoft.com/office/drawing/2014/main" id="{4FE71E87-B149-D7AB-F93D-294B1603AE20}"/>
+              </a:ext>
+            </a:extLst>
+          </p:cNvPr>
+          <p:cNvPicPr>
+            <a:picLocks noChangeAspect="1"/>
+          </p:cNvPicPr>
+          <p:nvPr/>
+        </p:nvPicPr>
+        <p:blipFill>
+          <a:blip r:embed="rId3"/>
+          <a:stretch>
+            <a:fillRect/>
+          </a:stretch>
+        </p:blipFill>
+        <p:spPr>
+          <a:xfrm>
+            <a:off x="4260015" y="5293914"/>
+            <a:ext cx="4175326" cy="653902"/>
+          </a:xfrm>
+          <a:prstGeom prst="rect">
+            <a:avLst/>
+          </a:prstGeom>
+        </p:spPr>
+      </p:pic>
+      <p:pic>
+        <p:nvPicPr>
+          <p:cNvPr id="10" name="図 9">
+            <a:extLst>
+              <a:ext uri="{FF2B5EF4-FFF2-40B4-BE49-F238E27FC236}">
+                <a16:creationId xmlns:a16="http://schemas.microsoft.com/office/drawing/2014/main" id="{8F833CB8-3E39-12E8-DD5B-AE8C3A0D49F0}"/>
+              </a:ext>
+            </a:extLst>
+          </p:cNvPr>
+          <p:cNvPicPr>
+            <a:picLocks noChangeAspect="1"/>
+          </p:cNvPicPr>
+          <p:nvPr/>
+        </p:nvPicPr>
+        <p:blipFill>
+          <a:blip r:embed="rId4"/>
+          <a:stretch>
+            <a:fillRect/>
+          </a:stretch>
+        </p:blipFill>
+        <p:spPr>
+          <a:xfrm>
+            <a:off x="1522274" y="2934971"/>
+            <a:ext cx="1919426" cy="1302468"/>
+          </a:xfrm>
+          <a:prstGeom prst="rect">
+            <a:avLst/>
+          </a:prstGeom>
+        </p:spPr>
+      </p:pic>
+      <p:pic>
+        <p:nvPicPr>
+          <p:cNvPr id="12" name="図 11">
+            <a:extLst>
+              <a:ext uri="{FF2B5EF4-FFF2-40B4-BE49-F238E27FC236}">
+                <a16:creationId xmlns:a16="http://schemas.microsoft.com/office/drawing/2014/main" id="{18DCB847-8D9E-582A-797A-8F0B0159FB9D}"/>
+              </a:ext>
+            </a:extLst>
+          </p:cNvPr>
+          <p:cNvPicPr>
+            <a:picLocks noChangeAspect="1"/>
+          </p:cNvPicPr>
+          <p:nvPr/>
+        </p:nvPicPr>
+        <p:blipFill>
+          <a:blip r:embed="rId5"/>
+          <a:stretch>
+            <a:fillRect/>
+          </a:stretch>
+        </p:blipFill>
+        <p:spPr>
+          <a:xfrm>
+            <a:off x="1369874" y="1504716"/>
+            <a:ext cx="2242405" cy="1325057"/>
+          </a:xfrm>
+          <a:prstGeom prst="rect">
+            <a:avLst/>
+          </a:prstGeom>
+        </p:spPr>
+      </p:pic>
+      <p:pic>
+        <p:nvPicPr>
+          <p:cNvPr id="14" name="図 13">
+            <a:extLst>
+              <a:ext uri="{FF2B5EF4-FFF2-40B4-BE49-F238E27FC236}">
+                <a16:creationId xmlns:a16="http://schemas.microsoft.com/office/drawing/2014/main" id="{B5C0BF67-C78C-E260-4588-E134C94D3256}"/>
+              </a:ext>
+            </a:extLst>
+          </p:cNvPr>
+          <p:cNvPicPr>
+            <a:picLocks noChangeAspect="1"/>
+          </p:cNvPicPr>
+          <p:nvPr/>
+        </p:nvPicPr>
+        <p:blipFill>
+          <a:blip r:embed="rId6"/>
+          <a:stretch>
+            <a:fillRect/>
+          </a:stretch>
+        </p:blipFill>
+        <p:spPr>
+          <a:xfrm>
+            <a:off x="1460093" y="4342637"/>
+            <a:ext cx="1486307" cy="1774612"/>
+          </a:xfrm>
+          <a:prstGeom prst="rect">
+            <a:avLst/>
+          </a:prstGeom>
+        </p:spPr>
+      </p:pic>
+      <p:sp>
+        <p:nvSpPr>
+          <p:cNvPr id="3" name="正方形/長方形 2">
+            <a:extLst>
+              <a:ext uri="{FF2B5EF4-FFF2-40B4-BE49-F238E27FC236}">
+                <a16:creationId xmlns:a16="http://schemas.microsoft.com/office/drawing/2014/main" id="{E4DEBF9E-B5D8-BE7A-3266-3E20D387EE6E}"/>
+              </a:ext>
+            </a:extLst>
+          </p:cNvPr>
+          <p:cNvSpPr/>
+          <p:nvPr/>
+        </p:nvSpPr>
+        <p:spPr>
+          <a:xfrm>
+            <a:off x="5962493" y="5690440"/>
+            <a:ext cx="869057" cy="257376"/>
+          </a:xfrm>
+          <a:prstGeom prst="rect">
+            <a:avLst/>
+          </a:prstGeom>
+          <a:noFill/>
+          <a:ln w="9525">
+            <a:solidFill>
+              <a:srgbClr val="FF0000"/>
+            </a:solidFill>
+          </a:ln>
+        </p:spPr>
+        <p:style>
+          <a:lnRef idx="2">
+            <a:schemeClr val="accent1">
+              <a:shade val="15000"/>
+            </a:schemeClr>
+          </a:lnRef>
+          <a:fillRef idx="1">
+            <a:schemeClr val="accent1"/>
+          </a:fillRef>
+          <a:effectRef idx="0">
+            <a:schemeClr val="accent1"/>
+          </a:effectRef>
+          <a:fontRef idx="minor">
+            <a:schemeClr val="lt1"/>
+          </a:fontRef>
+        </p:style>
+        <p:txBody>
+          <a:bodyPr rtlCol="0" anchor="ctr"/>
+          <a:lstStyle/>
+          <a:p>
+            <a:pPr algn="ctr"/>
+            <a:endParaRPr kumimoji="1" lang="ja-JP" altLang="en-US"/>
+          </a:p>
+        </p:txBody>
+      </p:sp>
+      <p:cxnSp>
+        <p:nvCxnSpPr>
+          <p:cNvPr id="7" name="直線矢印コネクタ 6">
+            <a:extLst>
+              <a:ext uri="{FF2B5EF4-FFF2-40B4-BE49-F238E27FC236}">
+                <a16:creationId xmlns:a16="http://schemas.microsoft.com/office/drawing/2014/main" id="{9625F512-3892-A38C-45EB-A19EF1BCC923}"/>
+              </a:ext>
+            </a:extLst>
+          </p:cNvPr>
+          <p:cNvCxnSpPr/>
+          <p:nvPr/>
+        </p:nvCxnSpPr>
+        <p:spPr>
+          <a:xfrm flipV="1">
+            <a:off x="6567055" y="2934971"/>
+            <a:ext cx="891728" cy="2755469"/>
+          </a:xfrm>
+          <a:prstGeom prst="straightConnector1">
+            <a:avLst/>
+          </a:prstGeom>
+          <a:ln w="6350">
+            <a:solidFill>
+              <a:srgbClr val="FF0000"/>
+            </a:solidFill>
+            <a:tailEnd type="triangle"/>
+          </a:ln>
+        </p:spPr>
+        <p:style>
+          <a:lnRef idx="2">
+            <a:schemeClr val="accent1"/>
+          </a:lnRef>
+          <a:fillRef idx="0">
+            <a:schemeClr val="accent1"/>
+          </a:fillRef>
+          <a:effectRef idx="1">
+            <a:schemeClr val="accent1"/>
+          </a:effectRef>
+          <a:fontRef idx="minor">
+            <a:schemeClr val="tx1"/>
+          </a:fontRef>
+        </p:style>
+      </p:cxnSp>
+    </p:spTree>
+    <p:extLst>
+      <p:ext uri="{BB962C8B-B14F-4D97-AF65-F5344CB8AC3E}">
+        <p14:creationId xmlns:p14="http://schemas.microsoft.com/office/powerpoint/2010/main" val="3169482593"/>
+      </p:ext>
+    </p:extLst>
+  </p:cSld>
+  <p:clrMapOvr>
+    <a:masterClrMapping/>
+  </p:clrMapOvr>
+</p:sld>
+</file>
+
+<file path=ppt/slides/slide16.xml><?xml version="1.0" encoding="utf-8"?>
+<p:sld xmlns:a="http://schemas.openxmlformats.org/drawingml/2006/main" xmlns:r="http://schemas.openxmlformats.org/officeDocument/2006/relationships" xmlns:p="http://schemas.openxmlformats.org/presentationml/2006/main">
+  <p:cSld>
+    <p:bg>
+      <p:bgPr>
+        <a:solidFill>
+          <a:schemeClr val="bg1">
+            <a:lumMod val="95000"/>
+          </a:schemeClr>
+        </a:solidFill>
+        <a:effectLst/>
+      </p:bgPr>
+    </p:bg>
+    <p:spTree>
+      <p:nvGrpSpPr>
+        <p:cNvPr id="1" name=""/>
+        <p:cNvGrpSpPr/>
+        <p:nvPr/>
+      </p:nvGrpSpPr>
+      <p:grpSpPr>
+        <a:xfrm>
+          <a:off x="0" y="0"/>
+          <a:ext cx="0" cy="0"/>
+          <a:chOff x="0" y="0"/>
+          <a:chExt cx="0" cy="0"/>
+        </a:xfrm>
+      </p:grpSpPr>
+      <p:sp>
+        <p:nvSpPr>
+          <p:cNvPr id="2" name="タイトル 1">
+            <a:extLst>
+              <a:ext uri="{FF2B5EF4-FFF2-40B4-BE49-F238E27FC236}">
+                <a16:creationId xmlns:a16="http://schemas.microsoft.com/office/drawing/2014/main" id="{BE220D37-4FB0-39E6-6E6A-C9C381C3E7A4}"/>
+              </a:ext>
+            </a:extLst>
+          </p:cNvPr>
+          <p:cNvSpPr>
+            <a:spLocks noGrp="1"/>
+          </p:cNvSpPr>
+          <p:nvPr>
+            <p:ph type="title"/>
+          </p:nvPr>
+        </p:nvSpPr>
+        <p:spPr>
+          <a:xfrm>
+            <a:off x="628650" y="187396"/>
+            <a:ext cx="7886700" cy="1325563"/>
+          </a:xfrm>
+        </p:spPr>
+        <p:txBody>
+          <a:bodyPr>
+            <a:normAutofit/>
+          </a:bodyPr>
+          <a:lstStyle/>
+          <a:p>
+            <a:pPr algn="ctr"/>
+            <a:r>
+              <a:rPr kumimoji="1" lang="ja-JP" altLang="en-US" sz="3200" dirty="0"/>
+              <a:t>シャントレギュレータ</a:t>
+            </a:r>
+          </a:p>
+        </p:txBody>
+      </p:sp>
+      <p:sp>
+        <p:nvSpPr>
+          <p:cNvPr id="3" name="コンテンツ プレースホルダー 2">
+            <a:extLst>
+              <a:ext uri="{FF2B5EF4-FFF2-40B4-BE49-F238E27FC236}">
+                <a16:creationId xmlns:a16="http://schemas.microsoft.com/office/drawing/2014/main" id="{58649F6E-CDB0-3A67-5D2F-1DB1FAEE7399}"/>
+              </a:ext>
+            </a:extLst>
+          </p:cNvPr>
+          <p:cNvSpPr>
+            <a:spLocks noGrp="1"/>
+          </p:cNvSpPr>
+          <p:nvPr>
+            <p:ph idx="1"/>
+          </p:nvPr>
+        </p:nvSpPr>
+        <p:spPr>
+          <a:xfrm>
+            <a:off x="628650" y="1128665"/>
+            <a:ext cx="7886700" cy="1030930"/>
+          </a:xfrm>
+        </p:spPr>
+        <p:txBody>
+          <a:bodyPr>
+            <a:normAutofit fontScale="55000" lnSpcReduction="20000"/>
+          </a:bodyPr>
+          <a:lstStyle/>
+          <a:p>
+            <a:r>
+              <a:rPr kumimoji="1" lang="en-US" altLang="ja-JP" sz="2200" dirty="0">
+                <a:solidFill>
+                  <a:srgbClr val="FF0000"/>
+                </a:solidFill>
+              </a:rPr>
+              <a:t>ADC</a:t>
+            </a:r>
+            <a:r>
+              <a:rPr kumimoji="1" lang="ja-JP" altLang="en-US" sz="2200" dirty="0">
+                <a:solidFill>
+                  <a:srgbClr val="FF0000"/>
+                </a:solidFill>
+              </a:rPr>
+              <a:t>などの基準電圧に多用される。</a:t>
+            </a:r>
+            <a:r>
+              <a:rPr kumimoji="1" lang="en-US" altLang="ja-JP" sz="2200" dirty="0">
+                <a:solidFill>
+                  <a:srgbClr val="FF0000"/>
+                </a:solidFill>
+              </a:rPr>
+              <a:t>(TL431</a:t>
+            </a:r>
+            <a:r>
+              <a:rPr kumimoji="1" lang="ja-JP" altLang="en-US" sz="2200" dirty="0">
+                <a:solidFill>
+                  <a:srgbClr val="FF0000"/>
+                </a:solidFill>
+              </a:rPr>
+              <a:t>等</a:t>
+            </a:r>
+            <a:r>
+              <a:rPr kumimoji="1" lang="en-US" altLang="ja-JP" sz="2200" dirty="0">
+                <a:solidFill>
+                  <a:srgbClr val="FF0000"/>
+                </a:solidFill>
+              </a:rPr>
+              <a:t>)</a:t>
+            </a:r>
+            <a:r>
+              <a:rPr kumimoji="1" lang="ja-JP" altLang="en-US" sz="2200" dirty="0">
+                <a:solidFill>
+                  <a:srgbClr val="FF0000"/>
+                </a:solidFill>
+              </a:rPr>
+              <a:t>。温特、バラ付きの少ない。</a:t>
+            </a:r>
+            <a:r>
+              <a:rPr kumimoji="1" lang="en-US" altLang="ja-JP" sz="2200" dirty="0">
+                <a:solidFill>
+                  <a:srgbClr val="FF0000"/>
+                </a:solidFill>
+              </a:rPr>
+              <a:t> </a:t>
+            </a:r>
+          </a:p>
+          <a:p>
+            <a:r>
+              <a:rPr lang="ja-JP" altLang="en-US" sz="2200" dirty="0">
+                <a:solidFill>
+                  <a:srgbClr val="FF0000"/>
+                </a:solidFill>
+              </a:rPr>
+              <a:t>温度補償は</a:t>
+            </a:r>
+            <a:r>
+              <a:rPr lang="en-US" altLang="ja-JP" sz="2200" dirty="0">
+                <a:solidFill>
+                  <a:srgbClr val="FF0000"/>
+                </a:solidFill>
+              </a:rPr>
+              <a:t>PN</a:t>
+            </a:r>
+            <a:r>
+              <a:rPr lang="ja-JP" altLang="en-US" sz="2200" dirty="0">
+                <a:solidFill>
+                  <a:srgbClr val="FF0000"/>
+                </a:solidFill>
+              </a:rPr>
+              <a:t>ジャンクションを使って、負の温度特性と正の温度特性を相殺さ</a:t>
+            </a:r>
+            <a:endParaRPr lang="en-US" altLang="ja-JP" sz="2200" dirty="0">
+              <a:solidFill>
+                <a:srgbClr val="FF0000"/>
+              </a:solidFill>
+            </a:endParaRPr>
+          </a:p>
+          <a:p>
+            <a:pPr marL="0" indent="0">
+              <a:buNone/>
+            </a:pPr>
+            <a:r>
+              <a:rPr lang="ja-JP" altLang="en-US" sz="2200" dirty="0">
+                <a:solidFill>
+                  <a:srgbClr val="FF0000"/>
+                </a:solidFill>
+              </a:rPr>
+              <a:t>　せるテクニックを用いる。</a:t>
+            </a:r>
+            <a:r>
+              <a:rPr lang="en-US" altLang="ja-JP" sz="2200" dirty="0">
+                <a:solidFill>
+                  <a:srgbClr val="FF0000"/>
+                </a:solidFill>
+              </a:rPr>
+              <a:t>(</a:t>
+            </a:r>
+            <a:r>
+              <a:rPr lang="ja-JP" altLang="en-US" sz="2200" dirty="0">
+                <a:solidFill>
+                  <a:srgbClr val="FF0000"/>
+                </a:solidFill>
+              </a:rPr>
+              <a:t>温特を補正する回路</a:t>
+            </a:r>
+            <a:r>
+              <a:rPr lang="en-US" altLang="ja-JP" sz="2200" dirty="0">
+                <a:solidFill>
+                  <a:srgbClr val="FF0000"/>
+                </a:solidFill>
+              </a:rPr>
+              <a:t>)</a:t>
+            </a:r>
+          </a:p>
+          <a:p>
+            <a:pPr marL="0" indent="0">
+              <a:buNone/>
+            </a:pPr>
+            <a:r>
+              <a:rPr lang="ja-JP" altLang="en-US" sz="2000" dirty="0"/>
+              <a:t>参考</a:t>
+            </a:r>
+            <a:r>
+              <a:rPr lang="en-US" altLang="ja-JP" sz="2000" dirty="0"/>
+              <a:t>URL</a:t>
+            </a:r>
+            <a:r>
+              <a:rPr lang="ja-JP" altLang="en-US" sz="2000" dirty="0"/>
+              <a:t>　</a:t>
+            </a:r>
+            <a:r>
+              <a:rPr lang="en-US" altLang="ja-JP" sz="2500" dirty="0"/>
+              <a:t>https://www.nuhogachi.com/cmos-analog/bgr-principle/2/</a:t>
+            </a:r>
+            <a:endParaRPr kumimoji="1" lang="ja-JP" altLang="en-US" sz="2500" dirty="0"/>
+          </a:p>
+        </p:txBody>
+      </p:sp>
+      <p:sp>
+        <p:nvSpPr>
+          <p:cNvPr id="4" name="スライド番号プレースホルダー 3">
+            <a:extLst>
+              <a:ext uri="{FF2B5EF4-FFF2-40B4-BE49-F238E27FC236}">
+                <a16:creationId xmlns:a16="http://schemas.microsoft.com/office/drawing/2014/main" id="{FEA3DFE4-1C4D-3922-2B1A-402FB8410DA1}"/>
+              </a:ext>
+            </a:extLst>
+          </p:cNvPr>
+          <p:cNvSpPr>
+            <a:spLocks noGrp="1"/>
+          </p:cNvSpPr>
+          <p:nvPr>
+            <p:ph type="sldNum" sz="quarter" idx="12"/>
+          </p:nvPr>
+        </p:nvSpPr>
+        <p:spPr/>
+        <p:txBody>
+          <a:bodyPr/>
+          <a:lstStyle/>
+          <a:p>
+            <a:fld id="{4C0238C6-DFEE-4049-817C-214F39B6A44B}" type="slidenum">
+              <a:rPr kumimoji="1" lang="ja-JP" altLang="en-US" smtClean="0"/>
+              <a:t>16</a:t>
+            </a:fld>
+            <a:endParaRPr kumimoji="1" lang="ja-JP" altLang="en-US"/>
+          </a:p>
+        </p:txBody>
+      </p:sp>
+      <p:sp>
+        <p:nvSpPr>
+          <p:cNvPr id="7" name="テキスト ボックス 6">
+            <a:extLst>
+              <a:ext uri="{FF2B5EF4-FFF2-40B4-BE49-F238E27FC236}">
+                <a16:creationId xmlns:a16="http://schemas.microsoft.com/office/drawing/2014/main" id="{0012AB67-8067-14B3-BA2F-63FEAB679C21}"/>
+              </a:ext>
+            </a:extLst>
+          </p:cNvPr>
+          <p:cNvSpPr txBox="1"/>
+          <p:nvPr/>
+        </p:nvSpPr>
+        <p:spPr>
+          <a:xfrm>
+            <a:off x="706122" y="6187074"/>
+            <a:ext cx="2259550" cy="338554"/>
+          </a:xfrm>
+          <a:prstGeom prst="rect">
+            <a:avLst/>
+          </a:prstGeom>
+          <a:noFill/>
+        </p:spPr>
+        <p:txBody>
+          <a:bodyPr wrap="square" rtlCol="0">
+            <a:spAutoFit/>
+          </a:bodyPr>
+          <a:lstStyle/>
+          <a:p>
+            <a:r>
+              <a:rPr kumimoji="1" lang="ja-JP" altLang="en-US" sz="1600" dirty="0"/>
+              <a:t>温特を補正する回路</a:t>
+            </a:r>
+          </a:p>
+        </p:txBody>
+      </p:sp>
+      <p:pic>
+        <p:nvPicPr>
+          <p:cNvPr id="9" name="図 8">
+            <a:extLst>
+              <a:ext uri="{FF2B5EF4-FFF2-40B4-BE49-F238E27FC236}">
+                <a16:creationId xmlns:a16="http://schemas.microsoft.com/office/drawing/2014/main" id="{EF22DB2C-470E-BD72-35F0-BB42616CFC2A}"/>
+              </a:ext>
+            </a:extLst>
+          </p:cNvPr>
+          <p:cNvPicPr>
+            <a:picLocks noChangeAspect="1"/>
+          </p:cNvPicPr>
+          <p:nvPr/>
+        </p:nvPicPr>
+        <p:blipFill>
+          <a:blip r:embed="rId2"/>
+          <a:stretch>
+            <a:fillRect/>
+          </a:stretch>
+        </p:blipFill>
+        <p:spPr>
+          <a:xfrm>
+            <a:off x="6015689" y="4179904"/>
+            <a:ext cx="2384330" cy="2112587"/>
+          </a:xfrm>
+          <a:prstGeom prst="rect">
+            <a:avLst/>
+          </a:prstGeom>
+        </p:spPr>
+      </p:pic>
+      <p:pic>
+        <p:nvPicPr>
+          <p:cNvPr id="11" name="図 10">
+            <a:extLst>
+              <a:ext uri="{FF2B5EF4-FFF2-40B4-BE49-F238E27FC236}">
+                <a16:creationId xmlns:a16="http://schemas.microsoft.com/office/drawing/2014/main" id="{17C5BCF7-F65C-6EC1-75EF-30D524B28D2B}"/>
+              </a:ext>
+            </a:extLst>
+          </p:cNvPr>
+          <p:cNvPicPr>
+            <a:picLocks noChangeAspect="1"/>
+          </p:cNvPicPr>
+          <p:nvPr/>
+        </p:nvPicPr>
+        <p:blipFill>
+          <a:blip r:embed="rId3"/>
+          <a:stretch>
+            <a:fillRect/>
+          </a:stretch>
+        </p:blipFill>
+        <p:spPr>
+          <a:xfrm>
+            <a:off x="6355383" y="2527611"/>
+            <a:ext cx="1437409" cy="1341304"/>
+          </a:xfrm>
+          <a:prstGeom prst="rect">
+            <a:avLst/>
+          </a:prstGeom>
+        </p:spPr>
+      </p:pic>
+      <p:sp>
+        <p:nvSpPr>
+          <p:cNvPr id="20" name="テキスト ボックス 19">
+            <a:extLst>
+              <a:ext uri="{FF2B5EF4-FFF2-40B4-BE49-F238E27FC236}">
+                <a16:creationId xmlns:a16="http://schemas.microsoft.com/office/drawing/2014/main" id="{5C456E85-8D24-F0F2-F9F7-35C2DE06ACE9}"/>
+              </a:ext>
+            </a:extLst>
+          </p:cNvPr>
+          <p:cNvSpPr txBox="1"/>
+          <p:nvPr/>
+        </p:nvSpPr>
+        <p:spPr>
+          <a:xfrm>
+            <a:off x="2965672" y="6292493"/>
+            <a:ext cx="2269957" cy="246221"/>
+          </a:xfrm>
+          <a:prstGeom prst="rect">
+            <a:avLst/>
+          </a:prstGeom>
+          <a:noFill/>
+        </p:spPr>
+        <p:txBody>
+          <a:bodyPr wrap="square" rtlCol="0">
+            <a:spAutoFit/>
+          </a:bodyPr>
+          <a:lstStyle/>
+          <a:p>
+            <a:r>
+              <a:rPr kumimoji="1" lang="en-US" altLang="ja-JP" sz="1000" dirty="0" err="1">
+                <a:solidFill>
+                  <a:srgbClr val="FF0000"/>
+                </a:solidFill>
+              </a:rPr>
+              <a:t>Vf</a:t>
+            </a:r>
+            <a:r>
+              <a:rPr kumimoji="1" lang="ja-JP" altLang="en-US" sz="1000" dirty="0">
+                <a:solidFill>
+                  <a:srgbClr val="FF0000"/>
+                </a:solidFill>
+              </a:rPr>
+              <a:t>は、負の温度特性（</a:t>
+            </a:r>
+            <a:r>
+              <a:rPr kumimoji="1" lang="en-US" altLang="ja-JP" sz="1000" dirty="0">
+                <a:solidFill>
+                  <a:srgbClr val="FF0000"/>
+                </a:solidFill>
+              </a:rPr>
+              <a:t>-3mV/</a:t>
+            </a:r>
+            <a:r>
+              <a:rPr kumimoji="1" lang="ja-JP" altLang="en-US" sz="1000" dirty="0">
+                <a:solidFill>
+                  <a:srgbClr val="FF0000"/>
+                </a:solidFill>
+              </a:rPr>
+              <a:t>℃）</a:t>
+            </a:r>
+          </a:p>
+        </p:txBody>
+      </p:sp>
+      <p:pic>
+        <p:nvPicPr>
+          <p:cNvPr id="8" name="図 7">
+            <a:extLst>
+              <a:ext uri="{FF2B5EF4-FFF2-40B4-BE49-F238E27FC236}">
+                <a16:creationId xmlns:a16="http://schemas.microsoft.com/office/drawing/2014/main" id="{CDC32629-E031-7740-5B50-B71C67487808}"/>
+              </a:ext>
+            </a:extLst>
+          </p:cNvPr>
+          <p:cNvPicPr>
+            <a:picLocks noChangeAspect="1"/>
+          </p:cNvPicPr>
+          <p:nvPr/>
+        </p:nvPicPr>
+        <p:blipFill>
+          <a:blip r:embed="rId4"/>
+          <a:stretch>
+            <a:fillRect/>
+          </a:stretch>
+        </p:blipFill>
+        <p:spPr>
+          <a:xfrm>
+            <a:off x="628649" y="3153561"/>
+            <a:ext cx="2666213" cy="2945689"/>
+          </a:xfrm>
+          <a:prstGeom prst="rect">
+            <a:avLst/>
+          </a:prstGeom>
+        </p:spPr>
+      </p:pic>
+      <p:pic>
+        <p:nvPicPr>
+          <p:cNvPr id="12" name="図 11">
+            <a:extLst>
+              <a:ext uri="{FF2B5EF4-FFF2-40B4-BE49-F238E27FC236}">
+                <a16:creationId xmlns:a16="http://schemas.microsoft.com/office/drawing/2014/main" id="{53DC61D1-46FF-95DC-FE78-4BE9FA646220}"/>
+              </a:ext>
+            </a:extLst>
+          </p:cNvPr>
+          <p:cNvPicPr>
+            <a:picLocks noChangeAspect="1"/>
+          </p:cNvPicPr>
+          <p:nvPr/>
+        </p:nvPicPr>
+        <p:blipFill>
+          <a:blip r:embed="rId5"/>
+          <a:stretch>
+            <a:fillRect/>
+          </a:stretch>
+        </p:blipFill>
+        <p:spPr>
+          <a:xfrm>
+            <a:off x="3419166" y="3194976"/>
+            <a:ext cx="2269957" cy="2904276"/>
+          </a:xfrm>
+          <a:prstGeom prst="rect">
+            <a:avLst/>
+          </a:prstGeom>
+        </p:spPr>
+      </p:pic>
+      <p:cxnSp>
+        <p:nvCxnSpPr>
+          <p:cNvPr id="14" name="直線矢印コネクタ 13">
+            <a:extLst>
+              <a:ext uri="{FF2B5EF4-FFF2-40B4-BE49-F238E27FC236}">
+                <a16:creationId xmlns:a16="http://schemas.microsoft.com/office/drawing/2014/main" id="{0913D10C-0957-C01F-C467-1AF84D21361A}"/>
+              </a:ext>
+            </a:extLst>
+          </p:cNvPr>
+          <p:cNvCxnSpPr>
+            <a:cxnSpLocks/>
+          </p:cNvCxnSpPr>
+          <p:nvPr/>
+        </p:nvCxnSpPr>
+        <p:spPr>
+          <a:xfrm flipH="1" flipV="1">
+            <a:off x="2891023" y="5246801"/>
+            <a:ext cx="403839" cy="1045690"/>
+          </a:xfrm>
+          <a:prstGeom prst="straightConnector1">
+            <a:avLst/>
+          </a:prstGeom>
+          <a:ln w="9525">
+            <a:solidFill>
+              <a:srgbClr val="FF0000"/>
+            </a:solidFill>
+            <a:tailEnd type="triangle"/>
+          </a:ln>
+        </p:spPr>
+        <p:style>
+          <a:lnRef idx="2">
+            <a:schemeClr val="accent1"/>
+          </a:lnRef>
+          <a:fillRef idx="0">
+            <a:schemeClr val="accent1"/>
+          </a:fillRef>
+          <a:effectRef idx="1">
+            <a:schemeClr val="accent1"/>
+          </a:effectRef>
+          <a:fontRef idx="minor">
+            <a:schemeClr val="tx1"/>
+          </a:fontRef>
+        </p:style>
+      </p:cxnSp>
+      <p:cxnSp>
+        <p:nvCxnSpPr>
+          <p:cNvPr id="18" name="直線矢印コネクタ 17">
+            <a:extLst>
+              <a:ext uri="{FF2B5EF4-FFF2-40B4-BE49-F238E27FC236}">
+                <a16:creationId xmlns:a16="http://schemas.microsoft.com/office/drawing/2014/main" id="{66988E9B-72AC-5E56-E5FB-F421351BF752}"/>
+              </a:ext>
+            </a:extLst>
+          </p:cNvPr>
+          <p:cNvCxnSpPr>
+            <a:cxnSpLocks/>
+          </p:cNvCxnSpPr>
+          <p:nvPr/>
+        </p:nvCxnSpPr>
+        <p:spPr>
+          <a:xfrm flipH="1" flipV="1">
+            <a:off x="2965672" y="3974995"/>
+            <a:ext cx="1251148" cy="1794651"/>
+          </a:xfrm>
+          <a:prstGeom prst="straightConnector1">
+            <a:avLst/>
+          </a:prstGeom>
+          <a:ln w="9525">
+            <a:solidFill>
+              <a:srgbClr val="FF0000"/>
+            </a:solidFill>
+            <a:tailEnd type="triangle"/>
+          </a:ln>
+        </p:spPr>
+        <p:style>
+          <a:lnRef idx="2">
+            <a:schemeClr val="accent1"/>
+          </a:lnRef>
+          <a:fillRef idx="0">
+            <a:schemeClr val="accent1"/>
+          </a:fillRef>
+          <a:effectRef idx="1">
+            <a:schemeClr val="accent1"/>
+          </a:effectRef>
+          <a:fontRef idx="minor">
+            <a:schemeClr val="tx1"/>
+          </a:fontRef>
+        </p:style>
+      </p:cxnSp>
+      <p:sp>
+        <p:nvSpPr>
+          <p:cNvPr id="23" name="テキスト ボックス 22">
+            <a:extLst>
+              <a:ext uri="{FF2B5EF4-FFF2-40B4-BE49-F238E27FC236}">
+                <a16:creationId xmlns:a16="http://schemas.microsoft.com/office/drawing/2014/main" id="{3CF88C33-39D3-4BA8-944C-822B038E2D28}"/>
+              </a:ext>
+            </a:extLst>
+          </p:cNvPr>
+          <p:cNvSpPr txBox="1"/>
+          <p:nvPr/>
+        </p:nvSpPr>
+        <p:spPr>
+          <a:xfrm>
+            <a:off x="3169787" y="5606224"/>
+            <a:ext cx="1786764" cy="246221"/>
+          </a:xfrm>
+          <a:prstGeom prst="rect">
+            <a:avLst/>
+          </a:prstGeom>
+          <a:noFill/>
+        </p:spPr>
+        <p:txBody>
+          <a:bodyPr wrap="square" rtlCol="0">
+            <a:spAutoFit/>
+          </a:bodyPr>
+          <a:lstStyle/>
+          <a:p>
+            <a:r>
+              <a:rPr kumimoji="1" lang="ja-JP" altLang="en-US" sz="1000" dirty="0">
+                <a:solidFill>
+                  <a:srgbClr val="FF0000"/>
+                </a:solidFill>
+              </a:rPr>
+              <a:t>正の温度特性</a:t>
+            </a:r>
+          </a:p>
+        </p:txBody>
+      </p:sp>
+      <p:sp>
+        <p:nvSpPr>
+          <p:cNvPr id="26" name="テキスト ボックス 25">
+            <a:extLst>
+              <a:ext uri="{FF2B5EF4-FFF2-40B4-BE49-F238E27FC236}">
+                <a16:creationId xmlns:a16="http://schemas.microsoft.com/office/drawing/2014/main" id="{CD095C7F-2885-A6C5-4C79-BBA038626022}"/>
+              </a:ext>
+            </a:extLst>
+          </p:cNvPr>
+          <p:cNvSpPr txBox="1"/>
+          <p:nvPr/>
+        </p:nvSpPr>
+        <p:spPr>
+          <a:xfrm>
+            <a:off x="6172197" y="2210780"/>
+            <a:ext cx="2259550" cy="276999"/>
+          </a:xfrm>
+          <a:prstGeom prst="rect">
+            <a:avLst/>
+          </a:prstGeom>
+          <a:noFill/>
+        </p:spPr>
+        <p:txBody>
+          <a:bodyPr wrap="square" rtlCol="0">
+            <a:spAutoFit/>
+          </a:bodyPr>
+          <a:lstStyle/>
+          <a:p>
+            <a:r>
+              <a:rPr kumimoji="1" lang="ja-JP" altLang="en-US" sz="1200" dirty="0"/>
+              <a:t>シャントレギュレータ</a:t>
+            </a:r>
+          </a:p>
+        </p:txBody>
+      </p:sp>
+    </p:spTree>
+    <p:extLst>
+      <p:ext uri="{BB962C8B-B14F-4D97-AF65-F5344CB8AC3E}">
+        <p14:creationId xmlns:p14="http://schemas.microsoft.com/office/powerpoint/2010/main" val="1314249603"/>
+      </p:ext>
+    </p:extLst>
+  </p:cSld>
+  <p:clrMapOvr>
+    <a:masterClrMapping/>
+  </p:clrMapOvr>
+</p:sld>
+</file>
+
+<file path=ppt/slides/slide17.xml><?xml version="1.0" encoding="utf-8"?>
+<p:sld xmlns:a="http://schemas.openxmlformats.org/drawingml/2006/main" xmlns:r="http://schemas.openxmlformats.org/officeDocument/2006/relationships" xmlns:p="http://schemas.openxmlformats.org/presentationml/2006/main">
+  <p:cSld>
+    <p:bg>
+      <p:bgPr>
+        <a:solidFill>
+          <a:schemeClr val="bg1">
+            <a:lumMod val="95000"/>
+          </a:schemeClr>
+        </a:solidFill>
+        <a:effectLst/>
+      </p:bgPr>
+    </p:bg>
+    <p:spTree>
+      <p:nvGrpSpPr>
+        <p:cNvPr id="1" name=""/>
+        <p:cNvGrpSpPr/>
+        <p:nvPr/>
+      </p:nvGrpSpPr>
+      <p:grpSpPr>
+        <a:xfrm>
+          <a:off x="0" y="0"/>
+          <a:ext cx="0" cy="0"/>
+          <a:chOff x="0" y="0"/>
+          <a:chExt cx="0" cy="0"/>
+        </a:xfrm>
+      </p:grpSpPr>
+      <p:sp>
+        <p:nvSpPr>
+          <p:cNvPr id="2" name="タイトル 1">
+            <a:extLst>
+              <a:ext uri="{FF2B5EF4-FFF2-40B4-BE49-F238E27FC236}">
+                <a16:creationId xmlns:a16="http://schemas.microsoft.com/office/drawing/2014/main" id="{BE220D37-4FB0-39E6-6E6A-C9C381C3E7A4}"/>
+              </a:ext>
+            </a:extLst>
+          </p:cNvPr>
+          <p:cNvSpPr>
+            <a:spLocks noGrp="1"/>
+          </p:cNvSpPr>
+          <p:nvPr>
+            <p:ph type="title"/>
+          </p:nvPr>
+        </p:nvSpPr>
+        <p:spPr/>
+        <p:txBody>
+          <a:bodyPr>
+            <a:normAutofit/>
+          </a:bodyPr>
+          <a:lstStyle/>
+          <a:p>
+            <a:pPr algn="ctr"/>
+            <a:r>
+              <a:rPr kumimoji="1" lang="ja-JP" altLang="en-US" sz="3200" dirty="0"/>
+              <a:t>ツェナーとアバランシェ動作</a:t>
+            </a:r>
+          </a:p>
+        </p:txBody>
+      </p:sp>
+      <p:sp>
+        <p:nvSpPr>
+          <p:cNvPr id="3" name="コンテンツ プレースホルダー 2">
+            <a:extLst>
+              <a:ext uri="{FF2B5EF4-FFF2-40B4-BE49-F238E27FC236}">
+                <a16:creationId xmlns:a16="http://schemas.microsoft.com/office/drawing/2014/main" id="{58649F6E-CDB0-3A67-5D2F-1DB1FAEE7399}"/>
+              </a:ext>
+            </a:extLst>
+          </p:cNvPr>
+          <p:cNvSpPr>
+            <a:spLocks noGrp="1"/>
+          </p:cNvSpPr>
+          <p:nvPr>
+            <p:ph idx="1"/>
+          </p:nvPr>
+        </p:nvSpPr>
+        <p:spPr/>
+        <p:txBody>
+          <a:bodyPr/>
+          <a:lstStyle/>
+          <a:p>
+            <a:endParaRPr kumimoji="1" lang="ja-JP" altLang="en-US" dirty="0"/>
+          </a:p>
+        </p:txBody>
+      </p:sp>
+      <p:sp>
+        <p:nvSpPr>
+          <p:cNvPr id="4" name="スライド番号プレースホルダー 3">
+            <a:extLst>
+              <a:ext uri="{FF2B5EF4-FFF2-40B4-BE49-F238E27FC236}">
+                <a16:creationId xmlns:a16="http://schemas.microsoft.com/office/drawing/2014/main" id="{498C5A10-4C1E-36F7-3EF4-DB35354681FC}"/>
+              </a:ext>
+            </a:extLst>
+          </p:cNvPr>
+          <p:cNvSpPr>
+            <a:spLocks noGrp="1"/>
+          </p:cNvSpPr>
+          <p:nvPr>
+            <p:ph type="sldNum" sz="quarter" idx="12"/>
+          </p:nvPr>
+        </p:nvSpPr>
+        <p:spPr/>
+        <p:txBody>
+          <a:bodyPr/>
+          <a:lstStyle/>
+          <a:p>
+            <a:fld id="{4C0238C6-DFEE-4049-817C-214F39B6A44B}" type="slidenum">
+              <a:rPr kumimoji="1" lang="ja-JP" altLang="en-US" smtClean="0"/>
+              <a:t>17</a:t>
+            </a:fld>
+            <a:endParaRPr kumimoji="1" lang="ja-JP" altLang="en-US"/>
+          </a:p>
+        </p:txBody>
+      </p:sp>
+    </p:spTree>
+    <p:extLst>
+      <p:ext uri="{BB962C8B-B14F-4D97-AF65-F5344CB8AC3E}">
+        <p14:creationId xmlns:p14="http://schemas.microsoft.com/office/powerpoint/2010/main" val="3530830110"/>
+      </p:ext>
+    </p:extLst>
+  </p:cSld>
+  <p:clrMapOvr>
+    <a:masterClrMapping/>
+  </p:clrMapOvr>
+</p:sld>
+</file>
+
+<file path=ppt/slides/slide18.xml><?xml version="1.0" encoding="utf-8"?>
+<p:sld xmlns:a="http://schemas.openxmlformats.org/drawingml/2006/main" xmlns:r="http://schemas.openxmlformats.org/officeDocument/2006/relationships" xmlns:p="http://schemas.openxmlformats.org/presentationml/2006/main">
+  <p:cSld>
+    <p:bg>
+      <p:bgPr>
+        <a:solidFill>
+          <a:schemeClr val="bg1">
+            <a:lumMod val="95000"/>
+          </a:schemeClr>
+        </a:solidFill>
+        <a:effectLst/>
+      </p:bgPr>
+    </p:bg>
+    <p:spTree>
+      <p:nvGrpSpPr>
+        <p:cNvPr id="1" name=""/>
+        <p:cNvGrpSpPr/>
+        <p:nvPr/>
+      </p:nvGrpSpPr>
+      <p:grpSpPr>
+        <a:xfrm>
+          <a:off x="0" y="0"/>
+          <a:ext cx="0" cy="0"/>
+          <a:chOff x="0" y="0"/>
+          <a:chExt cx="0" cy="0"/>
+        </a:xfrm>
+      </p:grpSpPr>
+      <p:sp>
+        <p:nvSpPr>
+          <p:cNvPr id="2" name="タイトル 1">
+            <a:extLst>
+              <a:ext uri="{FF2B5EF4-FFF2-40B4-BE49-F238E27FC236}">
+                <a16:creationId xmlns:a16="http://schemas.microsoft.com/office/drawing/2014/main" id="{BE220D37-4FB0-39E6-6E6A-C9C381C3E7A4}"/>
+              </a:ext>
+            </a:extLst>
+          </p:cNvPr>
+          <p:cNvSpPr>
+            <a:spLocks noGrp="1"/>
+          </p:cNvSpPr>
+          <p:nvPr>
+            <p:ph type="title"/>
+          </p:nvPr>
+        </p:nvSpPr>
+        <p:spPr/>
+        <p:txBody>
+          <a:bodyPr>
+            <a:normAutofit/>
+          </a:bodyPr>
+          <a:lstStyle/>
+          <a:p>
+            <a:pPr algn="ctr"/>
+            <a:r>
+              <a:rPr kumimoji="1" lang="en-US" altLang="ja-JP" sz="3200" dirty="0"/>
+              <a:t>Bipolar</a:t>
+            </a:r>
+            <a:r>
+              <a:rPr kumimoji="1" lang="ja-JP" altLang="en-US" sz="3200" dirty="0"/>
+              <a:t>トランジスタ動作</a:t>
+            </a:r>
+          </a:p>
+        </p:txBody>
+      </p:sp>
+      <p:sp>
+        <p:nvSpPr>
+          <p:cNvPr id="3" name="コンテンツ プレースホルダー 2">
+            <a:extLst>
+              <a:ext uri="{FF2B5EF4-FFF2-40B4-BE49-F238E27FC236}">
+                <a16:creationId xmlns:a16="http://schemas.microsoft.com/office/drawing/2014/main" id="{58649F6E-CDB0-3A67-5D2F-1DB1FAEE7399}"/>
+              </a:ext>
+            </a:extLst>
+          </p:cNvPr>
+          <p:cNvSpPr>
+            <a:spLocks noGrp="1"/>
+          </p:cNvSpPr>
+          <p:nvPr>
+            <p:ph idx="1"/>
+          </p:nvPr>
+        </p:nvSpPr>
+        <p:spPr/>
+        <p:txBody>
+          <a:bodyPr/>
+          <a:lstStyle/>
+          <a:p>
+            <a:endParaRPr kumimoji="1" lang="ja-JP" altLang="en-US" dirty="0"/>
+          </a:p>
+        </p:txBody>
+      </p:sp>
+      <p:sp>
+        <p:nvSpPr>
+          <p:cNvPr id="4" name="スライド番号プレースホルダー 3">
+            <a:extLst>
+              <a:ext uri="{FF2B5EF4-FFF2-40B4-BE49-F238E27FC236}">
+                <a16:creationId xmlns:a16="http://schemas.microsoft.com/office/drawing/2014/main" id="{498C5A10-4C1E-36F7-3EF4-DB35354681FC}"/>
+              </a:ext>
+            </a:extLst>
+          </p:cNvPr>
+          <p:cNvSpPr>
+            <a:spLocks noGrp="1"/>
+          </p:cNvSpPr>
+          <p:nvPr>
+            <p:ph type="sldNum" sz="quarter" idx="12"/>
+          </p:nvPr>
+        </p:nvSpPr>
+        <p:spPr/>
+        <p:txBody>
+          <a:bodyPr/>
+          <a:lstStyle/>
+          <a:p>
+            <a:fld id="{4C0238C6-DFEE-4049-817C-214F39B6A44B}" type="slidenum">
+              <a:rPr kumimoji="1" lang="ja-JP" altLang="en-US" smtClean="0"/>
+              <a:t>18</a:t>
+            </a:fld>
+            <a:endParaRPr kumimoji="1" lang="ja-JP" altLang="en-US"/>
+          </a:p>
+        </p:txBody>
+      </p:sp>
+    </p:spTree>
+    <p:extLst>
+      <p:ext uri="{BB962C8B-B14F-4D97-AF65-F5344CB8AC3E}">
+        <p14:creationId xmlns:p14="http://schemas.microsoft.com/office/powerpoint/2010/main" val="1268413910"/>
+      </p:ext>
+    </p:extLst>
+  </p:cSld>
+  <p:clrMapOvr>
+    <a:masterClrMapping/>
+  </p:clrMapOvr>
+</p:sld>
+</file>
+
+<file path=ppt/slides/slide19.xml><?xml version="1.0" encoding="utf-8"?>
+<p:sld xmlns:a="http://schemas.openxmlformats.org/drawingml/2006/main" xmlns:r="http://schemas.openxmlformats.org/officeDocument/2006/relationships" xmlns:p="http://schemas.openxmlformats.org/presentationml/2006/main">
+  <p:cSld>
+    <p:bg>
+      <p:bgPr>
+        <a:solidFill>
+          <a:schemeClr val="bg1">
+            <a:lumMod val="95000"/>
+          </a:schemeClr>
+        </a:solidFill>
+        <a:effectLst/>
+      </p:bgPr>
+    </p:bg>
+    <p:spTree>
+      <p:nvGrpSpPr>
+        <p:cNvPr id="1" name=""/>
+        <p:cNvGrpSpPr/>
+        <p:nvPr/>
+      </p:nvGrpSpPr>
+      <p:grpSpPr>
+        <a:xfrm>
+          <a:off x="0" y="0"/>
+          <a:ext cx="0" cy="0"/>
+          <a:chOff x="0" y="0"/>
+          <a:chExt cx="0" cy="0"/>
+        </a:xfrm>
+      </p:grpSpPr>
+      <p:sp>
+        <p:nvSpPr>
+          <p:cNvPr id="2" name="タイトル 1">
+            <a:extLst>
+              <a:ext uri="{FF2B5EF4-FFF2-40B4-BE49-F238E27FC236}">
+                <a16:creationId xmlns:a16="http://schemas.microsoft.com/office/drawing/2014/main" id="{BE220D37-4FB0-39E6-6E6A-C9C381C3E7A4}"/>
+              </a:ext>
+            </a:extLst>
+          </p:cNvPr>
+          <p:cNvSpPr>
+            <a:spLocks noGrp="1"/>
+          </p:cNvSpPr>
+          <p:nvPr>
+            <p:ph type="title"/>
+          </p:nvPr>
+        </p:nvSpPr>
+        <p:spPr/>
+        <p:txBody>
+          <a:bodyPr>
+            <a:normAutofit/>
+          </a:bodyPr>
+          <a:lstStyle/>
+          <a:p>
+            <a:pPr algn="ctr"/>
+            <a:r>
+              <a:rPr kumimoji="1" lang="en-US" altLang="ja-JP" sz="3200" dirty="0"/>
+              <a:t>Bipolar-Tr</a:t>
+            </a:r>
+            <a:r>
+              <a:rPr kumimoji="1" lang="ja-JP" altLang="en-US" sz="3200" dirty="0"/>
+              <a:t>小信号モデル</a:t>
+            </a:r>
+          </a:p>
+        </p:txBody>
+      </p:sp>
+      <p:sp>
+        <p:nvSpPr>
+          <p:cNvPr id="3" name="コンテンツ プレースホルダー 2">
+            <a:extLst>
+              <a:ext uri="{FF2B5EF4-FFF2-40B4-BE49-F238E27FC236}">
+                <a16:creationId xmlns:a16="http://schemas.microsoft.com/office/drawing/2014/main" id="{58649F6E-CDB0-3A67-5D2F-1DB1FAEE7399}"/>
+              </a:ext>
+            </a:extLst>
+          </p:cNvPr>
+          <p:cNvSpPr>
+            <a:spLocks noGrp="1"/>
+          </p:cNvSpPr>
+          <p:nvPr>
+            <p:ph idx="1"/>
+          </p:nvPr>
+        </p:nvSpPr>
+        <p:spPr/>
+        <p:txBody>
+          <a:bodyPr/>
+          <a:lstStyle/>
+          <a:p>
+            <a:r>
+              <a:rPr kumimoji="1" lang="ja-JP" altLang="en-US" dirty="0"/>
+              <a:t>線形動作範囲</a:t>
+            </a:r>
+          </a:p>
+        </p:txBody>
+      </p:sp>
+      <p:sp>
+        <p:nvSpPr>
+          <p:cNvPr id="4" name="スライド番号プレースホルダー 3">
+            <a:extLst>
+              <a:ext uri="{FF2B5EF4-FFF2-40B4-BE49-F238E27FC236}">
+                <a16:creationId xmlns:a16="http://schemas.microsoft.com/office/drawing/2014/main" id="{498C5A10-4C1E-36F7-3EF4-DB35354681FC}"/>
+              </a:ext>
+            </a:extLst>
+          </p:cNvPr>
+          <p:cNvSpPr>
+            <a:spLocks noGrp="1"/>
+          </p:cNvSpPr>
+          <p:nvPr>
+            <p:ph type="sldNum" sz="quarter" idx="12"/>
+          </p:nvPr>
+        </p:nvSpPr>
+        <p:spPr/>
+        <p:txBody>
+          <a:bodyPr/>
+          <a:lstStyle/>
+          <a:p>
+            <a:fld id="{4C0238C6-DFEE-4049-817C-214F39B6A44B}" type="slidenum">
+              <a:rPr kumimoji="1" lang="ja-JP" altLang="en-US" smtClean="0"/>
+              <a:t>19</a:t>
+            </a:fld>
+            <a:endParaRPr kumimoji="1" lang="ja-JP" altLang="en-US"/>
+          </a:p>
+        </p:txBody>
+      </p:sp>
+    </p:spTree>
+    <p:extLst>
+      <p:ext uri="{BB962C8B-B14F-4D97-AF65-F5344CB8AC3E}">
+        <p14:creationId xmlns:p14="http://schemas.microsoft.com/office/powerpoint/2010/main" val="2991702450"/>
+      </p:ext>
+    </p:extLst>
+  </p:cSld>
+  <p:clrMapOvr>
+    <a:masterClrMapping/>
+  </p:clrMapOvr>
+</p:sld>
+</file>
+
+<file path=ppt/slides/slide2.xml><?xml version="1.0" encoding="utf-8"?>
+<p:sld xmlns:a="http://schemas.openxmlformats.org/drawingml/2006/main" xmlns:r="http://schemas.openxmlformats.org/officeDocument/2006/relationships" xmlns:p="http://schemas.openxmlformats.org/presentationml/2006/main">
+  <p:cSld>
+    <p:bg>
+      <p:bgPr>
+        <a:solidFill>
+          <a:schemeClr val="bg1">
+            <a:lumMod val="95000"/>
+          </a:schemeClr>
+        </a:solidFill>
+        <a:effectLst/>
+      </p:bgPr>
+    </p:bg>
+    <p:spTree>
+      <p:nvGrpSpPr>
+        <p:cNvPr id="1" name=""/>
+        <p:cNvGrpSpPr/>
+        <p:nvPr/>
+      </p:nvGrpSpPr>
+      <p:grpSpPr>
+        <a:xfrm>
+          <a:off x="0" y="0"/>
+          <a:ext cx="0" cy="0"/>
+          <a:chOff x="0" y="0"/>
+          <a:chExt cx="0" cy="0"/>
+        </a:xfrm>
+      </p:grpSpPr>
+      <p:sp>
+        <p:nvSpPr>
+          <p:cNvPr id="3" name="コンテンツ プレースホルダー 2">
+            <a:extLst>
+              <a:ext uri="{FF2B5EF4-FFF2-40B4-BE49-F238E27FC236}">
+                <a16:creationId xmlns:a16="http://schemas.microsoft.com/office/drawing/2014/main" id="{F9BF70A8-5848-CB3C-A8BC-73382703FC60}"/>
+              </a:ext>
+            </a:extLst>
+          </p:cNvPr>
+          <p:cNvSpPr>
+            <a:spLocks noGrp="1"/>
+          </p:cNvSpPr>
+          <p:nvPr>
+            <p:ph idx="1"/>
+          </p:nvPr>
+        </p:nvSpPr>
+        <p:spPr/>
+        <p:txBody>
+          <a:bodyPr/>
+          <a:lstStyle/>
+          <a:p>
+            <a:pPr marL="0" indent="0">
+              <a:buNone/>
+            </a:pPr>
+            <a:r>
+              <a:rPr kumimoji="1" lang="en-US" altLang="ja-JP" sz="3200" dirty="0"/>
+              <a:t>Index</a:t>
+            </a:r>
+          </a:p>
+          <a:p>
+            <a:pPr marL="0" indent="0">
+              <a:buNone/>
+            </a:pPr>
+            <a:r>
+              <a:rPr kumimoji="1" lang="en-US" altLang="ja-JP" sz="2400" dirty="0"/>
+              <a:t>(1) CMOS &amp; Bipolar</a:t>
+            </a:r>
+            <a:r>
+              <a:rPr kumimoji="1" lang="ja-JP" altLang="en-US" sz="2400" dirty="0"/>
+              <a:t>の</a:t>
+            </a:r>
+            <a:r>
+              <a:rPr lang="ja-JP" altLang="en-US" sz="2400" dirty="0"/>
+              <a:t>デバイス構造。</a:t>
+            </a:r>
+            <a:endParaRPr kumimoji="1" lang="ja-JP" altLang="en-US" sz="2400" dirty="0"/>
+          </a:p>
+          <a:p>
+            <a:pPr marL="0" indent="0">
+              <a:buNone/>
+            </a:pPr>
+            <a:r>
+              <a:rPr kumimoji="1" lang="en-US" altLang="ja-JP" sz="2400" dirty="0"/>
+              <a:t>(2) MOS</a:t>
+            </a:r>
+            <a:r>
+              <a:rPr kumimoji="1" lang="ja-JP" altLang="en-US" sz="2400" dirty="0"/>
+              <a:t>トランジスタの動作原理、（空乏層、強反転、</a:t>
+            </a:r>
+            <a:endParaRPr kumimoji="1" lang="en-US" altLang="ja-JP" sz="2400" dirty="0"/>
+          </a:p>
+          <a:p>
+            <a:pPr marL="0" indent="0">
+              <a:buNone/>
+            </a:pPr>
+            <a:r>
+              <a:rPr lang="en-US" altLang="ja-JP" sz="2400" dirty="0"/>
+              <a:t>    </a:t>
+            </a:r>
+            <a:r>
+              <a:rPr kumimoji="1" lang="ja-JP" altLang="en-US" sz="2400" dirty="0"/>
+              <a:t>  ピンチオフ）、温度特性式</a:t>
+            </a:r>
+            <a:r>
+              <a:rPr lang="ja-JP" altLang="en-US" sz="2400" dirty="0"/>
+              <a:t>。</a:t>
+            </a:r>
+            <a:br>
+              <a:rPr lang="en-US" altLang="ja-JP" sz="2400" dirty="0"/>
+            </a:br>
+            <a:r>
+              <a:rPr lang="ja-JP" altLang="en-US" sz="2400" dirty="0"/>
+              <a:t>　  対比として、</a:t>
+            </a:r>
+            <a:r>
+              <a:rPr lang="en-US" altLang="ja-JP" sz="2400" dirty="0"/>
+              <a:t>CCD</a:t>
+            </a:r>
+            <a:r>
+              <a:rPr lang="ja-JP" altLang="en-US" sz="2400" dirty="0"/>
+              <a:t>、</a:t>
+            </a:r>
+            <a:r>
+              <a:rPr lang="en-US" altLang="ja-JP" sz="2400" dirty="0"/>
+              <a:t>MOS</a:t>
+            </a:r>
+            <a:r>
+              <a:rPr lang="ja-JP" altLang="en-US" sz="2400" dirty="0"/>
+              <a:t>センサの動作</a:t>
+            </a:r>
+            <a:endParaRPr lang="en-US" altLang="ja-JP" sz="2400" dirty="0"/>
+          </a:p>
+          <a:p>
+            <a:pPr marL="0" indent="0">
+              <a:buNone/>
+            </a:pPr>
+            <a:r>
+              <a:rPr kumimoji="1" lang="en-US" altLang="ja-JP" sz="2400" dirty="0"/>
+              <a:t>(3) MOS</a:t>
+            </a:r>
+            <a:r>
+              <a:rPr kumimoji="1" lang="ja-JP" altLang="en-US" sz="2400" dirty="0"/>
+              <a:t>の論理回路</a:t>
+            </a:r>
+            <a:r>
+              <a:rPr kumimoji="1" lang="en-US" altLang="ja-JP" sz="2400" dirty="0"/>
+              <a:t>(</a:t>
+            </a:r>
+            <a:r>
+              <a:rPr kumimoji="1" lang="en-US" altLang="ja-JP" sz="2400" dirty="0" err="1"/>
+              <a:t>inv,nand,nor</a:t>
+            </a:r>
+            <a:r>
+              <a:rPr kumimoji="1" lang="en-US" altLang="ja-JP" sz="2400" dirty="0"/>
+              <a:t>)</a:t>
+            </a:r>
+            <a:r>
+              <a:rPr lang="ja-JP" altLang="en-US" sz="2400" dirty="0"/>
+              <a:t>、アナログ</a:t>
+            </a:r>
+            <a:r>
+              <a:rPr lang="en-US" altLang="ja-JP" sz="2400" dirty="0"/>
+              <a:t>SW</a:t>
+            </a:r>
+            <a:r>
+              <a:rPr kumimoji="1" lang="ja-JP" altLang="en-US" sz="2400" dirty="0"/>
+              <a:t>、</a:t>
+            </a:r>
+            <a:r>
+              <a:rPr lang="ja-JP" altLang="en-US" sz="2400" dirty="0"/>
+              <a:t>ショットキーダイオード、シャントレギュレータ、</a:t>
+            </a:r>
+            <a:r>
+              <a:rPr kumimoji="1" lang="ja-JP" altLang="en-US" sz="2400" dirty="0"/>
+              <a:t>レイアウト事例、</a:t>
+            </a:r>
+            <a:r>
+              <a:rPr kumimoji="1" lang="en-US" altLang="ja-JP" sz="2400" dirty="0"/>
+              <a:t>IO</a:t>
+            </a:r>
+            <a:r>
+              <a:rPr kumimoji="1" lang="ja-JP" altLang="en-US" sz="2400" dirty="0"/>
+              <a:t>周辺、標準ロジックの</a:t>
+            </a:r>
+            <a:r>
+              <a:rPr kumimoji="1" lang="en-US" altLang="ja-JP" sz="2400" dirty="0"/>
+              <a:t>IO</a:t>
+            </a:r>
+            <a:r>
+              <a:rPr kumimoji="1" lang="ja-JP" altLang="en-US" sz="2400" dirty="0"/>
+              <a:t>トレラント。</a:t>
+            </a:r>
+            <a:endParaRPr kumimoji="1" lang="en-US" altLang="ja-JP" sz="2400" dirty="0"/>
+          </a:p>
+          <a:p>
+            <a:pPr marL="0" indent="0">
+              <a:buNone/>
+            </a:pPr>
+            <a:endParaRPr kumimoji="1" lang="ja-JP" altLang="en-US" sz="2400" dirty="0"/>
+          </a:p>
+          <a:p>
+            <a:pPr marL="0" indent="0">
+              <a:buNone/>
+            </a:pPr>
+            <a:endParaRPr kumimoji="1" lang="ja-JP" altLang="en-US" dirty="0"/>
+          </a:p>
+        </p:txBody>
+      </p:sp>
+      <p:sp>
+        <p:nvSpPr>
+          <p:cNvPr id="4" name="スライド番号プレースホルダー 3">
+            <a:extLst>
+              <a:ext uri="{FF2B5EF4-FFF2-40B4-BE49-F238E27FC236}">
+                <a16:creationId xmlns:a16="http://schemas.microsoft.com/office/drawing/2014/main" id="{F3EAADB4-9B02-A9DC-9385-326FAAA4235C}"/>
+              </a:ext>
+            </a:extLst>
+          </p:cNvPr>
+          <p:cNvSpPr>
+            <a:spLocks noGrp="1"/>
+          </p:cNvSpPr>
+          <p:nvPr>
+            <p:ph type="sldNum" sz="quarter" idx="12"/>
+          </p:nvPr>
+        </p:nvSpPr>
+        <p:spPr/>
+        <p:txBody>
+          <a:bodyPr/>
+          <a:lstStyle/>
+          <a:p>
+            <a:fld id="{4C0238C6-DFEE-4049-817C-214F39B6A44B}" type="slidenum">
+              <a:rPr kumimoji="1" lang="ja-JP" altLang="en-US" smtClean="0"/>
+              <a:t>2</a:t>
+            </a:fld>
+            <a:endParaRPr kumimoji="1" lang="ja-JP" altLang="en-US"/>
+          </a:p>
+        </p:txBody>
+      </p:sp>
+    </p:spTree>
+    <p:extLst>
+      <p:ext uri="{BB962C8B-B14F-4D97-AF65-F5344CB8AC3E}">
+        <p14:creationId xmlns:p14="http://schemas.microsoft.com/office/powerpoint/2010/main" val="2703209064"/>
+      </p:ext>
+    </p:extLst>
+  </p:cSld>
+  <p:clrMapOvr>
+    <a:masterClrMapping/>
+  </p:clrMapOvr>
+</p:sld>
+</file>
+
+<file path=ppt/slides/slide20.xml><?xml version="1.0" encoding="utf-8"?>
+<p:sld xmlns:a="http://schemas.openxmlformats.org/drawingml/2006/main" xmlns:r="http://schemas.openxmlformats.org/officeDocument/2006/relationships" xmlns:p="http://schemas.openxmlformats.org/presentationml/2006/main">
+  <p:cSld>
+    <p:bg>
+      <p:bgPr>
+        <a:solidFill>
+          <a:schemeClr val="bg1">
+            <a:lumMod val="95000"/>
+          </a:schemeClr>
+        </a:solidFill>
+        <a:effectLst/>
+      </p:bgPr>
+    </p:bg>
+    <p:spTree>
+      <p:nvGrpSpPr>
+        <p:cNvPr id="1" name=""/>
+        <p:cNvGrpSpPr/>
+        <p:nvPr/>
+      </p:nvGrpSpPr>
+      <p:grpSpPr>
+        <a:xfrm>
+          <a:off x="0" y="0"/>
+          <a:ext cx="0" cy="0"/>
+          <a:chOff x="0" y="0"/>
+          <a:chExt cx="0" cy="0"/>
+        </a:xfrm>
+      </p:grpSpPr>
+      <p:sp>
+        <p:nvSpPr>
+          <p:cNvPr id="2" name="タイトル 1">
+            <a:extLst>
+              <a:ext uri="{FF2B5EF4-FFF2-40B4-BE49-F238E27FC236}">
+                <a16:creationId xmlns:a16="http://schemas.microsoft.com/office/drawing/2014/main" id="{BE220D37-4FB0-39E6-6E6A-C9C381C3E7A4}"/>
+              </a:ext>
+            </a:extLst>
+          </p:cNvPr>
+          <p:cNvSpPr>
+            <a:spLocks noGrp="1"/>
+          </p:cNvSpPr>
+          <p:nvPr>
+            <p:ph type="title"/>
+          </p:nvPr>
+        </p:nvSpPr>
+        <p:spPr/>
+        <p:txBody>
+          <a:bodyPr>
+            <a:normAutofit/>
+          </a:bodyPr>
+          <a:lstStyle/>
+          <a:p>
+            <a:pPr marL="0" indent="0" algn="ctr">
+              <a:buNone/>
+            </a:pPr>
+            <a:r>
+              <a:rPr kumimoji="1" lang="en-US" altLang="ja-JP" sz="3200" dirty="0"/>
+              <a:t>Bipolar</a:t>
+            </a:r>
+            <a:r>
+              <a:rPr lang="ja-JP" altLang="en-US" sz="3200" dirty="0"/>
+              <a:t>トランジスタ</a:t>
+            </a:r>
+            <a:r>
+              <a:rPr kumimoji="1" lang="ja-JP" altLang="en-US" sz="3200" dirty="0"/>
+              <a:t>の</a:t>
+            </a:r>
+            <a:r>
+              <a:rPr lang="ja-JP" altLang="en-US" sz="3200" dirty="0"/>
+              <a:t>デバイス構造</a:t>
+            </a:r>
+            <a:endParaRPr kumimoji="1" lang="ja-JP" altLang="en-US" sz="3200" dirty="0"/>
+          </a:p>
+        </p:txBody>
+      </p:sp>
+      <p:pic>
+        <p:nvPicPr>
+          <p:cNvPr id="6" name="コンテンツ プレースホルダー 5">
+            <a:extLst>
+              <a:ext uri="{FF2B5EF4-FFF2-40B4-BE49-F238E27FC236}">
+                <a16:creationId xmlns:a16="http://schemas.microsoft.com/office/drawing/2014/main" id="{75917E45-DB26-95E8-A065-128F89E47F10}"/>
+              </a:ext>
+            </a:extLst>
+          </p:cNvPr>
+          <p:cNvPicPr>
+            <a:picLocks noGrp="1" noChangeAspect="1"/>
+          </p:cNvPicPr>
+          <p:nvPr>
+            <p:ph idx="1"/>
+          </p:nvPr>
+        </p:nvPicPr>
+        <p:blipFill>
+          <a:blip r:embed="rId2"/>
+          <a:stretch>
+            <a:fillRect/>
+          </a:stretch>
+        </p:blipFill>
+        <p:spPr>
+          <a:xfrm>
+            <a:off x="1276350" y="1751649"/>
+            <a:ext cx="5984767" cy="2942271"/>
+          </a:xfrm>
+        </p:spPr>
+      </p:pic>
+      <p:sp>
+        <p:nvSpPr>
+          <p:cNvPr id="4" name="スライド番号プレースホルダー 3">
+            <a:extLst>
+              <a:ext uri="{FF2B5EF4-FFF2-40B4-BE49-F238E27FC236}">
+                <a16:creationId xmlns:a16="http://schemas.microsoft.com/office/drawing/2014/main" id="{4F8153B5-CB0F-1C2C-83E8-D06F82895FCF}"/>
+              </a:ext>
+            </a:extLst>
+          </p:cNvPr>
+          <p:cNvSpPr>
+            <a:spLocks noGrp="1"/>
+          </p:cNvSpPr>
+          <p:nvPr>
+            <p:ph type="sldNum" sz="quarter" idx="12"/>
+          </p:nvPr>
+        </p:nvSpPr>
+        <p:spPr/>
+        <p:txBody>
+          <a:bodyPr/>
+          <a:lstStyle/>
+          <a:p>
+            <a:fld id="{4C0238C6-DFEE-4049-817C-214F39B6A44B}" type="slidenum">
+              <a:rPr kumimoji="1" lang="ja-JP" altLang="en-US" smtClean="0"/>
+              <a:t>20</a:t>
+            </a:fld>
+            <a:endParaRPr kumimoji="1" lang="ja-JP" altLang="en-US"/>
+          </a:p>
+        </p:txBody>
+      </p:sp>
+    </p:spTree>
+    <p:extLst>
+      <p:ext uri="{BB962C8B-B14F-4D97-AF65-F5344CB8AC3E}">
+        <p14:creationId xmlns:p14="http://schemas.microsoft.com/office/powerpoint/2010/main" val="459209405"/>
+      </p:ext>
+    </p:extLst>
+  </p:cSld>
+  <p:clrMapOvr>
+    <a:masterClrMapping/>
+  </p:clrMapOvr>
+</p:sld>
+</file>
+
+<file path=ppt/slides/slide21.xml><?xml version="1.0" encoding="utf-8"?>
+<p:sld xmlns:a="http://schemas.openxmlformats.org/drawingml/2006/main" xmlns:r="http://schemas.openxmlformats.org/officeDocument/2006/relationships" xmlns:p="http://schemas.openxmlformats.org/presentationml/2006/main">
+  <p:cSld>
+    <p:bg>
+      <p:bgPr>
+        <a:solidFill>
+          <a:schemeClr val="bg1">
+            <a:lumMod val="95000"/>
+          </a:schemeClr>
+        </a:solidFill>
+        <a:effectLst/>
+      </p:bgPr>
+    </p:bg>
+    <p:spTree>
+      <p:nvGrpSpPr>
+        <p:cNvPr id="1" name=""/>
+        <p:cNvGrpSpPr/>
+        <p:nvPr/>
+      </p:nvGrpSpPr>
+      <p:grpSpPr>
+        <a:xfrm>
+          <a:off x="0" y="0"/>
+          <a:ext cx="0" cy="0"/>
+          <a:chOff x="0" y="0"/>
+          <a:chExt cx="0" cy="0"/>
+        </a:xfrm>
+      </p:grpSpPr>
+      <p:sp>
+        <p:nvSpPr>
+          <p:cNvPr id="2" name="タイトル 1">
+            <a:extLst>
+              <a:ext uri="{FF2B5EF4-FFF2-40B4-BE49-F238E27FC236}">
+                <a16:creationId xmlns:a16="http://schemas.microsoft.com/office/drawing/2014/main" id="{BE220D37-4FB0-39E6-6E6A-C9C381C3E7A4}"/>
+              </a:ext>
+            </a:extLst>
+          </p:cNvPr>
+          <p:cNvSpPr>
+            <a:spLocks noGrp="1"/>
+          </p:cNvSpPr>
+          <p:nvPr>
+            <p:ph type="title"/>
+          </p:nvPr>
+        </p:nvSpPr>
+        <p:spPr>
+          <a:xfrm>
+            <a:off x="652738" y="372683"/>
+            <a:ext cx="7886700" cy="1325563"/>
+          </a:xfrm>
+        </p:spPr>
+        <p:txBody>
+          <a:bodyPr>
+            <a:normAutofit/>
+          </a:bodyPr>
+          <a:lstStyle/>
+          <a:p>
+            <a:pPr algn="ctr"/>
+            <a:r>
+              <a:rPr kumimoji="1" lang="en-US" altLang="ja-JP" sz="3200" dirty="0"/>
+              <a:t>MOS</a:t>
+            </a:r>
+            <a:r>
+              <a:rPr kumimoji="1" lang="ja-JP" altLang="en-US" sz="3200" dirty="0"/>
+              <a:t>の論理回路</a:t>
+            </a:r>
+            <a:r>
+              <a:rPr kumimoji="1" lang="en-US" altLang="ja-JP" sz="3200" dirty="0"/>
+              <a:t>(inv</a:t>
+            </a:r>
+            <a:r>
+              <a:rPr lang="ja-JP" altLang="en-US" sz="3200" dirty="0"/>
+              <a:t>回路とレイアウト</a:t>
+            </a:r>
+            <a:r>
+              <a:rPr kumimoji="1" lang="en-US" altLang="ja-JP" sz="3200" dirty="0"/>
+              <a:t>)</a:t>
+            </a:r>
+            <a:endParaRPr kumimoji="1" lang="ja-JP" altLang="en-US" sz="3200" dirty="0"/>
+          </a:p>
+        </p:txBody>
+      </p:sp>
+      <p:sp>
+        <p:nvSpPr>
+          <p:cNvPr id="4" name="スライド番号プレースホルダー 3">
+            <a:extLst>
+              <a:ext uri="{FF2B5EF4-FFF2-40B4-BE49-F238E27FC236}">
+                <a16:creationId xmlns:a16="http://schemas.microsoft.com/office/drawing/2014/main" id="{2DA84C90-CE54-7B4B-365A-2E11AF027C2A}"/>
+              </a:ext>
+            </a:extLst>
+          </p:cNvPr>
+          <p:cNvSpPr>
+            <a:spLocks noGrp="1"/>
+          </p:cNvSpPr>
+          <p:nvPr>
+            <p:ph type="sldNum" sz="quarter" idx="12"/>
+          </p:nvPr>
+        </p:nvSpPr>
+        <p:spPr/>
+        <p:txBody>
+          <a:bodyPr/>
+          <a:lstStyle/>
+          <a:p>
+            <a:fld id="{4C0238C6-DFEE-4049-817C-214F39B6A44B}" type="slidenum">
+              <a:rPr kumimoji="1" lang="ja-JP" altLang="en-US" smtClean="0"/>
+              <a:t>21</a:t>
             </a:fld>
             <a:endParaRPr kumimoji="1" lang="ja-JP" altLang="en-US" dirty="0"/>
           </a:p>
@@ -4824,7 +8263,7 @@
 </p:sld>
 </file>
 
-<file path=ppt/slides/slide14.xml><?xml version="1.0" encoding="utf-8"?>
+<file path=ppt/slides/slide22.xml><?xml version="1.0" encoding="utf-8"?>
 <p:sld xmlns:a="http://schemas.openxmlformats.org/drawingml/2006/main" xmlns:r="http://schemas.openxmlformats.org/officeDocument/2006/relationships" xmlns:p="http://schemas.openxmlformats.org/presentationml/2006/main">
   <p:cSld>
     <p:bg>
@@ -4874,7 +8313,7 @@
           <a:p>
             <a:fld id="{4C0238C6-DFEE-4049-817C-214F39B6A44B}" type="slidenum">
               <a:rPr kumimoji="1" lang="ja-JP" altLang="en-US" smtClean="0"/>
-              <a:t>14</a:t>
+              <a:t>22</a:t>
             </a:fld>
             <a:endParaRPr kumimoji="1" lang="ja-JP" altLang="en-US" dirty="0"/>
           </a:p>
@@ -5025,7 +8464,7 @@
 </p:sld>
 </file>
 
-<file path=ppt/slides/slide15.xml><?xml version="1.0" encoding="utf-8"?>
+<file path=ppt/slides/slide23.xml><?xml version="1.0" encoding="utf-8"?>
 <p:sld xmlns:a="http://schemas.openxmlformats.org/drawingml/2006/main" xmlns:r="http://schemas.openxmlformats.org/officeDocument/2006/relationships" xmlns:p="http://schemas.openxmlformats.org/presentationml/2006/main">
   <p:cSld>
     <p:bg>
@@ -5075,7 +8514,7 @@
           <a:p>
             <a:fld id="{4C0238C6-DFEE-4049-817C-214F39B6A44B}" type="slidenum">
               <a:rPr kumimoji="1" lang="ja-JP" altLang="en-US" smtClean="0"/>
-              <a:t>15</a:t>
+              <a:t>23</a:t>
             </a:fld>
             <a:endParaRPr kumimoji="1" lang="ja-JP" altLang="en-US" dirty="0"/>
           </a:p>
@@ -5230,7 +8669,7 @@
 </p:sld>
 </file>
 
-<file path=ppt/slides/slide16.xml><?xml version="1.0" encoding="utf-8"?>
+<file path=ppt/slides/slide24.xml><?xml version="1.0" encoding="utf-8"?>
 <p:sld xmlns:a="http://schemas.openxmlformats.org/drawingml/2006/main" xmlns:r="http://schemas.openxmlformats.org/officeDocument/2006/relationships" xmlns:p="http://schemas.openxmlformats.org/presentationml/2006/main">
   <p:cSld>
     <p:bg>
@@ -5340,7 +8779,7 @@
           <a:p>
             <a:fld id="{4C0238C6-DFEE-4049-817C-214F39B6A44B}" type="slidenum">
               <a:rPr kumimoji="1" lang="ja-JP" altLang="en-US" smtClean="0"/>
-              <a:t>16</a:t>
+              <a:t>24</a:t>
             </a:fld>
             <a:endParaRPr kumimoji="1" lang="ja-JP" altLang="en-US"/>
           </a:p>
@@ -5359,7 +8798,7 @@
 </p:sld>
 </file>
 
-<file path=ppt/slides/slide17.xml><?xml version="1.0" encoding="utf-8"?>
+<file path=ppt/slides/slide25.xml><?xml version="1.0" encoding="utf-8"?>
 <p:sld xmlns:a="http://schemas.openxmlformats.org/drawingml/2006/main" xmlns:r="http://schemas.openxmlformats.org/officeDocument/2006/relationships" xmlns:p="http://schemas.openxmlformats.org/presentationml/2006/main">
   <p:cSld>
     <p:bg>
@@ -5473,7 +8912,7 @@
           <a:p>
             <a:fld id="{4C0238C6-DFEE-4049-817C-214F39B6A44B}" type="slidenum">
               <a:rPr kumimoji="1" lang="ja-JP" altLang="en-US" smtClean="0"/>
-              <a:t>17</a:t>
+              <a:t>25</a:t>
             </a:fld>
             <a:endParaRPr kumimoji="1" lang="ja-JP" altLang="en-US"/>
           </a:p>
@@ -5492,7 +8931,7 @@
 </p:sld>
 </file>
 
-<file path=ppt/slides/slide18.xml><?xml version="1.0" encoding="utf-8"?>
+<file path=ppt/slides/slide26.xml><?xml version="1.0" encoding="utf-8"?>
 <p:sld xmlns:a="http://schemas.openxmlformats.org/drawingml/2006/main" xmlns:r="http://schemas.openxmlformats.org/officeDocument/2006/relationships" xmlns:p="http://schemas.openxmlformats.org/presentationml/2006/main">
   <p:cSld>
     <p:bg>
@@ -5542,1008 +8981,6 @@
           </a:bodyPr>
           <a:lstStyle/>
           <a:p>
-            <a:pPr algn="ctr"/>
-            <a:r>
-              <a:rPr lang="en-US" altLang="ja-JP" sz="2400" dirty="0"/>
-              <a:t>PN</a:t>
-            </a:r>
-            <a:r>
-              <a:rPr lang="ja-JP" altLang="en-US" sz="2400" dirty="0"/>
-              <a:t>接合温度係数</a:t>
-            </a:r>
-            <a:endParaRPr kumimoji="1" lang="ja-JP" altLang="en-US" sz="2400" dirty="0"/>
-          </a:p>
-        </p:txBody>
-      </p:sp>
-      <p:sp>
-        <p:nvSpPr>
-          <p:cNvPr id="4" name="スライド番号プレースホルダー 3">
-            <a:extLst>
-              <a:ext uri="{FF2B5EF4-FFF2-40B4-BE49-F238E27FC236}">
-                <a16:creationId xmlns:a16="http://schemas.microsoft.com/office/drawing/2014/main" id="{498C5A10-4C1E-36F7-3EF4-DB35354681FC}"/>
-              </a:ext>
-            </a:extLst>
-          </p:cNvPr>
-          <p:cNvSpPr>
-            <a:spLocks noGrp="1"/>
-          </p:cNvSpPr>
-          <p:nvPr>
-            <p:ph type="sldNum" sz="quarter" idx="12"/>
-          </p:nvPr>
-        </p:nvSpPr>
-        <p:spPr/>
-        <p:txBody>
-          <a:bodyPr/>
-          <a:lstStyle/>
-          <a:p>
-            <a:fld id="{4C0238C6-DFEE-4049-817C-214F39B6A44B}" type="slidenum">
-              <a:rPr kumimoji="1" lang="ja-JP" altLang="en-US" smtClean="0"/>
-              <a:t>18</a:t>
-            </a:fld>
-            <a:endParaRPr kumimoji="1" lang="ja-JP" altLang="en-US"/>
-          </a:p>
-        </p:txBody>
-      </p:sp>
-      <p:pic>
-        <p:nvPicPr>
-          <p:cNvPr id="6" name="図 5">
-            <a:extLst>
-              <a:ext uri="{FF2B5EF4-FFF2-40B4-BE49-F238E27FC236}">
-                <a16:creationId xmlns:a16="http://schemas.microsoft.com/office/drawing/2014/main" id="{A4CB1E69-E60A-0938-5F45-110B6C72A89B}"/>
-              </a:ext>
-            </a:extLst>
-          </p:cNvPr>
-          <p:cNvPicPr>
-            <a:picLocks noChangeAspect="1"/>
-          </p:cNvPicPr>
-          <p:nvPr/>
-        </p:nvPicPr>
-        <p:blipFill>
-          <a:blip r:embed="rId2"/>
-          <a:stretch>
-            <a:fillRect/>
-          </a:stretch>
-        </p:blipFill>
-        <p:spPr>
-          <a:xfrm>
-            <a:off x="4156892" y="1566109"/>
-            <a:ext cx="4175325" cy="3529144"/>
-          </a:xfrm>
-          <a:prstGeom prst="rect">
-            <a:avLst/>
-          </a:prstGeom>
-        </p:spPr>
-      </p:pic>
-      <p:pic>
-        <p:nvPicPr>
-          <p:cNvPr id="8" name="図 7">
-            <a:extLst>
-              <a:ext uri="{FF2B5EF4-FFF2-40B4-BE49-F238E27FC236}">
-                <a16:creationId xmlns:a16="http://schemas.microsoft.com/office/drawing/2014/main" id="{4FE71E87-B149-D7AB-F93D-294B1603AE20}"/>
-              </a:ext>
-            </a:extLst>
-          </p:cNvPr>
-          <p:cNvPicPr>
-            <a:picLocks noChangeAspect="1"/>
-          </p:cNvPicPr>
-          <p:nvPr/>
-        </p:nvPicPr>
-        <p:blipFill>
-          <a:blip r:embed="rId3"/>
-          <a:stretch>
-            <a:fillRect/>
-          </a:stretch>
-        </p:blipFill>
-        <p:spPr>
-          <a:xfrm>
-            <a:off x="4260015" y="5293914"/>
-            <a:ext cx="4175326" cy="653902"/>
-          </a:xfrm>
-          <a:prstGeom prst="rect">
-            <a:avLst/>
-          </a:prstGeom>
-        </p:spPr>
-      </p:pic>
-      <p:pic>
-        <p:nvPicPr>
-          <p:cNvPr id="10" name="図 9">
-            <a:extLst>
-              <a:ext uri="{FF2B5EF4-FFF2-40B4-BE49-F238E27FC236}">
-                <a16:creationId xmlns:a16="http://schemas.microsoft.com/office/drawing/2014/main" id="{8F833CB8-3E39-12E8-DD5B-AE8C3A0D49F0}"/>
-              </a:ext>
-            </a:extLst>
-          </p:cNvPr>
-          <p:cNvPicPr>
-            <a:picLocks noChangeAspect="1"/>
-          </p:cNvPicPr>
-          <p:nvPr/>
-        </p:nvPicPr>
-        <p:blipFill>
-          <a:blip r:embed="rId4"/>
-          <a:stretch>
-            <a:fillRect/>
-          </a:stretch>
-        </p:blipFill>
-        <p:spPr>
-          <a:xfrm>
-            <a:off x="1522274" y="2934971"/>
-            <a:ext cx="1919426" cy="1302468"/>
-          </a:xfrm>
-          <a:prstGeom prst="rect">
-            <a:avLst/>
-          </a:prstGeom>
-        </p:spPr>
-      </p:pic>
-      <p:pic>
-        <p:nvPicPr>
-          <p:cNvPr id="12" name="図 11">
-            <a:extLst>
-              <a:ext uri="{FF2B5EF4-FFF2-40B4-BE49-F238E27FC236}">
-                <a16:creationId xmlns:a16="http://schemas.microsoft.com/office/drawing/2014/main" id="{18DCB847-8D9E-582A-797A-8F0B0159FB9D}"/>
-              </a:ext>
-            </a:extLst>
-          </p:cNvPr>
-          <p:cNvPicPr>
-            <a:picLocks noChangeAspect="1"/>
-          </p:cNvPicPr>
-          <p:nvPr/>
-        </p:nvPicPr>
-        <p:blipFill>
-          <a:blip r:embed="rId5"/>
-          <a:stretch>
-            <a:fillRect/>
-          </a:stretch>
-        </p:blipFill>
-        <p:spPr>
-          <a:xfrm>
-            <a:off x="1369874" y="1504716"/>
-            <a:ext cx="2242405" cy="1325057"/>
-          </a:xfrm>
-          <a:prstGeom prst="rect">
-            <a:avLst/>
-          </a:prstGeom>
-        </p:spPr>
-      </p:pic>
-      <p:pic>
-        <p:nvPicPr>
-          <p:cNvPr id="14" name="図 13">
-            <a:extLst>
-              <a:ext uri="{FF2B5EF4-FFF2-40B4-BE49-F238E27FC236}">
-                <a16:creationId xmlns:a16="http://schemas.microsoft.com/office/drawing/2014/main" id="{B5C0BF67-C78C-E260-4588-E134C94D3256}"/>
-              </a:ext>
-            </a:extLst>
-          </p:cNvPr>
-          <p:cNvPicPr>
-            <a:picLocks noChangeAspect="1"/>
-          </p:cNvPicPr>
-          <p:nvPr/>
-        </p:nvPicPr>
-        <p:blipFill>
-          <a:blip r:embed="rId6"/>
-          <a:stretch>
-            <a:fillRect/>
-          </a:stretch>
-        </p:blipFill>
-        <p:spPr>
-          <a:xfrm>
-            <a:off x="1460093" y="4342637"/>
-            <a:ext cx="1486307" cy="1774612"/>
-          </a:xfrm>
-          <a:prstGeom prst="rect">
-            <a:avLst/>
-          </a:prstGeom>
-        </p:spPr>
-      </p:pic>
-    </p:spTree>
-    <p:extLst>
-      <p:ext uri="{BB962C8B-B14F-4D97-AF65-F5344CB8AC3E}">
-        <p14:creationId xmlns:p14="http://schemas.microsoft.com/office/powerpoint/2010/main" val="3169482593"/>
-      </p:ext>
-    </p:extLst>
-  </p:cSld>
-  <p:clrMapOvr>
-    <a:masterClrMapping/>
-  </p:clrMapOvr>
-</p:sld>
-</file>
-
-<file path=ppt/slides/slide19.xml><?xml version="1.0" encoding="utf-8"?>
-<p:sld xmlns:a="http://schemas.openxmlformats.org/drawingml/2006/main" xmlns:r="http://schemas.openxmlformats.org/officeDocument/2006/relationships" xmlns:p="http://schemas.openxmlformats.org/presentationml/2006/main">
-  <p:cSld>
-    <p:bg>
-      <p:bgPr>
-        <a:solidFill>
-          <a:schemeClr val="bg1">
-            <a:lumMod val="95000"/>
-          </a:schemeClr>
-        </a:solidFill>
-        <a:effectLst/>
-      </p:bgPr>
-    </p:bg>
-    <p:spTree>
-      <p:nvGrpSpPr>
-        <p:cNvPr id="1" name=""/>
-        <p:cNvGrpSpPr/>
-        <p:nvPr/>
-      </p:nvGrpSpPr>
-      <p:grpSpPr>
-        <a:xfrm>
-          <a:off x="0" y="0"/>
-          <a:ext cx="0" cy="0"/>
-          <a:chOff x="0" y="0"/>
-          <a:chExt cx="0" cy="0"/>
-        </a:xfrm>
-      </p:grpSpPr>
-      <p:sp>
-        <p:nvSpPr>
-          <p:cNvPr id="2" name="タイトル 1">
-            <a:extLst>
-              <a:ext uri="{FF2B5EF4-FFF2-40B4-BE49-F238E27FC236}">
-                <a16:creationId xmlns:a16="http://schemas.microsoft.com/office/drawing/2014/main" id="{BE220D37-4FB0-39E6-6E6A-C9C381C3E7A4}"/>
-              </a:ext>
-            </a:extLst>
-          </p:cNvPr>
-          <p:cNvSpPr>
-            <a:spLocks noGrp="1"/>
-          </p:cNvSpPr>
-          <p:nvPr>
-            <p:ph type="title"/>
-          </p:nvPr>
-        </p:nvSpPr>
-        <p:spPr>
-          <a:xfrm>
-            <a:off x="628650" y="187396"/>
-            <a:ext cx="7886700" cy="1325563"/>
-          </a:xfrm>
-        </p:spPr>
-        <p:txBody>
-          <a:bodyPr>
-            <a:normAutofit/>
-          </a:bodyPr>
-          <a:lstStyle/>
-          <a:p>
-            <a:pPr algn="ctr"/>
-            <a:r>
-              <a:rPr kumimoji="1" lang="ja-JP" altLang="en-US" sz="3200" dirty="0"/>
-              <a:t>シャントレギュレータ</a:t>
-            </a:r>
-          </a:p>
-        </p:txBody>
-      </p:sp>
-      <p:sp>
-        <p:nvSpPr>
-          <p:cNvPr id="3" name="コンテンツ プレースホルダー 2">
-            <a:extLst>
-              <a:ext uri="{FF2B5EF4-FFF2-40B4-BE49-F238E27FC236}">
-                <a16:creationId xmlns:a16="http://schemas.microsoft.com/office/drawing/2014/main" id="{58649F6E-CDB0-3A67-5D2F-1DB1FAEE7399}"/>
-              </a:ext>
-            </a:extLst>
-          </p:cNvPr>
-          <p:cNvSpPr>
-            <a:spLocks noGrp="1"/>
-          </p:cNvSpPr>
-          <p:nvPr>
-            <p:ph idx="1"/>
-          </p:nvPr>
-        </p:nvSpPr>
-        <p:spPr>
-          <a:xfrm>
-            <a:off x="628650" y="1128665"/>
-            <a:ext cx="7886700" cy="1030930"/>
-          </a:xfrm>
-        </p:spPr>
-        <p:txBody>
-          <a:bodyPr>
-            <a:normAutofit fontScale="77500" lnSpcReduction="20000"/>
-          </a:bodyPr>
-          <a:lstStyle/>
-          <a:p>
-            <a:r>
-              <a:rPr kumimoji="1" lang="en-US" altLang="ja-JP" sz="2000" dirty="0"/>
-              <a:t>ADC</a:t>
-            </a:r>
-            <a:r>
-              <a:rPr kumimoji="1" lang="ja-JP" altLang="en-US" sz="2000" dirty="0"/>
-              <a:t>などの基準電圧に多用される。</a:t>
-            </a:r>
-            <a:r>
-              <a:rPr kumimoji="1" lang="en-US" altLang="ja-JP" sz="2000" dirty="0"/>
-              <a:t>(TL431</a:t>
-            </a:r>
-            <a:r>
-              <a:rPr kumimoji="1" lang="ja-JP" altLang="en-US" sz="2000" dirty="0"/>
-              <a:t>等</a:t>
-            </a:r>
-            <a:r>
-              <a:rPr kumimoji="1" lang="en-US" altLang="ja-JP" sz="2000" dirty="0"/>
-              <a:t>)</a:t>
-            </a:r>
-            <a:r>
-              <a:rPr kumimoji="1" lang="ja-JP" altLang="en-US" sz="2000" dirty="0"/>
-              <a:t>。温特、バラ付きの少ない。</a:t>
-            </a:r>
-            <a:r>
-              <a:rPr kumimoji="1" lang="en-US" altLang="ja-JP" sz="2000" dirty="0"/>
-              <a:t> </a:t>
-            </a:r>
-          </a:p>
-          <a:p>
-            <a:r>
-              <a:rPr lang="ja-JP" altLang="en-US" sz="2000" dirty="0"/>
-              <a:t>温度補償は</a:t>
-            </a:r>
-            <a:r>
-              <a:rPr lang="en-US" altLang="ja-JP" sz="2000" dirty="0"/>
-              <a:t>PN</a:t>
-            </a:r>
-            <a:r>
-              <a:rPr lang="ja-JP" altLang="en-US" sz="2000" dirty="0"/>
-              <a:t>ジャンクションを使って、負の温度特性と正の温度特性を相殺さ</a:t>
-            </a:r>
-            <a:endParaRPr lang="en-US" altLang="ja-JP" sz="2000" dirty="0"/>
-          </a:p>
-          <a:p>
-            <a:pPr marL="0" indent="0">
-              <a:buNone/>
-            </a:pPr>
-            <a:r>
-              <a:rPr lang="ja-JP" altLang="en-US" sz="2000" dirty="0"/>
-              <a:t>　せるテクニックを用いる。</a:t>
-            </a:r>
-            <a:r>
-              <a:rPr lang="en-US" altLang="ja-JP" sz="2000" dirty="0"/>
-              <a:t>(</a:t>
-            </a:r>
-            <a:r>
-              <a:rPr lang="ja-JP" altLang="en-US" sz="2000" dirty="0"/>
-              <a:t>温特を補正する回路</a:t>
-            </a:r>
-            <a:r>
-              <a:rPr lang="en-US" altLang="ja-JP" sz="2000" dirty="0"/>
-              <a:t>)</a:t>
-            </a:r>
-          </a:p>
-          <a:p>
-            <a:endParaRPr kumimoji="1" lang="ja-JP" altLang="en-US" sz="2000" dirty="0"/>
-          </a:p>
-        </p:txBody>
-      </p:sp>
-      <p:sp>
-        <p:nvSpPr>
-          <p:cNvPr id="4" name="スライド番号プレースホルダー 3">
-            <a:extLst>
-              <a:ext uri="{FF2B5EF4-FFF2-40B4-BE49-F238E27FC236}">
-                <a16:creationId xmlns:a16="http://schemas.microsoft.com/office/drawing/2014/main" id="{FEA3DFE4-1C4D-3922-2B1A-402FB8410DA1}"/>
-              </a:ext>
-            </a:extLst>
-          </p:cNvPr>
-          <p:cNvSpPr>
-            <a:spLocks noGrp="1"/>
-          </p:cNvSpPr>
-          <p:nvPr>
-            <p:ph type="sldNum" sz="quarter" idx="12"/>
-          </p:nvPr>
-        </p:nvSpPr>
-        <p:spPr/>
-        <p:txBody>
-          <a:bodyPr/>
-          <a:lstStyle/>
-          <a:p>
-            <a:fld id="{4C0238C6-DFEE-4049-817C-214F39B6A44B}" type="slidenum">
-              <a:rPr kumimoji="1" lang="ja-JP" altLang="en-US" smtClean="0"/>
-              <a:t>19</a:t>
-            </a:fld>
-            <a:endParaRPr kumimoji="1" lang="ja-JP" altLang="en-US"/>
-          </a:p>
-        </p:txBody>
-      </p:sp>
-      <p:pic>
-        <p:nvPicPr>
-          <p:cNvPr id="6" name="図 5">
-            <a:extLst>
-              <a:ext uri="{FF2B5EF4-FFF2-40B4-BE49-F238E27FC236}">
-                <a16:creationId xmlns:a16="http://schemas.microsoft.com/office/drawing/2014/main" id="{D1289D14-1471-4C8B-9C49-3D025C497771}"/>
-              </a:ext>
-            </a:extLst>
-          </p:cNvPr>
-          <p:cNvPicPr>
-            <a:picLocks noChangeAspect="1"/>
-          </p:cNvPicPr>
-          <p:nvPr/>
-        </p:nvPicPr>
-        <p:blipFill>
-          <a:blip r:embed="rId2"/>
-          <a:stretch>
-            <a:fillRect/>
-          </a:stretch>
-        </p:blipFill>
-        <p:spPr>
-          <a:xfrm>
-            <a:off x="687229" y="4264731"/>
-            <a:ext cx="1863363" cy="1942938"/>
-          </a:xfrm>
-          <a:prstGeom prst="rect">
-            <a:avLst/>
-          </a:prstGeom>
-        </p:spPr>
-      </p:pic>
-      <p:sp>
-        <p:nvSpPr>
-          <p:cNvPr id="7" name="テキスト ボックス 6">
-            <a:extLst>
-              <a:ext uri="{FF2B5EF4-FFF2-40B4-BE49-F238E27FC236}">
-                <a16:creationId xmlns:a16="http://schemas.microsoft.com/office/drawing/2014/main" id="{0012AB67-8067-14B3-BA2F-63FEAB679C21}"/>
-              </a:ext>
-            </a:extLst>
-          </p:cNvPr>
-          <p:cNvSpPr txBox="1"/>
-          <p:nvPr/>
-        </p:nvSpPr>
-        <p:spPr>
-          <a:xfrm>
-            <a:off x="706122" y="6187074"/>
-            <a:ext cx="2259550" cy="338554"/>
-          </a:xfrm>
-          <a:prstGeom prst="rect">
-            <a:avLst/>
-          </a:prstGeom>
-          <a:noFill/>
-        </p:spPr>
-        <p:txBody>
-          <a:bodyPr wrap="square" rtlCol="0">
-            <a:spAutoFit/>
-          </a:bodyPr>
-          <a:lstStyle/>
-          <a:p>
-            <a:r>
-              <a:rPr kumimoji="1" lang="ja-JP" altLang="en-US" sz="1600" dirty="0"/>
-              <a:t>温特を補正する回路</a:t>
-            </a:r>
-          </a:p>
-        </p:txBody>
-      </p:sp>
-      <p:pic>
-        <p:nvPicPr>
-          <p:cNvPr id="9" name="図 8">
-            <a:extLst>
-              <a:ext uri="{FF2B5EF4-FFF2-40B4-BE49-F238E27FC236}">
-                <a16:creationId xmlns:a16="http://schemas.microsoft.com/office/drawing/2014/main" id="{EF22DB2C-470E-BD72-35F0-BB42616CFC2A}"/>
-              </a:ext>
-            </a:extLst>
-          </p:cNvPr>
-          <p:cNvPicPr>
-            <a:picLocks noChangeAspect="1"/>
-          </p:cNvPicPr>
-          <p:nvPr/>
-        </p:nvPicPr>
-        <p:blipFill>
-          <a:blip r:embed="rId3"/>
-          <a:stretch>
-            <a:fillRect/>
-          </a:stretch>
-        </p:blipFill>
-        <p:spPr>
-          <a:xfrm>
-            <a:off x="5643636" y="4179906"/>
-            <a:ext cx="2384330" cy="2112587"/>
-          </a:xfrm>
-          <a:prstGeom prst="rect">
-            <a:avLst/>
-          </a:prstGeom>
-        </p:spPr>
-      </p:pic>
-      <p:pic>
-        <p:nvPicPr>
-          <p:cNvPr id="11" name="図 10">
-            <a:extLst>
-              <a:ext uri="{FF2B5EF4-FFF2-40B4-BE49-F238E27FC236}">
-                <a16:creationId xmlns:a16="http://schemas.microsoft.com/office/drawing/2014/main" id="{17C5BCF7-F65C-6EC1-75EF-30D524B28D2B}"/>
-              </a:ext>
-            </a:extLst>
-          </p:cNvPr>
-          <p:cNvPicPr>
-            <a:picLocks noChangeAspect="1"/>
-          </p:cNvPicPr>
-          <p:nvPr/>
-        </p:nvPicPr>
-        <p:blipFill>
-          <a:blip r:embed="rId4"/>
-          <a:stretch>
-            <a:fillRect/>
-          </a:stretch>
-        </p:blipFill>
-        <p:spPr>
-          <a:xfrm>
-            <a:off x="3402262" y="4523553"/>
-            <a:ext cx="1804784" cy="1684116"/>
-          </a:xfrm>
-          <a:prstGeom prst="rect">
-            <a:avLst/>
-          </a:prstGeom>
-        </p:spPr>
-      </p:pic>
-      <p:grpSp>
-        <p:nvGrpSpPr>
-          <p:cNvPr id="21" name="グループ化 20">
-            <a:extLst>
-              <a:ext uri="{FF2B5EF4-FFF2-40B4-BE49-F238E27FC236}">
-                <a16:creationId xmlns:a16="http://schemas.microsoft.com/office/drawing/2014/main" id="{B3464D7F-ED19-7482-D1EB-A5C51BEB6611}"/>
-              </a:ext>
-            </a:extLst>
-          </p:cNvPr>
-          <p:cNvGrpSpPr/>
-          <p:nvPr/>
-        </p:nvGrpSpPr>
-        <p:grpSpPr>
-          <a:xfrm>
-            <a:off x="628650" y="2198506"/>
-            <a:ext cx="4009460" cy="1105054"/>
-            <a:chOff x="706122" y="2323946"/>
-            <a:chExt cx="4009460" cy="1105054"/>
-          </a:xfrm>
-        </p:grpSpPr>
-        <p:pic>
-          <p:nvPicPr>
-            <p:cNvPr id="16" name="図 15">
-              <a:extLst>
-                <a:ext uri="{FF2B5EF4-FFF2-40B4-BE49-F238E27FC236}">
-                  <a16:creationId xmlns:a16="http://schemas.microsoft.com/office/drawing/2014/main" id="{144F438D-5B4A-23CF-26DE-2800E895CE72}"/>
-                </a:ext>
-              </a:extLst>
-            </p:cNvPr>
-            <p:cNvPicPr>
-              <a:picLocks noChangeAspect="1"/>
-            </p:cNvPicPr>
-            <p:nvPr/>
-          </p:nvPicPr>
-          <p:blipFill>
-            <a:blip r:embed="rId5"/>
-            <a:stretch>
-              <a:fillRect/>
-            </a:stretch>
-          </p:blipFill>
-          <p:spPr>
-            <a:xfrm>
-              <a:off x="706122" y="2323946"/>
-              <a:ext cx="2838846" cy="1105054"/>
-            </a:xfrm>
-            <a:prstGeom prst="rect">
-              <a:avLst/>
-            </a:prstGeom>
-          </p:spPr>
-        </p:pic>
-        <p:sp>
-          <p:nvSpPr>
-            <p:cNvPr id="17" name="テキスト ボックス 16">
-              <a:extLst>
-                <a:ext uri="{FF2B5EF4-FFF2-40B4-BE49-F238E27FC236}">
-                  <a16:creationId xmlns:a16="http://schemas.microsoft.com/office/drawing/2014/main" id="{A787D316-C2D9-129A-163F-3CC0FD89B068}"/>
-                </a:ext>
-              </a:extLst>
-            </p:cNvPr>
-            <p:cNvSpPr txBox="1"/>
-            <p:nvPr/>
-          </p:nvSpPr>
-          <p:spPr>
-            <a:xfrm>
-              <a:off x="1032462" y="2599474"/>
-              <a:ext cx="1413164" cy="276999"/>
-            </a:xfrm>
-            <a:prstGeom prst="rect">
-              <a:avLst/>
-            </a:prstGeom>
-            <a:noFill/>
-          </p:spPr>
-          <p:txBody>
-            <a:bodyPr wrap="square" rtlCol="0">
-              <a:spAutoFit/>
-            </a:bodyPr>
-            <a:lstStyle/>
-            <a:p>
-              <a:r>
-                <a:rPr kumimoji="1" lang="ja-JP" altLang="en-US" sz="1200" dirty="0"/>
-                <a:t>順方向電圧</a:t>
-              </a:r>
-            </a:p>
-          </p:txBody>
-        </p:sp>
-        <p:cxnSp>
-          <p:nvCxnSpPr>
-            <p:cNvPr id="19" name="直線矢印コネクタ 18">
-              <a:extLst>
-                <a:ext uri="{FF2B5EF4-FFF2-40B4-BE49-F238E27FC236}">
-                  <a16:creationId xmlns:a16="http://schemas.microsoft.com/office/drawing/2014/main" id="{4BB34620-80F3-B9FD-5057-DA70DC2AB2D4}"/>
-                </a:ext>
-              </a:extLst>
-            </p:cNvPr>
-            <p:cNvCxnSpPr/>
-            <p:nvPr/>
-          </p:nvCxnSpPr>
-          <p:spPr>
-            <a:xfrm flipV="1">
-              <a:off x="2372906" y="2876473"/>
-              <a:ext cx="72720" cy="335263"/>
-            </a:xfrm>
-            <a:prstGeom prst="straightConnector1">
-              <a:avLst/>
-            </a:prstGeom>
-            <a:ln>
-              <a:tailEnd type="triangle"/>
-            </a:ln>
-          </p:spPr>
-          <p:style>
-            <a:lnRef idx="2">
-              <a:schemeClr val="accent1"/>
-            </a:lnRef>
-            <a:fillRef idx="0">
-              <a:schemeClr val="accent1"/>
-            </a:fillRef>
-            <a:effectRef idx="1">
-              <a:schemeClr val="accent1"/>
-            </a:effectRef>
-            <a:fontRef idx="minor">
-              <a:schemeClr val="tx1"/>
-            </a:fontRef>
-          </p:style>
-        </p:cxnSp>
-        <p:sp>
-          <p:nvSpPr>
-            <p:cNvPr id="20" name="テキスト ボックス 19">
-              <a:extLst>
-                <a:ext uri="{FF2B5EF4-FFF2-40B4-BE49-F238E27FC236}">
-                  <a16:creationId xmlns:a16="http://schemas.microsoft.com/office/drawing/2014/main" id="{5C456E85-8D24-F0F2-F9F7-35C2DE06ACE9}"/>
-                </a:ext>
-              </a:extLst>
-            </p:cNvPr>
-            <p:cNvSpPr txBox="1"/>
-            <p:nvPr/>
-          </p:nvSpPr>
-          <p:spPr>
-            <a:xfrm>
-              <a:off x="2445625" y="2920993"/>
-              <a:ext cx="2269957" cy="246221"/>
-            </a:xfrm>
-            <a:prstGeom prst="rect">
-              <a:avLst/>
-            </a:prstGeom>
-            <a:noFill/>
-          </p:spPr>
-          <p:txBody>
-            <a:bodyPr wrap="square" rtlCol="0">
-              <a:spAutoFit/>
-            </a:bodyPr>
-            <a:lstStyle/>
-            <a:p>
-              <a:r>
-                <a:rPr kumimoji="1" lang="en-US" altLang="ja-JP" sz="1000" dirty="0" err="1"/>
-                <a:t>Vf</a:t>
-              </a:r>
-              <a:r>
-                <a:rPr kumimoji="1" lang="ja-JP" altLang="en-US" sz="1000" dirty="0"/>
-                <a:t>は、負の温度特性（</a:t>
-              </a:r>
-              <a:r>
-                <a:rPr kumimoji="1" lang="en-US" altLang="ja-JP" sz="1000" dirty="0"/>
-                <a:t>-3mV/</a:t>
-              </a:r>
-              <a:r>
-                <a:rPr kumimoji="1" lang="ja-JP" altLang="en-US" sz="1000" dirty="0"/>
-                <a:t>℃）</a:t>
-              </a:r>
-            </a:p>
-          </p:txBody>
-        </p:sp>
-      </p:grpSp>
-    </p:spTree>
-    <p:extLst>
-      <p:ext uri="{BB962C8B-B14F-4D97-AF65-F5344CB8AC3E}">
-        <p14:creationId xmlns:p14="http://schemas.microsoft.com/office/powerpoint/2010/main" val="1314249603"/>
-      </p:ext>
-    </p:extLst>
-  </p:cSld>
-  <p:clrMapOvr>
-    <a:masterClrMapping/>
-  </p:clrMapOvr>
-</p:sld>
-</file>
-
-<file path=ppt/slides/slide2.xml><?xml version="1.0" encoding="utf-8"?>
-<p:sld xmlns:a="http://schemas.openxmlformats.org/drawingml/2006/main" xmlns:r="http://schemas.openxmlformats.org/officeDocument/2006/relationships" xmlns:p="http://schemas.openxmlformats.org/presentationml/2006/main">
-  <p:cSld>
-    <p:bg>
-      <p:bgPr>
-        <a:solidFill>
-          <a:schemeClr val="bg1">
-            <a:lumMod val="95000"/>
-          </a:schemeClr>
-        </a:solidFill>
-        <a:effectLst/>
-      </p:bgPr>
-    </p:bg>
-    <p:spTree>
-      <p:nvGrpSpPr>
-        <p:cNvPr id="1" name=""/>
-        <p:cNvGrpSpPr/>
-        <p:nvPr/>
-      </p:nvGrpSpPr>
-      <p:grpSpPr>
-        <a:xfrm>
-          <a:off x="0" y="0"/>
-          <a:ext cx="0" cy="0"/>
-          <a:chOff x="0" y="0"/>
-          <a:chExt cx="0" cy="0"/>
-        </a:xfrm>
-      </p:grpSpPr>
-      <p:sp>
-        <p:nvSpPr>
-          <p:cNvPr id="3" name="コンテンツ プレースホルダー 2">
-            <a:extLst>
-              <a:ext uri="{FF2B5EF4-FFF2-40B4-BE49-F238E27FC236}">
-                <a16:creationId xmlns:a16="http://schemas.microsoft.com/office/drawing/2014/main" id="{F9BF70A8-5848-CB3C-A8BC-73382703FC60}"/>
-              </a:ext>
-            </a:extLst>
-          </p:cNvPr>
-          <p:cNvSpPr>
-            <a:spLocks noGrp="1"/>
-          </p:cNvSpPr>
-          <p:nvPr>
-            <p:ph idx="1"/>
-          </p:nvPr>
-        </p:nvSpPr>
-        <p:spPr/>
-        <p:txBody>
-          <a:bodyPr/>
-          <a:lstStyle/>
-          <a:p>
-            <a:pPr marL="0" indent="0">
-              <a:buNone/>
-            </a:pPr>
-            <a:r>
-              <a:rPr kumimoji="1" lang="en-US" altLang="ja-JP" sz="3200" dirty="0"/>
-              <a:t>Index</a:t>
-            </a:r>
-          </a:p>
-          <a:p>
-            <a:pPr marL="0" indent="0">
-              <a:buNone/>
-            </a:pPr>
-            <a:r>
-              <a:rPr kumimoji="1" lang="en-US" altLang="ja-JP" sz="2400" dirty="0"/>
-              <a:t>(1) CMOS &amp; Bipolar</a:t>
-            </a:r>
-            <a:r>
-              <a:rPr kumimoji="1" lang="ja-JP" altLang="en-US" sz="2400" dirty="0"/>
-              <a:t>の</a:t>
-            </a:r>
-            <a:r>
-              <a:rPr lang="ja-JP" altLang="en-US" sz="2400" dirty="0"/>
-              <a:t>デバイス構造。</a:t>
-            </a:r>
-            <a:endParaRPr kumimoji="1" lang="ja-JP" altLang="en-US" sz="2400" dirty="0"/>
-          </a:p>
-          <a:p>
-            <a:pPr marL="0" indent="0">
-              <a:buNone/>
-            </a:pPr>
-            <a:r>
-              <a:rPr kumimoji="1" lang="en-US" altLang="ja-JP" sz="2400" dirty="0"/>
-              <a:t>(2) MOS</a:t>
-            </a:r>
-            <a:r>
-              <a:rPr kumimoji="1" lang="ja-JP" altLang="en-US" sz="2400" dirty="0"/>
-              <a:t>トランジスタの動作原理、（空乏層、強反転、</a:t>
-            </a:r>
-            <a:endParaRPr kumimoji="1" lang="en-US" altLang="ja-JP" sz="2400" dirty="0"/>
-          </a:p>
-          <a:p>
-            <a:pPr marL="0" indent="0">
-              <a:buNone/>
-            </a:pPr>
-            <a:r>
-              <a:rPr lang="en-US" altLang="ja-JP" sz="2400" dirty="0"/>
-              <a:t>    </a:t>
-            </a:r>
-            <a:r>
-              <a:rPr kumimoji="1" lang="ja-JP" altLang="en-US" sz="2400" dirty="0"/>
-              <a:t>  ピンチオフ）、温度特性式</a:t>
-            </a:r>
-            <a:r>
-              <a:rPr lang="ja-JP" altLang="en-US" sz="2400" dirty="0"/>
-              <a:t>。</a:t>
-            </a:r>
-            <a:br>
-              <a:rPr lang="en-US" altLang="ja-JP" sz="2400" dirty="0"/>
-            </a:br>
-            <a:r>
-              <a:rPr lang="ja-JP" altLang="en-US" sz="2400" dirty="0"/>
-              <a:t>　  対比として、</a:t>
-            </a:r>
-            <a:r>
-              <a:rPr lang="en-US" altLang="ja-JP" sz="2400" dirty="0"/>
-              <a:t>CCD</a:t>
-            </a:r>
-            <a:r>
-              <a:rPr lang="ja-JP" altLang="en-US" sz="2400" dirty="0"/>
-              <a:t>、</a:t>
-            </a:r>
-            <a:r>
-              <a:rPr lang="en-US" altLang="ja-JP" sz="2400" dirty="0"/>
-              <a:t>MOS</a:t>
-            </a:r>
-            <a:r>
-              <a:rPr lang="ja-JP" altLang="en-US" sz="2400" dirty="0"/>
-              <a:t>センサの動作</a:t>
-            </a:r>
-            <a:endParaRPr lang="en-US" altLang="ja-JP" sz="2400" dirty="0"/>
-          </a:p>
-          <a:p>
-            <a:pPr marL="0" indent="0">
-              <a:buNone/>
-            </a:pPr>
-            <a:r>
-              <a:rPr kumimoji="1" lang="en-US" altLang="ja-JP" sz="2400" dirty="0"/>
-              <a:t>(3) MOS</a:t>
-            </a:r>
-            <a:r>
-              <a:rPr kumimoji="1" lang="ja-JP" altLang="en-US" sz="2400" dirty="0"/>
-              <a:t>の論理回路</a:t>
-            </a:r>
-            <a:r>
-              <a:rPr kumimoji="1" lang="en-US" altLang="ja-JP" sz="2400" dirty="0"/>
-              <a:t>(</a:t>
-            </a:r>
-            <a:r>
-              <a:rPr kumimoji="1" lang="en-US" altLang="ja-JP" sz="2400" dirty="0" err="1"/>
-              <a:t>inv,nand,nor</a:t>
-            </a:r>
-            <a:r>
-              <a:rPr kumimoji="1" lang="en-US" altLang="ja-JP" sz="2400" dirty="0"/>
-              <a:t>)</a:t>
-            </a:r>
-            <a:r>
-              <a:rPr lang="ja-JP" altLang="en-US" sz="2400" dirty="0"/>
-              <a:t>、アナログ</a:t>
-            </a:r>
-            <a:r>
-              <a:rPr lang="en-US" altLang="ja-JP" sz="2400" dirty="0"/>
-              <a:t>SW</a:t>
-            </a:r>
-            <a:r>
-              <a:rPr kumimoji="1" lang="ja-JP" altLang="en-US" sz="2400" dirty="0"/>
-              <a:t>、</a:t>
-            </a:r>
-            <a:r>
-              <a:rPr lang="ja-JP" altLang="en-US" sz="2400" dirty="0"/>
-              <a:t>ショットキーダイオード、シャントレギュレータ、</a:t>
-            </a:r>
-            <a:r>
-              <a:rPr kumimoji="1" lang="ja-JP" altLang="en-US" sz="2400" dirty="0"/>
-              <a:t>レイアウト事例、</a:t>
-            </a:r>
-            <a:r>
-              <a:rPr kumimoji="1" lang="en-US" altLang="ja-JP" sz="2400" dirty="0"/>
-              <a:t>IO</a:t>
-            </a:r>
-            <a:r>
-              <a:rPr kumimoji="1" lang="ja-JP" altLang="en-US" sz="2400" dirty="0"/>
-              <a:t>周辺、標準ロジックの</a:t>
-            </a:r>
-            <a:r>
-              <a:rPr kumimoji="1" lang="en-US" altLang="ja-JP" sz="2400" dirty="0"/>
-              <a:t>IO</a:t>
-            </a:r>
-            <a:r>
-              <a:rPr kumimoji="1" lang="ja-JP" altLang="en-US" sz="2400" dirty="0"/>
-              <a:t>トレラント。</a:t>
-            </a:r>
-            <a:endParaRPr kumimoji="1" lang="en-US" altLang="ja-JP" sz="2400" dirty="0"/>
-          </a:p>
-          <a:p>
-            <a:pPr marL="0" indent="0">
-              <a:buNone/>
-            </a:pPr>
-            <a:endParaRPr kumimoji="1" lang="ja-JP" altLang="en-US" sz="2400" dirty="0"/>
-          </a:p>
-          <a:p>
-            <a:pPr marL="0" indent="0">
-              <a:buNone/>
-            </a:pPr>
-            <a:endParaRPr kumimoji="1" lang="ja-JP" altLang="en-US" dirty="0"/>
-          </a:p>
-        </p:txBody>
-      </p:sp>
-      <p:sp>
-        <p:nvSpPr>
-          <p:cNvPr id="4" name="スライド番号プレースホルダー 3">
-            <a:extLst>
-              <a:ext uri="{FF2B5EF4-FFF2-40B4-BE49-F238E27FC236}">
-                <a16:creationId xmlns:a16="http://schemas.microsoft.com/office/drawing/2014/main" id="{F3EAADB4-9B02-A9DC-9385-326FAAA4235C}"/>
-              </a:ext>
-            </a:extLst>
-          </p:cNvPr>
-          <p:cNvSpPr>
-            <a:spLocks noGrp="1"/>
-          </p:cNvSpPr>
-          <p:nvPr>
-            <p:ph type="sldNum" sz="quarter" idx="12"/>
-          </p:nvPr>
-        </p:nvSpPr>
-        <p:spPr/>
-        <p:txBody>
-          <a:bodyPr/>
-          <a:lstStyle/>
-          <a:p>
-            <a:fld id="{4C0238C6-DFEE-4049-817C-214F39B6A44B}" type="slidenum">
-              <a:rPr kumimoji="1" lang="ja-JP" altLang="en-US" smtClean="0"/>
-              <a:t>2</a:t>
-            </a:fld>
-            <a:endParaRPr kumimoji="1" lang="ja-JP" altLang="en-US"/>
-          </a:p>
-        </p:txBody>
-      </p:sp>
-    </p:spTree>
-    <p:extLst>
-      <p:ext uri="{BB962C8B-B14F-4D97-AF65-F5344CB8AC3E}">
-        <p14:creationId xmlns:p14="http://schemas.microsoft.com/office/powerpoint/2010/main" val="2703209064"/>
-      </p:ext>
-    </p:extLst>
-  </p:cSld>
-  <p:clrMapOvr>
-    <a:masterClrMapping/>
-  </p:clrMapOvr>
-</p:sld>
-</file>
-
-<file path=ppt/slides/slide20.xml><?xml version="1.0" encoding="utf-8"?>
-<p:sld xmlns:a="http://schemas.openxmlformats.org/drawingml/2006/main" xmlns:r="http://schemas.openxmlformats.org/officeDocument/2006/relationships" xmlns:p="http://schemas.openxmlformats.org/presentationml/2006/main">
-  <p:cSld>
-    <p:bg>
-      <p:bgPr>
-        <a:solidFill>
-          <a:schemeClr val="bg1">
-            <a:lumMod val="95000"/>
-          </a:schemeClr>
-        </a:solidFill>
-        <a:effectLst/>
-      </p:bgPr>
-    </p:bg>
-    <p:spTree>
-      <p:nvGrpSpPr>
-        <p:cNvPr id="1" name=""/>
-        <p:cNvGrpSpPr/>
-        <p:nvPr/>
-      </p:nvGrpSpPr>
-      <p:grpSpPr>
-        <a:xfrm>
-          <a:off x="0" y="0"/>
-          <a:ext cx="0" cy="0"/>
-          <a:chOff x="0" y="0"/>
-          <a:chExt cx="0" cy="0"/>
-        </a:xfrm>
-      </p:grpSpPr>
-      <p:sp>
-        <p:nvSpPr>
-          <p:cNvPr id="2" name="タイトル 1">
-            <a:extLst>
-              <a:ext uri="{FF2B5EF4-FFF2-40B4-BE49-F238E27FC236}">
-                <a16:creationId xmlns:a16="http://schemas.microsoft.com/office/drawing/2014/main" id="{BE220D37-4FB0-39E6-6E6A-C9C381C3E7A4}"/>
-              </a:ext>
-            </a:extLst>
-          </p:cNvPr>
-          <p:cNvSpPr>
-            <a:spLocks noGrp="1"/>
-          </p:cNvSpPr>
-          <p:nvPr>
-            <p:ph type="title"/>
-          </p:nvPr>
-        </p:nvSpPr>
-        <p:spPr/>
-        <p:txBody>
-          <a:bodyPr>
-            <a:normAutofit/>
-          </a:bodyPr>
-          <a:lstStyle/>
-          <a:p>
             <a:pPr marL="0" indent="0" algn="ctr">
               <a:buNone/>
             </a:pPr>
@@ -6615,7 +9052,7 @@
           <a:p>
             <a:fld id="{4C0238C6-DFEE-4049-817C-214F39B6A44B}" type="slidenum">
               <a:rPr kumimoji="1" lang="ja-JP" altLang="en-US" smtClean="0"/>
-              <a:t>20</a:t>
+              <a:t>26</a:t>
             </a:fld>
             <a:endParaRPr kumimoji="1" lang="ja-JP" altLang="en-US"/>
           </a:p>
@@ -8304,6 +10741,207 @@
           </a:p>
         </p:txBody>
       </p:sp>
+      <p:sp>
+        <p:nvSpPr>
+          <p:cNvPr id="3" name="楕円 2">
+            <a:extLst>
+              <a:ext uri="{FF2B5EF4-FFF2-40B4-BE49-F238E27FC236}">
+                <a16:creationId xmlns:a16="http://schemas.microsoft.com/office/drawing/2014/main" id="{4026A79F-4414-645D-9700-85AA4BECCA30}"/>
+              </a:ext>
+            </a:extLst>
+          </p:cNvPr>
+          <p:cNvSpPr/>
+          <p:nvPr/>
+        </p:nvSpPr>
+        <p:spPr>
+          <a:xfrm>
+            <a:off x="2962348" y="3846523"/>
+            <a:ext cx="83127" cy="105798"/>
+          </a:xfrm>
+          <a:prstGeom prst="ellipse">
+            <a:avLst/>
+          </a:prstGeom>
+          <a:noFill/>
+          <a:ln>
+            <a:solidFill>
+              <a:srgbClr val="FF0000"/>
+            </a:solidFill>
+          </a:ln>
+        </p:spPr>
+        <p:style>
+          <a:lnRef idx="2">
+            <a:schemeClr val="accent1">
+              <a:shade val="15000"/>
+            </a:schemeClr>
+          </a:lnRef>
+          <a:fillRef idx="1">
+            <a:schemeClr val="accent1"/>
+          </a:fillRef>
+          <a:effectRef idx="0">
+            <a:schemeClr val="accent1"/>
+          </a:effectRef>
+          <a:fontRef idx="minor">
+            <a:schemeClr val="lt1"/>
+          </a:fontRef>
+        </p:style>
+        <p:txBody>
+          <a:bodyPr rtlCol="0" anchor="ctr"/>
+          <a:lstStyle/>
+          <a:p>
+            <a:pPr algn="ctr"/>
+            <a:endParaRPr kumimoji="1" lang="ja-JP" altLang="en-US"/>
+          </a:p>
+        </p:txBody>
+      </p:sp>
+      <p:cxnSp>
+        <p:nvCxnSpPr>
+          <p:cNvPr id="7" name="直線矢印コネクタ 6">
+            <a:extLst>
+              <a:ext uri="{FF2B5EF4-FFF2-40B4-BE49-F238E27FC236}">
+                <a16:creationId xmlns:a16="http://schemas.microsoft.com/office/drawing/2014/main" id="{9681FAA9-31F1-C07E-4FE3-7B44C3002E5E}"/>
+              </a:ext>
+            </a:extLst>
+          </p:cNvPr>
+          <p:cNvCxnSpPr/>
+          <p:nvPr/>
+        </p:nvCxnSpPr>
+        <p:spPr>
+          <a:xfrm flipH="1" flipV="1">
+            <a:off x="3045475" y="3952321"/>
+            <a:ext cx="430756" cy="1163785"/>
+          </a:xfrm>
+          <a:prstGeom prst="straightConnector1">
+            <a:avLst/>
+          </a:prstGeom>
+          <a:ln w="9525">
+            <a:solidFill>
+              <a:srgbClr val="FF0000"/>
+            </a:solidFill>
+            <a:tailEnd type="triangle"/>
+          </a:ln>
+        </p:spPr>
+        <p:style>
+          <a:lnRef idx="2">
+            <a:schemeClr val="accent1"/>
+          </a:lnRef>
+          <a:fillRef idx="0">
+            <a:schemeClr val="accent1"/>
+          </a:fillRef>
+          <a:effectRef idx="1">
+            <a:schemeClr val="accent1"/>
+          </a:effectRef>
+          <a:fontRef idx="minor">
+            <a:schemeClr val="tx1"/>
+          </a:fontRef>
+        </p:style>
+      </p:cxnSp>
+      <p:sp>
+        <p:nvSpPr>
+          <p:cNvPr id="8" name="テキスト ボックス 7">
+            <a:extLst>
+              <a:ext uri="{FF2B5EF4-FFF2-40B4-BE49-F238E27FC236}">
+                <a16:creationId xmlns:a16="http://schemas.microsoft.com/office/drawing/2014/main" id="{173BC17D-A6E5-FA1B-0D6B-05BC930DB232}"/>
+              </a:ext>
+            </a:extLst>
+          </p:cNvPr>
+          <p:cNvSpPr txBox="1"/>
+          <p:nvPr/>
+        </p:nvSpPr>
+        <p:spPr>
+          <a:xfrm>
+            <a:off x="2818770" y="5116106"/>
+            <a:ext cx="1753230" cy="461665"/>
+          </a:xfrm>
+          <a:prstGeom prst="rect">
+            <a:avLst/>
+          </a:prstGeom>
+          <a:noFill/>
+        </p:spPr>
+        <p:txBody>
+          <a:bodyPr wrap="square" rtlCol="0">
+            <a:spAutoFit/>
+          </a:bodyPr>
+          <a:lstStyle/>
+          <a:p>
+            <a:r>
+              <a:rPr kumimoji="1" lang="en-US" altLang="ja-JP" sz="1200" dirty="0">
+                <a:solidFill>
+                  <a:srgbClr val="FF0000"/>
+                </a:solidFill>
+              </a:rPr>
+              <a:t>2</a:t>
+            </a:r>
+            <a:r>
+              <a:rPr kumimoji="1" lang="ja-JP" altLang="en-US" sz="1200" dirty="0">
+                <a:solidFill>
+                  <a:srgbClr val="FF0000"/>
+                </a:solidFill>
+              </a:rPr>
+              <a:t>次関数の頂点の</a:t>
+            </a:r>
+            <a:r>
+              <a:rPr kumimoji="1" lang="en-US" altLang="ja-JP" sz="1200" dirty="0">
+                <a:solidFill>
+                  <a:srgbClr val="FF0000"/>
+                </a:solidFill>
+              </a:rPr>
+              <a:t>X</a:t>
+            </a:r>
+            <a:r>
+              <a:rPr kumimoji="1" lang="ja-JP" altLang="en-US" sz="1200" dirty="0">
+                <a:solidFill>
+                  <a:srgbClr val="FF0000"/>
+                </a:solidFill>
+              </a:rPr>
+              <a:t>座標</a:t>
+            </a:r>
+            <a:endParaRPr kumimoji="1" lang="en-US" altLang="ja-JP" sz="1200" dirty="0">
+              <a:solidFill>
+                <a:srgbClr val="FF0000"/>
+              </a:solidFill>
+            </a:endParaRPr>
+          </a:p>
+          <a:p>
+            <a:r>
+              <a:rPr kumimoji="1" lang="en-US" altLang="ja-JP" sz="1200" dirty="0" err="1">
+                <a:solidFill>
+                  <a:srgbClr val="FF0000"/>
+                </a:solidFill>
+              </a:rPr>
+              <a:t>Vds</a:t>
+            </a:r>
+            <a:r>
+              <a:rPr kumimoji="1" lang="en-US" altLang="ja-JP" sz="1200" dirty="0">
+                <a:solidFill>
+                  <a:srgbClr val="FF0000"/>
+                </a:solidFill>
+              </a:rPr>
+              <a:t>=</a:t>
+            </a:r>
+            <a:r>
+              <a:rPr kumimoji="1" lang="en-US" altLang="ja-JP" sz="1200" dirty="0" err="1">
+                <a:solidFill>
+                  <a:srgbClr val="FF0000"/>
+                </a:solidFill>
+              </a:rPr>
+              <a:t>Vgs</a:t>
+            </a:r>
+            <a:r>
+              <a:rPr kumimoji="1" lang="en-US" altLang="ja-JP" sz="1200" dirty="0">
+                <a:solidFill>
+                  <a:srgbClr val="FF0000"/>
+                </a:solidFill>
+              </a:rPr>
+              <a:t>-Vth</a:t>
+            </a:r>
+            <a:endParaRPr kumimoji="1" lang="ja-JP" altLang="en-US" sz="1200" dirty="0">
+              <a:solidFill>
+                <a:srgbClr val="FF0000"/>
+              </a:solidFill>
+            </a:endParaRPr>
+          </a:p>
+        </p:txBody>
+      </p:sp>
     </p:spTree>
     <p:extLst>
       <p:ext uri="{BB962C8B-B14F-4D97-AF65-F5344CB8AC3E}">
@@ -8371,42 +11009,42 @@
               <a:buNone/>
             </a:pPr>
             <a:r>
-              <a:rPr lang="ja-JP" altLang="en-US" sz="4000" dirty="0"/>
-              <a:t>ドレイン電流</a:t>
-            </a:r>
-            <a:endParaRPr kumimoji="1" lang="ja-JP" altLang="en-US" sz="4000" dirty="0"/>
-          </a:p>
-        </p:txBody>
-      </p:sp>
-      <p:pic>
-        <p:nvPicPr>
-          <p:cNvPr id="6" name="コンテンツ プレースホルダー 5">
-            <a:extLst>
-              <a:ext uri="{FF2B5EF4-FFF2-40B4-BE49-F238E27FC236}">
-                <a16:creationId xmlns:a16="http://schemas.microsoft.com/office/drawing/2014/main" id="{51D1069E-8815-6008-E329-F022F532E452}"/>
-              </a:ext>
-            </a:extLst>
-          </p:cNvPr>
-          <p:cNvPicPr>
-            <a:picLocks noGrp="1" noChangeAspect="1"/>
-          </p:cNvPicPr>
+              <a:rPr lang="en-US" altLang="ja-JP" sz="2400" dirty="0"/>
+              <a:t>MOS-Tr </a:t>
+            </a:r>
+            <a:r>
+              <a:rPr lang="ja-JP" altLang="en-US" sz="2400" dirty="0"/>
+              <a:t>横型とトレンチ構造</a:t>
+            </a:r>
+            <a:endParaRPr kumimoji="1" lang="ja-JP" altLang="en-US" sz="2400" dirty="0"/>
+          </a:p>
+        </p:txBody>
+      </p:sp>
+      <p:sp>
+        <p:nvSpPr>
+          <p:cNvPr id="3" name="コンテンツ プレースホルダー 2">
+            <a:extLst>
+              <a:ext uri="{FF2B5EF4-FFF2-40B4-BE49-F238E27FC236}">
+                <a16:creationId xmlns:a16="http://schemas.microsoft.com/office/drawing/2014/main" id="{58649F6E-CDB0-3A67-5D2F-1DB1FAEE7399}"/>
+              </a:ext>
+            </a:extLst>
+          </p:cNvPr>
+          <p:cNvSpPr>
+            <a:spLocks noGrp="1"/>
+          </p:cNvSpPr>
           <p:nvPr>
             <p:ph idx="1"/>
           </p:nvPr>
-        </p:nvPicPr>
-        <p:blipFill>
-          <a:blip r:embed="rId2"/>
-          <a:stretch>
-            <a:fillRect/>
-          </a:stretch>
-        </p:blipFill>
-        <p:spPr>
-          <a:xfrm>
-            <a:off x="3077915" y="1833904"/>
-            <a:ext cx="2825715" cy="2360248"/>
-          </a:xfrm>
-        </p:spPr>
-      </p:pic>
+        </p:nvSpPr>
+        <p:spPr/>
+        <p:txBody>
+          <a:bodyPr/>
+          <a:lstStyle/>
+          <a:p>
+            <a:endParaRPr kumimoji="1" lang="ja-JP" altLang="en-US" dirty="0"/>
+          </a:p>
+        </p:txBody>
+      </p:sp>
       <p:sp>
         <p:nvSpPr>
           <p:cNvPr id="4" name="スライド番号プレースホルダー 3">
@@ -8436,70 +11074,10 @@
           </a:p>
         </p:txBody>
       </p:sp>
-      <p:pic>
-        <p:nvPicPr>
-          <p:cNvPr id="8" name="図 7">
-            <a:extLst>
-              <a:ext uri="{FF2B5EF4-FFF2-40B4-BE49-F238E27FC236}">
-                <a16:creationId xmlns:a16="http://schemas.microsoft.com/office/drawing/2014/main" id="{DEC16675-6CD1-99C4-A63C-FAE94D6F97DF}"/>
-              </a:ext>
-            </a:extLst>
-          </p:cNvPr>
-          <p:cNvPicPr>
-            <a:picLocks noChangeAspect="1"/>
-          </p:cNvPicPr>
-          <p:nvPr/>
-        </p:nvPicPr>
-        <p:blipFill>
-          <a:blip r:embed="rId3"/>
-          <a:stretch>
-            <a:fillRect/>
-          </a:stretch>
-        </p:blipFill>
-        <p:spPr>
-          <a:xfrm>
-            <a:off x="976665" y="4564767"/>
-            <a:ext cx="3514108" cy="1173591"/>
-          </a:xfrm>
-          <a:prstGeom prst="rect">
-            <a:avLst/>
-          </a:prstGeom>
-        </p:spPr>
-      </p:pic>
-      <p:pic>
-        <p:nvPicPr>
-          <p:cNvPr id="10" name="図 9">
-            <a:extLst>
-              <a:ext uri="{FF2B5EF4-FFF2-40B4-BE49-F238E27FC236}">
-                <a16:creationId xmlns:a16="http://schemas.microsoft.com/office/drawing/2014/main" id="{BF9C9C9F-7B0A-C089-5B43-AB4FA74B897C}"/>
-              </a:ext>
-            </a:extLst>
-          </p:cNvPr>
-          <p:cNvPicPr>
-            <a:picLocks noChangeAspect="1"/>
-          </p:cNvPicPr>
-          <p:nvPr/>
-        </p:nvPicPr>
-        <p:blipFill>
-          <a:blip r:embed="rId4"/>
-          <a:stretch>
-            <a:fillRect/>
-          </a:stretch>
-        </p:blipFill>
-        <p:spPr>
-          <a:xfrm>
-            <a:off x="4731669" y="4564767"/>
-            <a:ext cx="3688431" cy="1173591"/>
-          </a:xfrm>
-          <a:prstGeom prst="rect">
-            <a:avLst/>
-          </a:prstGeom>
-        </p:spPr>
-      </p:pic>
     </p:spTree>
     <p:extLst>
       <p:ext uri="{BB962C8B-B14F-4D97-AF65-F5344CB8AC3E}">
-        <p14:creationId xmlns:p14="http://schemas.microsoft.com/office/powerpoint/2010/main" val="2547553674"/>
+        <p14:creationId xmlns:p14="http://schemas.microsoft.com/office/powerpoint/2010/main" val="2714219822"/>
       </p:ext>
     </p:extLst>
   </p:cSld>
@@ -8563,46 +11141,37 @@
               <a:buNone/>
             </a:pPr>
             <a:r>
-              <a:rPr lang="en-US" altLang="ja-JP" sz="2800" dirty="0"/>
-              <a:t>MOS</a:t>
-            </a:r>
-            <a:r>
-              <a:rPr lang="ja-JP" altLang="en-US" sz="2800" dirty="0"/>
-              <a:t>トランジスタの小信号モデル</a:t>
-            </a:r>
-            <a:endParaRPr kumimoji="1" lang="ja-JP" altLang="en-US" sz="2800" dirty="0"/>
-          </a:p>
-        </p:txBody>
-      </p:sp>
-      <p:pic>
-        <p:nvPicPr>
-          <p:cNvPr id="6" name="コンテンツ プレースホルダー 5">
-            <a:extLst>
-              <a:ext uri="{FF2B5EF4-FFF2-40B4-BE49-F238E27FC236}">
-                <a16:creationId xmlns:a16="http://schemas.microsoft.com/office/drawing/2014/main" id="{BABCC9CD-AD5E-E2F7-AC5E-176F6EE87F76}"/>
-              </a:ext>
-            </a:extLst>
-          </p:cNvPr>
-          <p:cNvPicPr>
-            <a:picLocks noGrp="1" noChangeAspect="1"/>
-          </p:cNvPicPr>
+              <a:rPr kumimoji="1" lang="ja-JP" altLang="en-US" sz="2400" dirty="0"/>
+              <a:t>狭チャネル</a:t>
+            </a:r>
+          </a:p>
+        </p:txBody>
+      </p:sp>
+      <p:sp>
+        <p:nvSpPr>
+          <p:cNvPr id="3" name="コンテンツ プレースホルダー 2">
+            <a:extLst>
+              <a:ext uri="{FF2B5EF4-FFF2-40B4-BE49-F238E27FC236}">
+                <a16:creationId xmlns:a16="http://schemas.microsoft.com/office/drawing/2014/main" id="{58649F6E-CDB0-3A67-5D2F-1DB1FAEE7399}"/>
+              </a:ext>
+            </a:extLst>
+          </p:cNvPr>
+          <p:cNvSpPr>
+            <a:spLocks noGrp="1"/>
+          </p:cNvSpPr>
           <p:nvPr>
             <p:ph idx="1"/>
           </p:nvPr>
-        </p:nvPicPr>
-        <p:blipFill>
-          <a:blip r:embed="rId2"/>
-          <a:stretch>
-            <a:fillRect/>
-          </a:stretch>
-        </p:blipFill>
-        <p:spPr>
-          <a:xfrm>
-            <a:off x="817846" y="1359059"/>
-            <a:ext cx="3586514" cy="2664461"/>
-          </a:xfrm>
-        </p:spPr>
-      </p:pic>
+        </p:nvSpPr>
+        <p:spPr/>
+        <p:txBody>
+          <a:bodyPr/>
+          <a:lstStyle/>
+          <a:p>
+            <a:endParaRPr kumimoji="1" lang="ja-JP" altLang="en-US" dirty="0"/>
+          </a:p>
+        </p:txBody>
+      </p:sp>
       <p:sp>
         <p:nvSpPr>
           <p:cNvPr id="4" name="スライド番号プレースホルダー 3">
@@ -8632,376 +11201,10 @@
           </a:p>
         </p:txBody>
       </p:sp>
-      <p:pic>
-        <p:nvPicPr>
-          <p:cNvPr id="8" name="図 7">
-            <a:extLst>
-              <a:ext uri="{FF2B5EF4-FFF2-40B4-BE49-F238E27FC236}">
-                <a16:creationId xmlns:a16="http://schemas.microsoft.com/office/drawing/2014/main" id="{8B79DC2C-027A-BC46-664A-37EDC5B14553}"/>
-              </a:ext>
-            </a:extLst>
-          </p:cNvPr>
-          <p:cNvPicPr>
-            <a:picLocks noChangeAspect="1"/>
-          </p:cNvPicPr>
-          <p:nvPr/>
-        </p:nvPicPr>
-        <p:blipFill>
-          <a:blip r:embed="rId3"/>
-          <a:stretch>
-            <a:fillRect/>
-          </a:stretch>
-        </p:blipFill>
-        <p:spPr>
-          <a:xfrm>
-            <a:off x="4770122" y="1359059"/>
-            <a:ext cx="3981970" cy="2664460"/>
-          </a:xfrm>
-          <a:prstGeom prst="rect">
-            <a:avLst/>
-          </a:prstGeom>
-        </p:spPr>
-      </p:pic>
-      <p:sp>
-        <p:nvSpPr>
-          <p:cNvPr id="9" name="矢印: 下 8">
-            <a:extLst>
-              <a:ext uri="{FF2B5EF4-FFF2-40B4-BE49-F238E27FC236}">
-                <a16:creationId xmlns:a16="http://schemas.microsoft.com/office/drawing/2014/main" id="{0CE873A7-41DD-7E39-FE42-453C9A92FA5E}"/>
-              </a:ext>
-            </a:extLst>
-          </p:cNvPr>
-          <p:cNvSpPr/>
-          <p:nvPr/>
-        </p:nvSpPr>
-        <p:spPr>
-          <a:xfrm>
-            <a:off x="4030980" y="4175760"/>
-            <a:ext cx="1082040" cy="563880"/>
-          </a:xfrm>
-          <a:prstGeom prst="downArrow">
-            <a:avLst/>
-          </a:prstGeom>
-        </p:spPr>
-        <p:style>
-          <a:lnRef idx="2">
-            <a:schemeClr val="accent1">
-              <a:shade val="15000"/>
-            </a:schemeClr>
-          </a:lnRef>
-          <a:fillRef idx="1">
-            <a:schemeClr val="accent1"/>
-          </a:fillRef>
-          <a:effectRef idx="0">
-            <a:schemeClr val="accent1"/>
-          </a:effectRef>
-          <a:fontRef idx="minor">
-            <a:schemeClr val="lt1"/>
-          </a:fontRef>
-        </p:style>
-        <p:txBody>
-          <a:bodyPr rtlCol="0" anchor="ctr"/>
-          <a:lstStyle/>
-          <a:p>
-            <a:pPr algn="ctr"/>
-            <a:endParaRPr kumimoji="1" lang="ja-JP" altLang="en-US"/>
-          </a:p>
-        </p:txBody>
-      </p:sp>
-      <p:cxnSp>
-        <p:nvCxnSpPr>
-          <p:cNvPr id="11" name="直線矢印コネクタ 10">
-            <a:extLst>
-              <a:ext uri="{FF2B5EF4-FFF2-40B4-BE49-F238E27FC236}">
-                <a16:creationId xmlns:a16="http://schemas.microsoft.com/office/drawing/2014/main" id="{7082CC66-2FCB-8822-DECD-48E62B104B8B}"/>
-              </a:ext>
-            </a:extLst>
-          </p:cNvPr>
-          <p:cNvCxnSpPr>
-            <a:cxnSpLocks/>
-          </p:cNvCxnSpPr>
-          <p:nvPr/>
-        </p:nvCxnSpPr>
-        <p:spPr>
-          <a:xfrm flipV="1">
-            <a:off x="7650480" y="2354580"/>
-            <a:ext cx="0" cy="336709"/>
-          </a:xfrm>
-          <a:prstGeom prst="straightConnector1">
-            <a:avLst/>
-          </a:prstGeom>
-          <a:ln>
-            <a:tailEnd type="triangle"/>
-          </a:ln>
-        </p:spPr>
-        <p:style>
-          <a:lnRef idx="2">
-            <a:schemeClr val="accent1"/>
-          </a:lnRef>
-          <a:fillRef idx="0">
-            <a:schemeClr val="accent1"/>
-          </a:fillRef>
-          <a:effectRef idx="1">
-            <a:schemeClr val="accent1"/>
-          </a:effectRef>
-          <a:fontRef idx="minor">
-            <a:schemeClr val="tx1"/>
-          </a:fontRef>
-        </p:style>
-      </p:cxnSp>
-      <p:cxnSp>
-        <p:nvCxnSpPr>
-          <p:cNvPr id="13" name="直線矢印コネクタ 12">
-            <a:extLst>
-              <a:ext uri="{FF2B5EF4-FFF2-40B4-BE49-F238E27FC236}">
-                <a16:creationId xmlns:a16="http://schemas.microsoft.com/office/drawing/2014/main" id="{6457E017-4BEC-20DC-F717-22A93DC45F1C}"/>
-              </a:ext>
-            </a:extLst>
-          </p:cNvPr>
-          <p:cNvCxnSpPr>
-            <a:cxnSpLocks/>
-          </p:cNvCxnSpPr>
-          <p:nvPr/>
-        </p:nvCxnSpPr>
-        <p:spPr>
-          <a:xfrm>
-            <a:off x="7650480" y="2691289"/>
-            <a:ext cx="0" cy="318611"/>
-          </a:xfrm>
-          <a:prstGeom prst="straightConnector1">
-            <a:avLst/>
-          </a:prstGeom>
-          <a:ln>
-            <a:tailEnd type="triangle"/>
-          </a:ln>
-        </p:spPr>
-        <p:style>
-          <a:lnRef idx="2">
-            <a:schemeClr val="accent1"/>
-          </a:lnRef>
-          <a:fillRef idx="0">
-            <a:schemeClr val="accent1"/>
-          </a:fillRef>
-          <a:effectRef idx="1">
-            <a:schemeClr val="accent1"/>
-          </a:effectRef>
-          <a:fontRef idx="minor">
-            <a:schemeClr val="tx1"/>
-          </a:fontRef>
-        </p:style>
-      </p:cxnSp>
-      <p:sp>
-        <p:nvSpPr>
-          <p:cNvPr id="16" name="テキスト ボックス 15">
-            <a:extLst>
-              <a:ext uri="{FF2B5EF4-FFF2-40B4-BE49-F238E27FC236}">
-                <a16:creationId xmlns:a16="http://schemas.microsoft.com/office/drawing/2014/main" id="{9EB3454F-E58B-66B7-D4D7-D195684C11E5}"/>
-              </a:ext>
-            </a:extLst>
-          </p:cNvPr>
-          <p:cNvSpPr txBox="1"/>
-          <p:nvPr/>
-        </p:nvSpPr>
-        <p:spPr>
-          <a:xfrm>
-            <a:off x="7650480" y="2400013"/>
-            <a:ext cx="1097280" cy="276999"/>
-          </a:xfrm>
-          <a:prstGeom prst="rect">
-            <a:avLst/>
-          </a:prstGeom>
-          <a:noFill/>
-        </p:spPr>
-        <p:txBody>
-          <a:bodyPr wrap="square" rtlCol="0">
-            <a:spAutoFit/>
-          </a:bodyPr>
-          <a:lstStyle/>
-          <a:p>
-            <a:r>
-              <a:rPr kumimoji="1" lang="ja-JP" altLang="en-US" sz="1200" dirty="0"/>
-              <a:t>＋</a:t>
-            </a:r>
-            <a:r>
-              <a:rPr kumimoji="1" lang="en-US" altLang="ja-JP" sz="1200" dirty="0" err="1"/>
-              <a:t>ΔVgs</a:t>
-            </a:r>
-            <a:endParaRPr kumimoji="1" lang="ja-JP" altLang="en-US" sz="1200" dirty="0"/>
-          </a:p>
-        </p:txBody>
-      </p:sp>
-      <p:sp>
-        <p:nvSpPr>
-          <p:cNvPr id="17" name="テキスト ボックス 16">
-            <a:extLst>
-              <a:ext uri="{FF2B5EF4-FFF2-40B4-BE49-F238E27FC236}">
-                <a16:creationId xmlns:a16="http://schemas.microsoft.com/office/drawing/2014/main" id="{47C621BF-A3F4-E81E-C8EE-64D72D5FBF4C}"/>
-              </a:ext>
-            </a:extLst>
-          </p:cNvPr>
-          <p:cNvSpPr txBox="1"/>
-          <p:nvPr/>
-        </p:nvSpPr>
-        <p:spPr>
-          <a:xfrm>
-            <a:off x="7108338" y="2677012"/>
-            <a:ext cx="1097280" cy="276999"/>
-          </a:xfrm>
-          <a:prstGeom prst="rect">
-            <a:avLst/>
-          </a:prstGeom>
-          <a:noFill/>
-        </p:spPr>
-        <p:txBody>
-          <a:bodyPr wrap="square" rtlCol="0">
-            <a:spAutoFit/>
-          </a:bodyPr>
-          <a:lstStyle/>
-          <a:p>
-            <a:r>
-              <a:rPr kumimoji="1" lang="en-US" altLang="ja-JP" sz="1200" dirty="0"/>
-              <a:t>-</a:t>
-            </a:r>
-            <a:r>
-              <a:rPr kumimoji="1" lang="en-US" altLang="ja-JP" sz="1200" dirty="0" err="1"/>
-              <a:t>ΔVgs</a:t>
-            </a:r>
-            <a:endParaRPr kumimoji="1" lang="ja-JP" altLang="en-US" sz="1200" dirty="0"/>
-          </a:p>
-        </p:txBody>
-      </p:sp>
-      <p:sp>
-        <p:nvSpPr>
-          <p:cNvPr id="18" name="テキスト ボックス 17">
-            <a:extLst>
-              <a:ext uri="{FF2B5EF4-FFF2-40B4-BE49-F238E27FC236}">
-                <a16:creationId xmlns:a16="http://schemas.microsoft.com/office/drawing/2014/main" id="{7CE396AC-66BE-18D6-83A3-AF5C5507E773}"/>
-              </a:ext>
-            </a:extLst>
-          </p:cNvPr>
-          <p:cNvSpPr txBox="1"/>
-          <p:nvPr/>
-        </p:nvSpPr>
-        <p:spPr>
-          <a:xfrm>
-            <a:off x="4907280" y="4133651"/>
-            <a:ext cx="4046220" cy="307777"/>
-          </a:xfrm>
-          <a:prstGeom prst="rect">
-            <a:avLst/>
-          </a:prstGeom>
-          <a:noFill/>
-        </p:spPr>
-        <p:txBody>
-          <a:bodyPr wrap="square" rtlCol="0">
-            <a:spAutoFit/>
-          </a:bodyPr>
-          <a:lstStyle/>
-          <a:p>
-            <a:r>
-              <a:rPr kumimoji="1" lang="en-US" altLang="ja-JP" sz="1400" dirty="0" err="1"/>
-              <a:t>ΔVgs</a:t>
-            </a:r>
-            <a:r>
-              <a:rPr kumimoji="1" lang="ja-JP" altLang="en-US" sz="1400" dirty="0"/>
-              <a:t>がどの範囲であれば、線形とみなせるか？</a:t>
-            </a:r>
-          </a:p>
-        </p:txBody>
-      </p:sp>
-      <p:sp>
-        <p:nvSpPr>
-          <p:cNvPr id="19" name="テキスト ボックス 18">
-            <a:extLst>
-              <a:ext uri="{FF2B5EF4-FFF2-40B4-BE49-F238E27FC236}">
-                <a16:creationId xmlns:a16="http://schemas.microsoft.com/office/drawing/2014/main" id="{EE7F10E2-26DC-2660-F4CD-4F64788A0E18}"/>
-              </a:ext>
-            </a:extLst>
-          </p:cNvPr>
-          <p:cNvSpPr txBox="1"/>
-          <p:nvPr/>
-        </p:nvSpPr>
-        <p:spPr>
-          <a:xfrm>
-            <a:off x="2186940" y="4922520"/>
-            <a:ext cx="5882640" cy="923330"/>
-          </a:xfrm>
-          <a:prstGeom prst="rect">
-            <a:avLst/>
-          </a:prstGeom>
-          <a:noFill/>
-        </p:spPr>
-        <p:txBody>
-          <a:bodyPr wrap="square" rtlCol="0">
-            <a:spAutoFit/>
-          </a:bodyPr>
-          <a:lstStyle/>
-          <a:p>
-            <a:r>
-              <a:rPr lang="ja-JP" altLang="en-US" dirty="0"/>
-              <a:t>・</a:t>
-            </a:r>
-            <a:r>
-              <a:rPr lang="en-US" altLang="ja-JP" dirty="0"/>
-              <a:t>Taylor</a:t>
-            </a:r>
-            <a:r>
-              <a:rPr lang="ja-JP" altLang="en-US" dirty="0"/>
-              <a:t>展開で二次項の影響が無視できるレベル。</a:t>
-            </a:r>
-            <a:endParaRPr lang="en-US" altLang="ja-JP" dirty="0"/>
-          </a:p>
-          <a:p>
-            <a:r>
-              <a:rPr lang="ja-JP" altLang="en-US" dirty="0"/>
-              <a:t>・</a:t>
-            </a:r>
-            <a:r>
-              <a:rPr lang="en-US" altLang="ja-JP" dirty="0"/>
-              <a:t>10%</a:t>
-            </a:r>
-            <a:r>
-              <a:rPr lang="ja-JP" altLang="en-US" dirty="0"/>
-              <a:t>を超えると歪み（</a:t>
-            </a:r>
-            <a:r>
-              <a:rPr lang="en-US" altLang="ja-JP" dirty="0"/>
-              <a:t>2</a:t>
-            </a:r>
-            <a:r>
-              <a:rPr lang="ja-JP" altLang="en-US" dirty="0"/>
-              <a:t>次高調波）が急増。</a:t>
-            </a:r>
-          </a:p>
-          <a:p>
-            <a:r>
-              <a:rPr kumimoji="1" lang="ja-JP" altLang="en-US" dirty="0"/>
-              <a:t>・</a:t>
-            </a:r>
-            <a:r>
-              <a:rPr lang="en-US" altLang="ja-JP" dirty="0"/>
-              <a:t>RF</a:t>
-            </a:r>
-            <a:r>
-              <a:rPr lang="ja-JP" altLang="en-US" dirty="0"/>
-              <a:t>や精密アナログではさらに小さく（数 </a:t>
-            </a:r>
-            <a:r>
-              <a:rPr lang="en-US" altLang="ja-JP" dirty="0"/>
-              <a:t>mV</a:t>
-            </a:r>
-            <a:r>
-              <a:rPr lang="ja-JP" altLang="en-US" dirty="0"/>
-              <a:t>）。</a:t>
-            </a:r>
-            <a:endParaRPr kumimoji="1" lang="ja-JP" altLang="en-US" dirty="0"/>
-          </a:p>
-        </p:txBody>
-      </p:sp>
     </p:spTree>
     <p:extLst>
       <p:ext uri="{BB962C8B-B14F-4D97-AF65-F5344CB8AC3E}">
-        <p14:creationId xmlns:p14="http://schemas.microsoft.com/office/powerpoint/2010/main" val="1538536873"/>
+        <p14:creationId xmlns:p14="http://schemas.microsoft.com/office/powerpoint/2010/main" val="3357522942"/>
       </p:ext>
     </p:extLst>
   </p:cSld>
